--- a/HTML5.pptx
+++ b/HTML5.pptx
@@ -5,7 +5,7 @@
     <p:sldMasterId id="2147483756" r:id="rId1"/>
   </p:sldMasterIdLst>
   <p:notesMasterIdLst>
-    <p:notesMasterId r:id="rId94"/>
+    <p:notesMasterId r:id="rId101"/>
   </p:notesMasterIdLst>
   <p:sldIdLst>
     <p:sldId id="256" r:id="rId2"/>
@@ -50,56 +50,63 @@
     <p:sldId id="304" r:id="rId41"/>
     <p:sldId id="372" r:id="rId42"/>
     <p:sldId id="262" r:id="rId43"/>
-    <p:sldId id="305" r:id="rId44"/>
-    <p:sldId id="284" r:id="rId45"/>
-    <p:sldId id="307" r:id="rId46"/>
-    <p:sldId id="308" r:id="rId47"/>
-    <p:sldId id="358" r:id="rId48"/>
-    <p:sldId id="311" r:id="rId49"/>
-    <p:sldId id="287" r:id="rId50"/>
-    <p:sldId id="359" r:id="rId51"/>
-    <p:sldId id="314" r:id="rId52"/>
-    <p:sldId id="340" r:id="rId53"/>
-    <p:sldId id="341" r:id="rId54"/>
-    <p:sldId id="263" r:id="rId55"/>
-    <p:sldId id="290" r:id="rId56"/>
-    <p:sldId id="319" r:id="rId57"/>
-    <p:sldId id="320" r:id="rId58"/>
-    <p:sldId id="315" r:id="rId59"/>
-    <p:sldId id="316" r:id="rId60"/>
-    <p:sldId id="289" r:id="rId61"/>
-    <p:sldId id="343" r:id="rId62"/>
-    <p:sldId id="313" r:id="rId63"/>
-    <p:sldId id="342" r:id="rId64"/>
-    <p:sldId id="288" r:id="rId65"/>
-    <p:sldId id="264" r:id="rId66"/>
-    <p:sldId id="291" r:id="rId67"/>
-    <p:sldId id="344" r:id="rId68"/>
-    <p:sldId id="324" r:id="rId69"/>
-    <p:sldId id="325" r:id="rId70"/>
-    <p:sldId id="360" r:id="rId71"/>
-    <p:sldId id="361" r:id="rId72"/>
-    <p:sldId id="292" r:id="rId73"/>
-    <p:sldId id="326" r:id="rId74"/>
-    <p:sldId id="293" r:id="rId75"/>
-    <p:sldId id="327" r:id="rId76"/>
-    <p:sldId id="296" r:id="rId77"/>
-    <p:sldId id="265" r:id="rId78"/>
-    <p:sldId id="294" r:id="rId79"/>
-    <p:sldId id="346" r:id="rId80"/>
-    <p:sldId id="295" r:id="rId81"/>
-    <p:sldId id="328" r:id="rId82"/>
-    <p:sldId id="362" r:id="rId83"/>
-    <p:sldId id="266" r:id="rId84"/>
-    <p:sldId id="332" r:id="rId85"/>
-    <p:sldId id="333" r:id="rId86"/>
-    <p:sldId id="334" r:id="rId87"/>
-    <p:sldId id="335" r:id="rId88"/>
-    <p:sldId id="336" r:id="rId89"/>
-    <p:sldId id="337" r:id="rId90"/>
-    <p:sldId id="338" r:id="rId91"/>
-    <p:sldId id="345" r:id="rId92"/>
-    <p:sldId id="269" r:id="rId93"/>
+    <p:sldId id="373" r:id="rId44"/>
+    <p:sldId id="374" r:id="rId45"/>
+    <p:sldId id="375" r:id="rId46"/>
+    <p:sldId id="376" r:id="rId47"/>
+    <p:sldId id="377" r:id="rId48"/>
+    <p:sldId id="305" r:id="rId49"/>
+    <p:sldId id="284" r:id="rId50"/>
+    <p:sldId id="307" r:id="rId51"/>
+    <p:sldId id="308" r:id="rId52"/>
+    <p:sldId id="358" r:id="rId53"/>
+    <p:sldId id="311" r:id="rId54"/>
+    <p:sldId id="287" r:id="rId55"/>
+    <p:sldId id="359" r:id="rId56"/>
+    <p:sldId id="314" r:id="rId57"/>
+    <p:sldId id="340" r:id="rId58"/>
+    <p:sldId id="341" r:id="rId59"/>
+    <p:sldId id="263" r:id="rId60"/>
+    <p:sldId id="290" r:id="rId61"/>
+    <p:sldId id="319" r:id="rId62"/>
+    <p:sldId id="320" r:id="rId63"/>
+    <p:sldId id="315" r:id="rId64"/>
+    <p:sldId id="316" r:id="rId65"/>
+    <p:sldId id="289" r:id="rId66"/>
+    <p:sldId id="343" r:id="rId67"/>
+    <p:sldId id="313" r:id="rId68"/>
+    <p:sldId id="342" r:id="rId69"/>
+    <p:sldId id="288" r:id="rId70"/>
+    <p:sldId id="378" r:id="rId71"/>
+    <p:sldId id="379" r:id="rId72"/>
+    <p:sldId id="264" r:id="rId73"/>
+    <p:sldId id="291" r:id="rId74"/>
+    <p:sldId id="344" r:id="rId75"/>
+    <p:sldId id="324" r:id="rId76"/>
+    <p:sldId id="325" r:id="rId77"/>
+    <p:sldId id="360" r:id="rId78"/>
+    <p:sldId id="361" r:id="rId79"/>
+    <p:sldId id="292" r:id="rId80"/>
+    <p:sldId id="326" r:id="rId81"/>
+    <p:sldId id="293" r:id="rId82"/>
+    <p:sldId id="327" r:id="rId83"/>
+    <p:sldId id="296" r:id="rId84"/>
+    <p:sldId id="265" r:id="rId85"/>
+    <p:sldId id="294" r:id="rId86"/>
+    <p:sldId id="346" r:id="rId87"/>
+    <p:sldId id="295" r:id="rId88"/>
+    <p:sldId id="328" r:id="rId89"/>
+    <p:sldId id="362" r:id="rId90"/>
+    <p:sldId id="266" r:id="rId91"/>
+    <p:sldId id="332" r:id="rId92"/>
+    <p:sldId id="333" r:id="rId93"/>
+    <p:sldId id="334" r:id="rId94"/>
+    <p:sldId id="335" r:id="rId95"/>
+    <p:sldId id="336" r:id="rId96"/>
+    <p:sldId id="337" r:id="rId97"/>
+    <p:sldId id="338" r:id="rId98"/>
+    <p:sldId id="345" r:id="rId99"/>
+    <p:sldId id="269" r:id="rId100"/>
   </p:sldIdLst>
   <p:sldSz cx="12192000" cy="6858000"/>
   <p:notesSz cx="6858000" cy="9144000"/>
@@ -265,6 +272,11 @@
         <p14:section name="Performance &amp; Integration" id="{2393921C-00E3-4BDD-9546-6ED494AA92FD}">
           <p14:sldIdLst>
             <p14:sldId id="262"/>
+            <p14:sldId id="373"/>
+            <p14:sldId id="374"/>
+            <p14:sldId id="375"/>
+            <p14:sldId id="376"/>
+            <p14:sldId id="377"/>
             <p14:sldId id="305"/>
             <p14:sldId id="284"/>
             <p14:sldId id="307"/>
@@ -291,6 +303,8 @@
             <p14:sldId id="313"/>
             <p14:sldId id="342"/>
             <p14:sldId id="288"/>
+            <p14:sldId id="378"/>
+            <p14:sldId id="379"/>
           </p14:sldIdLst>
         </p14:section>
         <p14:section name="Offline &amp; Storage" id="{5E99AB08-CC78-4336-84FC-FA6BD04CA7E7}">
@@ -427,7 +441,7 @@
           <a:p>
             <a:fld id="{4F9BD49F-04EC-44F1-B4C3-95F55137FBE2}" type="datetimeFigureOut">
               <a:rPr lang="en-US" smtClean="0"/>
-              <a:t>12/11/2014</a:t>
+              <a:t>27/11/2014</a:t>
             </a:fld>
             <a:endParaRPr lang="en-US"/>
           </a:p>
@@ -859,7 +873,7 @@
           <a:p>
             <a:fld id="{2404F88B-70B1-42B8-A718-5B12B6270F21}" type="slidenum">
               <a:rPr lang="en-US" smtClean="0"/>
-              <a:t>59</a:t>
+              <a:t>64</a:t>
             </a:fld>
             <a:endParaRPr lang="en-US"/>
           </a:p>
@@ -947,7 +961,7 @@
           <a:p>
             <a:fld id="{2404F88B-70B1-42B8-A718-5B12B6270F21}" type="slidenum">
               <a:rPr lang="en-US" smtClean="0"/>
-              <a:t>64</a:t>
+              <a:t>69</a:t>
             </a:fld>
             <a:endParaRPr lang="en-US"/>
           </a:p>
@@ -1031,7 +1045,7 @@
           <a:p>
             <a:fld id="{2404F88B-70B1-42B8-A718-5B12B6270F21}" type="slidenum">
               <a:rPr lang="en-US" smtClean="0"/>
-              <a:t>78</a:t>
+              <a:t>85</a:t>
             </a:fld>
             <a:endParaRPr lang="en-US"/>
           </a:p>
@@ -1140,8 +1154,35 @@
               <a:defRPr/>
             </a:pPr>
             <a:r>
-              <a:rPr lang="en-US" baseline="0" smtClean="0"/>
-              <a:t>Demo: http://roxik.com/cat/</a:t>
+              <a:rPr lang="en-US" baseline="0" dirty="0" smtClean="0"/>
+              <a:t>Demo: http://roxik.com/cat</a:t>
+            </a:r>
+            <a:r>
+              <a:rPr lang="en-US" baseline="0" dirty="0" smtClean="0"/>
+              <a:t>/</a:t>
+            </a:r>
+          </a:p>
+          <a:p>
+            <a:pPr marL="0" marR="0" indent="0" algn="l" defTabSz="914400" rtl="0" eaLnBrk="1" fontAlgn="auto" latinLnBrk="0" hangingPunct="1">
+              <a:lnSpc>
+                <a:spcPct val="100000"/>
+              </a:lnSpc>
+              <a:spcBef>
+                <a:spcPts val="0"/>
+              </a:spcBef>
+              <a:spcAft>
+                <a:spcPts val="0"/>
+              </a:spcAft>
+              <a:buClrTx/>
+              <a:buSzTx/>
+              <a:buFontTx/>
+              <a:buNone/>
+              <a:tabLst/>
+              <a:defRPr/>
+            </a:pPr>
+            <a:r>
+              <a:rPr lang="en-US" smtClean="0"/>
+              <a:t>Demo: http://madebyevan.com/webgl-water/</a:t>
             </a:r>
             <a:endParaRPr lang="en-US" dirty="0" smtClean="0"/>
           </a:p>
@@ -1164,7 +1205,7 @@
           <a:p>
             <a:fld id="{2404F88B-70B1-42B8-A718-5B12B6270F21}" type="slidenum">
               <a:rPr lang="en-US" smtClean="0"/>
-              <a:t>81</a:t>
+              <a:t>88</a:t>
             </a:fld>
             <a:endParaRPr lang="en-US"/>
           </a:p>
@@ -1252,7 +1293,7 @@
           <a:p>
             <a:fld id="{2404F88B-70B1-42B8-A718-5B12B6270F21}" type="slidenum">
               <a:rPr lang="en-US" smtClean="0"/>
-              <a:t>90</a:t>
+              <a:t>97</a:t>
             </a:fld>
             <a:endParaRPr lang="en-US"/>
           </a:p>
@@ -1344,7 +1385,7 @@
           <a:p>
             <a:fld id="{2404F88B-70B1-42B8-A718-5B12B6270F21}" type="slidenum">
               <a:rPr lang="en-US" smtClean="0"/>
-              <a:t>92</a:t>
+              <a:t>99</a:t>
             </a:fld>
             <a:endParaRPr lang="en-US"/>
           </a:p>
@@ -2098,7 +2139,7 @@
           <a:p>
             <a:fld id="{2404F88B-70B1-42B8-A718-5B12B6270F21}" type="slidenum">
               <a:rPr lang="en-US" smtClean="0"/>
-              <a:t>48</a:t>
+              <a:t>53</a:t>
             </a:fld>
             <a:endParaRPr lang="en-US"/>
           </a:p>
@@ -2248,7 +2289,7 @@
           <a:p>
             <a:fld id="{DE6F38F2-C4BE-4E11-AFC4-A62D904B0F34}" type="datetimeFigureOut">
               <a:rPr lang="en-US" smtClean="0"/>
-              <a:t>12/11/2014</a:t>
+              <a:t>27/11/2014</a:t>
             </a:fld>
             <a:endParaRPr lang="en-US"/>
           </a:p>
@@ -2418,7 +2459,7 @@
           <a:p>
             <a:fld id="{DE6F38F2-C4BE-4E11-AFC4-A62D904B0F34}" type="datetimeFigureOut">
               <a:rPr lang="en-US" smtClean="0"/>
-              <a:t>12/11/2014</a:t>
+              <a:t>27/11/2014</a:t>
             </a:fld>
             <a:endParaRPr lang="en-US"/>
           </a:p>
@@ -2598,7 +2639,7 @@
           <a:p>
             <a:fld id="{DE6F38F2-C4BE-4E11-AFC4-A62D904B0F34}" type="datetimeFigureOut">
               <a:rPr lang="en-US" smtClean="0"/>
-              <a:t>12/11/2014</a:t>
+              <a:t>27/11/2014</a:t>
             </a:fld>
             <a:endParaRPr lang="en-US"/>
           </a:p>
@@ -2768,7 +2809,7 @@
           <a:p>
             <a:fld id="{DE6F38F2-C4BE-4E11-AFC4-A62D904B0F34}" type="datetimeFigureOut">
               <a:rPr lang="en-US" smtClean="0"/>
-              <a:t>12/11/2014</a:t>
+              <a:t>27/11/2014</a:t>
             </a:fld>
             <a:endParaRPr lang="en-US"/>
           </a:p>
@@ -3021,7 +3062,7 @@
           <a:p>
             <a:fld id="{DE6F38F2-C4BE-4E11-AFC4-A62D904B0F34}" type="datetimeFigureOut">
               <a:rPr lang="en-US" smtClean="0"/>
-              <a:t>12/11/2014</a:t>
+              <a:t>27/11/2014</a:t>
             </a:fld>
             <a:endParaRPr lang="en-US"/>
           </a:p>
@@ -3253,7 +3294,7 @@
           <a:p>
             <a:fld id="{DE6F38F2-C4BE-4E11-AFC4-A62D904B0F34}" type="datetimeFigureOut">
               <a:rPr lang="en-US" smtClean="0"/>
-              <a:t>12/11/2014</a:t>
+              <a:t>27/11/2014</a:t>
             </a:fld>
             <a:endParaRPr lang="en-US"/>
           </a:p>
@@ -3620,7 +3661,7 @@
           <a:p>
             <a:fld id="{DE6F38F2-C4BE-4E11-AFC4-A62D904B0F34}" type="datetimeFigureOut">
               <a:rPr lang="en-US" smtClean="0"/>
-              <a:t>12/11/2014</a:t>
+              <a:t>27/11/2014</a:t>
             </a:fld>
             <a:endParaRPr lang="en-US"/>
           </a:p>
@@ -3738,7 +3779,7 @@
           <a:p>
             <a:fld id="{DE6F38F2-C4BE-4E11-AFC4-A62D904B0F34}" type="datetimeFigureOut">
               <a:rPr lang="en-US" smtClean="0"/>
-              <a:t>12/11/2014</a:t>
+              <a:t>27/11/2014</a:t>
             </a:fld>
             <a:endParaRPr lang="en-US"/>
           </a:p>
@@ -3833,7 +3874,7 @@
           <a:p>
             <a:fld id="{DE6F38F2-C4BE-4E11-AFC4-A62D904B0F34}" type="datetimeFigureOut">
               <a:rPr lang="en-US" smtClean="0"/>
-              <a:t>12/11/2014</a:t>
+              <a:t>27/11/2014</a:t>
             </a:fld>
             <a:endParaRPr lang="en-US"/>
           </a:p>
@@ -4110,7 +4151,7 @@
           <a:p>
             <a:fld id="{DE6F38F2-C4BE-4E11-AFC4-A62D904B0F34}" type="datetimeFigureOut">
               <a:rPr lang="en-US" smtClean="0"/>
-              <a:t>12/11/2014</a:t>
+              <a:t>27/11/2014</a:t>
             </a:fld>
             <a:endParaRPr lang="en-US"/>
           </a:p>
@@ -4367,7 +4408,7 @@
           <a:p>
             <a:fld id="{DE6F38F2-C4BE-4E11-AFC4-A62D904B0F34}" type="datetimeFigureOut">
               <a:rPr lang="en-US" smtClean="0"/>
-              <a:t>12/11/2014</a:t>
+              <a:t>27/11/2014</a:t>
             </a:fld>
             <a:endParaRPr lang="en-US"/>
           </a:p>
@@ -4580,7 +4621,7 @@
           <a:p>
             <a:fld id="{DE6F38F2-C4BE-4E11-AFC4-A62D904B0F34}" type="datetimeFigureOut">
               <a:rPr lang="en-US" smtClean="0"/>
-              <a:t>12/11/2014</a:t>
+              <a:t>27/11/2014</a:t>
             </a:fld>
             <a:endParaRPr lang="en-US"/>
           </a:p>
@@ -6235,11 +6276,7 @@
           <a:p>
             <a:r>
               <a:rPr lang="en-US" dirty="0" smtClean="0"/>
-              <a:t>Form – New </a:t>
-            </a:r>
-            <a:r>
-              <a:rPr lang="en-US" dirty="0" smtClean="0"/>
-              <a:t>Attributes</a:t>
+              <a:t>Form – New Attributes</a:t>
             </a:r>
             <a:endParaRPr lang="en-US" dirty="0"/>
           </a:p>
@@ -6569,11 +6606,7 @@
                     <a:p>
                       <a:r>
                         <a:rPr lang="en-US" dirty="0" smtClean="0"/>
-                        <a:t>Override </a:t>
-                      </a:r>
-                      <a:r>
-                        <a:rPr lang="en-US" dirty="0" smtClean="0"/>
-                        <a:t>form action</a:t>
+                        <a:t>Override form action</a:t>
                       </a:r>
                       <a:endParaRPr lang="en-US" dirty="0"/>
                     </a:p>
@@ -6926,11 +6959,7 @@
           <a:p>
             <a:r>
               <a:rPr lang="en-US" dirty="0" smtClean="0"/>
-              <a:t>Form – </a:t>
-            </a:r>
-            <a:r>
-              <a:rPr lang="en-US" dirty="0" smtClean="0"/>
-              <a:t>New Input</a:t>
+              <a:t>Form – New Input</a:t>
             </a:r>
             <a:endParaRPr lang="en-US" dirty="0"/>
           </a:p>
@@ -7770,11 +7799,7 @@
                     <a:p>
                       <a:r>
                         <a:rPr lang="en-US" dirty="0" smtClean="0"/>
-                        <a:t>[input].</a:t>
-                      </a:r>
-                      <a:r>
-                        <a:rPr lang="en-US" dirty="0" smtClean="0"/>
-                        <a:t>validity</a:t>
+                        <a:t>[input].validity</a:t>
                       </a:r>
                       <a:endParaRPr lang="en-US" dirty="0"/>
                     </a:p>
@@ -7808,11 +7833,7 @@
                     <a:p>
                       <a:r>
                         <a:rPr lang="en-US" dirty="0" smtClean="0"/>
-                        <a:t>[input].</a:t>
-                      </a:r>
-                      <a:r>
-                        <a:rPr lang="en-US" dirty="0" smtClean="0"/>
-                        <a:t>validationMessage</a:t>
+                        <a:t>[input].validationMessage</a:t>
                       </a:r>
                       <a:endParaRPr lang="en-US" dirty="0"/>
                     </a:p>
@@ -7846,11 +7867,7 @@
                     <a:p>
                       <a:r>
                         <a:rPr lang="en-US" dirty="0" smtClean="0"/>
-                        <a:t>[input / form].</a:t>
-                      </a:r>
-                      <a:r>
-                        <a:rPr lang="en-US" dirty="0" smtClean="0"/>
-                        <a:t>checkValidity()</a:t>
+                        <a:t>[input / form].checkValidity()</a:t>
                       </a:r>
                       <a:endParaRPr lang="en-US" dirty="0"/>
                     </a:p>
@@ -9050,7 +9067,7 @@
 </file>
 
 <file path=ppt/slides/slide32.xml><?xml version="1.0" encoding="utf-8"?>
-<p:sld xmlns:a="http://schemas.openxmlformats.org/drawingml/2006/main" xmlns:r="http://schemas.openxmlformats.org/officeDocument/2006/relationships" xmlns:p="http://schemas.openxmlformats.org/presentationml/2006/main" show="0">
+<p:sld xmlns:a="http://schemas.openxmlformats.org/drawingml/2006/main" xmlns:r="http://schemas.openxmlformats.org/officeDocument/2006/relationships" xmlns:p="http://schemas.openxmlformats.org/presentationml/2006/main">
   <p:cSld>
     <p:spTree>
       <p:nvGrpSpPr>
@@ -9128,11 +9145,11 @@
   <p:clrMapOvr>
     <a:masterClrMapping/>
   </p:clrMapOvr>
-  <mc:AlternateContent xmlns:mc="http://schemas.openxmlformats.org/markup-compatibility/2006" xmlns:p14="http://schemas.microsoft.com/office/powerpoint/2010/main">
-    <mc:Choice Requires="p14">
+  <mc:AlternateContent xmlns:mc="http://schemas.openxmlformats.org/markup-compatibility/2006">
+    <mc:Choice xmlns:p14="http://schemas.microsoft.com/office/powerpoint/2010/main" Requires="p14">
       <p:transition spd="slow" p14:dur="2000"/>
     </mc:Choice>
-    <mc:Fallback xmlns="">
+    <mc:Fallback>
       <p:transition spd="slow"/>
     </mc:Fallback>
   </mc:AlternateContent>
@@ -9650,11 +9667,7 @@
           <a:p>
             <a:r>
               <a:rPr lang="en-US" dirty="0" smtClean="0"/>
-              <a:t>Geolocation </a:t>
-            </a:r>
-            <a:r>
-              <a:rPr lang="en-US" dirty="0" smtClean="0"/>
-              <a:t>API </a:t>
+              <a:t>Geolocation API </a:t>
             </a:r>
             <a:endParaRPr lang="en-US" dirty="0"/>
           </a:p>
@@ -9691,11 +9704,7 @@
           <a:p>
             <a:r>
               <a:rPr lang="en-US" dirty="0" smtClean="0"/>
-              <a:t>getCurrentPosition(successCallback</a:t>
-            </a:r>
-            <a:r>
-              <a:rPr lang="en-US" dirty="0" smtClean="0"/>
-              <a:t>, failureCallback, options);</a:t>
+              <a:t>getCurrentPosition(successCallback, failureCallback, options);</a:t>
             </a:r>
           </a:p>
           <a:p>
@@ -11166,6 +11175,13 @@
   <p:clrMapOvr>
     <a:masterClrMapping/>
   </p:clrMapOvr>
+  <p:timing>
+    <p:tnLst>
+      <p:par>
+        <p:cTn id="1" dur="indefinite" restart="never" nodeType="tmRoot"/>
+      </p:par>
+    </p:tnLst>
+  </p:timing>
 </p:sld>
 </file>
 
@@ -11249,6 +11265,732 @@
 </file>
 
 <file path=ppt/slides/slide43.xml><?xml version="1.0" encoding="utf-8"?>
+<p:sld xmlns:a="http://schemas.openxmlformats.org/drawingml/2006/main" xmlns:r="http://schemas.openxmlformats.org/officeDocument/2006/relationships" xmlns:p="http://schemas.openxmlformats.org/presentationml/2006/main">
+  <p:cSld>
+    <p:spTree>
+      <p:nvGrpSpPr>
+        <p:cNvPr id="1" name=""/>
+        <p:cNvGrpSpPr/>
+        <p:nvPr/>
+      </p:nvGrpSpPr>
+      <p:grpSpPr>
+        <a:xfrm>
+          <a:off x="0" y="0"/>
+          <a:ext cx="0" cy="0"/>
+          <a:chOff x="0" y="0"/>
+          <a:chExt cx="0" cy="0"/>
+        </a:xfrm>
+      </p:grpSpPr>
+      <p:sp>
+        <p:nvSpPr>
+          <p:cNvPr id="4" name="Title 3"/>
+          <p:cNvSpPr>
+            <a:spLocks noGrp="1"/>
+          </p:cNvSpPr>
+          <p:nvPr>
+            <p:ph type="title"/>
+          </p:nvPr>
+        </p:nvSpPr>
+        <p:spPr/>
+        <p:txBody>
+          <a:bodyPr/>
+          <a:lstStyle/>
+          <a:p>
+            <a:r>
+              <a:rPr lang="en-US" dirty="0" smtClean="0"/>
+              <a:t>Cross-Origin communication</a:t>
+            </a:r>
+            <a:endParaRPr lang="en-US" dirty="0"/>
+          </a:p>
+        </p:txBody>
+      </p:sp>
+      <p:pic>
+        <p:nvPicPr>
+          <p:cNvPr id="11" name="Content Placeholder 10"/>
+          <p:cNvPicPr>
+            <a:picLocks noGrp="1" noChangeAspect="1"/>
+          </p:cNvPicPr>
+          <p:nvPr>
+            <p:ph idx="1"/>
+          </p:nvPr>
+        </p:nvPicPr>
+        <p:blipFill>
+          <a:blip r:embed="rId2">
+            <a:extLst>
+              <a:ext uri="{28A0092B-C50C-407E-A947-70E740481C1C}">
+                <a14:useLocalDpi xmlns:a14="http://schemas.microsoft.com/office/drawing/2010/main" val="0"/>
+              </a:ext>
+            </a:extLst>
+          </a:blip>
+          <a:stretch>
+            <a:fillRect/>
+          </a:stretch>
+        </p:blipFill>
+        <p:spPr>
+          <a:xfrm>
+            <a:off x="4344687" y="1825625"/>
+            <a:ext cx="3502625" cy="4351338"/>
+          </a:xfrm>
+        </p:spPr>
+      </p:pic>
+      <p:pic>
+        <p:nvPicPr>
+          <p:cNvPr id="12" name="Picture 11"/>
+          <p:cNvPicPr>
+            <a:picLocks noChangeAspect="1"/>
+          </p:cNvPicPr>
+          <p:nvPr/>
+        </p:nvPicPr>
+        <p:blipFill>
+          <a:blip r:embed="rId3">
+            <a:extLst>
+              <a:ext uri="{28A0092B-C50C-407E-A947-70E740481C1C}">
+                <a14:useLocalDpi xmlns:a14="http://schemas.microsoft.com/office/drawing/2010/main" val="0"/>
+              </a:ext>
+            </a:extLst>
+          </a:blip>
+          <a:stretch>
+            <a:fillRect/>
+          </a:stretch>
+        </p:blipFill>
+        <p:spPr>
+          <a:xfrm>
+            <a:off x="1041400" y="2686844"/>
+            <a:ext cx="2628900" cy="2628900"/>
+          </a:xfrm>
+          <a:prstGeom prst="rect">
+            <a:avLst/>
+          </a:prstGeom>
+        </p:spPr>
+      </p:pic>
+      <p:pic>
+        <p:nvPicPr>
+          <p:cNvPr id="13" name="Picture 12"/>
+          <p:cNvPicPr>
+            <a:picLocks noChangeAspect="1"/>
+          </p:cNvPicPr>
+          <p:nvPr/>
+        </p:nvPicPr>
+        <p:blipFill>
+          <a:blip r:embed="rId3">
+            <a:extLst>
+              <a:ext uri="{28A0092B-C50C-407E-A947-70E740481C1C}">
+                <a14:useLocalDpi xmlns:a14="http://schemas.microsoft.com/office/drawing/2010/main" val="0"/>
+              </a:ext>
+            </a:extLst>
+          </a:blip>
+          <a:stretch>
+            <a:fillRect/>
+          </a:stretch>
+        </p:blipFill>
+        <p:spPr>
+          <a:xfrm>
+            <a:off x="8521699" y="2686844"/>
+            <a:ext cx="2689225" cy="2689225"/>
+          </a:xfrm>
+          <a:prstGeom prst="rect">
+            <a:avLst/>
+          </a:prstGeom>
+        </p:spPr>
+      </p:pic>
+    </p:spTree>
+    <p:extLst>
+      <p:ext uri="{BB962C8B-B14F-4D97-AF65-F5344CB8AC3E}">
+        <p14:creationId xmlns:p14="http://schemas.microsoft.com/office/powerpoint/2010/main" val="3163840206"/>
+      </p:ext>
+    </p:extLst>
+  </p:cSld>
+  <p:clrMapOvr>
+    <a:masterClrMapping/>
+  </p:clrMapOvr>
+  <p:timing>
+    <p:tnLst>
+      <p:par>
+        <p:cTn id="1" dur="indefinite" restart="never" nodeType="tmRoot"/>
+      </p:par>
+    </p:tnLst>
+  </p:timing>
+</p:sld>
+</file>
+
+<file path=ppt/slides/slide44.xml><?xml version="1.0" encoding="utf-8"?>
+<p:sld xmlns:a="http://schemas.openxmlformats.org/drawingml/2006/main" xmlns:r="http://schemas.openxmlformats.org/officeDocument/2006/relationships" xmlns:p="http://schemas.openxmlformats.org/presentationml/2006/main">
+  <p:cSld>
+    <p:spTree>
+      <p:nvGrpSpPr>
+        <p:cNvPr id="1" name=""/>
+        <p:cNvGrpSpPr/>
+        <p:nvPr/>
+      </p:nvGrpSpPr>
+      <p:grpSpPr>
+        <a:xfrm>
+          <a:off x="0" y="0"/>
+          <a:ext cx="0" cy="0"/>
+          <a:chOff x="0" y="0"/>
+          <a:chExt cx="0" cy="0"/>
+        </a:xfrm>
+      </p:grpSpPr>
+      <p:sp>
+        <p:nvSpPr>
+          <p:cNvPr id="4" name="Title 3"/>
+          <p:cNvSpPr>
+            <a:spLocks noGrp="1"/>
+          </p:cNvSpPr>
+          <p:nvPr>
+            <p:ph type="ctrTitle"/>
+          </p:nvPr>
+        </p:nvSpPr>
+        <p:spPr/>
+        <p:txBody>
+          <a:bodyPr/>
+          <a:lstStyle/>
+          <a:p>
+            <a:r>
+              <a:rPr lang="en-US" dirty="0" smtClean="0"/>
+              <a:t>Example</a:t>
+            </a:r>
+            <a:endParaRPr lang="en-US" dirty="0"/>
+          </a:p>
+        </p:txBody>
+      </p:sp>
+      <p:sp>
+        <p:nvSpPr>
+          <p:cNvPr id="5" name="Subtitle 4"/>
+          <p:cNvSpPr>
+            <a:spLocks noGrp="1"/>
+          </p:cNvSpPr>
+          <p:nvPr>
+            <p:ph type="subTitle" idx="1"/>
+          </p:nvPr>
+        </p:nvSpPr>
+        <p:spPr/>
+        <p:txBody>
+          <a:bodyPr/>
+          <a:lstStyle/>
+          <a:p>
+            <a:endParaRPr lang="en-US" dirty="0"/>
+          </a:p>
+        </p:txBody>
+      </p:sp>
+    </p:spTree>
+    <p:extLst>
+      <p:ext uri="{BB962C8B-B14F-4D97-AF65-F5344CB8AC3E}">
+        <p14:creationId xmlns:p14="http://schemas.microsoft.com/office/powerpoint/2010/main" val="1836623530"/>
+      </p:ext>
+    </p:extLst>
+  </p:cSld>
+  <p:clrMapOvr>
+    <a:masterClrMapping/>
+  </p:clrMapOvr>
+  <p:timing>
+    <p:tnLst>
+      <p:par>
+        <p:cTn id="1" dur="indefinite" restart="never" nodeType="tmRoot"/>
+      </p:par>
+    </p:tnLst>
+  </p:timing>
+</p:sld>
+</file>
+
+<file path=ppt/slides/slide45.xml><?xml version="1.0" encoding="utf-8"?>
+<p:sld xmlns:a="http://schemas.openxmlformats.org/drawingml/2006/main" xmlns:r="http://schemas.openxmlformats.org/officeDocument/2006/relationships" xmlns:p="http://schemas.openxmlformats.org/presentationml/2006/main">
+  <p:cSld>
+    <p:spTree>
+      <p:nvGrpSpPr>
+        <p:cNvPr id="1" name=""/>
+        <p:cNvGrpSpPr/>
+        <p:nvPr/>
+      </p:nvGrpSpPr>
+      <p:grpSpPr>
+        <a:xfrm>
+          <a:off x="0" y="0"/>
+          <a:ext cx="0" cy="0"/>
+          <a:chOff x="0" y="0"/>
+          <a:chExt cx="0" cy="0"/>
+        </a:xfrm>
+      </p:grpSpPr>
+      <p:sp>
+        <p:nvSpPr>
+          <p:cNvPr id="2" name="Title 1"/>
+          <p:cNvSpPr>
+            <a:spLocks noGrp="1"/>
+          </p:cNvSpPr>
+          <p:nvPr>
+            <p:ph type="title"/>
+          </p:nvPr>
+        </p:nvSpPr>
+        <p:spPr/>
+        <p:txBody>
+          <a:bodyPr/>
+          <a:lstStyle/>
+          <a:p>
+            <a:r>
+              <a:rPr lang="en-US" dirty="0" smtClean="0"/>
+              <a:t>Post Message API</a:t>
+            </a:r>
+            <a:endParaRPr lang="en-US" dirty="0"/>
+          </a:p>
+        </p:txBody>
+      </p:sp>
+      <p:sp>
+        <p:nvSpPr>
+          <p:cNvPr id="3" name="Content Placeholder 2"/>
+          <p:cNvSpPr>
+            <a:spLocks noGrp="1"/>
+          </p:cNvSpPr>
+          <p:nvPr>
+            <p:ph idx="1"/>
+          </p:nvPr>
+        </p:nvSpPr>
+        <p:spPr>
+          <a:xfrm>
+            <a:off x="3351022" y="2501899"/>
+            <a:ext cx="8002778" cy="3675063"/>
+          </a:xfrm>
+        </p:spPr>
+        <p:txBody>
+          <a:bodyPr/>
+          <a:lstStyle/>
+          <a:p>
+            <a:pPr marL="0" indent="0" algn="ctr">
+              <a:buNone/>
+            </a:pPr>
+            <a:endParaRPr lang="en-US" dirty="0"/>
+          </a:p>
+          <a:p>
+            <a:pPr marL="0" indent="0" algn="ctr">
+              <a:buNone/>
+            </a:pPr>
+            <a:r>
+              <a:rPr lang="en-US" sz="3200" dirty="0" smtClean="0"/>
+              <a:t>“Safely enables cross-origin communication”</a:t>
+            </a:r>
+            <a:endParaRPr lang="en-US" sz="3200" dirty="0"/>
+          </a:p>
+        </p:txBody>
+      </p:sp>
+      <p:pic>
+        <p:nvPicPr>
+          <p:cNvPr id="4" name="Picture 3"/>
+          <p:cNvPicPr>
+            <a:picLocks noChangeAspect="1"/>
+          </p:cNvPicPr>
+          <p:nvPr/>
+        </p:nvPicPr>
+        <p:blipFill>
+          <a:blip r:embed="rId2">
+            <a:extLst>
+              <a:ext uri="{28A0092B-C50C-407E-A947-70E740481C1C}">
+                <a14:useLocalDpi xmlns:a14="http://schemas.microsoft.com/office/drawing/2010/main" val="0"/>
+              </a:ext>
+            </a:extLst>
+          </a:blip>
+          <a:stretch>
+            <a:fillRect/>
+          </a:stretch>
+        </p:blipFill>
+        <p:spPr>
+          <a:xfrm>
+            <a:off x="693737" y="2862262"/>
+            <a:ext cx="2657285" cy="3314700"/>
+          </a:xfrm>
+          <a:prstGeom prst="rect">
+            <a:avLst/>
+          </a:prstGeom>
+        </p:spPr>
+      </p:pic>
+    </p:spTree>
+    <p:extLst>
+      <p:ext uri="{BB962C8B-B14F-4D97-AF65-F5344CB8AC3E}">
+        <p14:creationId xmlns:p14="http://schemas.microsoft.com/office/powerpoint/2010/main" val="2740283269"/>
+      </p:ext>
+    </p:extLst>
+  </p:cSld>
+  <p:clrMapOvr>
+    <a:masterClrMapping/>
+  </p:clrMapOvr>
+  <p:timing>
+    <p:tnLst>
+      <p:par>
+        <p:cTn id="1" dur="indefinite" restart="never" nodeType="tmRoot"/>
+      </p:par>
+    </p:tnLst>
+  </p:timing>
+</p:sld>
+</file>
+
+<file path=ppt/slides/slide46.xml><?xml version="1.0" encoding="utf-8"?>
+<p:sld xmlns:a="http://schemas.openxmlformats.org/drawingml/2006/main" xmlns:r="http://schemas.openxmlformats.org/officeDocument/2006/relationships" xmlns:p="http://schemas.openxmlformats.org/presentationml/2006/main">
+  <p:cSld>
+    <p:spTree>
+      <p:nvGrpSpPr>
+        <p:cNvPr id="1" name=""/>
+        <p:cNvGrpSpPr/>
+        <p:nvPr/>
+      </p:nvGrpSpPr>
+      <p:grpSpPr>
+        <a:xfrm>
+          <a:off x="0" y="0"/>
+          <a:ext cx="0" cy="0"/>
+          <a:chOff x="0" y="0"/>
+          <a:chExt cx="0" cy="0"/>
+        </a:xfrm>
+      </p:grpSpPr>
+      <p:sp>
+        <p:nvSpPr>
+          <p:cNvPr id="7" name="Title 6"/>
+          <p:cNvSpPr>
+            <a:spLocks noGrp="1"/>
+          </p:cNvSpPr>
+          <p:nvPr>
+            <p:ph type="title"/>
+          </p:nvPr>
+        </p:nvSpPr>
+        <p:spPr/>
+        <p:txBody>
+          <a:bodyPr/>
+          <a:lstStyle/>
+          <a:p>
+            <a:r>
+              <a:rPr lang="en-US" dirty="0" smtClean="0"/>
+              <a:t>Post Message - Receiver</a:t>
+            </a:r>
+            <a:endParaRPr lang="en-US" dirty="0"/>
+          </a:p>
+        </p:txBody>
+      </p:sp>
+      <p:sp>
+        <p:nvSpPr>
+          <p:cNvPr id="12" name="Content Placeholder 11"/>
+          <p:cNvSpPr>
+            <a:spLocks noGrp="1"/>
+          </p:cNvSpPr>
+          <p:nvPr>
+            <p:ph idx="1"/>
+          </p:nvPr>
+        </p:nvSpPr>
+        <p:spPr>
+          <a:xfrm>
+            <a:off x="1397000" y="1825625"/>
+            <a:ext cx="9956800" cy="4351338"/>
+          </a:xfrm>
+        </p:spPr>
+        <p:txBody>
+          <a:bodyPr/>
+          <a:lstStyle/>
+          <a:p>
+            <a:r>
+              <a:rPr lang="en-US" dirty="0" smtClean="0"/>
+              <a:t>Listen for “message”</a:t>
+            </a:r>
+          </a:p>
+          <a:p>
+            <a:r>
+              <a:rPr lang="en-US" dirty="0" smtClean="0"/>
+              <a:t>Check if sender can be trusted</a:t>
+            </a:r>
+          </a:p>
+          <a:p>
+            <a:r>
+              <a:rPr lang="en-US" dirty="0" smtClean="0"/>
+              <a:t>Take action</a:t>
+            </a:r>
+            <a:endParaRPr lang="en-US" dirty="0"/>
+          </a:p>
+        </p:txBody>
+      </p:sp>
+      <p:pic>
+        <p:nvPicPr>
+          <p:cNvPr id="13" name="Picture 12"/>
+          <p:cNvPicPr>
+            <a:picLocks noChangeAspect="1"/>
+          </p:cNvPicPr>
+          <p:nvPr/>
+        </p:nvPicPr>
+        <p:blipFill>
+          <a:blip r:embed="rId2">
+            <a:extLst>
+              <a:ext uri="{28A0092B-C50C-407E-A947-70E740481C1C}">
+                <a14:useLocalDpi xmlns:a14="http://schemas.microsoft.com/office/drawing/2010/main" val="0"/>
+              </a:ext>
+            </a:extLst>
+          </a:blip>
+          <a:stretch>
+            <a:fillRect/>
+          </a:stretch>
+        </p:blipFill>
+        <p:spPr>
+          <a:xfrm>
+            <a:off x="7226300" y="2209800"/>
+            <a:ext cx="3810000" cy="3810000"/>
+          </a:xfrm>
+          <a:prstGeom prst="rect">
+            <a:avLst/>
+          </a:prstGeom>
+        </p:spPr>
+      </p:pic>
+      <p:sp>
+        <p:nvSpPr>
+          <p:cNvPr id="14" name="TextBox 13"/>
+          <p:cNvSpPr txBox="1"/>
+          <p:nvPr/>
+        </p:nvSpPr>
+        <p:spPr>
+          <a:xfrm>
+            <a:off x="1397000" y="3822700"/>
+            <a:ext cx="5003800" cy="1477328"/>
+          </a:xfrm>
+          <a:prstGeom prst="rect">
+            <a:avLst/>
+          </a:prstGeom>
+        </p:spPr>
+        <p:style>
+          <a:lnRef idx="2">
+            <a:schemeClr val="dk1"/>
+          </a:lnRef>
+          <a:fillRef idx="1">
+            <a:schemeClr val="lt1"/>
+          </a:fillRef>
+          <a:effectRef idx="0">
+            <a:schemeClr val="dk1"/>
+          </a:effectRef>
+          <a:fontRef idx="minor">
+            <a:schemeClr val="dk1"/>
+          </a:fontRef>
+        </p:style>
+        <p:txBody>
+          <a:bodyPr wrap="square" rtlCol="0">
+            <a:spAutoFit/>
+          </a:bodyPr>
+          <a:lstStyle/>
+          <a:p>
+            <a:r>
+              <a:rPr lang="en-US" dirty="0" smtClean="0"/>
+              <a:t>  window.addEventListener</a:t>
+            </a:r>
+            <a:r>
+              <a:rPr lang="en-US" dirty="0"/>
+              <a:t>('message', function(e) {</a:t>
+            </a:r>
+          </a:p>
+          <a:p>
+            <a:r>
+              <a:rPr lang="en-US" dirty="0" smtClean="0"/>
+              <a:t>      if </a:t>
+            </a:r>
+            <a:r>
+              <a:rPr lang="en-US" dirty="0"/>
+              <a:t>(e.origin == 'http://127.0.0.1') {</a:t>
+            </a:r>
+          </a:p>
+          <a:p>
+            <a:r>
+              <a:rPr lang="en-US" dirty="0" smtClean="0"/>
+              <a:t>           //do something with e.data</a:t>
+            </a:r>
+            <a:endParaRPr lang="en-US" dirty="0"/>
+          </a:p>
+          <a:p>
+            <a:r>
+              <a:rPr lang="en-US" dirty="0" smtClean="0"/>
+              <a:t>      }</a:t>
+            </a:r>
+            <a:endParaRPr lang="en-US" dirty="0"/>
+          </a:p>
+          <a:p>
+            <a:r>
+              <a:rPr lang="en-US" dirty="0" smtClean="0"/>
+              <a:t>  });</a:t>
+            </a:r>
+            <a:endParaRPr lang="en-US" dirty="0"/>
+          </a:p>
+        </p:txBody>
+      </p:sp>
+    </p:spTree>
+    <p:extLst>
+      <p:ext uri="{BB962C8B-B14F-4D97-AF65-F5344CB8AC3E}">
+        <p14:creationId xmlns:p14="http://schemas.microsoft.com/office/powerpoint/2010/main" val="933783714"/>
+      </p:ext>
+    </p:extLst>
+  </p:cSld>
+  <p:clrMapOvr>
+    <a:masterClrMapping/>
+  </p:clrMapOvr>
+  <p:timing>
+    <p:tnLst>
+      <p:par>
+        <p:cTn id="1" dur="indefinite" restart="never" nodeType="tmRoot"/>
+      </p:par>
+    </p:tnLst>
+  </p:timing>
+</p:sld>
+</file>
+
+<file path=ppt/slides/slide47.xml><?xml version="1.0" encoding="utf-8"?>
+<p:sld xmlns:a="http://schemas.openxmlformats.org/drawingml/2006/main" xmlns:r="http://schemas.openxmlformats.org/officeDocument/2006/relationships" xmlns:p="http://schemas.openxmlformats.org/presentationml/2006/main">
+  <p:cSld>
+    <p:spTree>
+      <p:nvGrpSpPr>
+        <p:cNvPr id="1" name=""/>
+        <p:cNvGrpSpPr/>
+        <p:nvPr/>
+      </p:nvGrpSpPr>
+      <p:grpSpPr>
+        <a:xfrm>
+          <a:off x="0" y="0"/>
+          <a:ext cx="0" cy="0"/>
+          <a:chOff x="0" y="0"/>
+          <a:chExt cx="0" cy="0"/>
+        </a:xfrm>
+      </p:grpSpPr>
+      <p:sp>
+        <p:nvSpPr>
+          <p:cNvPr id="2" name="Title 1"/>
+          <p:cNvSpPr>
+            <a:spLocks noGrp="1"/>
+          </p:cNvSpPr>
+          <p:nvPr>
+            <p:ph type="title"/>
+          </p:nvPr>
+        </p:nvSpPr>
+        <p:spPr/>
+        <p:txBody>
+          <a:bodyPr/>
+          <a:lstStyle/>
+          <a:p>
+            <a:r>
+              <a:rPr lang="en-US" dirty="0" smtClean="0"/>
+              <a:t>Post Message - Sender</a:t>
+            </a:r>
+            <a:endParaRPr lang="en-US" dirty="0"/>
+          </a:p>
+        </p:txBody>
+      </p:sp>
+      <p:sp>
+        <p:nvSpPr>
+          <p:cNvPr id="3" name="Content Placeholder 2"/>
+          <p:cNvSpPr>
+            <a:spLocks noGrp="1"/>
+          </p:cNvSpPr>
+          <p:nvPr>
+            <p:ph idx="1"/>
+          </p:nvPr>
+        </p:nvSpPr>
+        <p:spPr>
+          <a:xfrm>
+            <a:off x="1511300" y="1825625"/>
+            <a:ext cx="9448800" cy="4295775"/>
+          </a:xfrm>
+        </p:spPr>
+        <p:txBody>
+          <a:bodyPr/>
+          <a:lstStyle/>
+          <a:p>
+            <a:r>
+              <a:rPr lang="en-US" dirty="0" smtClean="0"/>
+              <a:t>Make sure that target is corrected</a:t>
+            </a:r>
+            <a:endParaRPr lang="en-US" dirty="0"/>
+          </a:p>
+        </p:txBody>
+      </p:sp>
+      <p:pic>
+        <p:nvPicPr>
+          <p:cNvPr id="4" name="Picture 3"/>
+          <p:cNvPicPr>
+            <a:picLocks noChangeAspect="1"/>
+          </p:cNvPicPr>
+          <p:nvPr/>
+        </p:nvPicPr>
+        <p:blipFill>
+          <a:blip r:embed="rId2">
+            <a:extLst>
+              <a:ext uri="{28A0092B-C50C-407E-A947-70E740481C1C}">
+                <a14:useLocalDpi xmlns:a14="http://schemas.microsoft.com/office/drawing/2010/main" val="0"/>
+              </a:ext>
+            </a:extLst>
+          </a:blip>
+          <a:stretch>
+            <a:fillRect/>
+          </a:stretch>
+        </p:blipFill>
+        <p:spPr>
+          <a:xfrm>
+            <a:off x="8021637" y="2468562"/>
+            <a:ext cx="2786063" cy="3219130"/>
+          </a:xfrm>
+          <a:prstGeom prst="rect">
+            <a:avLst/>
+          </a:prstGeom>
+        </p:spPr>
+      </p:pic>
+      <p:sp>
+        <p:nvSpPr>
+          <p:cNvPr id="5" name="TextBox 4"/>
+          <p:cNvSpPr txBox="1"/>
+          <p:nvPr/>
+        </p:nvSpPr>
+        <p:spPr>
+          <a:xfrm>
+            <a:off x="1511300" y="3529487"/>
+            <a:ext cx="5092700" cy="1097280"/>
+          </a:xfrm>
+          <a:prstGeom prst="rect">
+            <a:avLst/>
+          </a:prstGeom>
+        </p:spPr>
+        <p:style>
+          <a:lnRef idx="2">
+            <a:schemeClr val="dk1"/>
+          </a:lnRef>
+          <a:fillRef idx="1">
+            <a:schemeClr val="lt1"/>
+          </a:fillRef>
+          <a:effectRef idx="0">
+            <a:schemeClr val="dk1"/>
+          </a:effectRef>
+          <a:fontRef idx="minor">
+            <a:schemeClr val="dk1"/>
+          </a:fontRef>
+        </p:style>
+        <p:txBody>
+          <a:bodyPr wrap="square" rtlCol="0" anchor="ctr" anchorCtr="1">
+            <a:noAutofit/>
+          </a:bodyPr>
+          <a:lstStyle/>
+          <a:p>
+            <a:r>
+              <a:rPr lang="en-US" dirty="0" smtClean="0"/>
+              <a:t>target.postMessage(input.value, 'http</a:t>
+            </a:r>
+            <a:r>
+              <a:rPr lang="en-US" dirty="0"/>
+              <a:t>://localhost');</a:t>
+            </a:r>
+          </a:p>
+        </p:txBody>
+      </p:sp>
+    </p:spTree>
+    <p:extLst>
+      <p:ext uri="{BB962C8B-B14F-4D97-AF65-F5344CB8AC3E}">
+        <p14:creationId xmlns:p14="http://schemas.microsoft.com/office/powerpoint/2010/main" val="4128676064"/>
+      </p:ext>
+    </p:extLst>
+  </p:cSld>
+  <p:clrMapOvr>
+    <a:masterClrMapping/>
+  </p:clrMapOvr>
+  <p:timing>
+    <p:tnLst>
+      <p:par>
+        <p:cTn id="1" dur="indefinite" restart="never" nodeType="tmRoot"/>
+      </p:par>
+    </p:tnLst>
+  </p:timing>
+</p:sld>
+</file>
+
+<file path=ppt/slides/slide48.xml><?xml version="1.0" encoding="utf-8"?>
 <p:sld xmlns:a="http://schemas.openxmlformats.org/drawingml/2006/main" xmlns:r="http://schemas.openxmlformats.org/officeDocument/2006/relationships" xmlns:p="http://schemas.openxmlformats.org/presentationml/2006/main">
   <p:cSld>
     <p:spTree>
@@ -11401,327 +12143,6 @@
   <p:clrMapOvr>
     <a:masterClrMapping/>
   </p:clrMapOvr>
-</p:sld>
-</file>
-
-<file path=ppt/slides/slide44.xml><?xml version="1.0" encoding="utf-8"?>
-<p:sld xmlns:a="http://schemas.openxmlformats.org/drawingml/2006/main" xmlns:r="http://schemas.openxmlformats.org/officeDocument/2006/relationships" xmlns:p="http://schemas.openxmlformats.org/presentationml/2006/main">
-  <p:cSld>
-    <p:spTree>
-      <p:nvGrpSpPr>
-        <p:cNvPr id="1" name=""/>
-        <p:cNvGrpSpPr/>
-        <p:nvPr/>
-      </p:nvGrpSpPr>
-      <p:grpSpPr>
-        <a:xfrm>
-          <a:off x="0" y="0"/>
-          <a:ext cx="0" cy="0"/>
-          <a:chOff x="0" y="0"/>
-          <a:chExt cx="0" cy="0"/>
-        </a:xfrm>
-      </p:grpSpPr>
-      <p:sp>
-        <p:nvSpPr>
-          <p:cNvPr id="2" name="Title 1"/>
-          <p:cNvSpPr>
-            <a:spLocks noGrp="1"/>
-          </p:cNvSpPr>
-          <p:nvPr>
-            <p:ph type="title"/>
-          </p:nvPr>
-        </p:nvSpPr>
-        <p:spPr/>
-        <p:txBody>
-          <a:bodyPr/>
-          <a:lstStyle/>
-          <a:p>
-            <a:r>
-              <a:rPr lang="en-US" dirty="0" smtClean="0"/>
-              <a:t>Drag &amp; Drop</a:t>
-            </a:r>
-            <a:endParaRPr lang="en-US" dirty="0"/>
-          </a:p>
-        </p:txBody>
-      </p:sp>
-      <p:sp>
-        <p:nvSpPr>
-          <p:cNvPr id="3" name="Text Placeholder 2"/>
-          <p:cNvSpPr>
-            <a:spLocks noGrp="1"/>
-          </p:cNvSpPr>
-          <p:nvPr>
-            <p:ph type="body" idx="1"/>
-          </p:nvPr>
-        </p:nvSpPr>
-        <p:spPr>
-          <a:xfrm>
-            <a:off x="839788" y="1681163"/>
-            <a:ext cx="5157787" cy="458533"/>
-          </a:xfrm>
-        </p:spPr>
-        <p:txBody>
-          <a:bodyPr/>
-          <a:lstStyle/>
-          <a:p>
-            <a:r>
-              <a:rPr lang="en-US" dirty="0"/>
-              <a:t>Drag </a:t>
-            </a:r>
-            <a:r>
-              <a:rPr lang="en-US" dirty="0" smtClean="0"/>
-              <a:t>side</a:t>
-            </a:r>
-            <a:endParaRPr lang="en-US" dirty="0"/>
-          </a:p>
-        </p:txBody>
-      </p:sp>
-      <p:sp>
-        <p:nvSpPr>
-          <p:cNvPr id="4" name="Content Placeholder 3"/>
-          <p:cNvSpPr>
-            <a:spLocks noGrp="1"/>
-          </p:cNvSpPr>
-          <p:nvPr>
-            <p:ph sz="half" idx="2"/>
-          </p:nvPr>
-        </p:nvSpPr>
-        <p:spPr>
-          <a:xfrm>
-            <a:off x="1124712" y="2139696"/>
-            <a:ext cx="4872863" cy="4049967"/>
-          </a:xfrm>
-        </p:spPr>
-        <p:txBody>
-          <a:bodyPr/>
-          <a:lstStyle/>
-          <a:p>
-            <a:pPr marL="0" indent="0">
-              <a:buNone/>
-            </a:pPr>
-            <a:r>
-              <a:rPr lang="en-US" dirty="0" smtClean="0"/>
-              <a:t>Mark element as draggable</a:t>
-            </a:r>
-          </a:p>
-          <a:p>
-            <a:r>
-              <a:rPr lang="en-US" sz="2400" dirty="0" smtClean="0">
-                <a:latin typeface="+mj-lt"/>
-              </a:rPr>
-              <a:t>draggable=“true”</a:t>
-            </a:r>
-          </a:p>
-          <a:p>
-            <a:pPr marL="0" indent="0">
-              <a:buNone/>
-            </a:pPr>
-            <a:endParaRPr lang="en-US" dirty="0" smtClean="0"/>
-          </a:p>
-          <a:p>
-            <a:pPr marL="0" indent="0">
-              <a:buNone/>
-            </a:pPr>
-            <a:endParaRPr lang="en-US" dirty="0" smtClean="0"/>
-          </a:p>
-          <a:p>
-            <a:pPr marL="0" indent="0">
-              <a:buNone/>
-            </a:pPr>
-            <a:r>
-              <a:rPr lang="en-US" dirty="0" smtClean="0"/>
-              <a:t>Start dragging</a:t>
-            </a:r>
-          </a:p>
-          <a:p>
-            <a:r>
-              <a:rPr lang="en-US" sz="2400" dirty="0" smtClean="0">
-                <a:latin typeface="+mj-lt"/>
-              </a:rPr>
-              <a:t>ondragstart </a:t>
-            </a:r>
-            <a:r>
-              <a:rPr lang="en-US" sz="2400" dirty="0" smtClean="0">
-                <a:latin typeface="+mj-lt"/>
-              </a:rPr>
-              <a:t>event &gt;&gt;</a:t>
-            </a:r>
-          </a:p>
-          <a:p>
-            <a:pPr marL="0" indent="0">
-              <a:buNone/>
-            </a:pPr>
-            <a:r>
-              <a:rPr lang="en-US" sz="2400" dirty="0">
-                <a:latin typeface="+mj-lt"/>
-              </a:rPr>
-              <a:t> </a:t>
-            </a:r>
-            <a:r>
-              <a:rPr lang="en-US" sz="2400" dirty="0" smtClean="0">
-                <a:latin typeface="+mj-lt"/>
-              </a:rPr>
-              <a:t>   e.dataTransfer.setData(k, v);</a:t>
-            </a:r>
-            <a:endParaRPr lang="en-US" sz="2400" dirty="0" smtClean="0">
-              <a:latin typeface="+mj-lt"/>
-            </a:endParaRPr>
-          </a:p>
-        </p:txBody>
-      </p:sp>
-      <p:sp>
-        <p:nvSpPr>
-          <p:cNvPr id="6" name="Text Placeholder 5"/>
-          <p:cNvSpPr>
-            <a:spLocks noGrp="1"/>
-          </p:cNvSpPr>
-          <p:nvPr>
-            <p:ph type="body" sz="quarter" idx="3"/>
-          </p:nvPr>
-        </p:nvSpPr>
-        <p:spPr>
-          <a:xfrm>
-            <a:off x="6172200" y="1681163"/>
-            <a:ext cx="5183188" cy="458533"/>
-          </a:xfrm>
-        </p:spPr>
-        <p:txBody>
-          <a:bodyPr/>
-          <a:lstStyle/>
-          <a:p>
-            <a:r>
-              <a:rPr lang="en-US" dirty="0"/>
-              <a:t>Drop </a:t>
-            </a:r>
-            <a:r>
-              <a:rPr lang="en-US" dirty="0" smtClean="0"/>
-              <a:t>side</a:t>
-            </a:r>
-            <a:endParaRPr lang="en-US" dirty="0"/>
-          </a:p>
-        </p:txBody>
-      </p:sp>
-      <p:sp>
-        <p:nvSpPr>
-          <p:cNvPr id="5" name="Content Placeholder 4"/>
-          <p:cNvSpPr>
-            <a:spLocks noGrp="1"/>
-          </p:cNvSpPr>
-          <p:nvPr>
-            <p:ph sz="quarter" idx="4"/>
-          </p:nvPr>
-        </p:nvSpPr>
-        <p:spPr>
-          <a:xfrm>
-            <a:off x="6419088" y="2139696"/>
-            <a:ext cx="4936300" cy="4049967"/>
-          </a:xfrm>
-        </p:spPr>
-        <p:txBody>
-          <a:bodyPr/>
-          <a:lstStyle/>
-          <a:p>
-            <a:pPr marL="0" indent="0">
-              <a:buNone/>
-            </a:pPr>
-            <a:r>
-              <a:rPr lang="en-US" dirty="0" smtClean="0"/>
-              <a:t>Mark element as droppable</a:t>
-            </a:r>
-          </a:p>
-          <a:p>
-            <a:r>
-              <a:rPr lang="en-US" sz="2400" dirty="0" smtClean="0">
-                <a:latin typeface="+mj-lt"/>
-              </a:rPr>
-              <a:t>ondragover event &gt;&gt; </a:t>
-            </a:r>
-          </a:p>
-          <a:p>
-            <a:pPr marL="0" indent="0">
-              <a:buNone/>
-            </a:pPr>
-            <a:r>
-              <a:rPr lang="en-US" sz="2400" dirty="0">
-                <a:latin typeface="+mj-lt"/>
-              </a:rPr>
-              <a:t> </a:t>
-            </a:r>
-            <a:r>
-              <a:rPr lang="en-US" sz="2400" dirty="0" smtClean="0">
-                <a:latin typeface="+mj-lt"/>
-              </a:rPr>
-              <a:t>  e.preventDefault();</a:t>
-            </a:r>
-            <a:endParaRPr lang="en-US" sz="2400" dirty="0"/>
-          </a:p>
-          <a:p>
-            <a:pPr marL="0" indent="0">
-              <a:buNone/>
-            </a:pPr>
-            <a:endParaRPr lang="en-US" dirty="0" smtClean="0"/>
-          </a:p>
-          <a:p>
-            <a:pPr marL="0" indent="0">
-              <a:buNone/>
-            </a:pPr>
-            <a:r>
-              <a:rPr lang="en-US" dirty="0" smtClean="0"/>
-              <a:t>Finish dragging</a:t>
-            </a:r>
-          </a:p>
-          <a:p>
-            <a:r>
-              <a:rPr lang="en-US" sz="2400" dirty="0" smtClean="0">
-                <a:latin typeface="+mj-lt"/>
-              </a:rPr>
-              <a:t>ondrop </a:t>
-            </a:r>
-            <a:r>
-              <a:rPr lang="en-US" sz="2400" dirty="0" smtClean="0">
-                <a:latin typeface="+mj-lt"/>
-              </a:rPr>
-              <a:t>event &gt;&gt;</a:t>
-            </a:r>
-          </a:p>
-          <a:p>
-            <a:pPr marL="0" indent="0">
-              <a:buNone/>
-            </a:pPr>
-            <a:r>
-              <a:rPr lang="en-US" sz="2400" dirty="0">
-                <a:latin typeface="+mj-lt"/>
-              </a:rPr>
-              <a:t> </a:t>
-            </a:r>
-            <a:r>
-              <a:rPr lang="en-US" sz="2400" dirty="0" smtClean="0">
-                <a:latin typeface="+mj-lt"/>
-              </a:rPr>
-              <a:t>   e.dataTransfer.getData(k);</a:t>
-            </a:r>
-            <a:endParaRPr lang="en-US" sz="2400" dirty="0" smtClean="0">
-              <a:latin typeface="+mj-lt"/>
-            </a:endParaRPr>
-          </a:p>
-          <a:p>
-            <a:pPr marL="0" indent="0">
-              <a:buNone/>
-            </a:pPr>
-            <a:endParaRPr lang="en-US" dirty="0" smtClean="0"/>
-          </a:p>
-        </p:txBody>
-      </p:sp>
-    </p:spTree>
-    <p:extLst>
-      <p:ext uri="{BB962C8B-B14F-4D97-AF65-F5344CB8AC3E}">
-        <p14:creationId xmlns:p14="http://schemas.microsoft.com/office/powerpoint/2010/main" val="2229591461"/>
-      </p:ext>
-    </p:extLst>
-  </p:cSld>
-  <p:clrMapOvr>
-    <a:masterClrMapping/>
-  </p:clrMapOvr>
   <p:timing>
     <p:tnLst>
       <p:par>
@@ -11729,620 +12150,6 @@
       </p:par>
     </p:tnLst>
   </p:timing>
-</p:sld>
-</file>
-
-<file path=ppt/slides/slide45.xml><?xml version="1.0" encoding="utf-8"?>
-<p:sld xmlns:a="http://schemas.openxmlformats.org/drawingml/2006/main" xmlns:r="http://schemas.openxmlformats.org/officeDocument/2006/relationships" xmlns:p="http://schemas.openxmlformats.org/presentationml/2006/main">
-  <p:cSld>
-    <p:spTree>
-      <p:nvGrpSpPr>
-        <p:cNvPr id="1" name=""/>
-        <p:cNvGrpSpPr/>
-        <p:nvPr/>
-      </p:nvGrpSpPr>
-      <p:grpSpPr>
-        <a:xfrm>
-          <a:off x="0" y="0"/>
-          <a:ext cx="0" cy="0"/>
-          <a:chOff x="0" y="0"/>
-          <a:chExt cx="0" cy="0"/>
-        </a:xfrm>
-      </p:grpSpPr>
-      <p:sp>
-        <p:nvSpPr>
-          <p:cNvPr id="2" name="Title 1"/>
-          <p:cNvSpPr>
-            <a:spLocks noGrp="1"/>
-          </p:cNvSpPr>
-          <p:nvPr>
-            <p:ph type="title"/>
-          </p:nvPr>
-        </p:nvSpPr>
-        <p:spPr/>
-        <p:txBody>
-          <a:bodyPr/>
-          <a:lstStyle/>
-          <a:p>
-            <a:r>
-              <a:rPr lang="en-US" dirty="0" err="1" smtClean="0"/>
-              <a:t>DataTransfer</a:t>
-            </a:r>
-            <a:r>
-              <a:rPr lang="en-US" dirty="0" smtClean="0"/>
-              <a:t> object</a:t>
-            </a:r>
-            <a:endParaRPr lang="en-US" dirty="0"/>
-          </a:p>
-        </p:txBody>
-      </p:sp>
-      <p:graphicFrame>
-        <p:nvGraphicFramePr>
-          <p:cNvPr id="4" name="Content Placeholder 3"/>
-          <p:cNvGraphicFramePr>
-            <a:graphicFrameLocks noGrp="1"/>
-          </p:cNvGraphicFramePr>
-          <p:nvPr>
-            <p:ph sz="half" idx="1"/>
-            <p:extLst>
-              <p:ext uri="{D42A27DB-BD31-4B8C-83A1-F6EECF244321}">
-                <p14:modId xmlns:p14="http://schemas.microsoft.com/office/powerpoint/2010/main" val="411194281"/>
-              </p:ext>
-            </p:extLst>
-          </p:nvPr>
-        </p:nvGraphicFramePr>
-        <p:xfrm>
-          <a:off x="1095374" y="1825625"/>
-          <a:ext cx="4924426" cy="1483360"/>
-        </p:xfrm>
-        <a:graphic>
-          <a:graphicData uri="http://schemas.openxmlformats.org/drawingml/2006/table">
-            <a:tbl>
-              <a:tblPr firstRow="1" bandRow="1">
-                <a:tableStyleId>{073A0DAA-6AF3-43AB-8588-CEC1D06C72B9}</a:tableStyleId>
-              </a:tblPr>
-              <a:tblGrid>
-                <a:gridCol w="1809751"/>
-                <a:gridCol w="3114675"/>
-              </a:tblGrid>
-              <a:tr h="370840">
-                <a:tc>
-                  <a:txBody>
-                    <a:bodyPr/>
-                    <a:lstStyle/>
-                    <a:p>
-                      <a:r>
-                        <a:rPr lang="en-US" dirty="0" smtClean="0"/>
-                        <a:t>Properties</a:t>
-                      </a:r>
-                      <a:endParaRPr lang="en-US" dirty="0"/>
-                    </a:p>
-                  </a:txBody>
-                  <a:tcPr marL="45057" marR="45057"/>
-                </a:tc>
-                <a:tc>
-                  <a:txBody>
-                    <a:bodyPr/>
-                    <a:lstStyle/>
-                    <a:p>
-                      <a:r>
-                        <a:rPr lang="en-US" dirty="0" smtClean="0"/>
-                        <a:t>Type</a:t>
-                      </a:r>
-                      <a:endParaRPr lang="en-US" dirty="0"/>
-                    </a:p>
-                  </a:txBody>
-                  <a:tcPr marL="45057" marR="45057"/>
-                </a:tc>
-              </a:tr>
-              <a:tr h="370840">
-                <a:tc>
-                  <a:txBody>
-                    <a:bodyPr/>
-                    <a:lstStyle/>
-                    <a:p>
-                      <a:r>
-                        <a:rPr lang="en-US" dirty="0" err="1" smtClean="0"/>
-                        <a:t>dropEffect</a:t>
-                      </a:r>
-                      <a:endParaRPr lang="en-US" dirty="0"/>
-                    </a:p>
-                  </a:txBody>
-                  <a:tcPr marL="45057" marR="45057"/>
-                </a:tc>
-                <a:tc>
-                  <a:txBody>
-                    <a:bodyPr/>
-                    <a:lstStyle/>
-                    <a:p>
-                      <a:r>
-                        <a:rPr lang="en-US" dirty="0" smtClean="0"/>
-                        <a:t>String</a:t>
-                      </a:r>
-                      <a:endParaRPr lang="en-US" dirty="0"/>
-                    </a:p>
-                  </a:txBody>
-                  <a:tcPr marL="45057" marR="45057"/>
-                </a:tc>
-              </a:tr>
-              <a:tr h="370840">
-                <a:tc>
-                  <a:txBody>
-                    <a:bodyPr/>
-                    <a:lstStyle/>
-                    <a:p>
-                      <a:r>
-                        <a:rPr lang="en-US" dirty="0" smtClean="0"/>
-                        <a:t>files</a:t>
-                      </a:r>
-                      <a:endParaRPr lang="en-US" dirty="0"/>
-                    </a:p>
-                  </a:txBody>
-                  <a:tcPr marL="45057" marR="45057"/>
-                </a:tc>
-                <a:tc>
-                  <a:txBody>
-                    <a:bodyPr/>
-                    <a:lstStyle/>
-                    <a:p>
-                      <a:r>
-                        <a:rPr lang="en-US" dirty="0" err="1" smtClean="0"/>
-                        <a:t>FileList</a:t>
-                      </a:r>
-                      <a:endParaRPr lang="en-US" dirty="0"/>
-                    </a:p>
-                  </a:txBody>
-                  <a:tcPr marL="45057" marR="45057"/>
-                </a:tc>
-              </a:tr>
-              <a:tr h="370840">
-                <a:tc>
-                  <a:txBody>
-                    <a:bodyPr/>
-                    <a:lstStyle/>
-                    <a:p>
-                      <a:r>
-                        <a:rPr lang="en-US" dirty="0" smtClean="0"/>
-                        <a:t>types</a:t>
-                      </a:r>
-                      <a:endParaRPr lang="en-US" dirty="0"/>
-                    </a:p>
-                  </a:txBody>
-                  <a:tcPr marL="45057" marR="45057"/>
-                </a:tc>
-                <a:tc>
-                  <a:txBody>
-                    <a:bodyPr/>
-                    <a:lstStyle/>
-                    <a:p>
-                      <a:r>
-                        <a:rPr lang="en-US" dirty="0" err="1" smtClean="0"/>
-                        <a:t>StringList</a:t>
-                      </a:r>
-                      <a:endParaRPr lang="en-US" dirty="0"/>
-                    </a:p>
-                  </a:txBody>
-                  <a:tcPr marL="45057" marR="45057"/>
-                </a:tc>
-              </a:tr>
-            </a:tbl>
-          </a:graphicData>
-        </a:graphic>
-      </p:graphicFrame>
-      <p:graphicFrame>
-        <p:nvGraphicFramePr>
-          <p:cNvPr id="7" name="Content Placeholder 6"/>
-          <p:cNvGraphicFramePr>
-            <a:graphicFrameLocks noGrp="1"/>
-          </p:cNvGraphicFramePr>
-          <p:nvPr>
-            <p:ph sz="half" idx="2"/>
-            <p:extLst>
-              <p:ext uri="{D42A27DB-BD31-4B8C-83A1-F6EECF244321}">
-                <p14:modId xmlns:p14="http://schemas.microsoft.com/office/powerpoint/2010/main" val="2084640402"/>
-              </p:ext>
-            </p:extLst>
-          </p:nvPr>
-        </p:nvGraphicFramePr>
-        <p:xfrm>
-          <a:off x="6829426" y="1825625"/>
-          <a:ext cx="4210050" cy="1854200"/>
-        </p:xfrm>
-        <a:graphic>
-          <a:graphicData uri="http://schemas.openxmlformats.org/drawingml/2006/table">
-            <a:tbl>
-              <a:tblPr firstRow="1" bandRow="1">
-                <a:tableStyleId>{073A0DAA-6AF3-43AB-8588-CEC1D06C72B9}</a:tableStyleId>
-              </a:tblPr>
-              <a:tblGrid>
-                <a:gridCol w="4210050"/>
-              </a:tblGrid>
-              <a:tr h="370840">
-                <a:tc>
-                  <a:txBody>
-                    <a:bodyPr/>
-                    <a:lstStyle/>
-                    <a:p>
-                      <a:r>
-                        <a:rPr lang="en-US" dirty="0" smtClean="0"/>
-                        <a:t>Method</a:t>
-                      </a:r>
-                      <a:endParaRPr lang="en-US" dirty="0"/>
-                    </a:p>
-                  </a:txBody>
-                  <a:tcPr/>
-                </a:tc>
-              </a:tr>
-              <a:tr h="370840">
-                <a:tc>
-                  <a:txBody>
-                    <a:bodyPr/>
-                    <a:lstStyle/>
-                    <a:p>
-                      <a:r>
-                        <a:rPr lang="en-US" dirty="0" err="1" smtClean="0"/>
-                        <a:t>setData</a:t>
-                      </a:r>
-                      <a:r>
-                        <a:rPr lang="en-US" dirty="0" smtClean="0"/>
-                        <a:t>(type, data)</a:t>
-                      </a:r>
-                      <a:endParaRPr lang="en-US" dirty="0"/>
-                    </a:p>
-                  </a:txBody>
-                  <a:tcPr/>
-                </a:tc>
-              </a:tr>
-              <a:tr h="370840">
-                <a:tc>
-                  <a:txBody>
-                    <a:bodyPr/>
-                    <a:lstStyle/>
-                    <a:p>
-                      <a:r>
-                        <a:rPr lang="en-US" dirty="0" err="1" smtClean="0"/>
-                        <a:t>getData</a:t>
-                      </a:r>
-                      <a:r>
-                        <a:rPr lang="en-US" dirty="0" smtClean="0"/>
-                        <a:t>(type)</a:t>
-                      </a:r>
-                      <a:endParaRPr lang="en-US" dirty="0"/>
-                    </a:p>
-                  </a:txBody>
-                  <a:tcPr/>
-                </a:tc>
-              </a:tr>
-              <a:tr h="370840">
-                <a:tc>
-                  <a:txBody>
-                    <a:bodyPr/>
-                    <a:lstStyle/>
-                    <a:p>
-                      <a:r>
-                        <a:rPr lang="en-US" dirty="0" err="1" smtClean="0"/>
-                        <a:t>clearData</a:t>
-                      </a:r>
-                      <a:r>
-                        <a:rPr lang="en-US" dirty="0" smtClean="0"/>
-                        <a:t>([type])</a:t>
-                      </a:r>
-                      <a:endParaRPr lang="en-US" dirty="0"/>
-                    </a:p>
-                  </a:txBody>
-                  <a:tcPr/>
-                </a:tc>
-              </a:tr>
-              <a:tr h="370840">
-                <a:tc>
-                  <a:txBody>
-                    <a:bodyPr/>
-                    <a:lstStyle/>
-                    <a:p>
-                      <a:r>
-                        <a:rPr lang="en-US" dirty="0" err="1" smtClean="0"/>
-                        <a:t>setDragImage</a:t>
-                      </a:r>
-                      <a:r>
-                        <a:rPr lang="en-US" dirty="0" smtClean="0"/>
-                        <a:t>(image,</a:t>
-                      </a:r>
-                      <a:r>
-                        <a:rPr lang="en-US" baseline="0" dirty="0" smtClean="0"/>
-                        <a:t> x-offset, y-offset)</a:t>
-                      </a:r>
-                      <a:endParaRPr lang="en-US" dirty="0"/>
-                    </a:p>
-                  </a:txBody>
-                  <a:tcPr/>
-                </a:tc>
-              </a:tr>
-            </a:tbl>
-          </a:graphicData>
-        </a:graphic>
-      </p:graphicFrame>
-    </p:spTree>
-    <p:extLst>
-      <p:ext uri="{BB962C8B-B14F-4D97-AF65-F5344CB8AC3E}">
-        <p14:creationId xmlns:p14="http://schemas.microsoft.com/office/powerpoint/2010/main" val="822707848"/>
-      </p:ext>
-    </p:extLst>
-  </p:cSld>
-  <p:clrMapOvr>
-    <a:masterClrMapping/>
-  </p:clrMapOvr>
-</p:sld>
-</file>
-
-<file path=ppt/slides/slide46.xml><?xml version="1.0" encoding="utf-8"?>
-<p:sld xmlns:a="http://schemas.openxmlformats.org/drawingml/2006/main" xmlns:r="http://schemas.openxmlformats.org/officeDocument/2006/relationships" xmlns:p="http://schemas.openxmlformats.org/presentationml/2006/main">
-  <p:cSld>
-    <p:spTree>
-      <p:nvGrpSpPr>
-        <p:cNvPr id="1" name=""/>
-        <p:cNvGrpSpPr/>
-        <p:nvPr/>
-      </p:nvGrpSpPr>
-      <p:grpSpPr>
-        <a:xfrm>
-          <a:off x="0" y="0"/>
-          <a:ext cx="0" cy="0"/>
-          <a:chOff x="0" y="0"/>
-          <a:chExt cx="0" cy="0"/>
-        </a:xfrm>
-      </p:grpSpPr>
-      <p:sp>
-        <p:nvSpPr>
-          <p:cNvPr id="2" name="Title 1"/>
-          <p:cNvSpPr>
-            <a:spLocks noGrp="1"/>
-          </p:cNvSpPr>
-          <p:nvPr>
-            <p:ph type="ctrTitle"/>
-          </p:nvPr>
-        </p:nvSpPr>
-        <p:spPr/>
-        <p:txBody>
-          <a:bodyPr/>
-          <a:lstStyle/>
-          <a:p>
-            <a:r>
-              <a:rPr lang="en-US" dirty="0" smtClean="0"/>
-              <a:t>Example</a:t>
-            </a:r>
-            <a:endParaRPr lang="en-US" dirty="0"/>
-          </a:p>
-        </p:txBody>
-      </p:sp>
-    </p:spTree>
-    <p:extLst>
-      <p:ext uri="{BB962C8B-B14F-4D97-AF65-F5344CB8AC3E}">
-        <p14:creationId xmlns:p14="http://schemas.microsoft.com/office/powerpoint/2010/main" val="3775837967"/>
-      </p:ext>
-    </p:extLst>
-  </p:cSld>
-  <p:clrMapOvr>
-    <a:masterClrMapping/>
-  </p:clrMapOvr>
-</p:sld>
-</file>
-
-<file path=ppt/slides/slide47.xml><?xml version="1.0" encoding="utf-8"?>
-<p:sld xmlns:a="http://schemas.openxmlformats.org/drawingml/2006/main" xmlns:r="http://schemas.openxmlformats.org/officeDocument/2006/relationships" xmlns:p="http://schemas.openxmlformats.org/presentationml/2006/main">
-  <p:cSld>
-    <p:spTree>
-      <p:nvGrpSpPr>
-        <p:cNvPr id="1" name=""/>
-        <p:cNvGrpSpPr/>
-        <p:nvPr/>
-      </p:nvGrpSpPr>
-      <p:grpSpPr>
-        <a:xfrm>
-          <a:off x="0" y="0"/>
-          <a:ext cx="0" cy="0"/>
-          <a:chOff x="0" y="0"/>
-          <a:chExt cx="0" cy="0"/>
-        </a:xfrm>
-      </p:grpSpPr>
-      <p:sp>
-        <p:nvSpPr>
-          <p:cNvPr id="2" name="Title 1"/>
-          <p:cNvSpPr>
-            <a:spLocks noGrp="1"/>
-          </p:cNvSpPr>
-          <p:nvPr>
-            <p:ph type="title"/>
-          </p:nvPr>
-        </p:nvSpPr>
-        <p:spPr/>
-        <p:txBody>
-          <a:bodyPr/>
-          <a:lstStyle/>
-          <a:p>
-            <a:r>
-              <a:rPr lang="en-US" dirty="0" smtClean="0"/>
-              <a:t>Content Editable </a:t>
-            </a:r>
-            <a:endParaRPr lang="en-US" dirty="0"/>
-          </a:p>
-        </p:txBody>
-      </p:sp>
-      <p:pic>
-        <p:nvPicPr>
-          <p:cNvPr id="6" name="Content Placeholder 5"/>
-          <p:cNvPicPr>
-            <a:picLocks noGrp="1" noChangeAspect="1"/>
-          </p:cNvPicPr>
-          <p:nvPr>
-            <p:ph idx="1"/>
-          </p:nvPr>
-        </p:nvPicPr>
-        <p:blipFill>
-          <a:blip r:embed="rId2">
-            <a:extLst>
-              <a:ext uri="{28A0092B-C50C-407E-A947-70E740481C1C}">
-                <a14:useLocalDpi xmlns:a14="http://schemas.microsoft.com/office/drawing/2010/main" val="0"/>
-              </a:ext>
-            </a:extLst>
-          </a:blip>
-          <a:stretch>
-            <a:fillRect/>
-          </a:stretch>
-        </p:blipFill>
-        <p:spPr>
-          <a:xfrm>
-            <a:off x="5769864" y="1934963"/>
-            <a:ext cx="4762500" cy="2381250"/>
-          </a:xfrm>
-        </p:spPr>
-      </p:pic>
-      <p:pic>
-        <p:nvPicPr>
-          <p:cNvPr id="7" name="Picture 6"/>
-          <p:cNvPicPr>
-            <a:picLocks noChangeAspect="1"/>
-          </p:cNvPicPr>
-          <p:nvPr/>
-        </p:nvPicPr>
-        <p:blipFill>
-          <a:blip r:embed="rId3">
-            <a:extLst>
-              <a:ext uri="{28A0092B-C50C-407E-A947-70E740481C1C}">
-                <a14:useLocalDpi xmlns:a14="http://schemas.microsoft.com/office/drawing/2010/main" val="0"/>
-              </a:ext>
-            </a:extLst>
-          </a:blip>
-          <a:stretch>
-            <a:fillRect/>
-          </a:stretch>
-        </p:blipFill>
-        <p:spPr>
-          <a:xfrm>
-            <a:off x="1711697" y="2517380"/>
-            <a:ext cx="4534933" cy="2667608"/>
-          </a:xfrm>
-          <a:prstGeom prst="rect">
-            <a:avLst/>
-          </a:prstGeom>
-        </p:spPr>
-      </p:pic>
-      <p:sp>
-        <p:nvSpPr>
-          <p:cNvPr id="5" name="Title 1"/>
-          <p:cNvSpPr txBox="1">
-            <a:spLocks/>
-          </p:cNvSpPr>
-          <p:nvPr/>
-        </p:nvSpPr>
-        <p:spPr>
-          <a:xfrm>
-            <a:off x="1524000" y="5171317"/>
-            <a:ext cx="9144000" cy="915353"/>
-          </a:xfrm>
-          <a:prstGeom prst="rect">
-            <a:avLst/>
-          </a:prstGeom>
-        </p:spPr>
-        <p:txBody>
-          <a:bodyPr vert="horz" lIns="91440" tIns="45720" rIns="91440" bIns="45720" rtlCol="0" anchor="ctr">
-            <a:normAutofit/>
-          </a:bodyPr>
-          <a:lstStyle>
-            <a:lvl1pPr algn="l" defTabSz="914400" rtl="0" eaLnBrk="1" latinLnBrk="0" hangingPunct="1">
-              <a:lnSpc>
-                <a:spcPct val="90000"/>
-              </a:lnSpc>
-              <a:spcBef>
-                <a:spcPct val="0"/>
-              </a:spcBef>
-              <a:buNone/>
-              <a:defRPr sz="4400" kern="1200">
-                <a:solidFill>
-                  <a:schemeClr val="tx1"/>
-                </a:solidFill>
-                <a:latin typeface="+mj-lt"/>
-                <a:ea typeface="+mj-ea"/>
-                <a:cs typeface="+mj-cs"/>
-              </a:defRPr>
-            </a:lvl1pPr>
-          </a:lstStyle>
-          <a:p>
-            <a:pPr algn="ctr"/>
-            <a:r>
-              <a:rPr lang="en-US" sz="3200" i="1" dirty="0" smtClean="0">
-                <a:latin typeface="+mn-lt"/>
-              </a:rPr>
-              <a:t>&lt; Native support WYSIWYG editor &gt;</a:t>
-            </a:r>
-            <a:endParaRPr lang="en-US" sz="3200" i="1" dirty="0">
-              <a:latin typeface="+mn-lt"/>
-            </a:endParaRPr>
-          </a:p>
-        </p:txBody>
-      </p:sp>
-    </p:spTree>
-    <p:extLst>
-      <p:ext uri="{BB962C8B-B14F-4D97-AF65-F5344CB8AC3E}">
-        <p14:creationId xmlns:p14="http://schemas.microsoft.com/office/powerpoint/2010/main" val="2993595375"/>
-      </p:ext>
-    </p:extLst>
-  </p:cSld>
-  <p:clrMapOvr>
-    <a:masterClrMapping/>
-  </p:clrMapOvr>
-</p:sld>
-</file>
-
-<file path=ppt/slides/slide48.xml><?xml version="1.0" encoding="utf-8"?>
-<p:sld xmlns:a="http://schemas.openxmlformats.org/drawingml/2006/main" xmlns:r="http://schemas.openxmlformats.org/officeDocument/2006/relationships" xmlns:p="http://schemas.openxmlformats.org/presentationml/2006/main">
-  <p:cSld>
-    <p:spTree>
-      <p:nvGrpSpPr>
-        <p:cNvPr id="1" name=""/>
-        <p:cNvGrpSpPr/>
-        <p:nvPr/>
-      </p:nvGrpSpPr>
-      <p:grpSpPr>
-        <a:xfrm>
-          <a:off x="0" y="0"/>
-          <a:ext cx="0" cy="0"/>
-          <a:chOff x="0" y="0"/>
-          <a:chExt cx="0" cy="0"/>
-        </a:xfrm>
-      </p:grpSpPr>
-      <p:sp>
-        <p:nvSpPr>
-          <p:cNvPr id="6" name="Title 5"/>
-          <p:cNvSpPr>
-            <a:spLocks noGrp="1"/>
-          </p:cNvSpPr>
-          <p:nvPr>
-            <p:ph type="ctrTitle"/>
-          </p:nvPr>
-        </p:nvSpPr>
-        <p:spPr/>
-        <p:txBody>
-          <a:bodyPr/>
-          <a:lstStyle/>
-          <a:p>
-            <a:r>
-              <a:rPr lang="en-US" dirty="0" smtClean="0"/>
-              <a:t>Example</a:t>
-            </a:r>
-            <a:endParaRPr lang="en-US" dirty="0"/>
-          </a:p>
-        </p:txBody>
-      </p:sp>
-    </p:spTree>
-    <p:extLst>
-      <p:ext uri="{BB962C8B-B14F-4D97-AF65-F5344CB8AC3E}">
-        <p14:creationId xmlns:p14="http://schemas.microsoft.com/office/powerpoint/2010/main" val="1366852964"/>
-      </p:ext>
-    </p:extLst>
-  </p:cSld>
-  <p:clrMapOvr>
-    <a:masterClrMapping/>
-  </p:clrMapOvr>
 </p:sld>
 </file>
 
@@ -12380,105 +12187,341 @@
           <a:p>
             <a:r>
               <a:rPr lang="en-US" dirty="0" smtClean="0"/>
-              <a:t>Web Worker</a:t>
+              <a:t>Drag &amp; Drop</a:t>
             </a:r>
             <a:endParaRPr lang="en-US" dirty="0"/>
           </a:p>
         </p:txBody>
       </p:sp>
-      <p:pic>
-        <p:nvPicPr>
-          <p:cNvPr id="6" name="Picture 5"/>
-          <p:cNvPicPr>
-            <a:picLocks noChangeAspect="1"/>
-          </p:cNvPicPr>
-          <p:nvPr/>
-        </p:nvPicPr>
-        <p:blipFill>
-          <a:blip r:embed="rId2">
-            <a:extLst>
-              <a:ext uri="{28A0092B-C50C-407E-A947-70E740481C1C}">
-                <a14:useLocalDpi xmlns:a14="http://schemas.microsoft.com/office/drawing/2010/main" val="0"/>
-              </a:ext>
-            </a:extLst>
-          </a:blip>
-          <a:stretch>
-            <a:fillRect/>
-          </a:stretch>
-        </p:blipFill>
+      <p:sp>
+        <p:nvSpPr>
+          <p:cNvPr id="3" name="Text Placeholder 2"/>
+          <p:cNvSpPr>
+            <a:spLocks noGrp="1"/>
+          </p:cNvSpPr>
+          <p:nvPr>
+            <p:ph type="body" idx="1"/>
+          </p:nvPr>
+        </p:nvSpPr>
         <p:spPr>
           <a:xfrm>
-            <a:off x="4910709" y="1608007"/>
-            <a:ext cx="4400550" cy="2324100"/>
+            <a:off x="839788" y="1681163"/>
+            <a:ext cx="5157787" cy="458533"/>
+          </a:xfrm>
+        </p:spPr>
+        <p:txBody>
+          <a:bodyPr/>
+          <a:lstStyle/>
+          <a:p>
+            <a:r>
+              <a:rPr lang="en-US" dirty="0"/>
+              <a:t>Drag </a:t>
+            </a:r>
+            <a:r>
+              <a:rPr lang="en-US" dirty="0" smtClean="0"/>
+              <a:t>side</a:t>
+            </a:r>
+            <a:endParaRPr lang="en-US" dirty="0"/>
+          </a:p>
+        </p:txBody>
+      </p:sp>
+      <p:sp>
+        <p:nvSpPr>
+          <p:cNvPr id="4" name="Content Placeholder 3"/>
+          <p:cNvSpPr>
+            <a:spLocks noGrp="1"/>
+          </p:cNvSpPr>
+          <p:nvPr>
+            <p:ph sz="half" idx="2"/>
+          </p:nvPr>
+        </p:nvSpPr>
+        <p:spPr>
+          <a:xfrm>
+            <a:off x="1124712" y="2139696"/>
+            <a:ext cx="4872863" cy="4049967"/>
+          </a:xfrm>
+        </p:spPr>
+        <p:txBody>
+          <a:bodyPr/>
+          <a:lstStyle/>
+          <a:p>
+            <a:pPr marL="0" indent="0">
+              <a:buNone/>
+            </a:pPr>
+            <a:r>
+              <a:rPr lang="en-US" dirty="0" smtClean="0"/>
+              <a:t>Mark element as draggable</a:t>
+            </a:r>
+          </a:p>
+          <a:p>
+            <a:r>
+              <a:rPr lang="en-US" sz="2400" dirty="0" smtClean="0">
+                <a:latin typeface="+mj-lt"/>
+              </a:rPr>
+              <a:t>draggable=“true”</a:t>
+            </a:r>
+          </a:p>
+          <a:p>
+            <a:pPr marL="0" indent="0">
+              <a:buNone/>
+            </a:pPr>
+            <a:endParaRPr lang="en-US" dirty="0" smtClean="0"/>
+          </a:p>
+          <a:p>
+            <a:pPr marL="0" indent="0">
+              <a:buNone/>
+            </a:pPr>
+            <a:endParaRPr lang="en-US" dirty="0" smtClean="0"/>
+          </a:p>
+          <a:p>
+            <a:pPr marL="0" indent="0">
+              <a:buNone/>
+            </a:pPr>
+            <a:r>
+              <a:rPr lang="en-US" dirty="0" smtClean="0"/>
+              <a:t>Start dragging</a:t>
+            </a:r>
+          </a:p>
+          <a:p>
+            <a:r>
+              <a:rPr lang="en-US" sz="2400" dirty="0" smtClean="0">
+                <a:latin typeface="+mj-lt"/>
+              </a:rPr>
+              <a:t>ondragstart event &gt;&gt;</a:t>
+            </a:r>
+          </a:p>
+          <a:p>
+            <a:pPr marL="0" indent="0">
+              <a:buNone/>
+            </a:pPr>
+            <a:r>
+              <a:rPr lang="en-US" sz="2400" dirty="0">
+                <a:latin typeface="+mj-lt"/>
+              </a:rPr>
+              <a:t> </a:t>
+            </a:r>
+            <a:r>
+              <a:rPr lang="en-US" sz="2400" dirty="0" smtClean="0">
+                <a:latin typeface="+mj-lt"/>
+              </a:rPr>
+              <a:t>   e.dataTransfer.setData(k, v);</a:t>
+            </a:r>
+          </a:p>
+        </p:txBody>
+      </p:sp>
+      <p:sp>
+        <p:nvSpPr>
+          <p:cNvPr id="6" name="Text Placeholder 5"/>
+          <p:cNvSpPr>
+            <a:spLocks noGrp="1"/>
+          </p:cNvSpPr>
+          <p:nvPr>
+            <p:ph type="body" sz="quarter" idx="3"/>
+          </p:nvPr>
+        </p:nvSpPr>
+        <p:spPr>
+          <a:xfrm>
+            <a:off x="6172200" y="1681163"/>
+            <a:ext cx="5183188" cy="458533"/>
+          </a:xfrm>
+        </p:spPr>
+        <p:txBody>
+          <a:bodyPr/>
+          <a:lstStyle/>
+          <a:p>
+            <a:r>
+              <a:rPr lang="en-US" dirty="0"/>
+              <a:t>Drop </a:t>
+            </a:r>
+            <a:r>
+              <a:rPr lang="en-US" dirty="0" smtClean="0"/>
+              <a:t>side</a:t>
+            </a:r>
+            <a:endParaRPr lang="en-US" dirty="0"/>
+          </a:p>
+        </p:txBody>
+      </p:sp>
+      <p:sp>
+        <p:nvSpPr>
+          <p:cNvPr id="5" name="Content Placeholder 4"/>
+          <p:cNvSpPr>
+            <a:spLocks noGrp="1"/>
+          </p:cNvSpPr>
+          <p:nvPr>
+            <p:ph sz="quarter" idx="4"/>
+          </p:nvPr>
+        </p:nvSpPr>
+        <p:spPr>
+          <a:xfrm>
+            <a:off x="6419088" y="2139696"/>
+            <a:ext cx="4936300" cy="4049967"/>
+          </a:xfrm>
+        </p:spPr>
+        <p:txBody>
+          <a:bodyPr/>
+          <a:lstStyle/>
+          <a:p>
+            <a:pPr marL="0" indent="0">
+              <a:buNone/>
+            </a:pPr>
+            <a:r>
+              <a:rPr lang="en-US" dirty="0" smtClean="0"/>
+              <a:t>Mark element as droppable</a:t>
+            </a:r>
+          </a:p>
+          <a:p>
+            <a:r>
+              <a:rPr lang="en-US" sz="2400" dirty="0" smtClean="0">
+                <a:latin typeface="+mj-lt"/>
+              </a:rPr>
+              <a:t>ondragover event &gt;&gt; </a:t>
+            </a:r>
+          </a:p>
+          <a:p>
+            <a:pPr marL="0" indent="0">
+              <a:buNone/>
+            </a:pPr>
+            <a:r>
+              <a:rPr lang="en-US" sz="2400" dirty="0">
+                <a:latin typeface="+mj-lt"/>
+              </a:rPr>
+              <a:t> </a:t>
+            </a:r>
+            <a:r>
+              <a:rPr lang="en-US" sz="2400" dirty="0" smtClean="0">
+                <a:latin typeface="+mj-lt"/>
+              </a:rPr>
+              <a:t>  e.preventDefault();</a:t>
+            </a:r>
+            <a:endParaRPr lang="en-US" sz="2400" dirty="0"/>
+          </a:p>
+          <a:p>
+            <a:pPr marL="0" indent="0">
+              <a:buNone/>
+            </a:pPr>
+            <a:endParaRPr lang="en-US" dirty="0" smtClean="0"/>
+          </a:p>
+          <a:p>
+            <a:pPr marL="0" indent="0">
+              <a:buNone/>
+            </a:pPr>
+            <a:r>
+              <a:rPr lang="en-US" dirty="0" smtClean="0"/>
+              <a:t>Finish dragging</a:t>
+            </a:r>
+          </a:p>
+          <a:p>
+            <a:r>
+              <a:rPr lang="en-US" sz="2400" dirty="0" smtClean="0">
+                <a:latin typeface="+mj-lt"/>
+              </a:rPr>
+              <a:t>ondrop event &gt;&gt;</a:t>
+            </a:r>
+          </a:p>
+          <a:p>
+            <a:pPr marL="0" indent="0">
+              <a:buNone/>
+            </a:pPr>
+            <a:r>
+              <a:rPr lang="en-US" sz="2400" dirty="0">
+                <a:latin typeface="+mj-lt"/>
+              </a:rPr>
+              <a:t> </a:t>
+            </a:r>
+            <a:r>
+              <a:rPr lang="en-US" sz="2400" dirty="0" smtClean="0">
+                <a:latin typeface="+mj-lt"/>
+              </a:rPr>
+              <a:t>   </a:t>
+            </a:r>
+            <a:r>
+              <a:rPr lang="en-US" sz="2400" dirty="0" smtClean="0">
+                <a:latin typeface="+mj-lt"/>
+              </a:rPr>
+              <a:t>e.preventDefault();</a:t>
+            </a:r>
+          </a:p>
+          <a:p>
+            <a:pPr marL="0" indent="0">
+              <a:buNone/>
+            </a:pPr>
+            <a:r>
+              <a:rPr lang="en-US" sz="2400" dirty="0">
+                <a:latin typeface="+mj-lt"/>
+              </a:rPr>
+              <a:t> </a:t>
+            </a:r>
+            <a:r>
+              <a:rPr lang="en-US" sz="2400" dirty="0" smtClean="0">
+                <a:latin typeface="+mj-lt"/>
+              </a:rPr>
+              <a:t>   </a:t>
+            </a:r>
+            <a:r>
+              <a:rPr lang="en-US" sz="2400" dirty="0" smtClean="0">
+                <a:latin typeface="+mj-lt"/>
+              </a:rPr>
+              <a:t>e.dataTransfer.getData(k</a:t>
+            </a:r>
+            <a:r>
+              <a:rPr lang="en-US" sz="2400" dirty="0" smtClean="0">
+                <a:latin typeface="+mj-lt"/>
+              </a:rPr>
+              <a:t>);</a:t>
+            </a:r>
+          </a:p>
+          <a:p>
+            <a:pPr marL="0" indent="0">
+              <a:buNone/>
+            </a:pPr>
+            <a:endParaRPr lang="en-US" dirty="0" smtClean="0"/>
+          </a:p>
+        </p:txBody>
+      </p:sp>
+      <p:sp>
+        <p:nvSpPr>
+          <p:cNvPr id="11" name="Rectangle 10"/>
+          <p:cNvSpPr/>
+          <p:nvPr/>
+        </p:nvSpPr>
+        <p:spPr>
+          <a:xfrm>
+            <a:off x="5767451" y="1681163"/>
+            <a:ext cx="118237" cy="4402137"/>
           </a:xfrm>
           <a:prstGeom prst="rect">
             <a:avLst/>
           </a:prstGeom>
         </p:spPr>
-      </p:pic>
-      <p:pic>
-        <p:nvPicPr>
-          <p:cNvPr id="4" name="Content Placeholder 3"/>
-          <p:cNvPicPr>
-            <a:picLocks noGrp="1" noChangeAspect="1"/>
-          </p:cNvPicPr>
-          <p:nvPr>
-            <p:ph idx="1"/>
-          </p:nvPr>
-        </p:nvPicPr>
-        <p:blipFill>
-          <a:blip r:embed="rId3">
-            <a:extLst>
-              <a:ext uri="{28A0092B-C50C-407E-A947-70E740481C1C}">
-                <a14:useLocalDpi xmlns:a14="http://schemas.microsoft.com/office/drawing/2010/main" val="0"/>
-              </a:ext>
-            </a:extLst>
-          </a:blip>
-          <a:stretch>
-            <a:fillRect/>
-          </a:stretch>
-        </p:blipFill>
-        <p:spPr>
-          <a:xfrm>
-            <a:off x="1667065" y="3054663"/>
-            <a:ext cx="4009653" cy="1754888"/>
-          </a:xfrm>
-        </p:spPr>
-      </p:pic>
-      <p:pic>
-        <p:nvPicPr>
-          <p:cNvPr id="7" name="Picture 6"/>
-          <p:cNvPicPr>
-            <a:picLocks noChangeAspect="1"/>
-          </p:cNvPicPr>
-          <p:nvPr/>
-        </p:nvPicPr>
-        <p:blipFill>
-          <a:blip r:embed="rId4">
-            <a:extLst>
-              <a:ext uri="{28A0092B-C50C-407E-A947-70E740481C1C}">
-                <a14:useLocalDpi xmlns:a14="http://schemas.microsoft.com/office/drawing/2010/main" val="0"/>
-              </a:ext>
-            </a:extLst>
-          </a:blip>
-          <a:stretch>
-            <a:fillRect/>
-          </a:stretch>
-        </p:blipFill>
-        <p:spPr>
-          <a:xfrm>
-            <a:off x="7457313" y="4434268"/>
-            <a:ext cx="2800350" cy="1628775"/>
-          </a:xfrm>
-          <a:prstGeom prst="rect">
-            <a:avLst/>
-          </a:prstGeom>
-        </p:spPr>
-      </p:pic>
+        <p:style>
+          <a:lnRef idx="2">
+            <a:schemeClr val="dk1">
+              <a:shade val="50000"/>
+            </a:schemeClr>
+          </a:lnRef>
+          <a:fillRef idx="1">
+            <a:schemeClr val="dk1"/>
+          </a:fillRef>
+          <a:effectRef idx="0">
+            <a:schemeClr val="dk1"/>
+          </a:effectRef>
+          <a:fontRef idx="minor">
+            <a:schemeClr val="lt1"/>
+          </a:fontRef>
+        </p:style>
+        <p:txBody>
+          <a:bodyPr rtlCol="0" anchor="ctr"/>
+          <a:lstStyle/>
+          <a:p>
+            <a:pPr algn="ctr"/>
+            <a:endParaRPr lang="en-US"/>
+          </a:p>
+        </p:txBody>
+      </p:sp>
     </p:spTree>
     <p:extLst>
       <p:ext uri="{BB962C8B-B14F-4D97-AF65-F5344CB8AC3E}">
-        <p14:creationId xmlns:p14="http://schemas.microsoft.com/office/powerpoint/2010/main" val="530610400"/>
+        <p14:creationId xmlns:p14="http://schemas.microsoft.com/office/powerpoint/2010/main" val="2229591461"/>
       </p:ext>
     </p:extLst>
   </p:cSld>
@@ -12765,59 +12808,328 @@
             <a:spLocks noGrp="1"/>
           </p:cNvSpPr>
           <p:nvPr>
-            <p:ph type="ctrTitle"/>
-          </p:nvPr>
-        </p:nvSpPr>
-        <p:spPr/>
-        <p:txBody>
-          <a:bodyPr/>
-          <a:lstStyle/>
-          <a:p>
-            <a:r>
-              <a:rPr lang="en-US" dirty="0" smtClean="0"/>
-              <a:t>Javascript is single thread!</a:t>
+            <p:ph type="title"/>
+          </p:nvPr>
+        </p:nvSpPr>
+        <p:spPr/>
+        <p:txBody>
+          <a:bodyPr/>
+          <a:lstStyle/>
+          <a:p>
+            <a:r>
+              <a:rPr lang="en-US" dirty="0" err="1" smtClean="0"/>
+              <a:t>DataTransfer</a:t>
+            </a:r>
+            <a:r>
+              <a:rPr lang="en-US" dirty="0" smtClean="0"/>
+              <a:t> object</a:t>
             </a:r>
             <a:endParaRPr lang="en-US" dirty="0"/>
           </a:p>
         </p:txBody>
       </p:sp>
-      <p:sp>
-        <p:nvSpPr>
-          <p:cNvPr id="3" name="Content Placeholder 2"/>
-          <p:cNvSpPr>
-            <a:spLocks noGrp="1"/>
-          </p:cNvSpPr>
-          <p:nvPr>
-            <p:ph type="subTitle" idx="1"/>
-          </p:nvPr>
-        </p:nvSpPr>
-        <p:spPr/>
-        <p:txBody>
-          <a:bodyPr/>
-          <a:lstStyle/>
-          <a:p>
-            <a:r>
-              <a:rPr lang="en-US" dirty="0" smtClean="0"/>
-              <a:t>Long running scripts = Browser </a:t>
-            </a:r>
-            <a:r>
-              <a:rPr lang="en-US" dirty="0" smtClean="0"/>
-              <a:t>freezed</a:t>
-            </a:r>
-            <a:endParaRPr lang="en-US" dirty="0" smtClean="0"/>
-          </a:p>
-        </p:txBody>
-      </p:sp>
+      <p:graphicFrame>
+        <p:nvGraphicFramePr>
+          <p:cNvPr id="4" name="Content Placeholder 3"/>
+          <p:cNvGraphicFramePr>
+            <a:graphicFrameLocks noGrp="1"/>
+          </p:cNvGraphicFramePr>
+          <p:nvPr>
+            <p:ph sz="half" idx="1"/>
+            <p:extLst>
+              <p:ext uri="{D42A27DB-BD31-4B8C-83A1-F6EECF244321}">
+                <p14:modId xmlns:p14="http://schemas.microsoft.com/office/powerpoint/2010/main" val="411194281"/>
+              </p:ext>
+            </p:extLst>
+          </p:nvPr>
+        </p:nvGraphicFramePr>
+        <p:xfrm>
+          <a:off x="1095374" y="1825625"/>
+          <a:ext cx="4924426" cy="1483360"/>
+        </p:xfrm>
+        <a:graphic>
+          <a:graphicData uri="http://schemas.openxmlformats.org/drawingml/2006/table">
+            <a:tbl>
+              <a:tblPr firstRow="1" bandRow="1">
+                <a:tableStyleId>{073A0DAA-6AF3-43AB-8588-CEC1D06C72B9}</a:tableStyleId>
+              </a:tblPr>
+              <a:tblGrid>
+                <a:gridCol w="1809751"/>
+                <a:gridCol w="3114675"/>
+              </a:tblGrid>
+              <a:tr h="370840">
+                <a:tc>
+                  <a:txBody>
+                    <a:bodyPr/>
+                    <a:lstStyle/>
+                    <a:p>
+                      <a:r>
+                        <a:rPr lang="en-US" dirty="0" smtClean="0"/>
+                        <a:t>Properties</a:t>
+                      </a:r>
+                      <a:endParaRPr lang="en-US" dirty="0"/>
+                    </a:p>
+                  </a:txBody>
+                  <a:tcPr marL="45057" marR="45057"/>
+                </a:tc>
+                <a:tc>
+                  <a:txBody>
+                    <a:bodyPr/>
+                    <a:lstStyle/>
+                    <a:p>
+                      <a:r>
+                        <a:rPr lang="en-US" dirty="0" smtClean="0"/>
+                        <a:t>Type</a:t>
+                      </a:r>
+                      <a:endParaRPr lang="en-US" dirty="0"/>
+                    </a:p>
+                  </a:txBody>
+                  <a:tcPr marL="45057" marR="45057"/>
+                </a:tc>
+              </a:tr>
+              <a:tr h="370840">
+                <a:tc>
+                  <a:txBody>
+                    <a:bodyPr/>
+                    <a:lstStyle/>
+                    <a:p>
+                      <a:r>
+                        <a:rPr lang="en-US" dirty="0" err="1" smtClean="0"/>
+                        <a:t>dropEffect</a:t>
+                      </a:r>
+                      <a:endParaRPr lang="en-US" dirty="0"/>
+                    </a:p>
+                  </a:txBody>
+                  <a:tcPr marL="45057" marR="45057"/>
+                </a:tc>
+                <a:tc>
+                  <a:txBody>
+                    <a:bodyPr/>
+                    <a:lstStyle/>
+                    <a:p>
+                      <a:r>
+                        <a:rPr lang="en-US" dirty="0" smtClean="0"/>
+                        <a:t>String</a:t>
+                      </a:r>
+                      <a:endParaRPr lang="en-US" dirty="0"/>
+                    </a:p>
+                  </a:txBody>
+                  <a:tcPr marL="45057" marR="45057"/>
+                </a:tc>
+              </a:tr>
+              <a:tr h="370840">
+                <a:tc>
+                  <a:txBody>
+                    <a:bodyPr/>
+                    <a:lstStyle/>
+                    <a:p>
+                      <a:r>
+                        <a:rPr lang="en-US" dirty="0" smtClean="0"/>
+                        <a:t>files</a:t>
+                      </a:r>
+                      <a:endParaRPr lang="en-US" dirty="0"/>
+                    </a:p>
+                  </a:txBody>
+                  <a:tcPr marL="45057" marR="45057"/>
+                </a:tc>
+                <a:tc>
+                  <a:txBody>
+                    <a:bodyPr/>
+                    <a:lstStyle/>
+                    <a:p>
+                      <a:r>
+                        <a:rPr lang="en-US" dirty="0" err="1" smtClean="0"/>
+                        <a:t>FileList</a:t>
+                      </a:r>
+                      <a:endParaRPr lang="en-US" dirty="0"/>
+                    </a:p>
+                  </a:txBody>
+                  <a:tcPr marL="45057" marR="45057"/>
+                </a:tc>
+              </a:tr>
+              <a:tr h="370840">
+                <a:tc>
+                  <a:txBody>
+                    <a:bodyPr/>
+                    <a:lstStyle/>
+                    <a:p>
+                      <a:r>
+                        <a:rPr lang="en-US" dirty="0" smtClean="0"/>
+                        <a:t>types</a:t>
+                      </a:r>
+                      <a:endParaRPr lang="en-US" dirty="0"/>
+                    </a:p>
+                  </a:txBody>
+                  <a:tcPr marL="45057" marR="45057"/>
+                </a:tc>
+                <a:tc>
+                  <a:txBody>
+                    <a:bodyPr/>
+                    <a:lstStyle/>
+                    <a:p>
+                      <a:r>
+                        <a:rPr lang="en-US" dirty="0" err="1" smtClean="0"/>
+                        <a:t>StringList</a:t>
+                      </a:r>
+                      <a:endParaRPr lang="en-US" dirty="0"/>
+                    </a:p>
+                  </a:txBody>
+                  <a:tcPr marL="45057" marR="45057"/>
+                </a:tc>
+              </a:tr>
+            </a:tbl>
+          </a:graphicData>
+        </a:graphic>
+      </p:graphicFrame>
+      <p:graphicFrame>
+        <p:nvGraphicFramePr>
+          <p:cNvPr id="7" name="Content Placeholder 6"/>
+          <p:cNvGraphicFramePr>
+            <a:graphicFrameLocks noGrp="1"/>
+          </p:cNvGraphicFramePr>
+          <p:nvPr>
+            <p:ph sz="half" idx="2"/>
+            <p:extLst>
+              <p:ext uri="{D42A27DB-BD31-4B8C-83A1-F6EECF244321}">
+                <p14:modId xmlns:p14="http://schemas.microsoft.com/office/powerpoint/2010/main" val="2084640402"/>
+              </p:ext>
+            </p:extLst>
+          </p:nvPr>
+        </p:nvGraphicFramePr>
+        <p:xfrm>
+          <a:off x="6829426" y="1825625"/>
+          <a:ext cx="4210050" cy="1854200"/>
+        </p:xfrm>
+        <a:graphic>
+          <a:graphicData uri="http://schemas.openxmlformats.org/drawingml/2006/table">
+            <a:tbl>
+              <a:tblPr firstRow="1" bandRow="1">
+                <a:tableStyleId>{073A0DAA-6AF3-43AB-8588-CEC1D06C72B9}</a:tableStyleId>
+              </a:tblPr>
+              <a:tblGrid>
+                <a:gridCol w="4210050"/>
+              </a:tblGrid>
+              <a:tr h="370840">
+                <a:tc>
+                  <a:txBody>
+                    <a:bodyPr/>
+                    <a:lstStyle/>
+                    <a:p>
+                      <a:r>
+                        <a:rPr lang="en-US" dirty="0" smtClean="0"/>
+                        <a:t>Method</a:t>
+                      </a:r>
+                      <a:endParaRPr lang="en-US" dirty="0"/>
+                    </a:p>
+                  </a:txBody>
+                  <a:tcPr/>
+                </a:tc>
+              </a:tr>
+              <a:tr h="370840">
+                <a:tc>
+                  <a:txBody>
+                    <a:bodyPr/>
+                    <a:lstStyle/>
+                    <a:p>
+                      <a:r>
+                        <a:rPr lang="en-US" dirty="0" err="1" smtClean="0"/>
+                        <a:t>setData</a:t>
+                      </a:r>
+                      <a:r>
+                        <a:rPr lang="en-US" dirty="0" smtClean="0"/>
+                        <a:t>(type, data)</a:t>
+                      </a:r>
+                      <a:endParaRPr lang="en-US" dirty="0"/>
+                    </a:p>
+                  </a:txBody>
+                  <a:tcPr/>
+                </a:tc>
+              </a:tr>
+              <a:tr h="370840">
+                <a:tc>
+                  <a:txBody>
+                    <a:bodyPr/>
+                    <a:lstStyle/>
+                    <a:p>
+                      <a:r>
+                        <a:rPr lang="en-US" dirty="0" err="1" smtClean="0"/>
+                        <a:t>getData</a:t>
+                      </a:r>
+                      <a:r>
+                        <a:rPr lang="en-US" dirty="0" smtClean="0"/>
+                        <a:t>(type)</a:t>
+                      </a:r>
+                      <a:endParaRPr lang="en-US" dirty="0"/>
+                    </a:p>
+                  </a:txBody>
+                  <a:tcPr/>
+                </a:tc>
+              </a:tr>
+              <a:tr h="370840">
+                <a:tc>
+                  <a:txBody>
+                    <a:bodyPr/>
+                    <a:lstStyle/>
+                    <a:p>
+                      <a:r>
+                        <a:rPr lang="en-US" dirty="0" err="1" smtClean="0"/>
+                        <a:t>clearData</a:t>
+                      </a:r>
+                      <a:r>
+                        <a:rPr lang="en-US" dirty="0" smtClean="0"/>
+                        <a:t>([type])</a:t>
+                      </a:r>
+                      <a:endParaRPr lang="en-US" dirty="0"/>
+                    </a:p>
+                  </a:txBody>
+                  <a:tcPr/>
+                </a:tc>
+              </a:tr>
+              <a:tr h="370840">
+                <a:tc>
+                  <a:txBody>
+                    <a:bodyPr/>
+                    <a:lstStyle/>
+                    <a:p>
+                      <a:r>
+                        <a:rPr lang="en-US" dirty="0" err="1" smtClean="0"/>
+                        <a:t>setDragImage</a:t>
+                      </a:r>
+                      <a:r>
+                        <a:rPr lang="en-US" dirty="0" smtClean="0"/>
+                        <a:t>(image,</a:t>
+                      </a:r>
+                      <a:r>
+                        <a:rPr lang="en-US" baseline="0" dirty="0" smtClean="0"/>
+                        <a:t> x-offset, y-offset)</a:t>
+                      </a:r>
+                      <a:endParaRPr lang="en-US" dirty="0"/>
+                    </a:p>
+                  </a:txBody>
+                  <a:tcPr/>
+                </a:tc>
+              </a:tr>
+            </a:tbl>
+          </a:graphicData>
+        </a:graphic>
+      </p:graphicFrame>
     </p:spTree>
     <p:extLst>
       <p:ext uri="{BB962C8B-B14F-4D97-AF65-F5344CB8AC3E}">
-        <p14:creationId xmlns:p14="http://schemas.microsoft.com/office/powerpoint/2010/main" val="3401328093"/>
+        <p14:creationId xmlns:p14="http://schemas.microsoft.com/office/powerpoint/2010/main" val="822707848"/>
       </p:ext>
     </p:extLst>
   </p:cSld>
   <p:clrMapOvr>
     <a:masterClrMapping/>
   </p:clrMapOvr>
+  <p:timing>
+    <p:tnLst>
+      <p:par>
+        <p:cTn id="1" dur="indefinite" restart="never" nodeType="tmRoot"/>
+      </p:par>
+    </p:tnLst>
+  </p:timing>
 </p:sld>
 </file>
 
@@ -12840,7 +13152,7 @@
       </p:grpSpPr>
       <p:sp>
         <p:nvSpPr>
-          <p:cNvPr id="4" name="Title 3"/>
+          <p:cNvPr id="2" name="Title 1"/>
           <p:cNvSpPr>
             <a:spLocks noGrp="1"/>
           </p:cNvSpPr>
@@ -12857,25 +13169,6 @@
               <a:rPr lang="en-US" dirty="0" smtClean="0"/>
               <a:t>Example</a:t>
             </a:r>
-            <a:endParaRPr lang="en-US" dirty="0"/>
-          </a:p>
-        </p:txBody>
-      </p:sp>
-      <p:sp>
-        <p:nvSpPr>
-          <p:cNvPr id="5" name="Subtitle 4"/>
-          <p:cNvSpPr>
-            <a:spLocks noGrp="1"/>
-          </p:cNvSpPr>
-          <p:nvPr>
-            <p:ph type="subTitle" idx="1"/>
-          </p:nvPr>
-        </p:nvSpPr>
-        <p:spPr/>
-        <p:txBody>
-          <a:bodyPr/>
-          <a:lstStyle/>
-          <a:p>
             <a:endParaRPr lang="en-US" dirty="0"/>
           </a:p>
         </p:txBody>
@@ -12883,13 +13176,20 @@
     </p:spTree>
     <p:extLst>
       <p:ext uri="{BB962C8B-B14F-4D97-AF65-F5344CB8AC3E}">
-        <p14:creationId xmlns:p14="http://schemas.microsoft.com/office/powerpoint/2010/main" val="666320067"/>
+        <p14:creationId xmlns:p14="http://schemas.microsoft.com/office/powerpoint/2010/main" val="3775837967"/>
       </p:ext>
     </p:extLst>
   </p:cSld>
   <p:clrMapOvr>
     <a:masterClrMapping/>
   </p:clrMapOvr>
+  <p:timing>
+    <p:tnLst>
+      <p:par>
+        <p:cTn id="1" dur="indefinite" restart="never" nodeType="tmRoot"/>
+      </p:par>
+    </p:tnLst>
+  </p:timing>
 </p:sld>
 </file>
 
@@ -12927,316 +13227,142 @@
           <a:p>
             <a:r>
               <a:rPr lang="en-US" dirty="0" smtClean="0"/>
-              <a:t>Web Worker - Message passing </a:t>
+              <a:t>Content Editable </a:t>
             </a:r>
             <a:endParaRPr lang="en-US" dirty="0"/>
           </a:p>
         </p:txBody>
       </p:sp>
-      <p:sp>
-        <p:nvSpPr>
-          <p:cNvPr id="6" name="Text Placeholder 5"/>
-          <p:cNvSpPr>
-            <a:spLocks noGrp="1"/>
-          </p:cNvSpPr>
-          <p:nvPr>
-            <p:ph type="body" idx="1"/>
-          </p:nvPr>
-        </p:nvSpPr>
+      <p:pic>
+        <p:nvPicPr>
+          <p:cNvPr id="6" name="Content Placeholder 5"/>
+          <p:cNvPicPr>
+            <a:picLocks noGrp="1" noChangeAspect="1"/>
+          </p:cNvPicPr>
+          <p:nvPr>
+            <p:ph idx="1"/>
+          </p:nvPr>
+        </p:nvPicPr>
+        <p:blipFill>
+          <a:blip r:embed="rId2">
+            <a:extLst>
+              <a:ext uri="{28A0092B-C50C-407E-A947-70E740481C1C}">
+                <a14:useLocalDpi xmlns:a14="http://schemas.microsoft.com/office/drawing/2010/main" val="0"/>
+              </a:ext>
+            </a:extLst>
+          </a:blip>
+          <a:stretch>
+            <a:fillRect/>
+          </a:stretch>
+        </p:blipFill>
         <p:spPr>
           <a:xfrm>
-            <a:off x="839788" y="1681163"/>
-            <a:ext cx="5157787" cy="441835"/>
+            <a:off x="5769864" y="1934963"/>
+            <a:ext cx="4762500" cy="2381250"/>
           </a:xfrm>
         </p:spPr>
-        <p:txBody>
-          <a:bodyPr/>
-          <a:lstStyle/>
-          <a:p>
-            <a:r>
-              <a:rPr lang="en-US" dirty="0"/>
-              <a:t>Main </a:t>
-            </a:r>
-            <a:r>
-              <a:rPr lang="en-US" dirty="0" smtClean="0"/>
-              <a:t>page</a:t>
-            </a:r>
-            <a:endParaRPr lang="en-US" dirty="0"/>
-          </a:p>
-        </p:txBody>
-      </p:sp>
-      <p:sp>
-        <p:nvSpPr>
-          <p:cNvPr id="4" name="Content Placeholder 3"/>
-          <p:cNvSpPr>
-            <a:spLocks noGrp="1"/>
-          </p:cNvSpPr>
-          <p:nvPr>
-            <p:ph sz="half" idx="2"/>
-          </p:nvPr>
-        </p:nvSpPr>
+      </p:pic>
+      <p:pic>
+        <p:nvPicPr>
+          <p:cNvPr id="7" name="Picture 6"/>
+          <p:cNvPicPr>
+            <a:picLocks noChangeAspect="1"/>
+          </p:cNvPicPr>
+          <p:nvPr/>
+        </p:nvPicPr>
+        <p:blipFill>
+          <a:blip r:embed="rId3">
+            <a:extLst>
+              <a:ext uri="{28A0092B-C50C-407E-A947-70E740481C1C}">
+                <a14:useLocalDpi xmlns:a14="http://schemas.microsoft.com/office/drawing/2010/main" val="0"/>
+              </a:ext>
+            </a:extLst>
+          </a:blip>
+          <a:stretch>
+            <a:fillRect/>
+          </a:stretch>
+        </p:blipFill>
         <p:spPr>
           <a:xfrm>
-            <a:off x="839788" y="2258170"/>
-            <a:ext cx="5157787" cy="3931493"/>
+            <a:off x="1711697" y="2517380"/>
+            <a:ext cx="4534933" cy="2667608"/>
           </a:xfrm>
+          <a:prstGeom prst="rect">
+            <a:avLst/>
+          </a:prstGeom>
         </p:spPr>
-        <p:txBody>
-          <a:bodyPr>
-            <a:normAutofit fontScale="92500" lnSpcReduction="10000"/>
-          </a:bodyPr>
-          <a:lstStyle/>
-          <a:p>
-            <a:r>
-              <a:rPr lang="en-US" sz="2400" dirty="0" smtClean="0"/>
-              <a:t>new Worker(‘&lt;script file&gt;’);</a:t>
-            </a:r>
-          </a:p>
-          <a:p>
-            <a:r>
-              <a:rPr lang="en-US" sz="2400" dirty="0" err="1" smtClean="0"/>
-              <a:t>worker.postMessage</a:t>
-            </a:r>
-            <a:r>
-              <a:rPr lang="en-US" sz="2400" dirty="0" smtClean="0"/>
-              <a:t>(‘&lt;</a:t>
-            </a:r>
-            <a:r>
-              <a:rPr lang="en-US" sz="2400" dirty="0" err="1" smtClean="0"/>
-              <a:t>msg</a:t>
-            </a:r>
-            <a:r>
-              <a:rPr lang="en-US" sz="2400" dirty="0" smtClean="0"/>
-              <a:t>&gt;’);</a:t>
-            </a:r>
-          </a:p>
-          <a:p>
-            <a:endParaRPr lang="en-US" sz="2400" dirty="0" smtClean="0"/>
-          </a:p>
-          <a:p>
-            <a:endParaRPr lang="en-US" sz="2400" dirty="0" smtClean="0"/>
-          </a:p>
-          <a:p>
-            <a:endParaRPr lang="en-US" sz="2400" dirty="0" smtClean="0"/>
-          </a:p>
-          <a:p>
-            <a:r>
-              <a:rPr lang="en-US" sz="2400" dirty="0" err="1" smtClean="0"/>
-              <a:t>worker.addEventListener</a:t>
-            </a:r>
-            <a:r>
-              <a:rPr lang="en-US" sz="2400" dirty="0" smtClean="0"/>
-              <a:t>(‘message’,</a:t>
-            </a:r>
-          </a:p>
-          <a:p>
-            <a:pPr marL="0" indent="0">
-              <a:buNone/>
-            </a:pPr>
-            <a:r>
-              <a:rPr lang="en-US" sz="2400" dirty="0" smtClean="0"/>
-              <a:t>    function(e) {</a:t>
-            </a:r>
-          </a:p>
-          <a:p>
-            <a:pPr marL="0" indent="0">
-              <a:buNone/>
-            </a:pPr>
-            <a:r>
-              <a:rPr lang="en-US" sz="2400" dirty="0"/>
-              <a:t> </a:t>
-            </a:r>
-            <a:r>
-              <a:rPr lang="en-US" sz="2400" dirty="0" smtClean="0"/>
-              <a:t>         //</a:t>
-            </a:r>
-            <a:r>
-              <a:rPr lang="en-US" sz="2400" dirty="0" err="1" smtClean="0"/>
-              <a:t>e.data</a:t>
-            </a:r>
-            <a:r>
-              <a:rPr lang="en-US" sz="2400" dirty="0" smtClean="0"/>
-              <a:t>;</a:t>
-            </a:r>
-          </a:p>
-          <a:p>
-            <a:pPr marL="0" indent="0">
-              <a:buNone/>
-            </a:pPr>
-            <a:r>
-              <a:rPr lang="en-US" sz="2400" dirty="0"/>
-              <a:t> </a:t>
-            </a:r>
-            <a:r>
-              <a:rPr lang="en-US" sz="2400" dirty="0" smtClean="0"/>
-              <a:t>   }</a:t>
-            </a:r>
-          </a:p>
-          <a:p>
-            <a:r>
-              <a:rPr lang="en-US" sz="2400" dirty="0" err="1" smtClean="0"/>
-              <a:t>worker.terminate</a:t>
-            </a:r>
-            <a:r>
-              <a:rPr lang="en-US" sz="2400" dirty="0" smtClean="0"/>
-              <a:t>();</a:t>
-            </a:r>
-            <a:endParaRPr lang="en-US" sz="2400" dirty="0"/>
-          </a:p>
-        </p:txBody>
-      </p:sp>
-      <p:sp>
-        <p:nvSpPr>
-          <p:cNvPr id="7" name="Text Placeholder 6"/>
-          <p:cNvSpPr>
-            <a:spLocks noGrp="1"/>
-          </p:cNvSpPr>
-          <p:nvPr>
-            <p:ph type="body" sz="quarter" idx="3"/>
-          </p:nvPr>
+      </p:pic>
+      <p:sp>
+        <p:nvSpPr>
+          <p:cNvPr id="5" name="Title 1"/>
+          <p:cNvSpPr txBox="1">
+            <a:spLocks/>
+          </p:cNvSpPr>
+          <p:nvPr/>
         </p:nvSpPr>
         <p:spPr>
           <a:xfrm>
-            <a:off x="6172200" y="1681163"/>
-            <a:ext cx="5183188" cy="441835"/>
+            <a:off x="1524000" y="5171317"/>
+            <a:ext cx="9144000" cy="915353"/>
           </a:xfrm>
+          <a:prstGeom prst="rect">
+            <a:avLst/>
+          </a:prstGeom>
         </p:spPr>
         <p:txBody>
-          <a:bodyPr/>
-          <a:lstStyle/>
-          <a:p>
-            <a:r>
-              <a:rPr lang="en-US" dirty="0"/>
-              <a:t>Worker </a:t>
-            </a:r>
-            <a:r>
-              <a:rPr lang="en-US" dirty="0" smtClean="0"/>
-              <a:t>scripts</a:t>
-            </a:r>
-            <a:endParaRPr lang="en-US" dirty="0"/>
-          </a:p>
-        </p:txBody>
-      </p:sp>
-      <p:sp>
-        <p:nvSpPr>
-          <p:cNvPr id="5" name="Content Placeholder 4"/>
-          <p:cNvSpPr>
-            <a:spLocks noGrp="1"/>
-          </p:cNvSpPr>
-          <p:nvPr>
-            <p:ph sz="quarter" idx="4"/>
-          </p:nvPr>
-        </p:nvSpPr>
-        <p:spPr>
-          <a:xfrm>
-            <a:off x="6172200" y="2258170"/>
-            <a:ext cx="5183188" cy="3931493"/>
-          </a:xfrm>
-        </p:spPr>
-        <p:txBody>
-          <a:bodyPr>
-            <a:normAutofit fontScale="92500" lnSpcReduction="10000"/>
+          <a:bodyPr vert="horz" lIns="91440" tIns="45720" rIns="91440" bIns="45720" rtlCol="0" anchor="ctr">
+            <a:normAutofit/>
           </a:bodyPr>
-          <a:lstStyle/>
-          <a:p>
-            <a:endParaRPr lang="en-US" sz="2400" dirty="0" smtClean="0"/>
-          </a:p>
-          <a:p>
-            <a:r>
-              <a:rPr lang="en-US" sz="2400" dirty="0" err="1" smtClean="0"/>
-              <a:t>self.addEventListener</a:t>
-            </a:r>
-            <a:r>
-              <a:rPr lang="en-US" sz="2400" dirty="0" smtClean="0"/>
-              <a:t>(‘message’,</a:t>
-            </a:r>
-          </a:p>
-          <a:p>
-            <a:pPr marL="0" indent="0">
+          <a:lstStyle>
+            <a:lvl1pPr algn="l" defTabSz="914400" rtl="0" eaLnBrk="1" latinLnBrk="0" hangingPunct="1">
+              <a:lnSpc>
+                <a:spcPct val="90000"/>
+              </a:lnSpc>
+              <a:spcBef>
+                <a:spcPct val="0"/>
+              </a:spcBef>
               <a:buNone/>
-            </a:pPr>
-            <a:r>
-              <a:rPr lang="en-US" sz="2400" dirty="0" smtClean="0"/>
-              <a:t>   function(e) {</a:t>
-            </a:r>
-          </a:p>
-          <a:p>
-            <a:pPr marL="0" indent="0">
-              <a:buNone/>
-            </a:pPr>
-            <a:r>
-              <a:rPr lang="en-US" sz="2400" dirty="0" smtClean="0"/>
-              <a:t>	// </a:t>
-            </a:r>
-            <a:r>
-              <a:rPr lang="en-US" sz="2400" dirty="0" err="1" smtClean="0"/>
-              <a:t>e.data</a:t>
-            </a:r>
-            <a:r>
-              <a:rPr lang="en-US" sz="2400" dirty="0" smtClean="0"/>
-              <a:t>;</a:t>
-            </a:r>
-            <a:endParaRPr lang="en-US" sz="2400" dirty="0"/>
-          </a:p>
-          <a:p>
-            <a:pPr marL="0" indent="0">
-              <a:buNone/>
-            </a:pPr>
-            <a:r>
-              <a:rPr lang="en-US" sz="2400" dirty="0" smtClean="0"/>
-              <a:t>   });</a:t>
-            </a:r>
-          </a:p>
-          <a:p>
-            <a:r>
-              <a:rPr lang="en-US" sz="2400" dirty="0" err="1" smtClean="0"/>
-              <a:t>self.postMessage</a:t>
-            </a:r>
-            <a:r>
-              <a:rPr lang="en-US" sz="2400" dirty="0" smtClean="0"/>
-              <a:t>(‘&lt;</a:t>
-            </a:r>
-            <a:r>
-              <a:rPr lang="en-US" sz="2400" dirty="0" err="1" smtClean="0"/>
-              <a:t>msg</a:t>
-            </a:r>
-            <a:r>
-              <a:rPr lang="en-US" sz="2400" dirty="0" smtClean="0"/>
-              <a:t>&gt;’);</a:t>
-            </a:r>
-          </a:p>
-          <a:p>
-            <a:endParaRPr lang="en-US" sz="2400" dirty="0"/>
-          </a:p>
-          <a:p>
-            <a:endParaRPr lang="en-US" sz="2400" dirty="0" smtClean="0"/>
-          </a:p>
-          <a:p>
-            <a:endParaRPr lang="en-US" sz="2400" dirty="0" smtClean="0"/>
-          </a:p>
-          <a:p>
-            <a:r>
-              <a:rPr lang="en-US" sz="2400" dirty="0" err="1" smtClean="0"/>
-              <a:t>self.close</a:t>
-            </a:r>
-            <a:r>
-              <a:rPr lang="en-US" sz="2400" dirty="0" smtClean="0"/>
-              <a:t>();</a:t>
-            </a:r>
-            <a:endParaRPr lang="en-US" sz="2400" dirty="0"/>
+              <a:defRPr sz="4400" kern="1200">
+                <a:solidFill>
+                  <a:schemeClr val="tx1"/>
+                </a:solidFill>
+                <a:latin typeface="+mj-lt"/>
+                <a:ea typeface="+mj-ea"/>
+                <a:cs typeface="+mj-cs"/>
+              </a:defRPr>
+            </a:lvl1pPr>
+          </a:lstStyle>
+          <a:p>
+            <a:pPr algn="ctr"/>
+            <a:r>
+              <a:rPr lang="en-US" sz="3200" i="1" dirty="0" smtClean="0">
+                <a:latin typeface="+mn-lt"/>
+              </a:rPr>
+              <a:t>&lt; Native support WYSIWYG editor &gt;</a:t>
+            </a:r>
+            <a:endParaRPr lang="en-US" sz="3200" i="1" dirty="0">
+              <a:latin typeface="+mn-lt"/>
+            </a:endParaRPr>
           </a:p>
         </p:txBody>
       </p:sp>
     </p:spTree>
     <p:extLst>
       <p:ext uri="{BB962C8B-B14F-4D97-AF65-F5344CB8AC3E}">
-        <p14:creationId xmlns:p14="http://schemas.microsoft.com/office/powerpoint/2010/main" val="3140163076"/>
+        <p14:creationId xmlns:p14="http://schemas.microsoft.com/office/powerpoint/2010/main" val="2993595375"/>
       </p:ext>
     </p:extLst>
   </p:cSld>
   <p:clrMapOvr>
     <a:masterClrMapping/>
   </p:clrMapOvr>
+  <p:timing>
+    <p:tnLst>
+      <p:par>
+        <p:cTn id="1" dur="indefinite" restart="never" nodeType="tmRoot"/>
+      </p:par>
+    </p:tnLst>
+  </p:timing>
 </p:sld>
 </file>
 
@@ -13259,227 +13385,22 @@
       </p:grpSpPr>
       <p:sp>
         <p:nvSpPr>
-          <p:cNvPr id="2" name="Title 1"/>
-          <p:cNvSpPr>
-            <a:spLocks noGrp="1"/>
-          </p:cNvSpPr>
-          <p:nvPr>
-            <p:ph type="title"/>
-          </p:nvPr>
-        </p:nvSpPr>
-        <p:spPr/>
-        <p:txBody>
-          <a:bodyPr/>
-          <a:lstStyle/>
-          <a:p>
-            <a:r>
-              <a:rPr lang="en-US" dirty="0" smtClean="0"/>
-              <a:t>Web Worker – Scope</a:t>
-            </a:r>
-            <a:endParaRPr lang="en-US" dirty="0"/>
-          </a:p>
-        </p:txBody>
-      </p:sp>
-      <p:sp>
-        <p:nvSpPr>
-          <p:cNvPr id="3" name="Text Placeholder 2"/>
-          <p:cNvSpPr>
-            <a:spLocks noGrp="1"/>
-          </p:cNvSpPr>
-          <p:nvPr>
-            <p:ph type="body" idx="1"/>
-          </p:nvPr>
-        </p:nvSpPr>
-        <p:spPr>
-          <a:xfrm>
-            <a:off x="839788" y="1681163"/>
-            <a:ext cx="5157787" cy="402079"/>
-          </a:xfrm>
-        </p:spPr>
-        <p:txBody>
-          <a:bodyPr>
-            <a:normAutofit lnSpcReduction="10000"/>
-          </a:bodyPr>
-          <a:lstStyle/>
-          <a:p>
-            <a:r>
-              <a:rPr lang="en-US" dirty="0" smtClean="0"/>
-              <a:t>Can access</a:t>
-            </a:r>
-            <a:endParaRPr lang="en-US" dirty="0"/>
-          </a:p>
-        </p:txBody>
-      </p:sp>
-      <p:sp>
-        <p:nvSpPr>
-          <p:cNvPr id="4" name="Content Placeholder 3"/>
-          <p:cNvSpPr>
-            <a:spLocks noGrp="1"/>
-          </p:cNvSpPr>
-          <p:nvPr>
-            <p:ph sz="half" idx="2"/>
-          </p:nvPr>
-        </p:nvSpPr>
-        <p:spPr>
-          <a:xfrm>
-            <a:off x="839788" y="2083242"/>
-            <a:ext cx="5157787" cy="4106421"/>
-          </a:xfrm>
-        </p:spPr>
-        <p:txBody>
-          <a:bodyPr/>
-          <a:lstStyle/>
-          <a:p>
-            <a:r>
-              <a:rPr lang="en-US" dirty="0" smtClean="0"/>
-              <a:t>navigator object</a:t>
-            </a:r>
-          </a:p>
-          <a:p>
-            <a:r>
-              <a:rPr lang="en-US" dirty="0" smtClean="0"/>
-              <a:t>location object [read only]</a:t>
-            </a:r>
-          </a:p>
-          <a:p>
-            <a:r>
-              <a:rPr lang="en-US" dirty="0" err="1" smtClean="0"/>
-              <a:t>XMLHttpRequest</a:t>
-            </a:r>
-            <a:endParaRPr lang="en-US" dirty="0" smtClean="0"/>
-          </a:p>
-          <a:p>
-            <a:r>
-              <a:rPr lang="en-US" dirty="0" err="1" smtClean="0"/>
-              <a:t>setTimeout</a:t>
-            </a:r>
-            <a:r>
-              <a:rPr lang="en-US" dirty="0" smtClean="0"/>
-              <a:t>() / </a:t>
-            </a:r>
-            <a:r>
-              <a:rPr lang="en-US" dirty="0" err="1" smtClean="0"/>
-              <a:t>clearTimeout</a:t>
-            </a:r>
-            <a:r>
-              <a:rPr lang="en-US" dirty="0" smtClean="0"/>
-              <a:t>()</a:t>
-            </a:r>
-          </a:p>
-          <a:p>
-            <a:r>
-              <a:rPr lang="en-US" dirty="0" err="1" smtClean="0"/>
-              <a:t>setInterval</a:t>
-            </a:r>
-            <a:r>
-              <a:rPr lang="en-US" dirty="0" smtClean="0"/>
-              <a:t>() / </a:t>
-            </a:r>
-            <a:r>
-              <a:rPr lang="en-US" dirty="0" err="1" smtClean="0"/>
-              <a:t>clearInterval</a:t>
-            </a:r>
-            <a:r>
-              <a:rPr lang="en-US" dirty="0" smtClean="0"/>
-              <a:t>()</a:t>
-            </a:r>
-          </a:p>
-          <a:p>
-            <a:r>
-              <a:rPr lang="en-US" dirty="0" smtClean="0"/>
-              <a:t>Application Cache</a:t>
-            </a:r>
-          </a:p>
-          <a:p>
-            <a:r>
-              <a:rPr lang="en-US" dirty="0" err="1" smtClean="0"/>
-              <a:t>importScripts</a:t>
-            </a:r>
-            <a:r>
-              <a:rPr lang="en-US" dirty="0" smtClean="0"/>
-              <a:t>()</a:t>
-            </a:r>
-          </a:p>
-          <a:p>
-            <a:r>
-              <a:rPr lang="en-US" dirty="0" smtClean="0"/>
-              <a:t>Web Workers</a:t>
-            </a:r>
-            <a:endParaRPr lang="en-US" dirty="0"/>
-          </a:p>
-        </p:txBody>
-      </p:sp>
-      <p:sp>
-        <p:nvSpPr>
-          <p:cNvPr id="5" name="Text Placeholder 4"/>
-          <p:cNvSpPr>
-            <a:spLocks noGrp="1"/>
-          </p:cNvSpPr>
-          <p:nvPr>
-            <p:ph type="body" sz="quarter" idx="3"/>
-          </p:nvPr>
-        </p:nvSpPr>
-        <p:spPr>
-          <a:xfrm>
-            <a:off x="6172200" y="1681163"/>
-            <a:ext cx="5183188" cy="402079"/>
-          </a:xfrm>
-        </p:spPr>
-        <p:txBody>
-          <a:bodyPr>
-            <a:normAutofit lnSpcReduction="10000"/>
-          </a:bodyPr>
-          <a:lstStyle/>
-          <a:p>
-            <a:r>
-              <a:rPr lang="en-US" dirty="0" smtClean="0"/>
-              <a:t>Can NOT access</a:t>
-            </a:r>
-            <a:endParaRPr lang="en-US" dirty="0"/>
-          </a:p>
-        </p:txBody>
-      </p:sp>
-      <p:sp>
-        <p:nvSpPr>
-          <p:cNvPr id="6" name="Content Placeholder 5"/>
-          <p:cNvSpPr>
-            <a:spLocks noGrp="1"/>
-          </p:cNvSpPr>
-          <p:nvPr>
-            <p:ph sz="quarter" idx="4"/>
-          </p:nvPr>
-        </p:nvSpPr>
-        <p:spPr>
-          <a:xfrm>
-            <a:off x="6172200" y="2083242"/>
-            <a:ext cx="5183188" cy="4106421"/>
-          </a:xfrm>
-        </p:spPr>
-        <p:txBody>
-          <a:bodyPr/>
-          <a:lstStyle/>
-          <a:p>
-            <a:r>
-              <a:rPr lang="en-US" dirty="0" smtClean="0"/>
-              <a:t>DOM</a:t>
-            </a:r>
-          </a:p>
-          <a:p>
-            <a:r>
-              <a:rPr lang="en-US" dirty="0" smtClean="0"/>
-              <a:t>window object</a:t>
-            </a:r>
-          </a:p>
-          <a:p>
-            <a:r>
-              <a:rPr lang="en-US" dirty="0" smtClean="0"/>
-              <a:t>document object</a:t>
-            </a:r>
-          </a:p>
-          <a:p>
-            <a:r>
-              <a:rPr lang="en-US" dirty="0" smtClean="0"/>
-              <a:t>parent object</a:t>
+          <p:cNvPr id="6" name="Title 5"/>
+          <p:cNvSpPr>
+            <a:spLocks noGrp="1"/>
+          </p:cNvSpPr>
+          <p:nvPr>
+            <p:ph type="ctrTitle"/>
+          </p:nvPr>
+        </p:nvSpPr>
+        <p:spPr/>
+        <p:txBody>
+          <a:bodyPr/>
+          <a:lstStyle/>
+          <a:p>
+            <a:r>
+              <a:rPr lang="en-US" dirty="0" smtClean="0"/>
+              <a:t>Example</a:t>
             </a:r>
             <a:endParaRPr lang="en-US" dirty="0"/>
           </a:p>
@@ -13488,13 +13409,20 @@
     </p:spTree>
     <p:extLst>
       <p:ext uri="{BB962C8B-B14F-4D97-AF65-F5344CB8AC3E}">
-        <p14:creationId xmlns:p14="http://schemas.microsoft.com/office/powerpoint/2010/main" val="1424384653"/>
+        <p14:creationId xmlns:p14="http://schemas.microsoft.com/office/powerpoint/2010/main" val="1366852964"/>
       </p:ext>
     </p:extLst>
   </p:cSld>
   <p:clrMapOvr>
     <a:masterClrMapping/>
   </p:clrMapOvr>
+  <p:timing>
+    <p:tnLst>
+      <p:par>
+        <p:cTn id="1" dur="indefinite" restart="never" nodeType="tmRoot"/>
+      </p:par>
+    </p:tnLst>
+  </p:timing>
 </p:sld>
 </file>
 
@@ -13532,35 +13460,105 @@
           <a:p>
             <a:r>
               <a:rPr lang="en-US" dirty="0" smtClean="0"/>
-              <a:t>Connectivity</a:t>
+              <a:t>Web Worker</a:t>
             </a:r>
             <a:endParaRPr lang="en-US" dirty="0"/>
           </a:p>
         </p:txBody>
       </p:sp>
-      <p:sp>
-        <p:nvSpPr>
-          <p:cNvPr id="4" name="Text Placeholder 3"/>
-          <p:cNvSpPr>
-            <a:spLocks noGrp="1"/>
-          </p:cNvSpPr>
-          <p:nvPr>
-            <p:ph type="body" idx="1"/>
-          </p:nvPr>
-        </p:nvSpPr>
-        <p:spPr/>
-        <p:txBody>
-          <a:bodyPr/>
-          <a:lstStyle/>
-          <a:p>
-            <a:endParaRPr lang="en-US" dirty="0"/>
-          </a:p>
-        </p:txBody>
-      </p:sp>
+      <p:pic>
+        <p:nvPicPr>
+          <p:cNvPr id="6" name="Picture 5"/>
+          <p:cNvPicPr>
+            <a:picLocks noChangeAspect="1"/>
+          </p:cNvPicPr>
+          <p:nvPr/>
+        </p:nvPicPr>
+        <p:blipFill>
+          <a:blip r:embed="rId2">
+            <a:extLst>
+              <a:ext uri="{28A0092B-C50C-407E-A947-70E740481C1C}">
+                <a14:useLocalDpi xmlns:a14="http://schemas.microsoft.com/office/drawing/2010/main" val="0"/>
+              </a:ext>
+            </a:extLst>
+          </a:blip>
+          <a:stretch>
+            <a:fillRect/>
+          </a:stretch>
+        </p:blipFill>
+        <p:spPr>
+          <a:xfrm>
+            <a:off x="4910709" y="1608007"/>
+            <a:ext cx="4400550" cy="2324100"/>
+          </a:xfrm>
+          <a:prstGeom prst="rect">
+            <a:avLst/>
+          </a:prstGeom>
+        </p:spPr>
+      </p:pic>
+      <p:pic>
+        <p:nvPicPr>
+          <p:cNvPr id="4" name="Content Placeholder 3"/>
+          <p:cNvPicPr>
+            <a:picLocks noGrp="1" noChangeAspect="1"/>
+          </p:cNvPicPr>
+          <p:nvPr>
+            <p:ph idx="1"/>
+          </p:nvPr>
+        </p:nvPicPr>
+        <p:blipFill>
+          <a:blip r:embed="rId3">
+            <a:extLst>
+              <a:ext uri="{28A0092B-C50C-407E-A947-70E740481C1C}">
+                <a14:useLocalDpi xmlns:a14="http://schemas.microsoft.com/office/drawing/2010/main" val="0"/>
+              </a:ext>
+            </a:extLst>
+          </a:blip>
+          <a:stretch>
+            <a:fillRect/>
+          </a:stretch>
+        </p:blipFill>
+        <p:spPr>
+          <a:xfrm>
+            <a:off x="1667065" y="3054663"/>
+            <a:ext cx="4009653" cy="1754888"/>
+          </a:xfrm>
+        </p:spPr>
+      </p:pic>
+      <p:pic>
+        <p:nvPicPr>
+          <p:cNvPr id="7" name="Picture 6"/>
+          <p:cNvPicPr>
+            <a:picLocks noChangeAspect="1"/>
+          </p:cNvPicPr>
+          <p:nvPr/>
+        </p:nvPicPr>
+        <p:blipFill>
+          <a:blip r:embed="rId4">
+            <a:extLst>
+              <a:ext uri="{28A0092B-C50C-407E-A947-70E740481C1C}">
+                <a14:useLocalDpi xmlns:a14="http://schemas.microsoft.com/office/drawing/2010/main" val="0"/>
+              </a:ext>
+            </a:extLst>
+          </a:blip>
+          <a:stretch>
+            <a:fillRect/>
+          </a:stretch>
+        </p:blipFill>
+        <p:spPr>
+          <a:xfrm>
+            <a:off x="7457313" y="4434268"/>
+            <a:ext cx="2800350" cy="1628775"/>
+          </a:xfrm>
+          <a:prstGeom prst="rect">
+            <a:avLst/>
+          </a:prstGeom>
+        </p:spPr>
+      </p:pic>
     </p:spTree>
     <p:extLst>
       <p:ext uri="{BB962C8B-B14F-4D97-AF65-F5344CB8AC3E}">
-        <p14:creationId xmlns:p14="http://schemas.microsoft.com/office/powerpoint/2010/main" val="1938040197"/>
+        <p14:creationId xmlns:p14="http://schemas.microsoft.com/office/powerpoint/2010/main" val="530610400"/>
       </p:ext>
     </p:extLst>
   </p:cSld>
@@ -13601,6 +13599,1021 @@
             <a:spLocks noGrp="1"/>
           </p:cNvSpPr>
           <p:nvPr>
+            <p:ph type="ctrTitle"/>
+          </p:nvPr>
+        </p:nvSpPr>
+        <p:spPr/>
+        <p:txBody>
+          <a:bodyPr/>
+          <a:lstStyle/>
+          <a:p>
+            <a:r>
+              <a:rPr lang="en-US" dirty="0" smtClean="0"/>
+              <a:t>Javascript is single thread!</a:t>
+            </a:r>
+            <a:endParaRPr lang="en-US" dirty="0"/>
+          </a:p>
+        </p:txBody>
+      </p:sp>
+      <p:sp>
+        <p:nvSpPr>
+          <p:cNvPr id="3" name="Content Placeholder 2"/>
+          <p:cNvSpPr>
+            <a:spLocks noGrp="1"/>
+          </p:cNvSpPr>
+          <p:nvPr>
+            <p:ph type="subTitle" idx="1"/>
+          </p:nvPr>
+        </p:nvSpPr>
+        <p:spPr/>
+        <p:txBody>
+          <a:bodyPr/>
+          <a:lstStyle/>
+          <a:p>
+            <a:r>
+              <a:rPr lang="en-US" dirty="0" smtClean="0"/>
+              <a:t>Long running scripts = Browser freezed</a:t>
+            </a:r>
+          </a:p>
+        </p:txBody>
+      </p:sp>
+    </p:spTree>
+    <p:extLst>
+      <p:ext uri="{BB962C8B-B14F-4D97-AF65-F5344CB8AC3E}">
+        <p14:creationId xmlns:p14="http://schemas.microsoft.com/office/powerpoint/2010/main" val="3401328093"/>
+      </p:ext>
+    </p:extLst>
+  </p:cSld>
+  <p:clrMapOvr>
+    <a:masterClrMapping/>
+  </p:clrMapOvr>
+  <p:timing>
+    <p:tnLst>
+      <p:par>
+        <p:cTn id="1" dur="indefinite" restart="never" nodeType="tmRoot"/>
+      </p:par>
+    </p:tnLst>
+  </p:timing>
+</p:sld>
+</file>
+
+<file path=ppt/slides/slide56.xml><?xml version="1.0" encoding="utf-8"?>
+<p:sld xmlns:a="http://schemas.openxmlformats.org/drawingml/2006/main" xmlns:r="http://schemas.openxmlformats.org/officeDocument/2006/relationships" xmlns:p="http://schemas.openxmlformats.org/presentationml/2006/main">
+  <p:cSld>
+    <p:spTree>
+      <p:nvGrpSpPr>
+        <p:cNvPr id="1" name=""/>
+        <p:cNvGrpSpPr/>
+        <p:nvPr/>
+      </p:nvGrpSpPr>
+      <p:grpSpPr>
+        <a:xfrm>
+          <a:off x="0" y="0"/>
+          <a:ext cx="0" cy="0"/>
+          <a:chOff x="0" y="0"/>
+          <a:chExt cx="0" cy="0"/>
+        </a:xfrm>
+      </p:grpSpPr>
+      <p:sp>
+        <p:nvSpPr>
+          <p:cNvPr id="4" name="Title 3"/>
+          <p:cNvSpPr>
+            <a:spLocks noGrp="1"/>
+          </p:cNvSpPr>
+          <p:nvPr>
+            <p:ph type="ctrTitle"/>
+          </p:nvPr>
+        </p:nvSpPr>
+        <p:spPr/>
+        <p:txBody>
+          <a:bodyPr/>
+          <a:lstStyle/>
+          <a:p>
+            <a:r>
+              <a:rPr lang="en-US" dirty="0" smtClean="0"/>
+              <a:t>Example</a:t>
+            </a:r>
+            <a:endParaRPr lang="en-US" dirty="0"/>
+          </a:p>
+        </p:txBody>
+      </p:sp>
+      <p:sp>
+        <p:nvSpPr>
+          <p:cNvPr id="5" name="Subtitle 4"/>
+          <p:cNvSpPr>
+            <a:spLocks noGrp="1"/>
+          </p:cNvSpPr>
+          <p:nvPr>
+            <p:ph type="subTitle" idx="1"/>
+          </p:nvPr>
+        </p:nvSpPr>
+        <p:spPr/>
+        <p:txBody>
+          <a:bodyPr/>
+          <a:lstStyle/>
+          <a:p>
+            <a:endParaRPr lang="en-US" dirty="0"/>
+          </a:p>
+        </p:txBody>
+      </p:sp>
+    </p:spTree>
+    <p:extLst>
+      <p:ext uri="{BB962C8B-B14F-4D97-AF65-F5344CB8AC3E}">
+        <p14:creationId xmlns:p14="http://schemas.microsoft.com/office/powerpoint/2010/main" val="666320067"/>
+      </p:ext>
+    </p:extLst>
+  </p:cSld>
+  <p:clrMapOvr>
+    <a:masterClrMapping/>
+  </p:clrMapOvr>
+  <p:timing>
+    <p:tnLst>
+      <p:par>
+        <p:cTn id="1" dur="indefinite" restart="never" nodeType="tmRoot"/>
+      </p:par>
+    </p:tnLst>
+  </p:timing>
+</p:sld>
+</file>
+
+<file path=ppt/slides/slide57.xml><?xml version="1.0" encoding="utf-8"?>
+<p:sld xmlns:a="http://schemas.openxmlformats.org/drawingml/2006/main" xmlns:r="http://schemas.openxmlformats.org/officeDocument/2006/relationships" xmlns:p="http://schemas.openxmlformats.org/presentationml/2006/main">
+  <p:cSld>
+    <p:spTree>
+      <p:nvGrpSpPr>
+        <p:cNvPr id="1" name=""/>
+        <p:cNvGrpSpPr/>
+        <p:nvPr/>
+      </p:nvGrpSpPr>
+      <p:grpSpPr>
+        <a:xfrm>
+          <a:off x="0" y="0"/>
+          <a:ext cx="0" cy="0"/>
+          <a:chOff x="0" y="0"/>
+          <a:chExt cx="0" cy="0"/>
+        </a:xfrm>
+      </p:grpSpPr>
+      <p:sp>
+        <p:nvSpPr>
+          <p:cNvPr id="2" name="Title 1"/>
+          <p:cNvSpPr>
+            <a:spLocks noGrp="1"/>
+          </p:cNvSpPr>
+          <p:nvPr>
+            <p:ph type="title"/>
+          </p:nvPr>
+        </p:nvSpPr>
+        <p:spPr/>
+        <p:txBody>
+          <a:bodyPr/>
+          <a:lstStyle/>
+          <a:p>
+            <a:r>
+              <a:rPr lang="en-US" dirty="0" smtClean="0"/>
+              <a:t>Web Worker - Message passing </a:t>
+            </a:r>
+            <a:endParaRPr lang="en-US" dirty="0"/>
+          </a:p>
+        </p:txBody>
+      </p:sp>
+      <p:sp>
+        <p:nvSpPr>
+          <p:cNvPr id="6" name="Text Placeholder 5"/>
+          <p:cNvSpPr>
+            <a:spLocks noGrp="1"/>
+          </p:cNvSpPr>
+          <p:nvPr>
+            <p:ph type="body" idx="1"/>
+          </p:nvPr>
+        </p:nvSpPr>
+        <p:spPr>
+          <a:xfrm>
+            <a:off x="839788" y="1681163"/>
+            <a:ext cx="5157787" cy="441835"/>
+          </a:xfrm>
+        </p:spPr>
+        <p:txBody>
+          <a:bodyPr/>
+          <a:lstStyle/>
+          <a:p>
+            <a:r>
+              <a:rPr lang="en-US" dirty="0"/>
+              <a:t>Main </a:t>
+            </a:r>
+            <a:r>
+              <a:rPr lang="en-US" dirty="0" smtClean="0"/>
+              <a:t>page</a:t>
+            </a:r>
+            <a:endParaRPr lang="en-US" dirty="0"/>
+          </a:p>
+        </p:txBody>
+      </p:sp>
+      <p:sp>
+        <p:nvSpPr>
+          <p:cNvPr id="4" name="Content Placeholder 3"/>
+          <p:cNvSpPr>
+            <a:spLocks noGrp="1"/>
+          </p:cNvSpPr>
+          <p:nvPr>
+            <p:ph sz="half" idx="2"/>
+          </p:nvPr>
+        </p:nvSpPr>
+        <p:spPr>
+          <a:xfrm>
+            <a:off x="839788" y="2258170"/>
+            <a:ext cx="4910137" cy="3931493"/>
+          </a:xfrm>
+        </p:spPr>
+        <p:txBody>
+          <a:bodyPr>
+            <a:normAutofit fontScale="92500" lnSpcReduction="10000"/>
+          </a:bodyPr>
+          <a:lstStyle/>
+          <a:p>
+            <a:pPr marL="0" indent="0">
+              <a:buNone/>
+            </a:pPr>
+            <a:r>
+              <a:rPr lang="en-US" sz="2400" dirty="0" smtClean="0"/>
+              <a:t>var worker = new </a:t>
+            </a:r>
+            <a:r>
+              <a:rPr lang="en-US" sz="2400" dirty="0" smtClean="0"/>
+              <a:t>Worker(‘&lt;script file&gt;’);</a:t>
+            </a:r>
+          </a:p>
+          <a:p>
+            <a:pPr marL="0" indent="0">
+              <a:buNone/>
+            </a:pPr>
+            <a:r>
+              <a:rPr lang="en-US" sz="2400" dirty="0" smtClean="0"/>
+              <a:t>worker.postMessage</a:t>
+            </a:r>
+            <a:r>
+              <a:rPr lang="en-US" sz="2400" dirty="0" smtClean="0"/>
+              <a:t>(‘&lt;msg&gt;’);</a:t>
+            </a:r>
+          </a:p>
+          <a:p>
+            <a:endParaRPr lang="en-US" sz="2400" dirty="0" smtClean="0"/>
+          </a:p>
+          <a:p>
+            <a:endParaRPr lang="en-US" sz="2400" dirty="0" smtClean="0"/>
+          </a:p>
+          <a:p>
+            <a:pPr marL="0" indent="0">
+              <a:buNone/>
+            </a:pPr>
+            <a:r>
+              <a:rPr lang="en-US" sz="2400" dirty="0" smtClean="0"/>
+              <a:t>worker.addEventListener</a:t>
+            </a:r>
+            <a:r>
+              <a:rPr lang="en-US" sz="2400" dirty="0" smtClean="0"/>
+              <a:t>(‘message’,</a:t>
+            </a:r>
+          </a:p>
+          <a:p>
+            <a:pPr marL="0" indent="0">
+              <a:buNone/>
+            </a:pPr>
+            <a:r>
+              <a:rPr lang="en-US" sz="2400" dirty="0" smtClean="0"/>
+              <a:t>    function(e) {</a:t>
+            </a:r>
+          </a:p>
+          <a:p>
+            <a:pPr marL="0" indent="0">
+              <a:buNone/>
+            </a:pPr>
+            <a:r>
+              <a:rPr lang="en-US" sz="2400" dirty="0"/>
+              <a:t> </a:t>
+            </a:r>
+            <a:r>
+              <a:rPr lang="en-US" sz="2400" dirty="0" smtClean="0"/>
+              <a:t>         //</a:t>
+            </a:r>
+            <a:r>
+              <a:rPr lang="en-US" sz="2400" dirty="0" err="1" smtClean="0"/>
+              <a:t>e.data</a:t>
+            </a:r>
+            <a:r>
+              <a:rPr lang="en-US" sz="2400" dirty="0" smtClean="0"/>
+              <a:t>;</a:t>
+            </a:r>
+          </a:p>
+          <a:p>
+            <a:pPr marL="0" indent="0">
+              <a:buNone/>
+            </a:pPr>
+            <a:r>
+              <a:rPr lang="en-US" sz="2400" dirty="0" smtClean="0"/>
+              <a:t>    }</a:t>
+            </a:r>
+          </a:p>
+          <a:p>
+            <a:pPr marL="0" indent="0">
+              <a:buNone/>
+            </a:pPr>
+            <a:r>
+              <a:rPr lang="en-US" sz="2400" dirty="0" smtClean="0"/>
+              <a:t>);</a:t>
+            </a:r>
+            <a:endParaRPr lang="en-US" sz="2400" dirty="0" smtClean="0"/>
+          </a:p>
+          <a:p>
+            <a:pPr marL="0" indent="0">
+              <a:buNone/>
+            </a:pPr>
+            <a:r>
+              <a:rPr lang="en-US" sz="2400" dirty="0" err="1" smtClean="0"/>
+              <a:t>worker.terminate</a:t>
+            </a:r>
+            <a:r>
+              <a:rPr lang="en-US" sz="2400" dirty="0" smtClean="0"/>
+              <a:t>();</a:t>
+            </a:r>
+            <a:endParaRPr lang="en-US" sz="2400" dirty="0"/>
+          </a:p>
+        </p:txBody>
+      </p:sp>
+      <p:sp>
+        <p:nvSpPr>
+          <p:cNvPr id="7" name="Text Placeholder 6"/>
+          <p:cNvSpPr>
+            <a:spLocks noGrp="1"/>
+          </p:cNvSpPr>
+          <p:nvPr>
+            <p:ph type="body" sz="quarter" idx="3"/>
+          </p:nvPr>
+        </p:nvSpPr>
+        <p:spPr>
+          <a:xfrm>
+            <a:off x="6172200" y="1681163"/>
+            <a:ext cx="5183188" cy="441835"/>
+          </a:xfrm>
+        </p:spPr>
+        <p:txBody>
+          <a:bodyPr/>
+          <a:lstStyle/>
+          <a:p>
+            <a:r>
+              <a:rPr lang="en-US" dirty="0"/>
+              <a:t>Worker </a:t>
+            </a:r>
+            <a:r>
+              <a:rPr lang="en-US" dirty="0" smtClean="0"/>
+              <a:t>scripts</a:t>
+            </a:r>
+            <a:endParaRPr lang="en-US" dirty="0"/>
+          </a:p>
+        </p:txBody>
+      </p:sp>
+      <p:sp>
+        <p:nvSpPr>
+          <p:cNvPr id="5" name="Content Placeholder 4"/>
+          <p:cNvSpPr>
+            <a:spLocks noGrp="1"/>
+          </p:cNvSpPr>
+          <p:nvPr>
+            <p:ph sz="quarter" idx="4"/>
+          </p:nvPr>
+        </p:nvSpPr>
+        <p:spPr>
+          <a:xfrm>
+            <a:off x="6172200" y="2258170"/>
+            <a:ext cx="5183188" cy="3931493"/>
+          </a:xfrm>
+        </p:spPr>
+        <p:txBody>
+          <a:bodyPr>
+            <a:normAutofit fontScale="92500" lnSpcReduction="10000"/>
+          </a:bodyPr>
+          <a:lstStyle/>
+          <a:p>
+            <a:endParaRPr lang="en-US" sz="2400" dirty="0" smtClean="0"/>
+          </a:p>
+          <a:p>
+            <a:pPr marL="0" indent="0">
+              <a:buNone/>
+            </a:pPr>
+            <a:r>
+              <a:rPr lang="en-US" sz="2400" dirty="0" err="1" smtClean="0"/>
+              <a:t>self.addEventListener</a:t>
+            </a:r>
+            <a:r>
+              <a:rPr lang="en-US" sz="2400" dirty="0" smtClean="0"/>
+              <a:t>(‘message’,</a:t>
+            </a:r>
+          </a:p>
+          <a:p>
+            <a:pPr marL="0" indent="0">
+              <a:buNone/>
+            </a:pPr>
+            <a:r>
+              <a:rPr lang="en-US" sz="2400" dirty="0" smtClean="0"/>
+              <a:t>   function(e) {</a:t>
+            </a:r>
+          </a:p>
+          <a:p>
+            <a:pPr marL="0" indent="0">
+              <a:buNone/>
+            </a:pPr>
+            <a:r>
+              <a:rPr lang="en-US" sz="2400" dirty="0" smtClean="0"/>
+              <a:t>	// </a:t>
+            </a:r>
+            <a:r>
+              <a:rPr lang="en-US" sz="2400" dirty="0" err="1" smtClean="0"/>
+              <a:t>e.data</a:t>
+            </a:r>
+            <a:r>
+              <a:rPr lang="en-US" sz="2400" dirty="0" smtClean="0"/>
+              <a:t>;</a:t>
+            </a:r>
+            <a:endParaRPr lang="en-US" sz="2400" dirty="0"/>
+          </a:p>
+          <a:p>
+            <a:pPr marL="0" indent="0">
+              <a:buNone/>
+            </a:pPr>
+            <a:r>
+              <a:rPr lang="en-US" sz="2400" dirty="0" smtClean="0"/>
+              <a:t>   });</a:t>
+            </a:r>
+          </a:p>
+          <a:p>
+            <a:pPr marL="0" indent="0">
+              <a:buNone/>
+            </a:pPr>
+            <a:r>
+              <a:rPr lang="en-US" sz="2400" dirty="0" err="1" smtClean="0"/>
+              <a:t>self.postMessage</a:t>
+            </a:r>
+            <a:r>
+              <a:rPr lang="en-US" sz="2400" dirty="0" smtClean="0"/>
+              <a:t>(‘&lt;</a:t>
+            </a:r>
+            <a:r>
+              <a:rPr lang="en-US" sz="2400" dirty="0" err="1" smtClean="0"/>
+              <a:t>msg</a:t>
+            </a:r>
+            <a:r>
+              <a:rPr lang="en-US" sz="2400" dirty="0" smtClean="0"/>
+              <a:t>&gt;’);</a:t>
+            </a:r>
+          </a:p>
+          <a:p>
+            <a:endParaRPr lang="en-US" sz="2400" dirty="0"/>
+          </a:p>
+          <a:p>
+            <a:endParaRPr lang="en-US" sz="2400" dirty="0" smtClean="0"/>
+          </a:p>
+          <a:p>
+            <a:endParaRPr lang="en-US" sz="2400" dirty="0" smtClean="0"/>
+          </a:p>
+          <a:p>
+            <a:pPr marL="0" indent="0">
+              <a:buNone/>
+            </a:pPr>
+            <a:r>
+              <a:rPr lang="en-US" sz="2400" dirty="0" err="1" smtClean="0"/>
+              <a:t>self.close</a:t>
+            </a:r>
+            <a:r>
+              <a:rPr lang="en-US" sz="2400" dirty="0" smtClean="0"/>
+              <a:t>();</a:t>
+            </a:r>
+            <a:endParaRPr lang="en-US" sz="2400" dirty="0"/>
+          </a:p>
+        </p:txBody>
+      </p:sp>
+      <p:sp>
+        <p:nvSpPr>
+          <p:cNvPr id="3" name="Rectangle 2"/>
+          <p:cNvSpPr/>
+          <p:nvPr/>
+        </p:nvSpPr>
+        <p:spPr>
+          <a:xfrm>
+            <a:off x="5749926" y="1690688"/>
+            <a:ext cx="101600" cy="4656137"/>
+          </a:xfrm>
+          <a:prstGeom prst="rect">
+            <a:avLst/>
+          </a:prstGeom>
+        </p:spPr>
+        <p:style>
+          <a:lnRef idx="2">
+            <a:schemeClr val="dk1">
+              <a:shade val="50000"/>
+            </a:schemeClr>
+          </a:lnRef>
+          <a:fillRef idx="1">
+            <a:schemeClr val="dk1"/>
+          </a:fillRef>
+          <a:effectRef idx="0">
+            <a:schemeClr val="dk1"/>
+          </a:effectRef>
+          <a:fontRef idx="minor">
+            <a:schemeClr val="lt1"/>
+          </a:fontRef>
+        </p:style>
+        <p:txBody>
+          <a:bodyPr rtlCol="0" anchor="ctr"/>
+          <a:lstStyle/>
+          <a:p>
+            <a:pPr algn="ctr"/>
+            <a:endParaRPr lang="en-US"/>
+          </a:p>
+        </p:txBody>
+      </p:sp>
+    </p:spTree>
+    <p:extLst>
+      <p:ext uri="{BB962C8B-B14F-4D97-AF65-F5344CB8AC3E}">
+        <p14:creationId xmlns:p14="http://schemas.microsoft.com/office/powerpoint/2010/main" val="3140163076"/>
+      </p:ext>
+    </p:extLst>
+  </p:cSld>
+  <p:clrMapOvr>
+    <a:masterClrMapping/>
+  </p:clrMapOvr>
+  <p:timing>
+    <p:tnLst>
+      <p:par>
+        <p:cTn id="1" dur="indefinite" restart="never" nodeType="tmRoot"/>
+      </p:par>
+    </p:tnLst>
+  </p:timing>
+</p:sld>
+</file>
+
+<file path=ppt/slides/slide58.xml><?xml version="1.0" encoding="utf-8"?>
+<p:sld xmlns:a="http://schemas.openxmlformats.org/drawingml/2006/main" xmlns:r="http://schemas.openxmlformats.org/officeDocument/2006/relationships" xmlns:p="http://schemas.openxmlformats.org/presentationml/2006/main">
+  <p:cSld>
+    <p:spTree>
+      <p:nvGrpSpPr>
+        <p:cNvPr id="1" name=""/>
+        <p:cNvGrpSpPr/>
+        <p:nvPr/>
+      </p:nvGrpSpPr>
+      <p:grpSpPr>
+        <a:xfrm>
+          <a:off x="0" y="0"/>
+          <a:ext cx="0" cy="0"/>
+          <a:chOff x="0" y="0"/>
+          <a:chExt cx="0" cy="0"/>
+        </a:xfrm>
+      </p:grpSpPr>
+      <p:sp>
+        <p:nvSpPr>
+          <p:cNvPr id="2" name="Title 1"/>
+          <p:cNvSpPr>
+            <a:spLocks noGrp="1"/>
+          </p:cNvSpPr>
+          <p:nvPr>
+            <p:ph type="title"/>
+          </p:nvPr>
+        </p:nvSpPr>
+        <p:spPr/>
+        <p:txBody>
+          <a:bodyPr/>
+          <a:lstStyle/>
+          <a:p>
+            <a:r>
+              <a:rPr lang="en-US" dirty="0" smtClean="0"/>
+              <a:t>Web Worker – Scope</a:t>
+            </a:r>
+            <a:endParaRPr lang="en-US" dirty="0"/>
+          </a:p>
+        </p:txBody>
+      </p:sp>
+      <p:sp>
+        <p:nvSpPr>
+          <p:cNvPr id="3" name="Text Placeholder 2"/>
+          <p:cNvSpPr>
+            <a:spLocks noGrp="1"/>
+          </p:cNvSpPr>
+          <p:nvPr>
+            <p:ph type="body" idx="1"/>
+          </p:nvPr>
+        </p:nvSpPr>
+        <p:spPr>
+          <a:xfrm>
+            <a:off x="839788" y="1681163"/>
+            <a:ext cx="5157787" cy="402079"/>
+          </a:xfrm>
+        </p:spPr>
+        <p:txBody>
+          <a:bodyPr>
+            <a:normAutofit lnSpcReduction="10000"/>
+          </a:bodyPr>
+          <a:lstStyle/>
+          <a:p>
+            <a:r>
+              <a:rPr lang="en-US" dirty="0" smtClean="0"/>
+              <a:t>Can access</a:t>
+            </a:r>
+            <a:endParaRPr lang="en-US" dirty="0"/>
+          </a:p>
+        </p:txBody>
+      </p:sp>
+      <p:sp>
+        <p:nvSpPr>
+          <p:cNvPr id="4" name="Content Placeholder 3"/>
+          <p:cNvSpPr>
+            <a:spLocks noGrp="1"/>
+          </p:cNvSpPr>
+          <p:nvPr>
+            <p:ph sz="half" idx="2"/>
+          </p:nvPr>
+        </p:nvSpPr>
+        <p:spPr>
+          <a:xfrm>
+            <a:off x="839788" y="2083242"/>
+            <a:ext cx="5157787" cy="4106421"/>
+          </a:xfrm>
+        </p:spPr>
+        <p:txBody>
+          <a:bodyPr/>
+          <a:lstStyle/>
+          <a:p>
+            <a:r>
+              <a:rPr lang="en-US" dirty="0" smtClean="0"/>
+              <a:t>navigator object</a:t>
+            </a:r>
+          </a:p>
+          <a:p>
+            <a:r>
+              <a:rPr lang="en-US" dirty="0" smtClean="0"/>
+              <a:t>location object [read only]</a:t>
+            </a:r>
+          </a:p>
+          <a:p>
+            <a:r>
+              <a:rPr lang="en-US" dirty="0" err="1" smtClean="0"/>
+              <a:t>XMLHttpRequest</a:t>
+            </a:r>
+            <a:endParaRPr lang="en-US" dirty="0" smtClean="0"/>
+          </a:p>
+          <a:p>
+            <a:r>
+              <a:rPr lang="en-US" dirty="0" err="1" smtClean="0"/>
+              <a:t>setTimeout</a:t>
+            </a:r>
+            <a:r>
+              <a:rPr lang="en-US" dirty="0" smtClean="0"/>
+              <a:t>() / </a:t>
+            </a:r>
+            <a:r>
+              <a:rPr lang="en-US" dirty="0" err="1" smtClean="0"/>
+              <a:t>clearTimeout</a:t>
+            </a:r>
+            <a:r>
+              <a:rPr lang="en-US" dirty="0" smtClean="0"/>
+              <a:t>()</a:t>
+            </a:r>
+          </a:p>
+          <a:p>
+            <a:r>
+              <a:rPr lang="en-US" dirty="0" err="1" smtClean="0"/>
+              <a:t>setInterval</a:t>
+            </a:r>
+            <a:r>
+              <a:rPr lang="en-US" dirty="0" smtClean="0"/>
+              <a:t>() / </a:t>
+            </a:r>
+            <a:r>
+              <a:rPr lang="en-US" dirty="0" err="1" smtClean="0"/>
+              <a:t>clearInterval</a:t>
+            </a:r>
+            <a:r>
+              <a:rPr lang="en-US" dirty="0" smtClean="0"/>
+              <a:t>()</a:t>
+            </a:r>
+          </a:p>
+          <a:p>
+            <a:r>
+              <a:rPr lang="en-US" dirty="0" smtClean="0"/>
+              <a:t>Application Cache</a:t>
+            </a:r>
+          </a:p>
+          <a:p>
+            <a:r>
+              <a:rPr lang="en-US" dirty="0" err="1" smtClean="0"/>
+              <a:t>importScripts</a:t>
+            </a:r>
+            <a:r>
+              <a:rPr lang="en-US" dirty="0" smtClean="0"/>
+              <a:t>()</a:t>
+            </a:r>
+          </a:p>
+          <a:p>
+            <a:r>
+              <a:rPr lang="en-US" dirty="0" smtClean="0"/>
+              <a:t>Web Workers</a:t>
+            </a:r>
+            <a:endParaRPr lang="en-US" dirty="0"/>
+          </a:p>
+        </p:txBody>
+      </p:sp>
+      <p:sp>
+        <p:nvSpPr>
+          <p:cNvPr id="5" name="Text Placeholder 4"/>
+          <p:cNvSpPr>
+            <a:spLocks noGrp="1"/>
+          </p:cNvSpPr>
+          <p:nvPr>
+            <p:ph type="body" sz="quarter" idx="3"/>
+          </p:nvPr>
+        </p:nvSpPr>
+        <p:spPr>
+          <a:xfrm>
+            <a:off x="6172200" y="1681163"/>
+            <a:ext cx="5183188" cy="402079"/>
+          </a:xfrm>
+        </p:spPr>
+        <p:txBody>
+          <a:bodyPr>
+            <a:normAutofit lnSpcReduction="10000"/>
+          </a:bodyPr>
+          <a:lstStyle/>
+          <a:p>
+            <a:r>
+              <a:rPr lang="en-US" dirty="0" smtClean="0"/>
+              <a:t>Can NOT access</a:t>
+            </a:r>
+            <a:endParaRPr lang="en-US" dirty="0"/>
+          </a:p>
+        </p:txBody>
+      </p:sp>
+      <p:sp>
+        <p:nvSpPr>
+          <p:cNvPr id="6" name="Content Placeholder 5"/>
+          <p:cNvSpPr>
+            <a:spLocks noGrp="1"/>
+          </p:cNvSpPr>
+          <p:nvPr>
+            <p:ph sz="quarter" idx="4"/>
+          </p:nvPr>
+        </p:nvSpPr>
+        <p:spPr>
+          <a:xfrm>
+            <a:off x="6172200" y="2083242"/>
+            <a:ext cx="5183188" cy="4106421"/>
+          </a:xfrm>
+        </p:spPr>
+        <p:txBody>
+          <a:bodyPr/>
+          <a:lstStyle/>
+          <a:p>
+            <a:r>
+              <a:rPr lang="en-US" dirty="0" smtClean="0"/>
+              <a:t>DOM</a:t>
+            </a:r>
+          </a:p>
+          <a:p>
+            <a:r>
+              <a:rPr lang="en-US" dirty="0" smtClean="0"/>
+              <a:t>window object</a:t>
+            </a:r>
+          </a:p>
+          <a:p>
+            <a:r>
+              <a:rPr lang="en-US" dirty="0" smtClean="0"/>
+              <a:t>document object</a:t>
+            </a:r>
+          </a:p>
+          <a:p>
+            <a:r>
+              <a:rPr lang="en-US" dirty="0" smtClean="0"/>
+              <a:t>parent object</a:t>
+            </a:r>
+            <a:endParaRPr lang="en-US" dirty="0"/>
+          </a:p>
+        </p:txBody>
+      </p:sp>
+    </p:spTree>
+    <p:extLst>
+      <p:ext uri="{BB962C8B-B14F-4D97-AF65-F5344CB8AC3E}">
+        <p14:creationId xmlns:p14="http://schemas.microsoft.com/office/powerpoint/2010/main" val="1424384653"/>
+      </p:ext>
+    </p:extLst>
+  </p:cSld>
+  <p:clrMapOvr>
+    <a:masterClrMapping/>
+  </p:clrMapOvr>
+  <p:timing>
+    <p:tnLst>
+      <p:par>
+        <p:cTn id="1" dur="indefinite" restart="never" nodeType="tmRoot"/>
+      </p:par>
+    </p:tnLst>
+  </p:timing>
+</p:sld>
+</file>
+
+<file path=ppt/slides/slide59.xml><?xml version="1.0" encoding="utf-8"?>
+<p:sld xmlns:a="http://schemas.openxmlformats.org/drawingml/2006/main" xmlns:r="http://schemas.openxmlformats.org/officeDocument/2006/relationships" xmlns:p="http://schemas.openxmlformats.org/presentationml/2006/main">
+  <p:cSld>
+    <p:spTree>
+      <p:nvGrpSpPr>
+        <p:cNvPr id="1" name=""/>
+        <p:cNvGrpSpPr/>
+        <p:nvPr/>
+      </p:nvGrpSpPr>
+      <p:grpSpPr>
+        <a:xfrm>
+          <a:off x="0" y="0"/>
+          <a:ext cx="0" cy="0"/>
+          <a:chOff x="0" y="0"/>
+          <a:chExt cx="0" cy="0"/>
+        </a:xfrm>
+      </p:grpSpPr>
+      <p:sp>
+        <p:nvSpPr>
+          <p:cNvPr id="2" name="Title 1"/>
+          <p:cNvSpPr>
+            <a:spLocks noGrp="1"/>
+          </p:cNvSpPr>
+          <p:nvPr>
+            <p:ph type="title"/>
+          </p:nvPr>
+        </p:nvSpPr>
+        <p:spPr/>
+        <p:txBody>
+          <a:bodyPr/>
+          <a:lstStyle/>
+          <a:p>
+            <a:r>
+              <a:rPr lang="en-US" dirty="0" smtClean="0"/>
+              <a:t>Connectivity</a:t>
+            </a:r>
+            <a:endParaRPr lang="en-US" dirty="0"/>
+          </a:p>
+        </p:txBody>
+      </p:sp>
+      <p:sp>
+        <p:nvSpPr>
+          <p:cNvPr id="4" name="Text Placeholder 3"/>
+          <p:cNvSpPr>
+            <a:spLocks noGrp="1"/>
+          </p:cNvSpPr>
+          <p:nvPr>
+            <p:ph type="body" idx="1"/>
+          </p:nvPr>
+        </p:nvSpPr>
+        <p:spPr/>
+        <p:txBody>
+          <a:bodyPr/>
+          <a:lstStyle/>
+          <a:p>
+            <a:endParaRPr lang="en-US" dirty="0"/>
+          </a:p>
+        </p:txBody>
+      </p:sp>
+    </p:spTree>
+    <p:extLst>
+      <p:ext uri="{BB962C8B-B14F-4D97-AF65-F5344CB8AC3E}">
+        <p14:creationId xmlns:p14="http://schemas.microsoft.com/office/powerpoint/2010/main" val="1938040197"/>
+      </p:ext>
+    </p:extLst>
+  </p:cSld>
+  <p:clrMapOvr>
+    <a:masterClrMapping/>
+  </p:clrMapOvr>
+  <p:timing>
+    <p:tnLst>
+      <p:par>
+        <p:cTn id="1" dur="indefinite" restart="never" nodeType="tmRoot"/>
+      </p:par>
+    </p:tnLst>
+  </p:timing>
+</p:sld>
+</file>
+
+<file path=ppt/slides/slide6.xml><?xml version="1.0" encoding="utf-8"?>
+<p:sld xmlns:a="http://schemas.openxmlformats.org/drawingml/2006/main" xmlns:r="http://schemas.openxmlformats.org/officeDocument/2006/relationships" xmlns:p="http://schemas.openxmlformats.org/presentationml/2006/main">
+  <p:cSld>
+    <p:spTree>
+      <p:nvGrpSpPr>
+        <p:cNvPr id="1" name=""/>
+        <p:cNvGrpSpPr/>
+        <p:nvPr/>
+      </p:nvGrpSpPr>
+      <p:grpSpPr>
+        <a:xfrm>
+          <a:off x="0" y="0"/>
+          <a:ext cx="0" cy="0"/>
+          <a:chOff x="0" y="0"/>
+          <a:chExt cx="0" cy="0"/>
+        </a:xfrm>
+      </p:grpSpPr>
+      <p:sp>
+        <p:nvSpPr>
+          <p:cNvPr id="4" name="Title 3"/>
+          <p:cNvSpPr>
+            <a:spLocks noGrp="1"/>
+          </p:cNvSpPr>
+          <p:nvPr>
+            <p:ph type="ctrTitle"/>
+          </p:nvPr>
+        </p:nvSpPr>
+        <p:spPr/>
+        <p:txBody>
+          <a:bodyPr/>
+          <a:lstStyle/>
+          <a:p>
+            <a:r>
+              <a:rPr lang="en-US" dirty="0"/>
+              <a:t>HTML5 is </a:t>
+            </a:r>
+            <a:r>
+              <a:rPr lang="en-US" dirty="0" smtClean="0"/>
+              <a:t>now complete!</a:t>
+            </a:r>
+            <a:endParaRPr lang="en-US" dirty="0"/>
+          </a:p>
+        </p:txBody>
+      </p:sp>
+      <p:sp>
+        <p:nvSpPr>
+          <p:cNvPr id="5" name="Subtitle 4"/>
+          <p:cNvSpPr>
+            <a:spLocks noGrp="1"/>
+          </p:cNvSpPr>
+          <p:nvPr>
+            <p:ph type="subTitle" idx="1"/>
+          </p:nvPr>
+        </p:nvSpPr>
+        <p:spPr/>
+        <p:txBody>
+          <a:bodyPr/>
+          <a:lstStyle/>
+          <a:p>
+            <a:pPr algn="r"/>
+            <a:r>
+              <a:rPr lang="en-US" dirty="0" smtClean="0"/>
+              <a:t>Some time in 2007 - Oct 28</a:t>
+            </a:r>
+            <a:r>
+              <a:rPr lang="en-US" baseline="30000" dirty="0" smtClean="0"/>
+              <a:t>th</a:t>
+            </a:r>
+            <a:r>
+              <a:rPr lang="en-US" dirty="0" smtClean="0"/>
+              <a:t>, 2014</a:t>
+            </a:r>
+            <a:endParaRPr lang="en-US" dirty="0"/>
+          </a:p>
+        </p:txBody>
+      </p:sp>
+    </p:spTree>
+    <p:extLst>
+      <p:ext uri="{BB962C8B-B14F-4D97-AF65-F5344CB8AC3E}">
+        <p14:creationId xmlns:p14="http://schemas.microsoft.com/office/powerpoint/2010/main" val="801643110"/>
+      </p:ext>
+    </p:extLst>
+  </p:cSld>
+  <p:clrMapOvr>
+    <a:masterClrMapping/>
+  </p:clrMapOvr>
+  <p:timing>
+    <p:tnLst>
+      <p:par>
+        <p:cTn id="1" dur="indefinite" restart="never" nodeType="tmRoot"/>
+      </p:par>
+    </p:tnLst>
+  </p:timing>
+</p:sld>
+</file>
+
+<file path=ppt/slides/slide60.xml><?xml version="1.0" encoding="utf-8"?>
+<p:sld xmlns:a="http://schemas.openxmlformats.org/drawingml/2006/main" xmlns:r="http://schemas.openxmlformats.org/officeDocument/2006/relationships" xmlns:p="http://schemas.openxmlformats.org/presentationml/2006/main">
+  <p:cSld>
+    <p:spTree>
+      <p:nvGrpSpPr>
+        <p:cNvPr id="1" name=""/>
+        <p:cNvGrpSpPr/>
+        <p:nvPr/>
+      </p:nvGrpSpPr>
+      <p:grpSpPr>
+        <a:xfrm>
+          <a:off x="0" y="0"/>
+          <a:ext cx="0" cy="0"/>
+          <a:chOff x="0" y="0"/>
+          <a:chExt cx="0" cy="0"/>
+        </a:xfrm>
+      </p:grpSpPr>
+      <p:sp>
+        <p:nvSpPr>
+          <p:cNvPr id="2" name="Title 1"/>
+          <p:cNvSpPr>
+            <a:spLocks noGrp="1"/>
+          </p:cNvSpPr>
+          <p:nvPr>
             <p:ph type="title"/>
           </p:nvPr>
         </p:nvSpPr>
@@ -13692,7 +14705,7 @@
 </p:sld>
 </file>
 
-<file path=ppt/slides/slide56.xml><?xml version="1.0" encoding="utf-8"?>
+<file path=ppt/slides/slide61.xml><?xml version="1.0" encoding="utf-8"?>
 <p:sld xmlns:a="http://schemas.openxmlformats.org/drawingml/2006/main" xmlns:r="http://schemas.openxmlformats.org/officeDocument/2006/relationships" xmlns:p="http://schemas.openxmlformats.org/presentationml/2006/main">
   <p:cSld>
     <p:spTree>
@@ -14060,10 +15073,17 @@
   <p:clrMapOvr>
     <a:masterClrMapping/>
   </p:clrMapOvr>
+  <p:timing>
+    <p:tnLst>
+      <p:par>
+        <p:cTn id="1" dur="indefinite" restart="never" nodeType="tmRoot"/>
+      </p:par>
+    </p:tnLst>
+  </p:timing>
 </p:sld>
 </file>
 
-<file path=ppt/slides/slide57.xml><?xml version="1.0" encoding="utf-8"?>
+<file path=ppt/slides/slide62.xml><?xml version="1.0" encoding="utf-8"?>
 <p:sld xmlns:a="http://schemas.openxmlformats.org/drawingml/2006/main" xmlns:r="http://schemas.openxmlformats.org/officeDocument/2006/relationships" xmlns:p="http://schemas.openxmlformats.org/presentationml/2006/main">
   <p:cSld>
     <p:spTree>
@@ -14305,10 +15325,17 @@
   <p:clrMapOvr>
     <a:masterClrMapping/>
   </p:clrMapOvr>
+  <p:timing>
+    <p:tnLst>
+      <p:par>
+        <p:cTn id="1" dur="indefinite" restart="never" nodeType="tmRoot"/>
+      </p:par>
+    </p:tnLst>
+  </p:timing>
 </p:sld>
 </file>
 
-<file path=ppt/slides/slide58.xml><?xml version="1.0" encoding="utf-8"?>
+<file path=ppt/slides/slide63.xml><?xml version="1.0" encoding="utf-8"?>
 <p:sld xmlns:a="http://schemas.openxmlformats.org/drawingml/2006/main" xmlns:r="http://schemas.openxmlformats.org/officeDocument/2006/relationships" xmlns:p="http://schemas.openxmlformats.org/presentationml/2006/main">
   <p:cSld>
     <p:spTree>
@@ -14413,10 +15440,17 @@
   <p:clrMapOvr>
     <a:masterClrMapping/>
   </p:clrMapOvr>
+  <p:timing>
+    <p:tnLst>
+      <p:par>
+        <p:cTn id="1" dur="indefinite" restart="never" nodeType="tmRoot"/>
+      </p:par>
+    </p:tnLst>
+  </p:timing>
 </p:sld>
 </file>
 
-<file path=ppt/slides/slide59.xml><?xml version="1.0" encoding="utf-8"?>
+<file path=ppt/slides/slide64.xml><?xml version="1.0" encoding="utf-8"?>
 <p:sld xmlns:a="http://schemas.openxmlformats.org/drawingml/2006/main" xmlns:r="http://schemas.openxmlformats.org/officeDocument/2006/relationships" xmlns:p="http://schemas.openxmlformats.org/presentationml/2006/main">
   <p:cSld>
     <p:spTree>
@@ -14520,95 +15554,6 @@
   <p:clrMapOvr>
     <a:masterClrMapping/>
   </p:clrMapOvr>
-</p:sld>
-</file>
-
-<file path=ppt/slides/slide6.xml><?xml version="1.0" encoding="utf-8"?>
-<p:sld xmlns:a="http://schemas.openxmlformats.org/drawingml/2006/main" xmlns:r="http://schemas.openxmlformats.org/officeDocument/2006/relationships" xmlns:p="http://schemas.openxmlformats.org/presentationml/2006/main">
-  <p:cSld>
-    <p:spTree>
-      <p:nvGrpSpPr>
-        <p:cNvPr id="1" name=""/>
-        <p:cNvGrpSpPr/>
-        <p:nvPr/>
-      </p:nvGrpSpPr>
-      <p:grpSpPr>
-        <a:xfrm>
-          <a:off x="0" y="0"/>
-          <a:ext cx="0" cy="0"/>
-          <a:chOff x="0" y="0"/>
-          <a:chExt cx="0" cy="0"/>
-        </a:xfrm>
-      </p:grpSpPr>
-      <p:sp>
-        <p:nvSpPr>
-          <p:cNvPr id="4" name="Title 3"/>
-          <p:cNvSpPr>
-            <a:spLocks noGrp="1"/>
-          </p:cNvSpPr>
-          <p:nvPr>
-            <p:ph type="ctrTitle"/>
-          </p:nvPr>
-        </p:nvSpPr>
-        <p:spPr/>
-        <p:txBody>
-          <a:bodyPr/>
-          <a:lstStyle/>
-          <a:p>
-            <a:r>
-              <a:rPr lang="en-US" dirty="0"/>
-              <a:t>HTML5 is </a:t>
-            </a:r>
-            <a:r>
-              <a:rPr lang="en-US" dirty="0" smtClean="0"/>
-              <a:t>now complete!</a:t>
-            </a:r>
-            <a:endParaRPr lang="en-US" dirty="0"/>
-          </a:p>
-        </p:txBody>
-      </p:sp>
-      <p:sp>
-        <p:nvSpPr>
-          <p:cNvPr id="5" name="Subtitle 4"/>
-          <p:cNvSpPr>
-            <a:spLocks noGrp="1"/>
-          </p:cNvSpPr>
-          <p:nvPr>
-            <p:ph type="subTitle" idx="1"/>
-          </p:nvPr>
-        </p:nvSpPr>
-        <p:spPr/>
-        <p:txBody>
-          <a:bodyPr/>
-          <a:lstStyle/>
-          <a:p>
-            <a:pPr algn="r"/>
-            <a:r>
-              <a:rPr lang="en-US" dirty="0" smtClean="0"/>
-              <a:t>Some time in 2007 - Oct 28</a:t>
-            </a:r>
-            <a:r>
-              <a:rPr lang="en-US" baseline="30000" dirty="0" smtClean="0"/>
-              <a:t>th</a:t>
-            </a:r>
-            <a:r>
-              <a:rPr lang="en-US" dirty="0" smtClean="0"/>
-              <a:t>, 2014</a:t>
-            </a:r>
-            <a:endParaRPr lang="en-US" dirty="0"/>
-          </a:p>
-        </p:txBody>
-      </p:sp>
-    </p:spTree>
-    <p:extLst>
-      <p:ext uri="{BB962C8B-B14F-4D97-AF65-F5344CB8AC3E}">
-        <p14:creationId xmlns:p14="http://schemas.microsoft.com/office/powerpoint/2010/main" val="801643110"/>
-      </p:ext>
-    </p:extLst>
-  </p:cSld>
-  <p:clrMapOvr>
-    <a:masterClrMapping/>
-  </p:clrMapOvr>
   <p:timing>
     <p:tnLst>
       <p:par>
@@ -14619,7 +15564,7 @@
 </p:sld>
 </file>
 
-<file path=ppt/slides/slide60.xml><?xml version="1.0" encoding="utf-8"?>
+<file path=ppt/slides/slide65.xml><?xml version="1.0" encoding="utf-8"?>
 <p:sld xmlns:a="http://schemas.openxmlformats.org/drawingml/2006/main" xmlns:r="http://schemas.openxmlformats.org/officeDocument/2006/relationships" xmlns:p="http://schemas.openxmlformats.org/presentationml/2006/main">
   <p:cSld>
     <p:spTree>
@@ -14738,7 +15683,7 @@
 </p:sld>
 </file>
 
-<file path=ppt/slides/slide61.xml><?xml version="1.0" encoding="utf-8"?>
+<file path=ppt/slides/slide66.xml><?xml version="1.0" encoding="utf-8"?>
 <p:sld xmlns:a="http://schemas.openxmlformats.org/drawingml/2006/main" xmlns:r="http://schemas.openxmlformats.org/officeDocument/2006/relationships" xmlns:p="http://schemas.openxmlformats.org/presentationml/2006/main">
   <p:cSld>
     <p:spTree>
@@ -14846,25 +15791,7 @@
               <a:rPr lang="en-US" sz="2400" dirty="0" smtClean="0">
                 <a:latin typeface="+mj-lt"/>
               </a:rPr>
-              <a:t>ss</a:t>
-            </a:r>
-            <a:r>
-              <a:rPr lang="en-US" sz="2400" dirty="0" smtClean="0">
-                <a:latin typeface="+mj-lt"/>
-              </a:rPr>
-              <a:t>.addEventListener</a:t>
-            </a:r>
-            <a:r>
-              <a:rPr lang="en-US" sz="2400" dirty="0" smtClean="0">
-                <a:latin typeface="+mj-lt"/>
-              </a:rPr>
-              <a:t>(‘message’, function(e</a:t>
-            </a:r>
-            <a:r>
-              <a:rPr lang="en-US" sz="2400" dirty="0" smtClean="0">
-                <a:latin typeface="+mj-lt"/>
-              </a:rPr>
-              <a:t>) { </a:t>
+              <a:t>ss.addEventListener(‘message’, function(e) { </a:t>
             </a:r>
             <a:br>
               <a:rPr lang="en-US" sz="2400" dirty="0" smtClean="0">
@@ -14906,13 +15833,7 @@
               <a:rPr lang="en-US" sz="2400" smtClean="0">
                 <a:latin typeface="+mj-lt"/>
               </a:rPr>
-              <a:t>ss.addEventListener</a:t>
-            </a:r>
-            <a:r>
-              <a:rPr lang="en-US" sz="2400" smtClean="0">
-                <a:latin typeface="+mj-lt"/>
-              </a:rPr>
-              <a:t>(‘&lt;event&gt;’, </a:t>
+              <a:t>ss.addEventListener(‘&lt;event&gt;’, </a:t>
             </a:r>
             <a:r>
               <a:rPr lang="en-US" sz="2400" dirty="0" smtClean="0">
@@ -15109,10 +16030,17 @@
   <p:clrMapOvr>
     <a:masterClrMapping/>
   </p:clrMapOvr>
+  <p:timing>
+    <p:tnLst>
+      <p:par>
+        <p:cTn id="1" dur="indefinite" restart="never" nodeType="tmRoot"/>
+      </p:par>
+    </p:tnLst>
+  </p:timing>
 </p:sld>
 </file>
 
-<file path=ppt/slides/slide62.xml><?xml version="1.0" encoding="utf-8"?>
+<file path=ppt/slides/slide67.xml><?xml version="1.0" encoding="utf-8"?>
 <p:sld xmlns:a="http://schemas.openxmlformats.org/drawingml/2006/main" xmlns:r="http://schemas.openxmlformats.org/officeDocument/2006/relationships" xmlns:p="http://schemas.openxmlformats.org/presentationml/2006/main">
   <p:cSld>
     <p:spTree>
@@ -15185,10 +16113,17 @@
   <p:clrMapOvr>
     <a:masterClrMapping/>
   </p:clrMapOvr>
+  <p:timing>
+    <p:tnLst>
+      <p:par>
+        <p:cTn id="1" dur="indefinite" restart="never" nodeType="tmRoot"/>
+      </p:par>
+    </p:tnLst>
+  </p:timing>
 </p:sld>
 </file>
 
-<file path=ppt/slides/slide63.xml><?xml version="1.0" encoding="utf-8"?>
+<file path=ppt/slides/slide68.xml><?xml version="1.0" encoding="utf-8"?>
 <p:sld xmlns:a="http://schemas.openxmlformats.org/drawingml/2006/main" xmlns:r="http://schemas.openxmlformats.org/officeDocument/2006/relationships" xmlns:p="http://schemas.openxmlformats.org/presentationml/2006/main">
   <p:cSld>
     <p:spTree>
@@ -15283,10 +16218,17 @@
   <p:clrMapOvr>
     <a:masterClrMapping/>
   </p:clrMapOvr>
+  <p:timing>
+    <p:tnLst>
+      <p:par>
+        <p:cTn id="1" dur="indefinite" restart="never" nodeType="tmRoot"/>
+      </p:par>
+    </p:tnLst>
+  </p:timing>
 </p:sld>
 </file>
 
-<file path=ppt/slides/slide64.xml><?xml version="1.0" encoding="utf-8"?>
+<file path=ppt/slides/slide69.xml><?xml version="1.0" encoding="utf-8"?>
 <p:sld xmlns:a="http://schemas.openxmlformats.org/drawingml/2006/main" xmlns:r="http://schemas.openxmlformats.org/officeDocument/2006/relationships" xmlns:p="http://schemas.openxmlformats.org/presentationml/2006/main">
   <p:cSld>
     <p:spTree>
@@ -15413,7 +16355,325 @@
 </p:sld>
 </file>
 
-<file path=ppt/slides/slide65.xml><?xml version="1.0" encoding="utf-8"?>
+<file path=ppt/slides/slide7.xml><?xml version="1.0" encoding="utf-8"?>
+<p:sld xmlns:a="http://schemas.openxmlformats.org/drawingml/2006/main" xmlns:r="http://schemas.openxmlformats.org/officeDocument/2006/relationships" xmlns:p="http://schemas.openxmlformats.org/presentationml/2006/main">
+  <p:cSld>
+    <p:spTree>
+      <p:nvGrpSpPr>
+        <p:cNvPr id="1" name=""/>
+        <p:cNvGrpSpPr/>
+        <p:nvPr/>
+      </p:nvGrpSpPr>
+      <p:grpSpPr>
+        <a:xfrm>
+          <a:off x="0" y="0"/>
+          <a:ext cx="0" cy="0"/>
+          <a:chOff x="0" y="0"/>
+          <a:chExt cx="0" cy="0"/>
+        </a:xfrm>
+      </p:grpSpPr>
+      <p:sp>
+        <p:nvSpPr>
+          <p:cNvPr id="2" name="Title 1"/>
+          <p:cNvSpPr>
+            <a:spLocks noGrp="1"/>
+          </p:cNvSpPr>
+          <p:nvPr>
+            <p:ph type="title"/>
+          </p:nvPr>
+        </p:nvSpPr>
+        <p:spPr/>
+        <p:txBody>
+          <a:bodyPr/>
+          <a:lstStyle/>
+          <a:p>
+            <a:r>
+              <a:rPr lang="en-US" dirty="0" smtClean="0"/>
+              <a:t>Semantics</a:t>
+            </a:r>
+            <a:endParaRPr lang="en-US" dirty="0"/>
+          </a:p>
+        </p:txBody>
+      </p:sp>
+      <p:sp>
+        <p:nvSpPr>
+          <p:cNvPr id="4" name="Text Placeholder 3"/>
+          <p:cNvSpPr>
+            <a:spLocks noGrp="1"/>
+          </p:cNvSpPr>
+          <p:nvPr>
+            <p:ph type="body" idx="1"/>
+          </p:nvPr>
+        </p:nvSpPr>
+        <p:spPr/>
+        <p:txBody>
+          <a:bodyPr/>
+          <a:lstStyle/>
+          <a:p>
+            <a:endParaRPr lang="en-US"/>
+          </a:p>
+        </p:txBody>
+      </p:sp>
+    </p:spTree>
+    <p:extLst>
+      <p:ext uri="{BB962C8B-B14F-4D97-AF65-F5344CB8AC3E}">
+        <p14:creationId xmlns:p14="http://schemas.microsoft.com/office/powerpoint/2010/main" val="3038641302"/>
+      </p:ext>
+    </p:extLst>
+  </p:cSld>
+  <p:clrMapOvr>
+    <a:masterClrMapping/>
+  </p:clrMapOvr>
+  <p:timing>
+    <p:tnLst>
+      <p:par>
+        <p:cTn id="1" dur="indefinite" restart="never" nodeType="tmRoot"/>
+      </p:par>
+    </p:tnLst>
+  </p:timing>
+</p:sld>
+</file>
+
+<file path=ppt/slides/slide70.xml><?xml version="1.0" encoding="utf-8"?>
+<p:sld xmlns:a="http://schemas.openxmlformats.org/drawingml/2006/main" xmlns:r="http://schemas.openxmlformats.org/officeDocument/2006/relationships" xmlns:p="http://schemas.openxmlformats.org/presentationml/2006/main">
+  <p:cSld>
+    <p:spTree>
+      <p:nvGrpSpPr>
+        <p:cNvPr id="1" name=""/>
+        <p:cNvGrpSpPr/>
+        <p:nvPr/>
+      </p:nvGrpSpPr>
+      <p:grpSpPr>
+        <a:xfrm>
+          <a:off x="0" y="0"/>
+          <a:ext cx="0" cy="0"/>
+          <a:chOff x="0" y="0"/>
+          <a:chExt cx="0" cy="0"/>
+        </a:xfrm>
+      </p:grpSpPr>
+      <p:sp>
+        <p:nvSpPr>
+          <p:cNvPr id="2" name="Title 1"/>
+          <p:cNvSpPr>
+            <a:spLocks noGrp="1"/>
+          </p:cNvSpPr>
+          <p:nvPr>
+            <p:ph type="title"/>
+          </p:nvPr>
+        </p:nvSpPr>
+        <p:spPr/>
+        <p:txBody>
+          <a:bodyPr/>
+          <a:lstStyle/>
+          <a:p>
+            <a:r>
+              <a:rPr lang="en-US" dirty="0" smtClean="0"/>
+              <a:t>Web Socket - Handshake</a:t>
+            </a:r>
+            <a:endParaRPr lang="en-US" dirty="0"/>
+          </a:p>
+        </p:txBody>
+      </p:sp>
+      <p:pic>
+        <p:nvPicPr>
+          <p:cNvPr id="4" name="Content Placeholder 3"/>
+          <p:cNvPicPr>
+            <a:picLocks noGrp="1" noChangeAspect="1"/>
+          </p:cNvPicPr>
+          <p:nvPr>
+            <p:ph idx="1"/>
+          </p:nvPr>
+        </p:nvPicPr>
+        <p:blipFill>
+          <a:blip r:embed="rId2">
+            <a:extLst>
+              <a:ext uri="{28A0092B-C50C-407E-A947-70E740481C1C}">
+                <a14:useLocalDpi xmlns:a14="http://schemas.microsoft.com/office/drawing/2010/main" val="0"/>
+              </a:ext>
+            </a:extLst>
+          </a:blip>
+          <a:stretch>
+            <a:fillRect/>
+          </a:stretch>
+        </p:blipFill>
+        <p:spPr>
+          <a:xfrm>
+            <a:off x="3407810" y="1825625"/>
+            <a:ext cx="5376380" cy="4351338"/>
+          </a:xfrm>
+        </p:spPr>
+      </p:pic>
+    </p:spTree>
+    <p:extLst>
+      <p:ext uri="{BB962C8B-B14F-4D97-AF65-F5344CB8AC3E}">
+        <p14:creationId xmlns:p14="http://schemas.microsoft.com/office/powerpoint/2010/main" val="3263836913"/>
+      </p:ext>
+    </p:extLst>
+  </p:cSld>
+  <p:clrMapOvr>
+    <a:masterClrMapping/>
+  </p:clrMapOvr>
+  <p:timing>
+    <p:tnLst>
+      <p:par>
+        <p:cTn id="1" dur="indefinite" restart="never" nodeType="tmRoot"/>
+      </p:par>
+    </p:tnLst>
+  </p:timing>
+</p:sld>
+</file>
+
+<file path=ppt/slides/slide71.xml><?xml version="1.0" encoding="utf-8"?>
+<p:sld xmlns:a="http://schemas.openxmlformats.org/drawingml/2006/main" xmlns:r="http://schemas.openxmlformats.org/officeDocument/2006/relationships" xmlns:p="http://schemas.openxmlformats.org/presentationml/2006/main">
+  <p:cSld>
+    <p:spTree>
+      <p:nvGrpSpPr>
+        <p:cNvPr id="1" name=""/>
+        <p:cNvGrpSpPr/>
+        <p:nvPr/>
+      </p:nvGrpSpPr>
+      <p:grpSpPr>
+        <a:xfrm>
+          <a:off x="0" y="0"/>
+          <a:ext cx="0" cy="0"/>
+          <a:chOff x="0" y="0"/>
+          <a:chExt cx="0" cy="0"/>
+        </a:xfrm>
+      </p:grpSpPr>
+      <p:sp>
+        <p:nvSpPr>
+          <p:cNvPr id="2" name="Title 1"/>
+          <p:cNvSpPr>
+            <a:spLocks noGrp="1"/>
+          </p:cNvSpPr>
+          <p:nvPr>
+            <p:ph type="title"/>
+          </p:nvPr>
+        </p:nvSpPr>
+        <p:spPr/>
+        <p:txBody>
+          <a:bodyPr/>
+          <a:lstStyle/>
+          <a:p>
+            <a:r>
+              <a:rPr lang="en-US" dirty="0" smtClean="0"/>
+              <a:t>WebSocket - API</a:t>
+            </a:r>
+            <a:endParaRPr lang="en-US" dirty="0"/>
+          </a:p>
+        </p:txBody>
+      </p:sp>
+      <p:sp>
+        <p:nvSpPr>
+          <p:cNvPr id="4" name="TextBox 3"/>
+          <p:cNvSpPr txBox="1"/>
+          <p:nvPr/>
+        </p:nvSpPr>
+        <p:spPr>
+          <a:xfrm>
+            <a:off x="1111250" y="1905000"/>
+            <a:ext cx="9969500" cy="3822700"/>
+          </a:xfrm>
+          <a:prstGeom prst="rect">
+            <a:avLst/>
+          </a:prstGeom>
+        </p:spPr>
+        <p:style>
+          <a:lnRef idx="2">
+            <a:schemeClr val="dk1"/>
+          </a:lnRef>
+          <a:fillRef idx="1">
+            <a:schemeClr val="lt1"/>
+          </a:fillRef>
+          <a:effectRef idx="0">
+            <a:schemeClr val="dk1"/>
+          </a:effectRef>
+          <a:fontRef idx="minor">
+            <a:schemeClr val="dk1"/>
+          </a:fontRef>
+        </p:style>
+        <p:txBody>
+          <a:bodyPr wrap="square" rtlCol="0">
+            <a:noAutofit/>
+          </a:bodyPr>
+          <a:lstStyle/>
+          <a:p>
+            <a:r>
+              <a:rPr lang="en-US" sz="2400" dirty="0" smtClean="0"/>
+              <a:t>  var connection = new WebSocket(‘ws://server.com/echo’, [‘soap’, ‘xmpp’]);</a:t>
+            </a:r>
+          </a:p>
+          <a:p>
+            <a:endParaRPr lang="en-US" sz="2400" dirty="0" smtClean="0"/>
+          </a:p>
+          <a:p>
+            <a:r>
+              <a:rPr lang="en-US" sz="2400" dirty="0" smtClean="0"/>
+              <a:t>  connection.onopen = function() {</a:t>
+            </a:r>
+          </a:p>
+          <a:p>
+            <a:r>
+              <a:rPr lang="en-US" sz="2400" dirty="0"/>
+              <a:t> </a:t>
+            </a:r>
+            <a:r>
+              <a:rPr lang="en-US" sz="2400" dirty="0" smtClean="0"/>
+              <a:t>     connection.send(‘&lt;message&gt;’);  // send message to server</a:t>
+            </a:r>
+            <a:endParaRPr lang="en-US" sz="2400" dirty="0"/>
+          </a:p>
+          <a:p>
+            <a:r>
+              <a:rPr lang="en-US" sz="2400" dirty="0" smtClean="0"/>
+              <a:t>  };</a:t>
+            </a:r>
+          </a:p>
+          <a:p>
+            <a:endParaRPr lang="en-US" sz="2400" dirty="0" smtClean="0"/>
+          </a:p>
+          <a:p>
+            <a:r>
+              <a:rPr lang="en-US" sz="2400" dirty="0" smtClean="0"/>
+              <a:t>  connection.onmessage = function(e) {</a:t>
+            </a:r>
+          </a:p>
+          <a:p>
+            <a:r>
+              <a:rPr lang="en-US" sz="2400" dirty="0" smtClean="0"/>
+              <a:t>      console.log(‘Server :’ + e.data);  // receive message from server</a:t>
+            </a:r>
+          </a:p>
+          <a:p>
+            <a:r>
+              <a:rPr lang="en-US" sz="2400" dirty="0" smtClean="0"/>
+              <a:t>  };</a:t>
+            </a:r>
+            <a:endParaRPr lang="en-US" sz="2400" dirty="0"/>
+          </a:p>
+        </p:txBody>
+      </p:sp>
+    </p:spTree>
+    <p:extLst>
+      <p:ext uri="{BB962C8B-B14F-4D97-AF65-F5344CB8AC3E}">
+        <p14:creationId xmlns:p14="http://schemas.microsoft.com/office/powerpoint/2010/main" val="4082070988"/>
+      </p:ext>
+    </p:extLst>
+  </p:cSld>
+  <p:clrMapOvr>
+    <a:masterClrMapping/>
+  </p:clrMapOvr>
+  <p:timing>
+    <p:tnLst>
+      <p:par>
+        <p:cTn id="1" dur="indefinite" restart="never" nodeType="tmRoot"/>
+      </p:par>
+    </p:tnLst>
+  </p:timing>
+</p:sld>
+</file>
+
+<file path=ppt/slides/slide72.xml><?xml version="1.0" encoding="utf-8"?>
 <p:sld xmlns:a="http://schemas.openxmlformats.org/drawingml/2006/main" xmlns:r="http://schemas.openxmlformats.org/officeDocument/2006/relationships" xmlns:p="http://schemas.openxmlformats.org/presentationml/2006/main">
   <p:cSld>
     <p:spTree>
@@ -15492,7 +16752,7 @@
 </p:sld>
 </file>
 
-<file path=ppt/slides/slide66.xml><?xml version="1.0" encoding="utf-8"?>
+<file path=ppt/slides/slide73.xml><?xml version="1.0" encoding="utf-8"?>
 <p:sld xmlns:a="http://schemas.openxmlformats.org/drawingml/2006/main" xmlns:r="http://schemas.openxmlformats.org/officeDocument/2006/relationships" xmlns:p="http://schemas.openxmlformats.org/presentationml/2006/main">
   <p:cSld>
     <p:spTree>
@@ -15611,7 +16871,7 @@
 </p:sld>
 </file>
 
-<file path=ppt/slides/slide67.xml><?xml version="1.0" encoding="utf-8"?>
+<file path=ppt/slides/slide74.xml><?xml version="1.0" encoding="utf-8"?>
 <p:sld xmlns:a="http://schemas.openxmlformats.org/drawingml/2006/main" xmlns:r="http://schemas.openxmlformats.org/officeDocument/2006/relationships" xmlns:p="http://schemas.openxmlformats.org/presentationml/2006/main">
   <p:cSld>
     <p:spTree>
@@ -15869,10 +17129,17 @@
   <p:clrMapOvr>
     <a:masterClrMapping/>
   </p:clrMapOvr>
+  <p:timing>
+    <p:tnLst>
+      <p:par>
+        <p:cTn id="1" dur="indefinite" restart="never" nodeType="tmRoot"/>
+      </p:par>
+    </p:tnLst>
+  </p:timing>
 </p:sld>
 </file>
 
-<file path=ppt/slides/slide68.xml><?xml version="1.0" encoding="utf-8"?>
+<file path=ppt/slides/slide75.xml><?xml version="1.0" encoding="utf-8"?>
 <p:sld xmlns:a="http://schemas.openxmlformats.org/drawingml/2006/main" xmlns:r="http://schemas.openxmlformats.org/officeDocument/2006/relationships" xmlns:p="http://schemas.openxmlformats.org/presentationml/2006/main">
   <p:cSld>
     <p:spTree>
@@ -16149,10 +17416,17 @@
   <p:clrMapOvr>
     <a:masterClrMapping/>
   </p:clrMapOvr>
+  <p:timing>
+    <p:tnLst>
+      <p:par>
+        <p:cTn id="1" dur="indefinite" restart="never" nodeType="tmRoot"/>
+      </p:par>
+    </p:tnLst>
+  </p:timing>
 </p:sld>
 </file>
 
-<file path=ppt/slides/slide69.xml><?xml version="1.0" encoding="utf-8"?>
+<file path=ppt/slides/slide76.xml><?xml version="1.0" encoding="utf-8"?>
 <p:sld xmlns:a="http://schemas.openxmlformats.org/drawingml/2006/main" xmlns:r="http://schemas.openxmlformats.org/officeDocument/2006/relationships" xmlns:p="http://schemas.openxmlformats.org/presentationml/2006/main">
   <p:cSld>
     <p:spTree>
@@ -16225,78 +17499,6 @@
   <p:clrMapOvr>
     <a:masterClrMapping/>
   </p:clrMapOvr>
-</p:sld>
-</file>
-
-<file path=ppt/slides/slide7.xml><?xml version="1.0" encoding="utf-8"?>
-<p:sld xmlns:a="http://schemas.openxmlformats.org/drawingml/2006/main" xmlns:r="http://schemas.openxmlformats.org/officeDocument/2006/relationships" xmlns:p="http://schemas.openxmlformats.org/presentationml/2006/main">
-  <p:cSld>
-    <p:spTree>
-      <p:nvGrpSpPr>
-        <p:cNvPr id="1" name=""/>
-        <p:cNvGrpSpPr/>
-        <p:nvPr/>
-      </p:nvGrpSpPr>
-      <p:grpSpPr>
-        <a:xfrm>
-          <a:off x="0" y="0"/>
-          <a:ext cx="0" cy="0"/>
-          <a:chOff x="0" y="0"/>
-          <a:chExt cx="0" cy="0"/>
-        </a:xfrm>
-      </p:grpSpPr>
-      <p:sp>
-        <p:nvSpPr>
-          <p:cNvPr id="2" name="Title 1"/>
-          <p:cNvSpPr>
-            <a:spLocks noGrp="1"/>
-          </p:cNvSpPr>
-          <p:nvPr>
-            <p:ph type="title"/>
-          </p:nvPr>
-        </p:nvSpPr>
-        <p:spPr/>
-        <p:txBody>
-          <a:bodyPr/>
-          <a:lstStyle/>
-          <a:p>
-            <a:r>
-              <a:rPr lang="en-US" dirty="0" smtClean="0"/>
-              <a:t>Semantics</a:t>
-            </a:r>
-            <a:endParaRPr lang="en-US" dirty="0"/>
-          </a:p>
-        </p:txBody>
-      </p:sp>
-      <p:sp>
-        <p:nvSpPr>
-          <p:cNvPr id="4" name="Text Placeholder 3"/>
-          <p:cNvSpPr>
-            <a:spLocks noGrp="1"/>
-          </p:cNvSpPr>
-          <p:nvPr>
-            <p:ph type="body" idx="1"/>
-          </p:nvPr>
-        </p:nvSpPr>
-        <p:spPr/>
-        <p:txBody>
-          <a:bodyPr/>
-          <a:lstStyle/>
-          <a:p>
-            <a:endParaRPr lang="en-US"/>
-          </a:p>
-        </p:txBody>
-      </p:sp>
-    </p:spTree>
-    <p:extLst>
-      <p:ext uri="{BB962C8B-B14F-4D97-AF65-F5344CB8AC3E}">
-        <p14:creationId xmlns:p14="http://schemas.microsoft.com/office/powerpoint/2010/main" val="3038641302"/>
-      </p:ext>
-    </p:extLst>
-  </p:cSld>
-  <p:clrMapOvr>
-    <a:masterClrMapping/>
-  </p:clrMapOvr>
   <p:timing>
     <p:tnLst>
       <p:par>
@@ -16307,7 +17509,7 @@
 </p:sld>
 </file>
 
-<file path=ppt/slides/slide70.xml><?xml version="1.0" encoding="utf-8"?>
+<file path=ppt/slides/slide77.xml><?xml version="1.0" encoding="utf-8"?>
 <p:sld xmlns:a="http://schemas.openxmlformats.org/drawingml/2006/main" xmlns:r="http://schemas.openxmlformats.org/officeDocument/2006/relationships" xmlns:p="http://schemas.openxmlformats.org/presentationml/2006/main">
   <p:cSld>
     <p:spTree>
@@ -16416,10 +17618,17 @@
   <p:clrMapOvr>
     <a:masterClrMapping/>
   </p:clrMapOvr>
+  <p:timing>
+    <p:tnLst>
+      <p:par>
+        <p:cTn id="1" dur="indefinite" restart="never" nodeType="tmRoot"/>
+      </p:par>
+    </p:tnLst>
+  </p:timing>
 </p:sld>
 </file>
 
-<file path=ppt/slides/slide71.xml><?xml version="1.0" encoding="utf-8"?>
+<file path=ppt/slides/slide78.xml><?xml version="1.0" encoding="utf-8"?>
 <p:sld xmlns:a="http://schemas.openxmlformats.org/drawingml/2006/main" xmlns:r="http://schemas.openxmlformats.org/officeDocument/2006/relationships" xmlns:p="http://schemas.openxmlformats.org/presentationml/2006/main">
   <p:cSld>
     <p:spTree>
@@ -16501,7 +17710,7 @@
       </p:sp>
       <p:pic>
         <p:nvPicPr>
-          <p:cNvPr id="6" name="Picture 5"/>
+          <p:cNvPr id="4" name="Picture 3"/>
           <p:cNvPicPr>
             <a:picLocks noChangeAspect="1"/>
           </p:cNvPicPr>
@@ -16521,8 +17730,8 @@
         </p:blipFill>
         <p:spPr>
           <a:xfrm>
-            <a:off x="6576970" y="2971800"/>
-            <a:ext cx="4776830" cy="3557016"/>
+            <a:off x="8381940" y="2643744"/>
+            <a:ext cx="2717860" cy="3533219"/>
           </a:xfrm>
           <a:prstGeom prst="rect">
             <a:avLst/>
@@ -16539,10 +17748,17 @@
   <p:clrMapOvr>
     <a:masterClrMapping/>
   </p:clrMapOvr>
+  <p:timing>
+    <p:tnLst>
+      <p:par>
+        <p:cTn id="1" dur="indefinite" restart="never" nodeType="tmRoot"/>
+      </p:par>
+    </p:tnLst>
+  </p:timing>
 </p:sld>
 </file>
 
-<file path=ppt/slides/slide72.xml><?xml version="1.0" encoding="utf-8"?>
+<file path=ppt/slides/slide79.xml><?xml version="1.0" encoding="utf-8"?>
 <p:sld xmlns:a="http://schemas.openxmlformats.org/drawingml/2006/main" xmlns:r="http://schemas.openxmlformats.org/officeDocument/2006/relationships" xmlns:p="http://schemas.openxmlformats.org/presentationml/2006/main">
   <p:cSld>
     <p:spTree>
@@ -16701,7 +17917,68 @@
 </p:sld>
 </file>
 
-<file path=ppt/slides/slide73.xml><?xml version="1.0" encoding="utf-8"?>
+<file path=ppt/slides/slide8.xml><?xml version="1.0" encoding="utf-8"?>
+<p:sld xmlns:a="http://schemas.openxmlformats.org/drawingml/2006/main" xmlns:r="http://schemas.openxmlformats.org/officeDocument/2006/relationships" xmlns:p="http://schemas.openxmlformats.org/presentationml/2006/main">
+  <p:cSld>
+    <p:spTree>
+      <p:nvGrpSpPr>
+        <p:cNvPr id="1" name=""/>
+        <p:cNvGrpSpPr/>
+        <p:nvPr/>
+      </p:nvGrpSpPr>
+      <p:grpSpPr>
+        <a:xfrm>
+          <a:off x="0" y="0"/>
+          <a:ext cx="0" cy="0"/>
+          <a:chOff x="0" y="0"/>
+          <a:chExt cx="0" cy="0"/>
+        </a:xfrm>
+      </p:grpSpPr>
+      <p:pic>
+        <p:nvPicPr>
+          <p:cNvPr id="5" name="Picture 4"/>
+          <p:cNvPicPr>
+            <a:picLocks noChangeAspect="1"/>
+          </p:cNvPicPr>
+          <p:nvPr/>
+        </p:nvPicPr>
+        <p:blipFill>
+          <a:blip r:embed="rId2"/>
+          <a:stretch>
+            <a:fillRect/>
+          </a:stretch>
+        </p:blipFill>
+        <p:spPr>
+          <a:xfrm>
+            <a:off x="1565410" y="1901771"/>
+            <a:ext cx="9409524" cy="2771429"/>
+          </a:xfrm>
+          <a:prstGeom prst="rect">
+            <a:avLst/>
+          </a:prstGeom>
+        </p:spPr>
+      </p:pic>
+    </p:spTree>
+    <p:extLst>
+      <p:ext uri="{BB962C8B-B14F-4D97-AF65-F5344CB8AC3E}">
+        <p14:creationId xmlns:p14="http://schemas.microsoft.com/office/powerpoint/2010/main" val="2574412267"/>
+      </p:ext>
+    </p:extLst>
+  </p:cSld>
+  <p:clrMapOvr>
+    <a:masterClrMapping/>
+  </p:clrMapOvr>
+  <p:timing>
+    <p:tnLst>
+      <p:par>
+        <p:cTn id="1" dur="indefinite" restart="never" nodeType="tmRoot"/>
+      </p:par>
+    </p:tnLst>
+  </p:timing>
+</p:sld>
+</file>
+
+<file path=ppt/slides/slide80.xml><?xml version="1.0" encoding="utf-8"?>
 <p:sld xmlns:a="http://schemas.openxmlformats.org/drawingml/2006/main" xmlns:r="http://schemas.openxmlformats.org/officeDocument/2006/relationships" xmlns:p="http://schemas.openxmlformats.org/presentationml/2006/main">
   <p:cSld>
     <p:spTree>
@@ -17087,10 +18364,17 @@
   <p:clrMapOvr>
     <a:masterClrMapping/>
   </p:clrMapOvr>
+  <p:timing>
+    <p:tnLst>
+      <p:par>
+        <p:cTn id="1" dur="indefinite" restart="never" nodeType="tmRoot"/>
+      </p:par>
+    </p:tnLst>
+  </p:timing>
 </p:sld>
 </file>
 
-<file path=ppt/slides/slide74.xml><?xml version="1.0" encoding="utf-8"?>
+<file path=ppt/slides/slide81.xml><?xml version="1.0" encoding="utf-8"?>
 <p:sld xmlns:a="http://schemas.openxmlformats.org/drawingml/2006/main" xmlns:r="http://schemas.openxmlformats.org/officeDocument/2006/relationships" xmlns:p="http://schemas.openxmlformats.org/presentationml/2006/main">
   <p:cSld>
     <p:spTree>
@@ -17377,7 +18661,7 @@
 </p:sld>
 </file>
 
-<file path=ppt/slides/slide75.xml><?xml version="1.0" encoding="utf-8"?>
+<file path=ppt/slides/slide82.xml><?xml version="1.0" encoding="utf-8"?>
 <p:sld xmlns:a="http://schemas.openxmlformats.org/drawingml/2006/main" xmlns:r="http://schemas.openxmlformats.org/officeDocument/2006/relationships" xmlns:p="http://schemas.openxmlformats.org/presentationml/2006/main">
   <p:cSld>
     <p:spTree>
@@ -17670,7 +18954,7 @@
 </p:sld>
 </file>
 
-<file path=ppt/slides/slide76.xml><?xml version="1.0" encoding="utf-8"?>
+<file path=ppt/slides/slide83.xml><?xml version="1.0" encoding="utf-8"?>
 <p:sld xmlns:a="http://schemas.openxmlformats.org/drawingml/2006/main" xmlns:r="http://schemas.openxmlformats.org/officeDocument/2006/relationships" xmlns:p="http://schemas.openxmlformats.org/presentationml/2006/main">
   <p:cSld>
     <p:spTree>
@@ -17753,7 +19037,7 @@
 </p:sld>
 </file>
 
-<file path=ppt/slides/slide77.xml><?xml version="1.0" encoding="utf-8"?>
+<file path=ppt/slides/slide84.xml><?xml version="1.0" encoding="utf-8"?>
 <p:sld xmlns:a="http://schemas.openxmlformats.org/drawingml/2006/main" xmlns:r="http://schemas.openxmlformats.org/officeDocument/2006/relationships" xmlns:p="http://schemas.openxmlformats.org/presentationml/2006/main">
   <p:cSld>
     <p:spTree>
@@ -17832,7 +19116,7 @@
 </p:sld>
 </file>
 
-<file path=ppt/slides/slide78.xml><?xml version="1.0" encoding="utf-8"?>
+<file path=ppt/slides/slide85.xml><?xml version="1.0" encoding="utf-8"?>
 <p:sld xmlns:a="http://schemas.openxmlformats.org/drawingml/2006/main" xmlns:r="http://schemas.openxmlformats.org/officeDocument/2006/relationships" xmlns:p="http://schemas.openxmlformats.org/presentationml/2006/main">
   <p:cSld>
     <p:spTree>
@@ -17986,7 +19270,7 @@
 </p:sld>
 </file>
 
-<file path=ppt/slides/slide79.xml><?xml version="1.0" encoding="utf-8"?>
+<file path=ppt/slides/slide86.xml><?xml version="1.0" encoding="utf-8"?>
 <p:sld xmlns:a="http://schemas.openxmlformats.org/drawingml/2006/main" xmlns:r="http://schemas.openxmlformats.org/officeDocument/2006/relationships" xmlns:p="http://schemas.openxmlformats.org/presentationml/2006/main">
   <p:cSld>
     <p:spTree>
@@ -18137,60 +19421,6 @@
   <p:clrMapOvr>
     <a:masterClrMapping/>
   </p:clrMapOvr>
-</p:sld>
-</file>
-
-<file path=ppt/slides/slide8.xml><?xml version="1.0" encoding="utf-8"?>
-<p:sld xmlns:a="http://schemas.openxmlformats.org/drawingml/2006/main" xmlns:r="http://schemas.openxmlformats.org/officeDocument/2006/relationships" xmlns:p="http://schemas.openxmlformats.org/presentationml/2006/main">
-  <p:cSld>
-    <p:spTree>
-      <p:nvGrpSpPr>
-        <p:cNvPr id="1" name=""/>
-        <p:cNvGrpSpPr/>
-        <p:nvPr/>
-      </p:nvGrpSpPr>
-      <p:grpSpPr>
-        <a:xfrm>
-          <a:off x="0" y="0"/>
-          <a:ext cx="0" cy="0"/>
-          <a:chOff x="0" y="0"/>
-          <a:chExt cx="0" cy="0"/>
-        </a:xfrm>
-      </p:grpSpPr>
-      <p:pic>
-        <p:nvPicPr>
-          <p:cNvPr id="5" name="Picture 4"/>
-          <p:cNvPicPr>
-            <a:picLocks noChangeAspect="1"/>
-          </p:cNvPicPr>
-          <p:nvPr/>
-        </p:nvPicPr>
-        <p:blipFill>
-          <a:blip r:embed="rId2"/>
-          <a:stretch>
-            <a:fillRect/>
-          </a:stretch>
-        </p:blipFill>
-        <p:spPr>
-          <a:xfrm>
-            <a:off x="1565410" y="1901771"/>
-            <a:ext cx="9409524" cy="2771429"/>
-          </a:xfrm>
-          <a:prstGeom prst="rect">
-            <a:avLst/>
-          </a:prstGeom>
-        </p:spPr>
-      </p:pic>
-    </p:spTree>
-    <p:extLst>
-      <p:ext uri="{BB962C8B-B14F-4D97-AF65-F5344CB8AC3E}">
-        <p14:creationId xmlns:p14="http://schemas.microsoft.com/office/powerpoint/2010/main" val="2574412267"/>
-      </p:ext>
-    </p:extLst>
-  </p:cSld>
-  <p:clrMapOvr>
-    <a:masterClrMapping/>
-  </p:clrMapOvr>
   <p:timing>
     <p:tnLst>
       <p:par>
@@ -18201,7 +19431,7 @@
 </p:sld>
 </file>
 
-<file path=ppt/slides/slide80.xml><?xml version="1.0" encoding="utf-8"?>
+<file path=ppt/slides/slide87.xml><?xml version="1.0" encoding="utf-8"?>
 <p:sld xmlns:a="http://schemas.openxmlformats.org/drawingml/2006/main" xmlns:r="http://schemas.openxmlformats.org/officeDocument/2006/relationships" xmlns:p="http://schemas.openxmlformats.org/presentationml/2006/main">
   <p:cSld>
     <p:spTree>
@@ -18320,7 +19550,7 @@
 </p:sld>
 </file>
 
-<file path=ppt/slides/slide81.xml><?xml version="1.0" encoding="utf-8"?>
+<file path=ppt/slides/slide88.xml><?xml version="1.0" encoding="utf-8"?>
 <p:sld xmlns:a="http://schemas.openxmlformats.org/drawingml/2006/main" xmlns:r="http://schemas.openxmlformats.org/officeDocument/2006/relationships" xmlns:p="http://schemas.openxmlformats.org/presentationml/2006/main">
   <p:cSld>
     <p:spTree>
@@ -18393,10 +19623,17 @@
   <p:clrMapOvr>
     <a:masterClrMapping/>
   </p:clrMapOvr>
+  <p:timing>
+    <p:tnLst>
+      <p:par>
+        <p:cTn id="1" dur="indefinite" restart="never" nodeType="tmRoot"/>
+      </p:par>
+    </p:tnLst>
+  </p:timing>
 </p:sld>
 </file>
 
-<file path=ppt/slides/slide82.xml><?xml version="1.0" encoding="utf-8"?>
+<file path=ppt/slides/slide89.xml><?xml version="1.0" encoding="utf-8"?>
 <p:sld xmlns:a="http://schemas.openxmlformats.org/drawingml/2006/main" xmlns:r="http://schemas.openxmlformats.org/officeDocument/2006/relationships" xmlns:p="http://schemas.openxmlformats.org/presentationml/2006/main">
   <p:cSld>
     <p:spTree>
@@ -18524,7 +19761,83 @@
 </p:sld>
 </file>
 
-<file path=ppt/slides/slide83.xml><?xml version="1.0" encoding="utf-8"?>
+<file path=ppt/slides/slide9.xml><?xml version="1.0" encoding="utf-8"?>
+<p:sld xmlns:a="http://schemas.openxmlformats.org/drawingml/2006/main" xmlns:r="http://schemas.openxmlformats.org/officeDocument/2006/relationships" xmlns:p="http://schemas.openxmlformats.org/presentationml/2006/main">
+  <p:cSld>
+    <p:spTree>
+      <p:nvGrpSpPr>
+        <p:cNvPr id="1" name=""/>
+        <p:cNvGrpSpPr/>
+        <p:nvPr/>
+      </p:nvGrpSpPr>
+      <p:grpSpPr>
+        <a:xfrm>
+          <a:off x="0" y="0"/>
+          <a:ext cx="0" cy="0"/>
+          <a:chOff x="0" y="0"/>
+          <a:chExt cx="0" cy="0"/>
+        </a:xfrm>
+      </p:grpSpPr>
+      <p:sp>
+        <p:nvSpPr>
+          <p:cNvPr id="2" name="Title 1"/>
+          <p:cNvSpPr>
+            <a:spLocks noGrp="1"/>
+          </p:cNvSpPr>
+          <p:nvPr>
+            <p:ph type="ctrTitle"/>
+          </p:nvPr>
+        </p:nvSpPr>
+        <p:spPr/>
+        <p:txBody>
+          <a:bodyPr/>
+          <a:lstStyle/>
+          <a:p>
+            <a:r>
+              <a:rPr lang="en-US" dirty="0" smtClean="0"/>
+              <a:t>New Tag!</a:t>
+            </a:r>
+            <a:endParaRPr lang="en-US" dirty="0"/>
+          </a:p>
+        </p:txBody>
+      </p:sp>
+      <p:sp>
+        <p:nvSpPr>
+          <p:cNvPr id="3" name="Subtitle 2"/>
+          <p:cNvSpPr>
+            <a:spLocks noGrp="1"/>
+          </p:cNvSpPr>
+          <p:nvPr>
+            <p:ph type="subTitle" idx="1"/>
+          </p:nvPr>
+        </p:nvSpPr>
+        <p:spPr/>
+        <p:txBody>
+          <a:bodyPr/>
+          <a:lstStyle/>
+          <a:p>
+            <a:r>
+              <a:rPr lang="en-US" dirty="0" smtClean="0"/>
+              <a:t>(meh)</a:t>
+            </a:r>
+            <a:endParaRPr lang="en-US" dirty="0"/>
+          </a:p>
+        </p:txBody>
+      </p:sp>
+    </p:spTree>
+    <p:extLst>
+      <p:ext uri="{BB962C8B-B14F-4D97-AF65-F5344CB8AC3E}">
+        <p14:creationId xmlns:p14="http://schemas.microsoft.com/office/powerpoint/2010/main" val="2044548987"/>
+      </p:ext>
+    </p:extLst>
+  </p:cSld>
+  <p:clrMapOvr>
+    <a:masterClrMapping/>
+  </p:clrMapOvr>
+</p:sld>
+</file>
+
+<file path=ppt/slides/slide90.xml><?xml version="1.0" encoding="utf-8"?>
 <p:sld xmlns:a="http://schemas.openxmlformats.org/drawingml/2006/main" xmlns:r="http://schemas.openxmlformats.org/officeDocument/2006/relationships" xmlns:p="http://schemas.openxmlformats.org/presentationml/2006/main">
   <p:cSld>
     <p:spTree>
@@ -18603,7 +19916,7 @@
 </p:sld>
 </file>
 
-<file path=ppt/slides/slide84.xml><?xml version="1.0" encoding="utf-8"?>
+<file path=ppt/slides/slide91.xml><?xml version="1.0" encoding="utf-8"?>
 <p:sld xmlns:a="http://schemas.openxmlformats.org/drawingml/2006/main" xmlns:r="http://schemas.openxmlformats.org/officeDocument/2006/relationships" xmlns:p="http://schemas.openxmlformats.org/presentationml/2006/main">
   <p:cSld>
     <p:spTree>
@@ -18705,7 +20018,7 @@
 </p:sld>
 </file>
 
-<file path=ppt/slides/slide85.xml><?xml version="1.0" encoding="utf-8"?>
+<file path=ppt/slides/slide92.xml><?xml version="1.0" encoding="utf-8"?>
 <p:sld xmlns:a="http://schemas.openxmlformats.org/drawingml/2006/main" xmlns:r="http://schemas.openxmlformats.org/officeDocument/2006/relationships" xmlns:p="http://schemas.openxmlformats.org/presentationml/2006/main">
   <p:cSld>
     <p:spTree>
@@ -18811,7 +20124,7 @@
 </p:sld>
 </file>
 
-<file path=ppt/slides/slide86.xml><?xml version="1.0" encoding="utf-8"?>
+<file path=ppt/slides/slide93.xml><?xml version="1.0" encoding="utf-8"?>
 <p:sld xmlns:a="http://schemas.openxmlformats.org/drawingml/2006/main" xmlns:r="http://schemas.openxmlformats.org/officeDocument/2006/relationships" xmlns:p="http://schemas.openxmlformats.org/presentationml/2006/main">
   <p:cSld>
     <p:spTree>
@@ -18935,7 +20248,7 @@
 </p:sld>
 </file>
 
-<file path=ppt/slides/slide87.xml><?xml version="1.0" encoding="utf-8"?>
+<file path=ppt/slides/slide94.xml><?xml version="1.0" encoding="utf-8"?>
 <p:sld xmlns:a="http://schemas.openxmlformats.org/drawingml/2006/main" xmlns:r="http://schemas.openxmlformats.org/officeDocument/2006/relationships" xmlns:p="http://schemas.openxmlformats.org/presentationml/2006/main">
   <p:cSld>
     <p:spTree>
@@ -19055,7 +20368,7 @@
 </p:sld>
 </file>
 
-<file path=ppt/slides/slide88.xml><?xml version="1.0" encoding="utf-8"?>
+<file path=ppt/slides/slide95.xml><?xml version="1.0" encoding="utf-8"?>
 <p:sld xmlns:a="http://schemas.openxmlformats.org/drawingml/2006/main" xmlns:r="http://schemas.openxmlformats.org/officeDocument/2006/relationships" xmlns:p="http://schemas.openxmlformats.org/presentationml/2006/main">
   <p:cSld>
     <p:spTree>
@@ -19153,7 +20466,7 @@
 </p:sld>
 </file>
 
-<file path=ppt/slides/slide89.xml><?xml version="1.0" encoding="utf-8"?>
+<file path=ppt/slides/slide96.xml><?xml version="1.0" encoding="utf-8"?>
 <p:sld xmlns:a="http://schemas.openxmlformats.org/drawingml/2006/main" xmlns:r="http://schemas.openxmlformats.org/officeDocument/2006/relationships" xmlns:p="http://schemas.openxmlformats.org/presentationml/2006/main">
   <p:cSld>
     <p:spTree>
@@ -19300,7 +20613,7 @@
 </p:sld>
 </file>
 
-<file path=ppt/slides/slide9.xml><?xml version="1.0" encoding="utf-8"?>
+<file path=ppt/slides/slide97.xml><?xml version="1.0" encoding="utf-8"?>
 <p:sld xmlns:a="http://schemas.openxmlformats.org/drawingml/2006/main" xmlns:r="http://schemas.openxmlformats.org/officeDocument/2006/relationships" xmlns:p="http://schemas.openxmlformats.org/presentationml/2006/main">
   <p:cSld>
     <p:spTree>
@@ -19324,82 +20637,6 @@
             <a:spLocks noGrp="1"/>
           </p:cNvSpPr>
           <p:nvPr>
-            <p:ph type="ctrTitle"/>
-          </p:nvPr>
-        </p:nvSpPr>
-        <p:spPr/>
-        <p:txBody>
-          <a:bodyPr/>
-          <a:lstStyle/>
-          <a:p>
-            <a:r>
-              <a:rPr lang="en-US" dirty="0" smtClean="0"/>
-              <a:t>New Tag!</a:t>
-            </a:r>
-            <a:endParaRPr lang="en-US" dirty="0"/>
-          </a:p>
-        </p:txBody>
-      </p:sp>
-      <p:sp>
-        <p:nvSpPr>
-          <p:cNvPr id="3" name="Subtitle 2"/>
-          <p:cNvSpPr>
-            <a:spLocks noGrp="1"/>
-          </p:cNvSpPr>
-          <p:nvPr>
-            <p:ph type="subTitle" idx="1"/>
-          </p:nvPr>
-        </p:nvSpPr>
-        <p:spPr/>
-        <p:txBody>
-          <a:bodyPr/>
-          <a:lstStyle/>
-          <a:p>
-            <a:r>
-              <a:rPr lang="en-US" dirty="0" smtClean="0"/>
-              <a:t>(meh)</a:t>
-            </a:r>
-            <a:endParaRPr lang="en-US" dirty="0"/>
-          </a:p>
-        </p:txBody>
-      </p:sp>
-    </p:spTree>
-    <p:extLst>
-      <p:ext uri="{BB962C8B-B14F-4D97-AF65-F5344CB8AC3E}">
-        <p14:creationId xmlns:p14="http://schemas.microsoft.com/office/powerpoint/2010/main" val="2044548987"/>
-      </p:ext>
-    </p:extLst>
-  </p:cSld>
-  <p:clrMapOvr>
-    <a:masterClrMapping/>
-  </p:clrMapOvr>
-</p:sld>
-</file>
-
-<file path=ppt/slides/slide90.xml><?xml version="1.0" encoding="utf-8"?>
-<p:sld xmlns:a="http://schemas.openxmlformats.org/drawingml/2006/main" xmlns:r="http://schemas.openxmlformats.org/officeDocument/2006/relationships" xmlns:p="http://schemas.openxmlformats.org/presentationml/2006/main">
-  <p:cSld>
-    <p:spTree>
-      <p:nvGrpSpPr>
-        <p:cNvPr id="1" name=""/>
-        <p:cNvGrpSpPr/>
-        <p:nvPr/>
-      </p:nvGrpSpPr>
-      <p:grpSpPr>
-        <a:xfrm>
-          <a:off x="0" y="0"/>
-          <a:ext cx="0" cy="0"/>
-          <a:chOff x="0" y="0"/>
-          <a:chExt cx="0" cy="0"/>
-        </a:xfrm>
-      </p:grpSpPr>
-      <p:sp>
-        <p:nvSpPr>
-          <p:cNvPr id="2" name="Title 1"/>
-          <p:cNvSpPr>
-            <a:spLocks noGrp="1"/>
-          </p:cNvSpPr>
-          <p:nvPr>
             <p:ph type="title"/>
           </p:nvPr>
         </p:nvSpPr>
@@ -19546,7 +20783,7 @@
 </p:sld>
 </file>
 
-<file path=ppt/slides/slide91.xml><?xml version="1.0" encoding="utf-8"?>
+<file path=ppt/slides/slide98.xml><?xml version="1.0" encoding="utf-8"?>
 <p:sld xmlns:a="http://schemas.openxmlformats.org/drawingml/2006/main" xmlns:r="http://schemas.openxmlformats.org/officeDocument/2006/relationships" xmlns:p="http://schemas.openxmlformats.org/presentationml/2006/main">
   <p:cSld>
     <p:spTree>
@@ -19648,7 +20885,7 @@
 </p:sld>
 </file>
 
-<file path=ppt/slides/slide92.xml><?xml version="1.0" encoding="utf-8"?>
+<file path=ppt/slides/slide99.xml><?xml version="1.0" encoding="utf-8"?>
 <p:sld xmlns:a="http://schemas.openxmlformats.org/drawingml/2006/main" xmlns:r="http://schemas.openxmlformats.org/officeDocument/2006/relationships" xmlns:p="http://schemas.openxmlformats.org/presentationml/2006/main">
   <p:cSld>
     <p:spTree>

--- a/HTML5.pptx
+++ b/HTML5.pptx
@@ -5,17 +5,17 @@
     <p:sldMasterId id="2147483756" r:id="rId1"/>
   </p:sldMasterIdLst>
   <p:notesMasterIdLst>
-    <p:notesMasterId r:id="rId101"/>
+    <p:notesMasterId r:id="rId102"/>
   </p:notesMasterIdLst>
   <p:sldIdLst>
     <p:sldId id="256" r:id="rId2"/>
     <p:sldId id="259" r:id="rId3"/>
     <p:sldId id="257" r:id="rId4"/>
-    <p:sldId id="267" r:id="rId5"/>
-    <p:sldId id="349" r:id="rId6"/>
-    <p:sldId id="347" r:id="rId7"/>
-    <p:sldId id="258" r:id="rId8"/>
-    <p:sldId id="350" r:id="rId9"/>
+    <p:sldId id="350" r:id="rId5"/>
+    <p:sldId id="267" r:id="rId6"/>
+    <p:sldId id="349" r:id="rId7"/>
+    <p:sldId id="347" r:id="rId8"/>
+    <p:sldId id="258" r:id="rId9"/>
     <p:sldId id="364" r:id="rId10"/>
     <p:sldId id="270" r:id="rId11"/>
     <p:sldId id="272" r:id="rId12"/>
@@ -50,17 +50,17 @@
     <p:sldId id="304" r:id="rId41"/>
     <p:sldId id="372" r:id="rId42"/>
     <p:sldId id="262" r:id="rId43"/>
-    <p:sldId id="373" r:id="rId44"/>
-    <p:sldId id="374" r:id="rId45"/>
-    <p:sldId id="375" r:id="rId46"/>
-    <p:sldId id="376" r:id="rId47"/>
-    <p:sldId id="377" r:id="rId48"/>
-    <p:sldId id="305" r:id="rId49"/>
-    <p:sldId id="284" r:id="rId50"/>
-    <p:sldId id="307" r:id="rId51"/>
-    <p:sldId id="308" r:id="rId52"/>
-    <p:sldId id="358" r:id="rId53"/>
-    <p:sldId id="311" r:id="rId54"/>
+    <p:sldId id="305" r:id="rId44"/>
+    <p:sldId id="284" r:id="rId45"/>
+    <p:sldId id="307" r:id="rId46"/>
+    <p:sldId id="308" r:id="rId47"/>
+    <p:sldId id="358" r:id="rId48"/>
+    <p:sldId id="311" r:id="rId49"/>
+    <p:sldId id="373" r:id="rId50"/>
+    <p:sldId id="374" r:id="rId51"/>
+    <p:sldId id="375" r:id="rId52"/>
+    <p:sldId id="376" r:id="rId53"/>
+    <p:sldId id="377" r:id="rId54"/>
     <p:sldId id="287" r:id="rId55"/>
     <p:sldId id="359" r:id="rId56"/>
     <p:sldId id="314" r:id="rId57"/>
@@ -77,36 +77,37 @@
     <p:sldId id="313" r:id="rId68"/>
     <p:sldId id="342" r:id="rId69"/>
     <p:sldId id="288" r:id="rId70"/>
-    <p:sldId id="378" r:id="rId71"/>
-    <p:sldId id="379" r:id="rId72"/>
-    <p:sldId id="264" r:id="rId73"/>
-    <p:sldId id="291" r:id="rId74"/>
-    <p:sldId id="344" r:id="rId75"/>
-    <p:sldId id="324" r:id="rId76"/>
-    <p:sldId id="325" r:id="rId77"/>
-    <p:sldId id="360" r:id="rId78"/>
-    <p:sldId id="361" r:id="rId79"/>
-    <p:sldId id="292" r:id="rId80"/>
-    <p:sldId id="326" r:id="rId81"/>
-    <p:sldId id="293" r:id="rId82"/>
-    <p:sldId id="327" r:id="rId83"/>
-    <p:sldId id="296" r:id="rId84"/>
-    <p:sldId id="265" r:id="rId85"/>
-    <p:sldId id="294" r:id="rId86"/>
-    <p:sldId id="346" r:id="rId87"/>
-    <p:sldId id="295" r:id="rId88"/>
-    <p:sldId id="328" r:id="rId89"/>
-    <p:sldId id="362" r:id="rId90"/>
-    <p:sldId id="266" r:id="rId91"/>
-    <p:sldId id="332" r:id="rId92"/>
-    <p:sldId id="333" r:id="rId93"/>
-    <p:sldId id="334" r:id="rId94"/>
-    <p:sldId id="335" r:id="rId95"/>
-    <p:sldId id="336" r:id="rId96"/>
-    <p:sldId id="337" r:id="rId97"/>
-    <p:sldId id="338" r:id="rId98"/>
-    <p:sldId id="345" r:id="rId99"/>
-    <p:sldId id="269" r:id="rId100"/>
+    <p:sldId id="380" r:id="rId71"/>
+    <p:sldId id="378" r:id="rId72"/>
+    <p:sldId id="379" r:id="rId73"/>
+    <p:sldId id="264" r:id="rId74"/>
+    <p:sldId id="291" r:id="rId75"/>
+    <p:sldId id="344" r:id="rId76"/>
+    <p:sldId id="324" r:id="rId77"/>
+    <p:sldId id="325" r:id="rId78"/>
+    <p:sldId id="360" r:id="rId79"/>
+    <p:sldId id="361" r:id="rId80"/>
+    <p:sldId id="292" r:id="rId81"/>
+    <p:sldId id="326" r:id="rId82"/>
+    <p:sldId id="293" r:id="rId83"/>
+    <p:sldId id="327" r:id="rId84"/>
+    <p:sldId id="296" r:id="rId85"/>
+    <p:sldId id="265" r:id="rId86"/>
+    <p:sldId id="294" r:id="rId87"/>
+    <p:sldId id="346" r:id="rId88"/>
+    <p:sldId id="295" r:id="rId89"/>
+    <p:sldId id="328" r:id="rId90"/>
+    <p:sldId id="362" r:id="rId91"/>
+    <p:sldId id="266" r:id="rId92"/>
+    <p:sldId id="332" r:id="rId93"/>
+    <p:sldId id="333" r:id="rId94"/>
+    <p:sldId id="334" r:id="rId95"/>
+    <p:sldId id="335" r:id="rId96"/>
+    <p:sldId id="336" r:id="rId97"/>
+    <p:sldId id="337" r:id="rId98"/>
+    <p:sldId id="338" r:id="rId99"/>
+    <p:sldId id="345" r:id="rId100"/>
+    <p:sldId id="269" r:id="rId101"/>
   </p:sldIdLst>
   <p:sldSz cx="12192000" cy="6858000"/>
   <p:notesSz cx="6858000" cy="9144000"/>
@@ -217,6 +218,7 @@
         </p14:section>
         <p14:section name="Introduction" id="{4B6E866F-0C80-4F3D-8C32-B00DAA8600A6}">
           <p14:sldIdLst>
+            <p14:sldId id="350"/>
             <p14:sldId id="267"/>
             <p14:sldId id="349"/>
             <p14:sldId id="347"/>
@@ -225,7 +227,6 @@
         <p14:section name="Semantics" id="{8E3A8034-7F32-45DB-87C8-5BD92FFC112D}">
           <p14:sldIdLst>
             <p14:sldId id="258"/>
-            <p14:sldId id="350"/>
             <p14:sldId id="364"/>
             <p14:sldId id="270"/>
             <p14:sldId id="272"/>
@@ -272,17 +273,17 @@
         <p14:section name="Performance &amp; Integration" id="{2393921C-00E3-4BDD-9546-6ED494AA92FD}">
           <p14:sldIdLst>
             <p14:sldId id="262"/>
-            <p14:sldId id="373"/>
-            <p14:sldId id="374"/>
-            <p14:sldId id="375"/>
-            <p14:sldId id="376"/>
-            <p14:sldId id="377"/>
             <p14:sldId id="305"/>
             <p14:sldId id="284"/>
             <p14:sldId id="307"/>
             <p14:sldId id="308"/>
             <p14:sldId id="358"/>
             <p14:sldId id="311"/>
+            <p14:sldId id="373"/>
+            <p14:sldId id="374"/>
+            <p14:sldId id="375"/>
+            <p14:sldId id="376"/>
+            <p14:sldId id="377"/>
             <p14:sldId id="287"/>
             <p14:sldId id="359"/>
             <p14:sldId id="314"/>
@@ -303,6 +304,7 @@
             <p14:sldId id="313"/>
             <p14:sldId id="342"/>
             <p14:sldId id="288"/>
+            <p14:sldId id="380"/>
             <p14:sldId id="378"/>
             <p14:sldId id="379"/>
           </p14:sldIdLst>
@@ -441,7 +443,7 @@
           <a:p>
             <a:fld id="{4F9BD49F-04EC-44F1-B4C3-95F55137FBE2}" type="datetimeFigureOut">
               <a:rPr lang="en-US" smtClean="0"/>
-              <a:t>27/11/2014</a:t>
+              <a:t>11/1/2015</a:t>
             </a:fld>
             <a:endParaRPr lang="en-US"/>
           </a:p>
@@ -785,7 +787,7 @@
           <a:p>
             <a:fld id="{2404F88B-70B1-42B8-A718-5B12B6270F21}" type="slidenum">
               <a:rPr lang="en-US" smtClean="0"/>
-              <a:t>4</a:t>
+              <a:t>5</a:t>
             </a:fld>
             <a:endParaRPr lang="en-US"/>
           </a:p>
@@ -1045,7 +1047,7 @@
           <a:p>
             <a:fld id="{2404F88B-70B1-42B8-A718-5B12B6270F21}" type="slidenum">
               <a:rPr lang="en-US" smtClean="0"/>
-              <a:t>85</a:t>
+              <a:t>86</a:t>
             </a:fld>
             <a:endParaRPr lang="en-US"/>
           </a:p>
@@ -1108,83 +1110,11 @@
           <a:bodyPr/>
           <a:lstStyle/>
           <a:p>
-            <a:pPr marL="0" marR="0" indent="0" algn="l" defTabSz="914400" rtl="0" eaLnBrk="1" fontAlgn="auto" latinLnBrk="0" hangingPunct="1">
-              <a:lnSpc>
-                <a:spcPct val="100000"/>
-              </a:lnSpc>
-              <a:spcBef>
-                <a:spcPts val="0"/>
-              </a:spcBef>
-              <a:spcAft>
-                <a:spcPts val="0"/>
-              </a:spcAft>
-              <a:buClrTx/>
-              <a:buSzTx/>
-              <a:buFontTx/>
-              <a:buNone/>
-              <a:tabLst/>
-              <a:defRPr/>
-            </a:pPr>
-            <a:r>
-              <a:rPr lang="en-US" dirty="0" smtClean="0"/>
-              <a:t>Demo</a:t>
-            </a:r>
-            <a:r>
-              <a:rPr lang="en-US" baseline="0" dirty="0" smtClean="0"/>
-              <a:t>: http://9elements.com/io/projects/html5/canvas/</a:t>
-            </a:r>
-            <a:endParaRPr lang="th-TH" baseline="0" dirty="0" smtClean="0"/>
-          </a:p>
-          <a:p>
-            <a:pPr marL="0" marR="0" indent="0" algn="l" defTabSz="914400" rtl="0" eaLnBrk="1" fontAlgn="auto" latinLnBrk="0" hangingPunct="1">
-              <a:lnSpc>
-                <a:spcPct val="100000"/>
-              </a:lnSpc>
-              <a:spcBef>
-                <a:spcPts val="0"/>
-              </a:spcBef>
-              <a:spcAft>
-                <a:spcPts val="0"/>
-              </a:spcAft>
-              <a:buClrTx/>
-              <a:buSzTx/>
-              <a:buFontTx/>
-              <a:buNone/>
-              <a:tabLst/>
-              <a:defRPr/>
-            </a:pPr>
-            <a:r>
-              <a:rPr lang="en-US" baseline="0" dirty="0" smtClean="0"/>
-              <a:t>Demo: http://roxik.com/cat</a:t>
-            </a:r>
-            <a:r>
-              <a:rPr lang="en-US" baseline="0" dirty="0" smtClean="0"/>
-              <a:t>/</a:t>
-            </a:r>
-          </a:p>
-          <a:p>
-            <a:pPr marL="0" marR="0" indent="0" algn="l" defTabSz="914400" rtl="0" eaLnBrk="1" fontAlgn="auto" latinLnBrk="0" hangingPunct="1">
-              <a:lnSpc>
-                <a:spcPct val="100000"/>
-              </a:lnSpc>
-              <a:spcBef>
-                <a:spcPts val="0"/>
-              </a:spcBef>
-              <a:spcAft>
-                <a:spcPts val="0"/>
-              </a:spcAft>
-              <a:buClrTx/>
-              <a:buSzTx/>
-              <a:buFontTx/>
-              <a:buNone/>
-              <a:tabLst/>
-              <a:defRPr/>
-            </a:pPr>
-            <a:r>
-              <a:rPr lang="en-US" smtClean="0"/>
-              <a:t>Demo: http://madebyevan.com/webgl-water/</a:t>
-            </a:r>
-            <a:endParaRPr lang="en-US" dirty="0" smtClean="0"/>
+            <a:r>
+              <a:rPr lang="en-US" dirty="0" smtClean="0"/>
+              <a:t>http://madebyevan.com/webgl-water/</a:t>
+            </a:r>
+            <a:endParaRPr lang="en-US" dirty="0"/>
           </a:p>
         </p:txBody>
       </p:sp>
@@ -1214,7 +1144,7 @@
     </p:spTree>
     <p:extLst>
       <p:ext uri="{BB962C8B-B14F-4D97-AF65-F5344CB8AC3E}">
-        <p14:creationId xmlns:p14="http://schemas.microsoft.com/office/powerpoint/2010/main" val="745326477"/>
+        <p14:creationId xmlns:p14="http://schemas.microsoft.com/office/powerpoint/2010/main" val="1154891047"/>
       </p:ext>
     </p:extLst>
   </p:cSld>
@@ -1268,11 +1198,79 @@
           <a:bodyPr/>
           <a:lstStyle/>
           <a:p>
-            <a:r>
-              <a:rPr lang="en-US" dirty="0" smtClean="0"/>
-              <a:t>http://anthonycalzadilla.com/css3-ATAT/index.html</a:t>
-            </a:r>
-            <a:endParaRPr lang="en-US" dirty="0"/>
+            <a:pPr marL="0" marR="0" indent="0" algn="l" defTabSz="914400" rtl="0" eaLnBrk="1" fontAlgn="auto" latinLnBrk="0" hangingPunct="1">
+              <a:lnSpc>
+                <a:spcPct val="100000"/>
+              </a:lnSpc>
+              <a:spcBef>
+                <a:spcPts val="0"/>
+              </a:spcBef>
+              <a:spcAft>
+                <a:spcPts val="0"/>
+              </a:spcAft>
+              <a:buClrTx/>
+              <a:buSzTx/>
+              <a:buFontTx/>
+              <a:buNone/>
+              <a:tabLst/>
+              <a:defRPr/>
+            </a:pPr>
+            <a:r>
+              <a:rPr lang="en-US" dirty="0" smtClean="0"/>
+              <a:t>Demo</a:t>
+            </a:r>
+            <a:r>
+              <a:rPr lang="en-US" baseline="0" dirty="0" smtClean="0"/>
+              <a:t>: http://9elements.com/io/projects/html5/canvas/</a:t>
+            </a:r>
+            <a:endParaRPr lang="th-TH" baseline="0" dirty="0" smtClean="0"/>
+          </a:p>
+          <a:p>
+            <a:pPr marL="0" marR="0" indent="0" algn="l" defTabSz="914400" rtl="0" eaLnBrk="1" fontAlgn="auto" latinLnBrk="0" hangingPunct="1">
+              <a:lnSpc>
+                <a:spcPct val="100000"/>
+              </a:lnSpc>
+              <a:spcBef>
+                <a:spcPts val="0"/>
+              </a:spcBef>
+              <a:spcAft>
+                <a:spcPts val="0"/>
+              </a:spcAft>
+              <a:buClrTx/>
+              <a:buSzTx/>
+              <a:buFontTx/>
+              <a:buNone/>
+              <a:tabLst/>
+              <a:defRPr/>
+            </a:pPr>
+            <a:r>
+              <a:rPr lang="en-US" baseline="0" dirty="0" smtClean="0"/>
+              <a:t>Demo: http://roxik.com/cat/</a:t>
+            </a:r>
+          </a:p>
+          <a:p>
+            <a:pPr marL="0" marR="0" indent="0" algn="l" defTabSz="914400" rtl="0" eaLnBrk="1" fontAlgn="auto" latinLnBrk="0" hangingPunct="1">
+              <a:lnSpc>
+                <a:spcPct val="100000"/>
+              </a:lnSpc>
+              <a:spcBef>
+                <a:spcPts val="0"/>
+              </a:spcBef>
+              <a:spcAft>
+                <a:spcPts val="0"/>
+              </a:spcAft>
+              <a:buClrTx/>
+              <a:buSzTx/>
+              <a:buFontTx/>
+              <a:buNone/>
+              <a:tabLst/>
+              <a:defRPr/>
+            </a:pPr>
+            <a:r>
+              <a:rPr lang="en-US" smtClean="0"/>
+              <a:t>Demo: http://madebyevan.com/webgl-water/</a:t>
+            </a:r>
+            <a:endParaRPr lang="en-US" dirty="0" smtClean="0"/>
           </a:p>
         </p:txBody>
       </p:sp>
@@ -1293,7 +1291,7 @@
           <a:p>
             <a:fld id="{2404F88B-70B1-42B8-A718-5B12B6270F21}" type="slidenum">
               <a:rPr lang="en-US" smtClean="0"/>
-              <a:t>97</a:t>
+              <a:t>89</a:t>
             </a:fld>
             <a:endParaRPr lang="en-US"/>
           </a:p>
@@ -1302,7 +1300,7 @@
     </p:spTree>
     <p:extLst>
       <p:ext uri="{BB962C8B-B14F-4D97-AF65-F5344CB8AC3E}">
-        <p14:creationId xmlns:p14="http://schemas.microsoft.com/office/powerpoint/2010/main" val="2893474252"/>
+        <p14:creationId xmlns:p14="http://schemas.microsoft.com/office/powerpoint/2010/main" val="745326477"/>
       </p:ext>
     </p:extLst>
   </p:cSld>
@@ -1358,6 +1356,94 @@
           <a:p>
             <a:r>
               <a:rPr lang="en-US" dirty="0" smtClean="0"/>
+              <a:t>http://anthonycalzadilla.com/css3-ATAT/index.html</a:t>
+            </a:r>
+            <a:endParaRPr lang="en-US" dirty="0"/>
+          </a:p>
+        </p:txBody>
+      </p:sp>
+      <p:sp>
+        <p:nvSpPr>
+          <p:cNvPr id="4" name="Slide Number Placeholder 3"/>
+          <p:cNvSpPr>
+            <a:spLocks noGrp="1"/>
+          </p:cNvSpPr>
+          <p:nvPr>
+            <p:ph type="sldNum" sz="quarter" idx="10"/>
+          </p:nvPr>
+        </p:nvSpPr>
+        <p:spPr/>
+        <p:txBody>
+          <a:bodyPr/>
+          <a:lstStyle/>
+          <a:p>
+            <a:fld id="{2404F88B-70B1-42B8-A718-5B12B6270F21}" type="slidenum">
+              <a:rPr lang="en-US" smtClean="0"/>
+              <a:t>98</a:t>
+            </a:fld>
+            <a:endParaRPr lang="en-US"/>
+          </a:p>
+        </p:txBody>
+      </p:sp>
+    </p:spTree>
+    <p:extLst>
+      <p:ext uri="{BB962C8B-B14F-4D97-AF65-F5344CB8AC3E}">
+        <p14:creationId xmlns:p14="http://schemas.microsoft.com/office/powerpoint/2010/main" val="2893474252"/>
+      </p:ext>
+    </p:extLst>
+  </p:cSld>
+  <p:clrMapOvr>
+    <a:masterClrMapping/>
+  </p:clrMapOvr>
+</p:notes>
+</file>
+
+<file path=ppt/notesSlides/notesSlide16.xml><?xml version="1.0" encoding="utf-8"?>
+<p:notes xmlns:a="http://schemas.openxmlformats.org/drawingml/2006/main" xmlns:r="http://schemas.openxmlformats.org/officeDocument/2006/relationships" xmlns:p="http://schemas.openxmlformats.org/presentationml/2006/main">
+  <p:cSld>
+    <p:spTree>
+      <p:nvGrpSpPr>
+        <p:cNvPr id="1" name=""/>
+        <p:cNvGrpSpPr/>
+        <p:nvPr/>
+      </p:nvGrpSpPr>
+      <p:grpSpPr>
+        <a:xfrm>
+          <a:off x="0" y="0"/>
+          <a:ext cx="0" cy="0"/>
+          <a:chOff x="0" y="0"/>
+          <a:chExt cx="0" cy="0"/>
+        </a:xfrm>
+      </p:grpSpPr>
+      <p:sp>
+        <p:nvSpPr>
+          <p:cNvPr id="2" name="Slide Image Placeholder 1"/>
+          <p:cNvSpPr>
+            <a:spLocks noGrp="1" noRot="1" noChangeAspect="1"/>
+          </p:cNvSpPr>
+          <p:nvPr>
+            <p:ph type="sldImg"/>
+          </p:nvPr>
+        </p:nvSpPr>
+        <p:spPr/>
+      </p:sp>
+      <p:sp>
+        <p:nvSpPr>
+          <p:cNvPr id="3" name="Notes Placeholder 2"/>
+          <p:cNvSpPr>
+            <a:spLocks noGrp="1"/>
+          </p:cNvSpPr>
+          <p:nvPr>
+            <p:ph type="body" idx="1"/>
+          </p:nvPr>
+        </p:nvSpPr>
+        <p:spPr/>
+        <p:txBody>
+          <a:bodyPr/>
+          <a:lstStyle/>
+          <a:p>
+            <a:r>
+              <a:rPr lang="en-US" dirty="0" smtClean="0"/>
               <a:t>Browser supports and feature detection; </a:t>
             </a:r>
             <a:r>
@@ -1385,7 +1471,7 @@
           <a:p>
             <a:fld id="{2404F88B-70B1-42B8-A718-5B12B6270F21}" type="slidenum">
               <a:rPr lang="en-US" smtClean="0"/>
-              <a:t>99</a:t>
+              <a:t>100</a:t>
             </a:fld>
             <a:endParaRPr lang="en-US"/>
           </a:p>
@@ -1476,7 +1562,7 @@
           <a:p>
             <a:fld id="{2404F88B-70B1-42B8-A718-5B12B6270F21}" type="slidenum">
               <a:rPr lang="en-US" smtClean="0"/>
-              <a:t>7</a:t>
+              <a:t>8</a:t>
             </a:fld>
             <a:endParaRPr lang="en-US"/>
           </a:p>
@@ -2139,7 +2225,7 @@
           <a:p>
             <a:fld id="{2404F88B-70B1-42B8-A718-5B12B6270F21}" type="slidenum">
               <a:rPr lang="en-US" smtClean="0"/>
-              <a:t>53</a:t>
+              <a:t>48</a:t>
             </a:fld>
             <a:endParaRPr lang="en-US"/>
           </a:p>
@@ -2289,7 +2375,7 @@
           <a:p>
             <a:fld id="{DE6F38F2-C4BE-4E11-AFC4-A62D904B0F34}" type="datetimeFigureOut">
               <a:rPr lang="en-US" smtClean="0"/>
-              <a:t>27/11/2014</a:t>
+              <a:t>11/1/2015</a:t>
             </a:fld>
             <a:endParaRPr lang="en-US"/>
           </a:p>
@@ -2459,7 +2545,7 @@
           <a:p>
             <a:fld id="{DE6F38F2-C4BE-4E11-AFC4-A62D904B0F34}" type="datetimeFigureOut">
               <a:rPr lang="en-US" smtClean="0"/>
-              <a:t>27/11/2014</a:t>
+              <a:t>11/1/2015</a:t>
             </a:fld>
             <a:endParaRPr lang="en-US"/>
           </a:p>
@@ -2639,7 +2725,7 @@
           <a:p>
             <a:fld id="{DE6F38F2-C4BE-4E11-AFC4-A62D904B0F34}" type="datetimeFigureOut">
               <a:rPr lang="en-US" smtClean="0"/>
-              <a:t>27/11/2014</a:t>
+              <a:t>11/1/2015</a:t>
             </a:fld>
             <a:endParaRPr lang="en-US"/>
           </a:p>
@@ -2809,7 +2895,7 @@
           <a:p>
             <a:fld id="{DE6F38F2-C4BE-4E11-AFC4-A62D904B0F34}" type="datetimeFigureOut">
               <a:rPr lang="en-US" smtClean="0"/>
-              <a:t>27/11/2014</a:t>
+              <a:t>11/1/2015</a:t>
             </a:fld>
             <a:endParaRPr lang="en-US"/>
           </a:p>
@@ -3062,7 +3148,7 @@
           <a:p>
             <a:fld id="{DE6F38F2-C4BE-4E11-AFC4-A62D904B0F34}" type="datetimeFigureOut">
               <a:rPr lang="en-US" smtClean="0"/>
-              <a:t>27/11/2014</a:t>
+              <a:t>11/1/2015</a:t>
             </a:fld>
             <a:endParaRPr lang="en-US"/>
           </a:p>
@@ -3294,7 +3380,7 @@
           <a:p>
             <a:fld id="{DE6F38F2-C4BE-4E11-AFC4-A62D904B0F34}" type="datetimeFigureOut">
               <a:rPr lang="en-US" smtClean="0"/>
-              <a:t>27/11/2014</a:t>
+              <a:t>11/1/2015</a:t>
             </a:fld>
             <a:endParaRPr lang="en-US"/>
           </a:p>
@@ -3661,7 +3747,7 @@
           <a:p>
             <a:fld id="{DE6F38F2-C4BE-4E11-AFC4-A62D904B0F34}" type="datetimeFigureOut">
               <a:rPr lang="en-US" smtClean="0"/>
-              <a:t>27/11/2014</a:t>
+              <a:t>11/1/2015</a:t>
             </a:fld>
             <a:endParaRPr lang="en-US"/>
           </a:p>
@@ -3779,7 +3865,7 @@
           <a:p>
             <a:fld id="{DE6F38F2-C4BE-4E11-AFC4-A62D904B0F34}" type="datetimeFigureOut">
               <a:rPr lang="en-US" smtClean="0"/>
-              <a:t>27/11/2014</a:t>
+              <a:t>11/1/2015</a:t>
             </a:fld>
             <a:endParaRPr lang="en-US"/>
           </a:p>
@@ -3874,7 +3960,7 @@
           <a:p>
             <a:fld id="{DE6F38F2-C4BE-4E11-AFC4-A62D904B0F34}" type="datetimeFigureOut">
               <a:rPr lang="en-US" smtClean="0"/>
-              <a:t>27/11/2014</a:t>
+              <a:t>11/1/2015</a:t>
             </a:fld>
             <a:endParaRPr lang="en-US"/>
           </a:p>
@@ -4151,7 +4237,7 @@
           <a:p>
             <a:fld id="{DE6F38F2-C4BE-4E11-AFC4-A62D904B0F34}" type="datetimeFigureOut">
               <a:rPr lang="en-US" smtClean="0"/>
-              <a:t>27/11/2014</a:t>
+              <a:t>11/1/2015</a:t>
             </a:fld>
             <a:endParaRPr lang="en-US"/>
           </a:p>
@@ -4408,7 +4494,7 @@
           <a:p>
             <a:fld id="{DE6F38F2-C4BE-4E11-AFC4-A62D904B0F34}" type="datetimeFigureOut">
               <a:rPr lang="en-US" smtClean="0"/>
-              <a:t>27/11/2014</a:t>
+              <a:t>11/1/2015</a:t>
             </a:fld>
             <a:endParaRPr lang="en-US"/>
           </a:p>
@@ -4621,7 +4707,7 @@
           <a:p>
             <a:fld id="{DE6F38F2-C4BE-4E11-AFC4-A62D904B0F34}" type="datetimeFigureOut">
               <a:rPr lang="en-US" smtClean="0"/>
-              <a:t>27/11/2014</a:t>
+              <a:t>11/1/2015</a:t>
             </a:fld>
             <a:endParaRPr lang="en-US"/>
           </a:p>
@@ -5626,6 +5712,130 @@
 </p:sld>
 </file>
 
+<file path=ppt/slides/slide100.xml><?xml version="1.0" encoding="utf-8"?>
+<p:sld xmlns:a="http://schemas.openxmlformats.org/drawingml/2006/main" xmlns:r="http://schemas.openxmlformats.org/officeDocument/2006/relationships" xmlns:p="http://schemas.openxmlformats.org/presentationml/2006/main">
+  <p:cSld>
+    <p:spTree>
+      <p:nvGrpSpPr>
+        <p:cNvPr id="1" name=""/>
+        <p:cNvGrpSpPr/>
+        <p:nvPr/>
+      </p:nvGrpSpPr>
+      <p:grpSpPr>
+        <a:xfrm>
+          <a:off x="0" y="0"/>
+          <a:ext cx="0" cy="0"/>
+          <a:chOff x="0" y="0"/>
+          <a:chExt cx="0" cy="0"/>
+        </a:xfrm>
+      </p:grpSpPr>
+      <p:sp>
+        <p:nvSpPr>
+          <p:cNvPr id="2" name="Title 1"/>
+          <p:cNvSpPr>
+            <a:spLocks noGrp="1"/>
+          </p:cNvSpPr>
+          <p:nvPr>
+            <p:ph type="title"/>
+          </p:nvPr>
+        </p:nvSpPr>
+        <p:spPr/>
+        <p:txBody>
+          <a:bodyPr/>
+          <a:lstStyle/>
+          <a:p>
+            <a:r>
+              <a:rPr lang="en-US" dirty="0" smtClean="0"/>
+              <a:t>Supported Browser</a:t>
+            </a:r>
+            <a:endParaRPr lang="en-US" dirty="0"/>
+          </a:p>
+        </p:txBody>
+      </p:sp>
+      <p:sp>
+        <p:nvSpPr>
+          <p:cNvPr id="3" name="Content Placeholder 2"/>
+          <p:cNvSpPr>
+            <a:spLocks noGrp="1"/>
+          </p:cNvSpPr>
+          <p:nvPr>
+            <p:ph idx="1"/>
+          </p:nvPr>
+        </p:nvSpPr>
+        <p:spPr/>
+        <p:txBody>
+          <a:bodyPr/>
+          <a:lstStyle/>
+          <a:p>
+            <a:r>
+              <a:rPr lang="en-US" dirty="0">
+                <a:hlinkClick r:id="rId3"/>
+              </a:rPr>
+              <a:t>http://caniuse.com</a:t>
+            </a:r>
+            <a:r>
+              <a:rPr lang="en-US" dirty="0" smtClean="0">
+                <a:hlinkClick r:id="rId3"/>
+              </a:rPr>
+              <a:t>/</a:t>
+            </a:r>
+            <a:endParaRPr lang="en-US" dirty="0" smtClean="0"/>
+          </a:p>
+          <a:p>
+            <a:r>
+              <a:rPr lang="en-US" dirty="0">
+                <a:hlinkClick r:id="rId4"/>
+              </a:rPr>
+              <a:t>http://html5test.com</a:t>
+            </a:r>
+            <a:r>
+              <a:rPr lang="en-US" dirty="0" smtClean="0">
+                <a:hlinkClick r:id="rId4"/>
+              </a:rPr>
+              <a:t>/</a:t>
+            </a:r>
+            <a:endParaRPr lang="en-US" dirty="0" smtClean="0"/>
+          </a:p>
+          <a:p>
+            <a:r>
+              <a:rPr lang="en-US" dirty="0">
+                <a:hlinkClick r:id="rId5"/>
+              </a:rPr>
+              <a:t>http://modernizr.com</a:t>
+            </a:r>
+            <a:r>
+              <a:rPr lang="en-US" dirty="0" smtClean="0">
+                <a:hlinkClick r:id="rId5"/>
+              </a:rPr>
+              <a:t>/</a:t>
+            </a:r>
+            <a:endParaRPr lang="en-US" dirty="0" smtClean="0"/>
+          </a:p>
+          <a:p>
+            <a:endParaRPr lang="en-US" dirty="0"/>
+          </a:p>
+        </p:txBody>
+      </p:sp>
+    </p:spTree>
+    <p:extLst>
+      <p:ext uri="{BB962C8B-B14F-4D97-AF65-F5344CB8AC3E}">
+        <p14:creationId xmlns:p14="http://schemas.microsoft.com/office/powerpoint/2010/main" val="1020867098"/>
+      </p:ext>
+    </p:extLst>
+  </p:cSld>
+  <p:clrMapOvr>
+    <a:masterClrMapping/>
+  </p:clrMapOvr>
+  <p:timing>
+    <p:tnLst>
+      <p:par>
+        <p:cTn id="1" dur="indefinite" restart="never" nodeType="tmRoot"/>
+      </p:par>
+    </p:tnLst>
+  </p:timing>
+</p:sld>
+</file>
+
 <file path=ppt/slides/slide11.xml><?xml version="1.0" encoding="utf-8"?>
 <p:sld xmlns:a="http://schemas.openxmlformats.org/drawingml/2006/main" xmlns:r="http://schemas.openxmlformats.org/officeDocument/2006/relationships" xmlns:p="http://schemas.openxmlformats.org/presentationml/2006/main">
   <p:cSld>
@@ -9145,11 +9355,11 @@
   <p:clrMapOvr>
     <a:masterClrMapping/>
   </p:clrMapOvr>
-  <mc:AlternateContent xmlns:mc="http://schemas.openxmlformats.org/markup-compatibility/2006">
-    <mc:Choice xmlns:p14="http://schemas.microsoft.com/office/powerpoint/2010/main" Requires="p14">
+  <mc:AlternateContent xmlns:mc="http://schemas.openxmlformats.org/markup-compatibility/2006" xmlns:p14="http://schemas.microsoft.com/office/powerpoint/2010/main">
+    <mc:Choice Requires="p14">
       <p:transition spd="slow" p14:dur="2000"/>
     </mc:Choice>
-    <mc:Fallback>
+    <mc:Fallback xmlns="">
       <p:transition spd="slow"/>
     </mc:Fallback>
   </mc:AlternateContent>
@@ -10863,60 +11073,32 @@
       </p:grpSpPr>
       <p:pic>
         <p:nvPicPr>
-          <p:cNvPr id="7" name="Content Placeholder 6"/>
+          <p:cNvPr id="5" name="Picture 4"/>
           <p:cNvPicPr>
-            <a:picLocks noGrp="1" noChangeAspect="1"/>
+            <a:picLocks noChangeAspect="1"/>
           </p:cNvPicPr>
-          <p:nvPr>
-            <p:ph idx="1"/>
-          </p:nvPr>
+          <p:nvPr/>
         </p:nvPicPr>
         <p:blipFill>
-          <a:blip r:embed="rId3">
-            <a:extLst>
-              <a:ext uri="{28A0092B-C50C-407E-A947-70E740481C1C}">
-                <a14:useLocalDpi xmlns:a14="http://schemas.microsoft.com/office/drawing/2010/main" val="0"/>
-              </a:ext>
-            </a:extLst>
-          </a:blip>
+          <a:blip r:embed="rId2"/>
           <a:stretch>
             <a:fillRect/>
           </a:stretch>
         </p:blipFill>
         <p:spPr>
           <a:xfrm>
-            <a:off x="3216915" y="1690688"/>
-            <a:ext cx="4498428" cy="4115584"/>
+            <a:off x="1565410" y="1901771"/>
+            <a:ext cx="9409524" cy="2771429"/>
           </a:xfrm>
+          <a:prstGeom prst="rect">
+            <a:avLst/>
+          </a:prstGeom>
         </p:spPr>
       </p:pic>
-      <p:sp>
-        <p:nvSpPr>
-          <p:cNvPr id="8" name="Title 7"/>
-          <p:cNvSpPr>
-            <a:spLocks noGrp="1"/>
-          </p:cNvSpPr>
-          <p:nvPr>
-            <p:ph type="title"/>
-          </p:nvPr>
-        </p:nvSpPr>
-        <p:spPr/>
-        <p:txBody>
-          <a:bodyPr/>
-          <a:lstStyle/>
-          <a:p>
-            <a:r>
-              <a:rPr lang="en-US" dirty="0" smtClean="0"/>
-              <a:t>What’s HTML?</a:t>
-            </a:r>
-            <a:endParaRPr lang="en-US" dirty="0"/>
-          </a:p>
-        </p:txBody>
-      </p:sp>
     </p:spTree>
     <p:extLst>
       <p:ext uri="{BB962C8B-B14F-4D97-AF65-F5344CB8AC3E}">
-        <p14:creationId xmlns:p14="http://schemas.microsoft.com/office/powerpoint/2010/main" val="3711190036"/>
+        <p14:creationId xmlns:p14="http://schemas.microsoft.com/office/powerpoint/2010/main" val="2574412267"/>
       </p:ext>
     </p:extLst>
   </p:cSld>
@@ -11265,732 +11447,6 @@
 </file>
 
 <file path=ppt/slides/slide43.xml><?xml version="1.0" encoding="utf-8"?>
-<p:sld xmlns:a="http://schemas.openxmlformats.org/drawingml/2006/main" xmlns:r="http://schemas.openxmlformats.org/officeDocument/2006/relationships" xmlns:p="http://schemas.openxmlformats.org/presentationml/2006/main">
-  <p:cSld>
-    <p:spTree>
-      <p:nvGrpSpPr>
-        <p:cNvPr id="1" name=""/>
-        <p:cNvGrpSpPr/>
-        <p:nvPr/>
-      </p:nvGrpSpPr>
-      <p:grpSpPr>
-        <a:xfrm>
-          <a:off x="0" y="0"/>
-          <a:ext cx="0" cy="0"/>
-          <a:chOff x="0" y="0"/>
-          <a:chExt cx="0" cy="0"/>
-        </a:xfrm>
-      </p:grpSpPr>
-      <p:sp>
-        <p:nvSpPr>
-          <p:cNvPr id="4" name="Title 3"/>
-          <p:cNvSpPr>
-            <a:spLocks noGrp="1"/>
-          </p:cNvSpPr>
-          <p:nvPr>
-            <p:ph type="title"/>
-          </p:nvPr>
-        </p:nvSpPr>
-        <p:spPr/>
-        <p:txBody>
-          <a:bodyPr/>
-          <a:lstStyle/>
-          <a:p>
-            <a:r>
-              <a:rPr lang="en-US" dirty="0" smtClean="0"/>
-              <a:t>Cross-Origin communication</a:t>
-            </a:r>
-            <a:endParaRPr lang="en-US" dirty="0"/>
-          </a:p>
-        </p:txBody>
-      </p:sp>
-      <p:pic>
-        <p:nvPicPr>
-          <p:cNvPr id="11" name="Content Placeholder 10"/>
-          <p:cNvPicPr>
-            <a:picLocks noGrp="1" noChangeAspect="1"/>
-          </p:cNvPicPr>
-          <p:nvPr>
-            <p:ph idx="1"/>
-          </p:nvPr>
-        </p:nvPicPr>
-        <p:blipFill>
-          <a:blip r:embed="rId2">
-            <a:extLst>
-              <a:ext uri="{28A0092B-C50C-407E-A947-70E740481C1C}">
-                <a14:useLocalDpi xmlns:a14="http://schemas.microsoft.com/office/drawing/2010/main" val="0"/>
-              </a:ext>
-            </a:extLst>
-          </a:blip>
-          <a:stretch>
-            <a:fillRect/>
-          </a:stretch>
-        </p:blipFill>
-        <p:spPr>
-          <a:xfrm>
-            <a:off x="4344687" y="1825625"/>
-            <a:ext cx="3502625" cy="4351338"/>
-          </a:xfrm>
-        </p:spPr>
-      </p:pic>
-      <p:pic>
-        <p:nvPicPr>
-          <p:cNvPr id="12" name="Picture 11"/>
-          <p:cNvPicPr>
-            <a:picLocks noChangeAspect="1"/>
-          </p:cNvPicPr>
-          <p:nvPr/>
-        </p:nvPicPr>
-        <p:blipFill>
-          <a:blip r:embed="rId3">
-            <a:extLst>
-              <a:ext uri="{28A0092B-C50C-407E-A947-70E740481C1C}">
-                <a14:useLocalDpi xmlns:a14="http://schemas.microsoft.com/office/drawing/2010/main" val="0"/>
-              </a:ext>
-            </a:extLst>
-          </a:blip>
-          <a:stretch>
-            <a:fillRect/>
-          </a:stretch>
-        </p:blipFill>
-        <p:spPr>
-          <a:xfrm>
-            <a:off x="1041400" y="2686844"/>
-            <a:ext cx="2628900" cy="2628900"/>
-          </a:xfrm>
-          <a:prstGeom prst="rect">
-            <a:avLst/>
-          </a:prstGeom>
-        </p:spPr>
-      </p:pic>
-      <p:pic>
-        <p:nvPicPr>
-          <p:cNvPr id="13" name="Picture 12"/>
-          <p:cNvPicPr>
-            <a:picLocks noChangeAspect="1"/>
-          </p:cNvPicPr>
-          <p:nvPr/>
-        </p:nvPicPr>
-        <p:blipFill>
-          <a:blip r:embed="rId3">
-            <a:extLst>
-              <a:ext uri="{28A0092B-C50C-407E-A947-70E740481C1C}">
-                <a14:useLocalDpi xmlns:a14="http://schemas.microsoft.com/office/drawing/2010/main" val="0"/>
-              </a:ext>
-            </a:extLst>
-          </a:blip>
-          <a:stretch>
-            <a:fillRect/>
-          </a:stretch>
-        </p:blipFill>
-        <p:spPr>
-          <a:xfrm>
-            <a:off x="8521699" y="2686844"/>
-            <a:ext cx="2689225" cy="2689225"/>
-          </a:xfrm>
-          <a:prstGeom prst="rect">
-            <a:avLst/>
-          </a:prstGeom>
-        </p:spPr>
-      </p:pic>
-    </p:spTree>
-    <p:extLst>
-      <p:ext uri="{BB962C8B-B14F-4D97-AF65-F5344CB8AC3E}">
-        <p14:creationId xmlns:p14="http://schemas.microsoft.com/office/powerpoint/2010/main" val="3163840206"/>
-      </p:ext>
-    </p:extLst>
-  </p:cSld>
-  <p:clrMapOvr>
-    <a:masterClrMapping/>
-  </p:clrMapOvr>
-  <p:timing>
-    <p:tnLst>
-      <p:par>
-        <p:cTn id="1" dur="indefinite" restart="never" nodeType="tmRoot"/>
-      </p:par>
-    </p:tnLst>
-  </p:timing>
-</p:sld>
-</file>
-
-<file path=ppt/slides/slide44.xml><?xml version="1.0" encoding="utf-8"?>
-<p:sld xmlns:a="http://schemas.openxmlformats.org/drawingml/2006/main" xmlns:r="http://schemas.openxmlformats.org/officeDocument/2006/relationships" xmlns:p="http://schemas.openxmlformats.org/presentationml/2006/main">
-  <p:cSld>
-    <p:spTree>
-      <p:nvGrpSpPr>
-        <p:cNvPr id="1" name=""/>
-        <p:cNvGrpSpPr/>
-        <p:nvPr/>
-      </p:nvGrpSpPr>
-      <p:grpSpPr>
-        <a:xfrm>
-          <a:off x="0" y="0"/>
-          <a:ext cx="0" cy="0"/>
-          <a:chOff x="0" y="0"/>
-          <a:chExt cx="0" cy="0"/>
-        </a:xfrm>
-      </p:grpSpPr>
-      <p:sp>
-        <p:nvSpPr>
-          <p:cNvPr id="4" name="Title 3"/>
-          <p:cNvSpPr>
-            <a:spLocks noGrp="1"/>
-          </p:cNvSpPr>
-          <p:nvPr>
-            <p:ph type="ctrTitle"/>
-          </p:nvPr>
-        </p:nvSpPr>
-        <p:spPr/>
-        <p:txBody>
-          <a:bodyPr/>
-          <a:lstStyle/>
-          <a:p>
-            <a:r>
-              <a:rPr lang="en-US" dirty="0" smtClean="0"/>
-              <a:t>Example</a:t>
-            </a:r>
-            <a:endParaRPr lang="en-US" dirty="0"/>
-          </a:p>
-        </p:txBody>
-      </p:sp>
-      <p:sp>
-        <p:nvSpPr>
-          <p:cNvPr id="5" name="Subtitle 4"/>
-          <p:cNvSpPr>
-            <a:spLocks noGrp="1"/>
-          </p:cNvSpPr>
-          <p:nvPr>
-            <p:ph type="subTitle" idx="1"/>
-          </p:nvPr>
-        </p:nvSpPr>
-        <p:spPr/>
-        <p:txBody>
-          <a:bodyPr/>
-          <a:lstStyle/>
-          <a:p>
-            <a:endParaRPr lang="en-US" dirty="0"/>
-          </a:p>
-        </p:txBody>
-      </p:sp>
-    </p:spTree>
-    <p:extLst>
-      <p:ext uri="{BB962C8B-B14F-4D97-AF65-F5344CB8AC3E}">
-        <p14:creationId xmlns:p14="http://schemas.microsoft.com/office/powerpoint/2010/main" val="1836623530"/>
-      </p:ext>
-    </p:extLst>
-  </p:cSld>
-  <p:clrMapOvr>
-    <a:masterClrMapping/>
-  </p:clrMapOvr>
-  <p:timing>
-    <p:tnLst>
-      <p:par>
-        <p:cTn id="1" dur="indefinite" restart="never" nodeType="tmRoot"/>
-      </p:par>
-    </p:tnLst>
-  </p:timing>
-</p:sld>
-</file>
-
-<file path=ppt/slides/slide45.xml><?xml version="1.0" encoding="utf-8"?>
-<p:sld xmlns:a="http://schemas.openxmlformats.org/drawingml/2006/main" xmlns:r="http://schemas.openxmlformats.org/officeDocument/2006/relationships" xmlns:p="http://schemas.openxmlformats.org/presentationml/2006/main">
-  <p:cSld>
-    <p:spTree>
-      <p:nvGrpSpPr>
-        <p:cNvPr id="1" name=""/>
-        <p:cNvGrpSpPr/>
-        <p:nvPr/>
-      </p:nvGrpSpPr>
-      <p:grpSpPr>
-        <a:xfrm>
-          <a:off x="0" y="0"/>
-          <a:ext cx="0" cy="0"/>
-          <a:chOff x="0" y="0"/>
-          <a:chExt cx="0" cy="0"/>
-        </a:xfrm>
-      </p:grpSpPr>
-      <p:sp>
-        <p:nvSpPr>
-          <p:cNvPr id="2" name="Title 1"/>
-          <p:cNvSpPr>
-            <a:spLocks noGrp="1"/>
-          </p:cNvSpPr>
-          <p:nvPr>
-            <p:ph type="title"/>
-          </p:nvPr>
-        </p:nvSpPr>
-        <p:spPr/>
-        <p:txBody>
-          <a:bodyPr/>
-          <a:lstStyle/>
-          <a:p>
-            <a:r>
-              <a:rPr lang="en-US" dirty="0" smtClean="0"/>
-              <a:t>Post Message API</a:t>
-            </a:r>
-            <a:endParaRPr lang="en-US" dirty="0"/>
-          </a:p>
-        </p:txBody>
-      </p:sp>
-      <p:sp>
-        <p:nvSpPr>
-          <p:cNvPr id="3" name="Content Placeholder 2"/>
-          <p:cNvSpPr>
-            <a:spLocks noGrp="1"/>
-          </p:cNvSpPr>
-          <p:nvPr>
-            <p:ph idx="1"/>
-          </p:nvPr>
-        </p:nvSpPr>
-        <p:spPr>
-          <a:xfrm>
-            <a:off x="3351022" y="2501899"/>
-            <a:ext cx="8002778" cy="3675063"/>
-          </a:xfrm>
-        </p:spPr>
-        <p:txBody>
-          <a:bodyPr/>
-          <a:lstStyle/>
-          <a:p>
-            <a:pPr marL="0" indent="0" algn="ctr">
-              <a:buNone/>
-            </a:pPr>
-            <a:endParaRPr lang="en-US" dirty="0"/>
-          </a:p>
-          <a:p>
-            <a:pPr marL="0" indent="0" algn="ctr">
-              <a:buNone/>
-            </a:pPr>
-            <a:r>
-              <a:rPr lang="en-US" sz="3200" dirty="0" smtClean="0"/>
-              <a:t>“Safely enables cross-origin communication”</a:t>
-            </a:r>
-            <a:endParaRPr lang="en-US" sz="3200" dirty="0"/>
-          </a:p>
-        </p:txBody>
-      </p:sp>
-      <p:pic>
-        <p:nvPicPr>
-          <p:cNvPr id="4" name="Picture 3"/>
-          <p:cNvPicPr>
-            <a:picLocks noChangeAspect="1"/>
-          </p:cNvPicPr>
-          <p:nvPr/>
-        </p:nvPicPr>
-        <p:blipFill>
-          <a:blip r:embed="rId2">
-            <a:extLst>
-              <a:ext uri="{28A0092B-C50C-407E-A947-70E740481C1C}">
-                <a14:useLocalDpi xmlns:a14="http://schemas.microsoft.com/office/drawing/2010/main" val="0"/>
-              </a:ext>
-            </a:extLst>
-          </a:blip>
-          <a:stretch>
-            <a:fillRect/>
-          </a:stretch>
-        </p:blipFill>
-        <p:spPr>
-          <a:xfrm>
-            <a:off x="693737" y="2862262"/>
-            <a:ext cx="2657285" cy="3314700"/>
-          </a:xfrm>
-          <a:prstGeom prst="rect">
-            <a:avLst/>
-          </a:prstGeom>
-        </p:spPr>
-      </p:pic>
-    </p:spTree>
-    <p:extLst>
-      <p:ext uri="{BB962C8B-B14F-4D97-AF65-F5344CB8AC3E}">
-        <p14:creationId xmlns:p14="http://schemas.microsoft.com/office/powerpoint/2010/main" val="2740283269"/>
-      </p:ext>
-    </p:extLst>
-  </p:cSld>
-  <p:clrMapOvr>
-    <a:masterClrMapping/>
-  </p:clrMapOvr>
-  <p:timing>
-    <p:tnLst>
-      <p:par>
-        <p:cTn id="1" dur="indefinite" restart="never" nodeType="tmRoot"/>
-      </p:par>
-    </p:tnLst>
-  </p:timing>
-</p:sld>
-</file>
-
-<file path=ppt/slides/slide46.xml><?xml version="1.0" encoding="utf-8"?>
-<p:sld xmlns:a="http://schemas.openxmlformats.org/drawingml/2006/main" xmlns:r="http://schemas.openxmlformats.org/officeDocument/2006/relationships" xmlns:p="http://schemas.openxmlformats.org/presentationml/2006/main">
-  <p:cSld>
-    <p:spTree>
-      <p:nvGrpSpPr>
-        <p:cNvPr id="1" name=""/>
-        <p:cNvGrpSpPr/>
-        <p:nvPr/>
-      </p:nvGrpSpPr>
-      <p:grpSpPr>
-        <a:xfrm>
-          <a:off x="0" y="0"/>
-          <a:ext cx="0" cy="0"/>
-          <a:chOff x="0" y="0"/>
-          <a:chExt cx="0" cy="0"/>
-        </a:xfrm>
-      </p:grpSpPr>
-      <p:sp>
-        <p:nvSpPr>
-          <p:cNvPr id="7" name="Title 6"/>
-          <p:cNvSpPr>
-            <a:spLocks noGrp="1"/>
-          </p:cNvSpPr>
-          <p:nvPr>
-            <p:ph type="title"/>
-          </p:nvPr>
-        </p:nvSpPr>
-        <p:spPr/>
-        <p:txBody>
-          <a:bodyPr/>
-          <a:lstStyle/>
-          <a:p>
-            <a:r>
-              <a:rPr lang="en-US" dirty="0" smtClean="0"/>
-              <a:t>Post Message - Receiver</a:t>
-            </a:r>
-            <a:endParaRPr lang="en-US" dirty="0"/>
-          </a:p>
-        </p:txBody>
-      </p:sp>
-      <p:sp>
-        <p:nvSpPr>
-          <p:cNvPr id="12" name="Content Placeholder 11"/>
-          <p:cNvSpPr>
-            <a:spLocks noGrp="1"/>
-          </p:cNvSpPr>
-          <p:nvPr>
-            <p:ph idx="1"/>
-          </p:nvPr>
-        </p:nvSpPr>
-        <p:spPr>
-          <a:xfrm>
-            <a:off x="1397000" y="1825625"/>
-            <a:ext cx="9956800" cy="4351338"/>
-          </a:xfrm>
-        </p:spPr>
-        <p:txBody>
-          <a:bodyPr/>
-          <a:lstStyle/>
-          <a:p>
-            <a:r>
-              <a:rPr lang="en-US" dirty="0" smtClean="0"/>
-              <a:t>Listen for “message”</a:t>
-            </a:r>
-          </a:p>
-          <a:p>
-            <a:r>
-              <a:rPr lang="en-US" dirty="0" smtClean="0"/>
-              <a:t>Check if sender can be trusted</a:t>
-            </a:r>
-          </a:p>
-          <a:p>
-            <a:r>
-              <a:rPr lang="en-US" dirty="0" smtClean="0"/>
-              <a:t>Take action</a:t>
-            </a:r>
-            <a:endParaRPr lang="en-US" dirty="0"/>
-          </a:p>
-        </p:txBody>
-      </p:sp>
-      <p:pic>
-        <p:nvPicPr>
-          <p:cNvPr id="13" name="Picture 12"/>
-          <p:cNvPicPr>
-            <a:picLocks noChangeAspect="1"/>
-          </p:cNvPicPr>
-          <p:nvPr/>
-        </p:nvPicPr>
-        <p:blipFill>
-          <a:blip r:embed="rId2">
-            <a:extLst>
-              <a:ext uri="{28A0092B-C50C-407E-A947-70E740481C1C}">
-                <a14:useLocalDpi xmlns:a14="http://schemas.microsoft.com/office/drawing/2010/main" val="0"/>
-              </a:ext>
-            </a:extLst>
-          </a:blip>
-          <a:stretch>
-            <a:fillRect/>
-          </a:stretch>
-        </p:blipFill>
-        <p:spPr>
-          <a:xfrm>
-            <a:off x="7226300" y="2209800"/>
-            <a:ext cx="3810000" cy="3810000"/>
-          </a:xfrm>
-          <a:prstGeom prst="rect">
-            <a:avLst/>
-          </a:prstGeom>
-        </p:spPr>
-      </p:pic>
-      <p:sp>
-        <p:nvSpPr>
-          <p:cNvPr id="14" name="TextBox 13"/>
-          <p:cNvSpPr txBox="1"/>
-          <p:nvPr/>
-        </p:nvSpPr>
-        <p:spPr>
-          <a:xfrm>
-            <a:off x="1397000" y="3822700"/>
-            <a:ext cx="5003800" cy="1477328"/>
-          </a:xfrm>
-          <a:prstGeom prst="rect">
-            <a:avLst/>
-          </a:prstGeom>
-        </p:spPr>
-        <p:style>
-          <a:lnRef idx="2">
-            <a:schemeClr val="dk1"/>
-          </a:lnRef>
-          <a:fillRef idx="1">
-            <a:schemeClr val="lt1"/>
-          </a:fillRef>
-          <a:effectRef idx="0">
-            <a:schemeClr val="dk1"/>
-          </a:effectRef>
-          <a:fontRef idx="minor">
-            <a:schemeClr val="dk1"/>
-          </a:fontRef>
-        </p:style>
-        <p:txBody>
-          <a:bodyPr wrap="square" rtlCol="0">
-            <a:spAutoFit/>
-          </a:bodyPr>
-          <a:lstStyle/>
-          <a:p>
-            <a:r>
-              <a:rPr lang="en-US" dirty="0" smtClean="0"/>
-              <a:t>  window.addEventListener</a:t>
-            </a:r>
-            <a:r>
-              <a:rPr lang="en-US" dirty="0"/>
-              <a:t>('message', function(e) {</a:t>
-            </a:r>
-          </a:p>
-          <a:p>
-            <a:r>
-              <a:rPr lang="en-US" dirty="0" smtClean="0"/>
-              <a:t>      if </a:t>
-            </a:r>
-            <a:r>
-              <a:rPr lang="en-US" dirty="0"/>
-              <a:t>(e.origin == 'http://127.0.0.1') {</a:t>
-            </a:r>
-          </a:p>
-          <a:p>
-            <a:r>
-              <a:rPr lang="en-US" dirty="0" smtClean="0"/>
-              <a:t>           //do something with e.data</a:t>
-            </a:r>
-            <a:endParaRPr lang="en-US" dirty="0"/>
-          </a:p>
-          <a:p>
-            <a:r>
-              <a:rPr lang="en-US" dirty="0" smtClean="0"/>
-              <a:t>      }</a:t>
-            </a:r>
-            <a:endParaRPr lang="en-US" dirty="0"/>
-          </a:p>
-          <a:p>
-            <a:r>
-              <a:rPr lang="en-US" dirty="0" smtClean="0"/>
-              <a:t>  });</a:t>
-            </a:r>
-            <a:endParaRPr lang="en-US" dirty="0"/>
-          </a:p>
-        </p:txBody>
-      </p:sp>
-    </p:spTree>
-    <p:extLst>
-      <p:ext uri="{BB962C8B-B14F-4D97-AF65-F5344CB8AC3E}">
-        <p14:creationId xmlns:p14="http://schemas.microsoft.com/office/powerpoint/2010/main" val="933783714"/>
-      </p:ext>
-    </p:extLst>
-  </p:cSld>
-  <p:clrMapOvr>
-    <a:masterClrMapping/>
-  </p:clrMapOvr>
-  <p:timing>
-    <p:tnLst>
-      <p:par>
-        <p:cTn id="1" dur="indefinite" restart="never" nodeType="tmRoot"/>
-      </p:par>
-    </p:tnLst>
-  </p:timing>
-</p:sld>
-</file>
-
-<file path=ppt/slides/slide47.xml><?xml version="1.0" encoding="utf-8"?>
-<p:sld xmlns:a="http://schemas.openxmlformats.org/drawingml/2006/main" xmlns:r="http://schemas.openxmlformats.org/officeDocument/2006/relationships" xmlns:p="http://schemas.openxmlformats.org/presentationml/2006/main">
-  <p:cSld>
-    <p:spTree>
-      <p:nvGrpSpPr>
-        <p:cNvPr id="1" name=""/>
-        <p:cNvGrpSpPr/>
-        <p:nvPr/>
-      </p:nvGrpSpPr>
-      <p:grpSpPr>
-        <a:xfrm>
-          <a:off x="0" y="0"/>
-          <a:ext cx="0" cy="0"/>
-          <a:chOff x="0" y="0"/>
-          <a:chExt cx="0" cy="0"/>
-        </a:xfrm>
-      </p:grpSpPr>
-      <p:sp>
-        <p:nvSpPr>
-          <p:cNvPr id="2" name="Title 1"/>
-          <p:cNvSpPr>
-            <a:spLocks noGrp="1"/>
-          </p:cNvSpPr>
-          <p:nvPr>
-            <p:ph type="title"/>
-          </p:nvPr>
-        </p:nvSpPr>
-        <p:spPr/>
-        <p:txBody>
-          <a:bodyPr/>
-          <a:lstStyle/>
-          <a:p>
-            <a:r>
-              <a:rPr lang="en-US" dirty="0" smtClean="0"/>
-              <a:t>Post Message - Sender</a:t>
-            </a:r>
-            <a:endParaRPr lang="en-US" dirty="0"/>
-          </a:p>
-        </p:txBody>
-      </p:sp>
-      <p:sp>
-        <p:nvSpPr>
-          <p:cNvPr id="3" name="Content Placeholder 2"/>
-          <p:cNvSpPr>
-            <a:spLocks noGrp="1"/>
-          </p:cNvSpPr>
-          <p:nvPr>
-            <p:ph idx="1"/>
-          </p:nvPr>
-        </p:nvSpPr>
-        <p:spPr>
-          <a:xfrm>
-            <a:off x="1511300" y="1825625"/>
-            <a:ext cx="9448800" cy="4295775"/>
-          </a:xfrm>
-        </p:spPr>
-        <p:txBody>
-          <a:bodyPr/>
-          <a:lstStyle/>
-          <a:p>
-            <a:r>
-              <a:rPr lang="en-US" dirty="0" smtClean="0"/>
-              <a:t>Make sure that target is corrected</a:t>
-            </a:r>
-            <a:endParaRPr lang="en-US" dirty="0"/>
-          </a:p>
-        </p:txBody>
-      </p:sp>
-      <p:pic>
-        <p:nvPicPr>
-          <p:cNvPr id="4" name="Picture 3"/>
-          <p:cNvPicPr>
-            <a:picLocks noChangeAspect="1"/>
-          </p:cNvPicPr>
-          <p:nvPr/>
-        </p:nvPicPr>
-        <p:blipFill>
-          <a:blip r:embed="rId2">
-            <a:extLst>
-              <a:ext uri="{28A0092B-C50C-407E-A947-70E740481C1C}">
-                <a14:useLocalDpi xmlns:a14="http://schemas.microsoft.com/office/drawing/2010/main" val="0"/>
-              </a:ext>
-            </a:extLst>
-          </a:blip>
-          <a:stretch>
-            <a:fillRect/>
-          </a:stretch>
-        </p:blipFill>
-        <p:spPr>
-          <a:xfrm>
-            <a:off x="8021637" y="2468562"/>
-            <a:ext cx="2786063" cy="3219130"/>
-          </a:xfrm>
-          <a:prstGeom prst="rect">
-            <a:avLst/>
-          </a:prstGeom>
-        </p:spPr>
-      </p:pic>
-      <p:sp>
-        <p:nvSpPr>
-          <p:cNvPr id="5" name="TextBox 4"/>
-          <p:cNvSpPr txBox="1"/>
-          <p:nvPr/>
-        </p:nvSpPr>
-        <p:spPr>
-          <a:xfrm>
-            <a:off x="1511300" y="3529487"/>
-            <a:ext cx="5092700" cy="1097280"/>
-          </a:xfrm>
-          <a:prstGeom prst="rect">
-            <a:avLst/>
-          </a:prstGeom>
-        </p:spPr>
-        <p:style>
-          <a:lnRef idx="2">
-            <a:schemeClr val="dk1"/>
-          </a:lnRef>
-          <a:fillRef idx="1">
-            <a:schemeClr val="lt1"/>
-          </a:fillRef>
-          <a:effectRef idx="0">
-            <a:schemeClr val="dk1"/>
-          </a:effectRef>
-          <a:fontRef idx="minor">
-            <a:schemeClr val="dk1"/>
-          </a:fontRef>
-        </p:style>
-        <p:txBody>
-          <a:bodyPr wrap="square" rtlCol="0" anchor="ctr" anchorCtr="1">
-            <a:noAutofit/>
-          </a:bodyPr>
-          <a:lstStyle/>
-          <a:p>
-            <a:r>
-              <a:rPr lang="en-US" dirty="0" smtClean="0"/>
-              <a:t>target.postMessage(input.value, 'http</a:t>
-            </a:r>
-            <a:r>
-              <a:rPr lang="en-US" dirty="0"/>
-              <a:t>://localhost');</a:t>
-            </a:r>
-          </a:p>
-        </p:txBody>
-      </p:sp>
-    </p:spTree>
-    <p:extLst>
-      <p:ext uri="{BB962C8B-B14F-4D97-AF65-F5344CB8AC3E}">
-        <p14:creationId xmlns:p14="http://schemas.microsoft.com/office/powerpoint/2010/main" val="4128676064"/>
-      </p:ext>
-    </p:extLst>
-  </p:cSld>
-  <p:clrMapOvr>
-    <a:masterClrMapping/>
-  </p:clrMapOvr>
-  <p:timing>
-    <p:tnLst>
-      <p:par>
-        <p:cTn id="1" dur="indefinite" restart="never" nodeType="tmRoot"/>
-      </p:par>
-    </p:tnLst>
-  </p:timing>
-</p:sld>
-</file>
-
-<file path=ppt/slides/slide48.xml><?xml version="1.0" encoding="utf-8"?>
 <p:sld xmlns:a="http://schemas.openxmlformats.org/drawingml/2006/main" xmlns:r="http://schemas.openxmlformats.org/officeDocument/2006/relationships" xmlns:p="http://schemas.openxmlformats.org/presentationml/2006/main">
   <p:cSld>
     <p:spTree>
@@ -12153,7 +11609,7 @@
 </p:sld>
 </file>
 
-<file path=ppt/slides/slide49.xml><?xml version="1.0" encoding="utf-8"?>
+<file path=ppt/slides/slide44.xml><?xml version="1.0" encoding="utf-8"?>
 <p:sld xmlns:a="http://schemas.openxmlformats.org/drawingml/2006/main" xmlns:r="http://schemas.openxmlformats.org/officeDocument/2006/relationships" xmlns:p="http://schemas.openxmlformats.org/presentationml/2006/main">
   <p:cSld>
     <p:spTree>
@@ -12432,13 +11888,7 @@
               <a:rPr lang="en-US" sz="2400" dirty="0" smtClean="0">
                 <a:latin typeface="+mj-lt"/>
               </a:rPr>
-              <a:t>   </a:t>
-            </a:r>
-            <a:r>
-              <a:rPr lang="en-US" sz="2400" dirty="0" smtClean="0">
-                <a:latin typeface="+mj-lt"/>
-              </a:rPr>
-              <a:t>e.preventDefault();</a:t>
+              <a:t>   e.preventDefault();</a:t>
             </a:r>
           </a:p>
           <a:p>
@@ -12455,19 +11905,7 @@
               <a:rPr lang="en-US" sz="2400" dirty="0" smtClean="0">
                 <a:latin typeface="+mj-lt"/>
               </a:rPr>
-              <a:t>   </a:t>
-            </a:r>
-            <a:r>
-              <a:rPr lang="en-US" sz="2400" dirty="0" smtClean="0">
-                <a:latin typeface="+mj-lt"/>
-              </a:rPr>
-              <a:t>e.dataTransfer.getData(k</a:t>
-            </a:r>
-            <a:r>
-              <a:rPr lang="en-US" sz="2400" dirty="0" smtClean="0">
-                <a:latin typeface="+mj-lt"/>
-              </a:rPr>
-              <a:t>);</a:t>
+              <a:t>   e.dataTransfer.getData(k);</a:t>
             </a:r>
           </a:p>
           <a:p>
@@ -12538,7 +11976,2519 @@
 </p:sld>
 </file>
 
+<file path=ppt/slides/slide45.xml><?xml version="1.0" encoding="utf-8"?>
+<p:sld xmlns:a="http://schemas.openxmlformats.org/drawingml/2006/main" xmlns:r="http://schemas.openxmlformats.org/officeDocument/2006/relationships" xmlns:p="http://schemas.openxmlformats.org/presentationml/2006/main">
+  <p:cSld>
+    <p:spTree>
+      <p:nvGrpSpPr>
+        <p:cNvPr id="1" name=""/>
+        <p:cNvGrpSpPr/>
+        <p:nvPr/>
+      </p:nvGrpSpPr>
+      <p:grpSpPr>
+        <a:xfrm>
+          <a:off x="0" y="0"/>
+          <a:ext cx="0" cy="0"/>
+          <a:chOff x="0" y="0"/>
+          <a:chExt cx="0" cy="0"/>
+        </a:xfrm>
+      </p:grpSpPr>
+      <p:sp>
+        <p:nvSpPr>
+          <p:cNvPr id="2" name="Title 1"/>
+          <p:cNvSpPr>
+            <a:spLocks noGrp="1"/>
+          </p:cNvSpPr>
+          <p:nvPr>
+            <p:ph type="title"/>
+          </p:nvPr>
+        </p:nvSpPr>
+        <p:spPr/>
+        <p:txBody>
+          <a:bodyPr/>
+          <a:lstStyle/>
+          <a:p>
+            <a:r>
+              <a:rPr lang="en-US" dirty="0" err="1" smtClean="0"/>
+              <a:t>DataTransfer</a:t>
+            </a:r>
+            <a:r>
+              <a:rPr lang="en-US" dirty="0" smtClean="0"/>
+              <a:t> object</a:t>
+            </a:r>
+            <a:endParaRPr lang="en-US" dirty="0"/>
+          </a:p>
+        </p:txBody>
+      </p:sp>
+      <p:graphicFrame>
+        <p:nvGraphicFramePr>
+          <p:cNvPr id="4" name="Content Placeholder 3"/>
+          <p:cNvGraphicFramePr>
+            <a:graphicFrameLocks noGrp="1"/>
+          </p:cNvGraphicFramePr>
+          <p:nvPr>
+            <p:ph sz="half" idx="1"/>
+            <p:extLst>
+              <p:ext uri="{D42A27DB-BD31-4B8C-83A1-F6EECF244321}">
+                <p14:modId xmlns:p14="http://schemas.microsoft.com/office/powerpoint/2010/main" val="411194281"/>
+              </p:ext>
+            </p:extLst>
+          </p:nvPr>
+        </p:nvGraphicFramePr>
+        <p:xfrm>
+          <a:off x="1095374" y="1825625"/>
+          <a:ext cx="4924426" cy="1483360"/>
+        </p:xfrm>
+        <a:graphic>
+          <a:graphicData uri="http://schemas.openxmlformats.org/drawingml/2006/table">
+            <a:tbl>
+              <a:tblPr firstRow="1" bandRow="1">
+                <a:tableStyleId>{073A0DAA-6AF3-43AB-8588-CEC1D06C72B9}</a:tableStyleId>
+              </a:tblPr>
+              <a:tblGrid>
+                <a:gridCol w="1809751"/>
+                <a:gridCol w="3114675"/>
+              </a:tblGrid>
+              <a:tr h="370840">
+                <a:tc>
+                  <a:txBody>
+                    <a:bodyPr/>
+                    <a:lstStyle/>
+                    <a:p>
+                      <a:r>
+                        <a:rPr lang="en-US" dirty="0" smtClean="0"/>
+                        <a:t>Properties</a:t>
+                      </a:r>
+                      <a:endParaRPr lang="en-US" dirty="0"/>
+                    </a:p>
+                  </a:txBody>
+                  <a:tcPr marL="45057" marR="45057"/>
+                </a:tc>
+                <a:tc>
+                  <a:txBody>
+                    <a:bodyPr/>
+                    <a:lstStyle/>
+                    <a:p>
+                      <a:r>
+                        <a:rPr lang="en-US" dirty="0" smtClean="0"/>
+                        <a:t>Type</a:t>
+                      </a:r>
+                      <a:endParaRPr lang="en-US" dirty="0"/>
+                    </a:p>
+                  </a:txBody>
+                  <a:tcPr marL="45057" marR="45057"/>
+                </a:tc>
+              </a:tr>
+              <a:tr h="370840">
+                <a:tc>
+                  <a:txBody>
+                    <a:bodyPr/>
+                    <a:lstStyle/>
+                    <a:p>
+                      <a:r>
+                        <a:rPr lang="en-US" dirty="0" err="1" smtClean="0"/>
+                        <a:t>dropEffect</a:t>
+                      </a:r>
+                      <a:endParaRPr lang="en-US" dirty="0"/>
+                    </a:p>
+                  </a:txBody>
+                  <a:tcPr marL="45057" marR="45057"/>
+                </a:tc>
+                <a:tc>
+                  <a:txBody>
+                    <a:bodyPr/>
+                    <a:lstStyle/>
+                    <a:p>
+                      <a:r>
+                        <a:rPr lang="en-US" dirty="0" smtClean="0"/>
+                        <a:t>String</a:t>
+                      </a:r>
+                      <a:endParaRPr lang="en-US" dirty="0"/>
+                    </a:p>
+                  </a:txBody>
+                  <a:tcPr marL="45057" marR="45057"/>
+                </a:tc>
+              </a:tr>
+              <a:tr h="370840">
+                <a:tc>
+                  <a:txBody>
+                    <a:bodyPr/>
+                    <a:lstStyle/>
+                    <a:p>
+                      <a:r>
+                        <a:rPr lang="en-US" dirty="0" smtClean="0"/>
+                        <a:t>files</a:t>
+                      </a:r>
+                      <a:endParaRPr lang="en-US" dirty="0"/>
+                    </a:p>
+                  </a:txBody>
+                  <a:tcPr marL="45057" marR="45057"/>
+                </a:tc>
+                <a:tc>
+                  <a:txBody>
+                    <a:bodyPr/>
+                    <a:lstStyle/>
+                    <a:p>
+                      <a:r>
+                        <a:rPr lang="en-US" dirty="0" err="1" smtClean="0"/>
+                        <a:t>FileList</a:t>
+                      </a:r>
+                      <a:endParaRPr lang="en-US" dirty="0"/>
+                    </a:p>
+                  </a:txBody>
+                  <a:tcPr marL="45057" marR="45057"/>
+                </a:tc>
+              </a:tr>
+              <a:tr h="370840">
+                <a:tc>
+                  <a:txBody>
+                    <a:bodyPr/>
+                    <a:lstStyle/>
+                    <a:p>
+                      <a:r>
+                        <a:rPr lang="en-US" dirty="0" smtClean="0"/>
+                        <a:t>types</a:t>
+                      </a:r>
+                      <a:endParaRPr lang="en-US" dirty="0"/>
+                    </a:p>
+                  </a:txBody>
+                  <a:tcPr marL="45057" marR="45057"/>
+                </a:tc>
+                <a:tc>
+                  <a:txBody>
+                    <a:bodyPr/>
+                    <a:lstStyle/>
+                    <a:p>
+                      <a:r>
+                        <a:rPr lang="en-US" dirty="0" err="1" smtClean="0"/>
+                        <a:t>StringList</a:t>
+                      </a:r>
+                      <a:endParaRPr lang="en-US" dirty="0"/>
+                    </a:p>
+                  </a:txBody>
+                  <a:tcPr marL="45057" marR="45057"/>
+                </a:tc>
+              </a:tr>
+            </a:tbl>
+          </a:graphicData>
+        </a:graphic>
+      </p:graphicFrame>
+      <p:graphicFrame>
+        <p:nvGraphicFramePr>
+          <p:cNvPr id="7" name="Content Placeholder 6"/>
+          <p:cNvGraphicFramePr>
+            <a:graphicFrameLocks noGrp="1"/>
+          </p:cNvGraphicFramePr>
+          <p:nvPr>
+            <p:ph sz="half" idx="2"/>
+            <p:extLst>
+              <p:ext uri="{D42A27DB-BD31-4B8C-83A1-F6EECF244321}">
+                <p14:modId xmlns:p14="http://schemas.microsoft.com/office/powerpoint/2010/main" val="2084640402"/>
+              </p:ext>
+            </p:extLst>
+          </p:nvPr>
+        </p:nvGraphicFramePr>
+        <p:xfrm>
+          <a:off x="6829426" y="1825625"/>
+          <a:ext cx="4210050" cy="1854200"/>
+        </p:xfrm>
+        <a:graphic>
+          <a:graphicData uri="http://schemas.openxmlformats.org/drawingml/2006/table">
+            <a:tbl>
+              <a:tblPr firstRow="1" bandRow="1">
+                <a:tableStyleId>{073A0DAA-6AF3-43AB-8588-CEC1D06C72B9}</a:tableStyleId>
+              </a:tblPr>
+              <a:tblGrid>
+                <a:gridCol w="4210050"/>
+              </a:tblGrid>
+              <a:tr h="370840">
+                <a:tc>
+                  <a:txBody>
+                    <a:bodyPr/>
+                    <a:lstStyle/>
+                    <a:p>
+                      <a:r>
+                        <a:rPr lang="en-US" dirty="0" smtClean="0"/>
+                        <a:t>Method</a:t>
+                      </a:r>
+                      <a:endParaRPr lang="en-US" dirty="0"/>
+                    </a:p>
+                  </a:txBody>
+                  <a:tcPr/>
+                </a:tc>
+              </a:tr>
+              <a:tr h="370840">
+                <a:tc>
+                  <a:txBody>
+                    <a:bodyPr/>
+                    <a:lstStyle/>
+                    <a:p>
+                      <a:r>
+                        <a:rPr lang="en-US" dirty="0" err="1" smtClean="0"/>
+                        <a:t>setData</a:t>
+                      </a:r>
+                      <a:r>
+                        <a:rPr lang="en-US" dirty="0" smtClean="0"/>
+                        <a:t>(type, data)</a:t>
+                      </a:r>
+                      <a:endParaRPr lang="en-US" dirty="0"/>
+                    </a:p>
+                  </a:txBody>
+                  <a:tcPr/>
+                </a:tc>
+              </a:tr>
+              <a:tr h="370840">
+                <a:tc>
+                  <a:txBody>
+                    <a:bodyPr/>
+                    <a:lstStyle/>
+                    <a:p>
+                      <a:r>
+                        <a:rPr lang="en-US" dirty="0" err="1" smtClean="0"/>
+                        <a:t>getData</a:t>
+                      </a:r>
+                      <a:r>
+                        <a:rPr lang="en-US" dirty="0" smtClean="0"/>
+                        <a:t>(type)</a:t>
+                      </a:r>
+                      <a:endParaRPr lang="en-US" dirty="0"/>
+                    </a:p>
+                  </a:txBody>
+                  <a:tcPr/>
+                </a:tc>
+              </a:tr>
+              <a:tr h="370840">
+                <a:tc>
+                  <a:txBody>
+                    <a:bodyPr/>
+                    <a:lstStyle/>
+                    <a:p>
+                      <a:r>
+                        <a:rPr lang="en-US" dirty="0" err="1" smtClean="0"/>
+                        <a:t>clearData</a:t>
+                      </a:r>
+                      <a:r>
+                        <a:rPr lang="en-US" dirty="0" smtClean="0"/>
+                        <a:t>([type])</a:t>
+                      </a:r>
+                      <a:endParaRPr lang="en-US" dirty="0"/>
+                    </a:p>
+                  </a:txBody>
+                  <a:tcPr/>
+                </a:tc>
+              </a:tr>
+              <a:tr h="370840">
+                <a:tc>
+                  <a:txBody>
+                    <a:bodyPr/>
+                    <a:lstStyle/>
+                    <a:p>
+                      <a:r>
+                        <a:rPr lang="en-US" dirty="0" err="1" smtClean="0"/>
+                        <a:t>setDragImage</a:t>
+                      </a:r>
+                      <a:r>
+                        <a:rPr lang="en-US" dirty="0" smtClean="0"/>
+                        <a:t>(image,</a:t>
+                      </a:r>
+                      <a:r>
+                        <a:rPr lang="en-US" baseline="0" dirty="0" smtClean="0"/>
+                        <a:t> x-offset, y-offset)</a:t>
+                      </a:r>
+                      <a:endParaRPr lang="en-US" dirty="0"/>
+                    </a:p>
+                  </a:txBody>
+                  <a:tcPr/>
+                </a:tc>
+              </a:tr>
+            </a:tbl>
+          </a:graphicData>
+        </a:graphic>
+      </p:graphicFrame>
+    </p:spTree>
+    <p:extLst>
+      <p:ext uri="{BB962C8B-B14F-4D97-AF65-F5344CB8AC3E}">
+        <p14:creationId xmlns:p14="http://schemas.microsoft.com/office/powerpoint/2010/main" val="822707848"/>
+      </p:ext>
+    </p:extLst>
+  </p:cSld>
+  <p:clrMapOvr>
+    <a:masterClrMapping/>
+  </p:clrMapOvr>
+  <p:timing>
+    <p:tnLst>
+      <p:par>
+        <p:cTn id="1" dur="indefinite" restart="never" nodeType="tmRoot"/>
+      </p:par>
+    </p:tnLst>
+  </p:timing>
+</p:sld>
+</file>
+
+<file path=ppt/slides/slide46.xml><?xml version="1.0" encoding="utf-8"?>
+<p:sld xmlns:a="http://schemas.openxmlformats.org/drawingml/2006/main" xmlns:r="http://schemas.openxmlformats.org/officeDocument/2006/relationships" xmlns:p="http://schemas.openxmlformats.org/presentationml/2006/main">
+  <p:cSld>
+    <p:spTree>
+      <p:nvGrpSpPr>
+        <p:cNvPr id="1" name=""/>
+        <p:cNvGrpSpPr/>
+        <p:nvPr/>
+      </p:nvGrpSpPr>
+      <p:grpSpPr>
+        <a:xfrm>
+          <a:off x="0" y="0"/>
+          <a:ext cx="0" cy="0"/>
+          <a:chOff x="0" y="0"/>
+          <a:chExt cx="0" cy="0"/>
+        </a:xfrm>
+      </p:grpSpPr>
+      <p:sp>
+        <p:nvSpPr>
+          <p:cNvPr id="2" name="Title 1"/>
+          <p:cNvSpPr>
+            <a:spLocks noGrp="1"/>
+          </p:cNvSpPr>
+          <p:nvPr>
+            <p:ph type="ctrTitle"/>
+          </p:nvPr>
+        </p:nvSpPr>
+        <p:spPr/>
+        <p:txBody>
+          <a:bodyPr/>
+          <a:lstStyle/>
+          <a:p>
+            <a:r>
+              <a:rPr lang="en-US" dirty="0" smtClean="0"/>
+              <a:t>Example</a:t>
+            </a:r>
+            <a:endParaRPr lang="en-US" dirty="0"/>
+          </a:p>
+        </p:txBody>
+      </p:sp>
+    </p:spTree>
+    <p:extLst>
+      <p:ext uri="{BB962C8B-B14F-4D97-AF65-F5344CB8AC3E}">
+        <p14:creationId xmlns:p14="http://schemas.microsoft.com/office/powerpoint/2010/main" val="3775837967"/>
+      </p:ext>
+    </p:extLst>
+  </p:cSld>
+  <p:clrMapOvr>
+    <a:masterClrMapping/>
+  </p:clrMapOvr>
+  <p:timing>
+    <p:tnLst>
+      <p:par>
+        <p:cTn id="1" dur="indefinite" restart="never" nodeType="tmRoot"/>
+      </p:par>
+    </p:tnLst>
+  </p:timing>
+</p:sld>
+</file>
+
+<file path=ppt/slides/slide47.xml><?xml version="1.0" encoding="utf-8"?>
+<p:sld xmlns:a="http://schemas.openxmlformats.org/drawingml/2006/main" xmlns:r="http://schemas.openxmlformats.org/officeDocument/2006/relationships" xmlns:p="http://schemas.openxmlformats.org/presentationml/2006/main">
+  <p:cSld>
+    <p:spTree>
+      <p:nvGrpSpPr>
+        <p:cNvPr id="1" name=""/>
+        <p:cNvGrpSpPr/>
+        <p:nvPr/>
+      </p:nvGrpSpPr>
+      <p:grpSpPr>
+        <a:xfrm>
+          <a:off x="0" y="0"/>
+          <a:ext cx="0" cy="0"/>
+          <a:chOff x="0" y="0"/>
+          <a:chExt cx="0" cy="0"/>
+        </a:xfrm>
+      </p:grpSpPr>
+      <p:sp>
+        <p:nvSpPr>
+          <p:cNvPr id="2" name="Title 1"/>
+          <p:cNvSpPr>
+            <a:spLocks noGrp="1"/>
+          </p:cNvSpPr>
+          <p:nvPr>
+            <p:ph type="title"/>
+          </p:nvPr>
+        </p:nvSpPr>
+        <p:spPr/>
+        <p:txBody>
+          <a:bodyPr/>
+          <a:lstStyle/>
+          <a:p>
+            <a:r>
+              <a:rPr lang="en-US" dirty="0" smtClean="0"/>
+              <a:t>Content Editable </a:t>
+            </a:r>
+            <a:endParaRPr lang="en-US" dirty="0"/>
+          </a:p>
+        </p:txBody>
+      </p:sp>
+      <p:pic>
+        <p:nvPicPr>
+          <p:cNvPr id="6" name="Content Placeholder 5"/>
+          <p:cNvPicPr>
+            <a:picLocks noGrp="1" noChangeAspect="1"/>
+          </p:cNvPicPr>
+          <p:nvPr>
+            <p:ph idx="1"/>
+          </p:nvPr>
+        </p:nvPicPr>
+        <p:blipFill>
+          <a:blip r:embed="rId2">
+            <a:extLst>
+              <a:ext uri="{28A0092B-C50C-407E-A947-70E740481C1C}">
+                <a14:useLocalDpi xmlns:a14="http://schemas.microsoft.com/office/drawing/2010/main" val="0"/>
+              </a:ext>
+            </a:extLst>
+          </a:blip>
+          <a:stretch>
+            <a:fillRect/>
+          </a:stretch>
+        </p:blipFill>
+        <p:spPr>
+          <a:xfrm>
+            <a:off x="5769864" y="1934963"/>
+            <a:ext cx="4762500" cy="2381250"/>
+          </a:xfrm>
+        </p:spPr>
+      </p:pic>
+      <p:pic>
+        <p:nvPicPr>
+          <p:cNvPr id="7" name="Picture 6"/>
+          <p:cNvPicPr>
+            <a:picLocks noChangeAspect="1"/>
+          </p:cNvPicPr>
+          <p:nvPr/>
+        </p:nvPicPr>
+        <p:blipFill>
+          <a:blip r:embed="rId3">
+            <a:extLst>
+              <a:ext uri="{28A0092B-C50C-407E-A947-70E740481C1C}">
+                <a14:useLocalDpi xmlns:a14="http://schemas.microsoft.com/office/drawing/2010/main" val="0"/>
+              </a:ext>
+            </a:extLst>
+          </a:blip>
+          <a:stretch>
+            <a:fillRect/>
+          </a:stretch>
+        </p:blipFill>
+        <p:spPr>
+          <a:xfrm>
+            <a:off x="1711697" y="2517380"/>
+            <a:ext cx="4534933" cy="2667608"/>
+          </a:xfrm>
+          <a:prstGeom prst="rect">
+            <a:avLst/>
+          </a:prstGeom>
+        </p:spPr>
+      </p:pic>
+      <p:sp>
+        <p:nvSpPr>
+          <p:cNvPr id="5" name="Title 1"/>
+          <p:cNvSpPr txBox="1">
+            <a:spLocks/>
+          </p:cNvSpPr>
+          <p:nvPr/>
+        </p:nvSpPr>
+        <p:spPr>
+          <a:xfrm>
+            <a:off x="1524000" y="5171317"/>
+            <a:ext cx="9144000" cy="915353"/>
+          </a:xfrm>
+          <a:prstGeom prst="rect">
+            <a:avLst/>
+          </a:prstGeom>
+        </p:spPr>
+        <p:txBody>
+          <a:bodyPr vert="horz" lIns="91440" tIns="45720" rIns="91440" bIns="45720" rtlCol="0" anchor="ctr">
+            <a:normAutofit/>
+          </a:bodyPr>
+          <a:lstStyle>
+            <a:lvl1pPr algn="l" defTabSz="914400" rtl="0" eaLnBrk="1" latinLnBrk="0" hangingPunct="1">
+              <a:lnSpc>
+                <a:spcPct val="90000"/>
+              </a:lnSpc>
+              <a:spcBef>
+                <a:spcPct val="0"/>
+              </a:spcBef>
+              <a:buNone/>
+              <a:defRPr sz="4400" kern="1200">
+                <a:solidFill>
+                  <a:schemeClr val="tx1"/>
+                </a:solidFill>
+                <a:latin typeface="+mj-lt"/>
+                <a:ea typeface="+mj-ea"/>
+                <a:cs typeface="+mj-cs"/>
+              </a:defRPr>
+            </a:lvl1pPr>
+          </a:lstStyle>
+          <a:p>
+            <a:pPr algn="ctr"/>
+            <a:r>
+              <a:rPr lang="en-US" sz="3200" i="1" dirty="0" smtClean="0">
+                <a:latin typeface="+mn-lt"/>
+              </a:rPr>
+              <a:t>&lt; Native support WYSIWYG editor &gt;</a:t>
+            </a:r>
+            <a:endParaRPr lang="en-US" sz="3200" i="1" dirty="0">
+              <a:latin typeface="+mn-lt"/>
+            </a:endParaRPr>
+          </a:p>
+        </p:txBody>
+      </p:sp>
+    </p:spTree>
+    <p:extLst>
+      <p:ext uri="{BB962C8B-B14F-4D97-AF65-F5344CB8AC3E}">
+        <p14:creationId xmlns:p14="http://schemas.microsoft.com/office/powerpoint/2010/main" val="2993595375"/>
+      </p:ext>
+    </p:extLst>
+  </p:cSld>
+  <p:clrMapOvr>
+    <a:masterClrMapping/>
+  </p:clrMapOvr>
+  <p:timing>
+    <p:tnLst>
+      <p:par>
+        <p:cTn id="1" dur="indefinite" restart="never" nodeType="tmRoot"/>
+      </p:par>
+    </p:tnLst>
+  </p:timing>
+</p:sld>
+</file>
+
+<file path=ppt/slides/slide48.xml><?xml version="1.0" encoding="utf-8"?>
+<p:sld xmlns:a="http://schemas.openxmlformats.org/drawingml/2006/main" xmlns:r="http://schemas.openxmlformats.org/officeDocument/2006/relationships" xmlns:p="http://schemas.openxmlformats.org/presentationml/2006/main">
+  <p:cSld>
+    <p:spTree>
+      <p:nvGrpSpPr>
+        <p:cNvPr id="1" name=""/>
+        <p:cNvGrpSpPr/>
+        <p:nvPr/>
+      </p:nvGrpSpPr>
+      <p:grpSpPr>
+        <a:xfrm>
+          <a:off x="0" y="0"/>
+          <a:ext cx="0" cy="0"/>
+          <a:chOff x="0" y="0"/>
+          <a:chExt cx="0" cy="0"/>
+        </a:xfrm>
+      </p:grpSpPr>
+      <p:sp>
+        <p:nvSpPr>
+          <p:cNvPr id="6" name="Title 5"/>
+          <p:cNvSpPr>
+            <a:spLocks noGrp="1"/>
+          </p:cNvSpPr>
+          <p:nvPr>
+            <p:ph type="ctrTitle"/>
+          </p:nvPr>
+        </p:nvSpPr>
+        <p:spPr/>
+        <p:txBody>
+          <a:bodyPr/>
+          <a:lstStyle/>
+          <a:p>
+            <a:r>
+              <a:rPr lang="en-US" dirty="0" smtClean="0"/>
+              <a:t>Example</a:t>
+            </a:r>
+            <a:endParaRPr lang="en-US" dirty="0"/>
+          </a:p>
+        </p:txBody>
+      </p:sp>
+    </p:spTree>
+    <p:extLst>
+      <p:ext uri="{BB962C8B-B14F-4D97-AF65-F5344CB8AC3E}">
+        <p14:creationId xmlns:p14="http://schemas.microsoft.com/office/powerpoint/2010/main" val="1366852964"/>
+      </p:ext>
+    </p:extLst>
+  </p:cSld>
+  <p:clrMapOvr>
+    <a:masterClrMapping/>
+  </p:clrMapOvr>
+  <p:timing>
+    <p:tnLst>
+      <p:par>
+        <p:cTn id="1" dur="indefinite" restart="never" nodeType="tmRoot"/>
+      </p:par>
+    </p:tnLst>
+  </p:timing>
+</p:sld>
+</file>
+
+<file path=ppt/slides/slide49.xml><?xml version="1.0" encoding="utf-8"?>
+<p:sld xmlns:a="http://schemas.openxmlformats.org/drawingml/2006/main" xmlns:r="http://schemas.openxmlformats.org/officeDocument/2006/relationships" xmlns:p="http://schemas.openxmlformats.org/presentationml/2006/main">
+  <p:cSld>
+    <p:spTree>
+      <p:nvGrpSpPr>
+        <p:cNvPr id="1" name=""/>
+        <p:cNvGrpSpPr/>
+        <p:nvPr/>
+      </p:nvGrpSpPr>
+      <p:grpSpPr>
+        <a:xfrm>
+          <a:off x="0" y="0"/>
+          <a:ext cx="0" cy="0"/>
+          <a:chOff x="0" y="0"/>
+          <a:chExt cx="0" cy="0"/>
+        </a:xfrm>
+      </p:grpSpPr>
+      <p:sp>
+        <p:nvSpPr>
+          <p:cNvPr id="4" name="Title 3"/>
+          <p:cNvSpPr>
+            <a:spLocks noGrp="1"/>
+          </p:cNvSpPr>
+          <p:nvPr>
+            <p:ph type="title"/>
+          </p:nvPr>
+        </p:nvSpPr>
+        <p:spPr/>
+        <p:txBody>
+          <a:bodyPr/>
+          <a:lstStyle/>
+          <a:p>
+            <a:r>
+              <a:rPr lang="en-US" dirty="0" smtClean="0"/>
+              <a:t>Cross-Origin communication</a:t>
+            </a:r>
+            <a:endParaRPr lang="en-US" dirty="0"/>
+          </a:p>
+        </p:txBody>
+      </p:sp>
+      <p:pic>
+        <p:nvPicPr>
+          <p:cNvPr id="11" name="Content Placeholder 10"/>
+          <p:cNvPicPr>
+            <a:picLocks noGrp="1" noChangeAspect="1"/>
+          </p:cNvPicPr>
+          <p:nvPr>
+            <p:ph idx="1"/>
+          </p:nvPr>
+        </p:nvPicPr>
+        <p:blipFill>
+          <a:blip r:embed="rId2">
+            <a:extLst>
+              <a:ext uri="{28A0092B-C50C-407E-A947-70E740481C1C}">
+                <a14:useLocalDpi xmlns:a14="http://schemas.microsoft.com/office/drawing/2010/main" val="0"/>
+              </a:ext>
+            </a:extLst>
+          </a:blip>
+          <a:stretch>
+            <a:fillRect/>
+          </a:stretch>
+        </p:blipFill>
+        <p:spPr>
+          <a:xfrm>
+            <a:off x="4344687" y="1825625"/>
+            <a:ext cx="3502625" cy="4351338"/>
+          </a:xfrm>
+        </p:spPr>
+      </p:pic>
+      <p:pic>
+        <p:nvPicPr>
+          <p:cNvPr id="12" name="Picture 11"/>
+          <p:cNvPicPr>
+            <a:picLocks noChangeAspect="1"/>
+          </p:cNvPicPr>
+          <p:nvPr/>
+        </p:nvPicPr>
+        <p:blipFill>
+          <a:blip r:embed="rId3">
+            <a:extLst>
+              <a:ext uri="{28A0092B-C50C-407E-A947-70E740481C1C}">
+                <a14:useLocalDpi xmlns:a14="http://schemas.microsoft.com/office/drawing/2010/main" val="0"/>
+              </a:ext>
+            </a:extLst>
+          </a:blip>
+          <a:stretch>
+            <a:fillRect/>
+          </a:stretch>
+        </p:blipFill>
+        <p:spPr>
+          <a:xfrm>
+            <a:off x="1041400" y="2686844"/>
+            <a:ext cx="2628900" cy="2628900"/>
+          </a:xfrm>
+          <a:prstGeom prst="rect">
+            <a:avLst/>
+          </a:prstGeom>
+        </p:spPr>
+      </p:pic>
+      <p:pic>
+        <p:nvPicPr>
+          <p:cNvPr id="13" name="Picture 12"/>
+          <p:cNvPicPr>
+            <a:picLocks noChangeAspect="1"/>
+          </p:cNvPicPr>
+          <p:nvPr/>
+        </p:nvPicPr>
+        <p:blipFill>
+          <a:blip r:embed="rId3">
+            <a:extLst>
+              <a:ext uri="{28A0092B-C50C-407E-A947-70E740481C1C}">
+                <a14:useLocalDpi xmlns:a14="http://schemas.microsoft.com/office/drawing/2010/main" val="0"/>
+              </a:ext>
+            </a:extLst>
+          </a:blip>
+          <a:stretch>
+            <a:fillRect/>
+          </a:stretch>
+        </p:blipFill>
+        <p:spPr>
+          <a:xfrm>
+            <a:off x="8521699" y="2686844"/>
+            <a:ext cx="2689225" cy="2689225"/>
+          </a:xfrm>
+          <a:prstGeom prst="rect">
+            <a:avLst/>
+          </a:prstGeom>
+        </p:spPr>
+      </p:pic>
+    </p:spTree>
+    <p:extLst>
+      <p:ext uri="{BB962C8B-B14F-4D97-AF65-F5344CB8AC3E}">
+        <p14:creationId xmlns:p14="http://schemas.microsoft.com/office/powerpoint/2010/main" val="3163840206"/>
+      </p:ext>
+    </p:extLst>
+  </p:cSld>
+  <p:clrMapOvr>
+    <a:masterClrMapping/>
+  </p:clrMapOvr>
+  <p:timing>
+    <p:tnLst>
+      <p:par>
+        <p:cTn id="1" dur="indefinite" restart="never" nodeType="tmRoot"/>
+      </p:par>
+    </p:tnLst>
+  </p:timing>
+</p:sld>
+</file>
+
 <file path=ppt/slides/slide5.xml><?xml version="1.0" encoding="utf-8"?>
+<p:sld xmlns:a="http://schemas.openxmlformats.org/drawingml/2006/main" xmlns:r="http://schemas.openxmlformats.org/officeDocument/2006/relationships" xmlns:p="http://schemas.openxmlformats.org/presentationml/2006/main">
+  <p:cSld>
+    <p:spTree>
+      <p:nvGrpSpPr>
+        <p:cNvPr id="1" name=""/>
+        <p:cNvGrpSpPr/>
+        <p:nvPr/>
+      </p:nvGrpSpPr>
+      <p:grpSpPr>
+        <a:xfrm>
+          <a:off x="0" y="0"/>
+          <a:ext cx="0" cy="0"/>
+          <a:chOff x="0" y="0"/>
+          <a:chExt cx="0" cy="0"/>
+        </a:xfrm>
+      </p:grpSpPr>
+      <p:pic>
+        <p:nvPicPr>
+          <p:cNvPr id="7" name="Content Placeholder 6"/>
+          <p:cNvPicPr>
+            <a:picLocks noGrp="1" noChangeAspect="1"/>
+          </p:cNvPicPr>
+          <p:nvPr>
+            <p:ph idx="1"/>
+          </p:nvPr>
+        </p:nvPicPr>
+        <p:blipFill>
+          <a:blip r:embed="rId3">
+            <a:extLst>
+              <a:ext uri="{28A0092B-C50C-407E-A947-70E740481C1C}">
+                <a14:useLocalDpi xmlns:a14="http://schemas.microsoft.com/office/drawing/2010/main" val="0"/>
+              </a:ext>
+            </a:extLst>
+          </a:blip>
+          <a:stretch>
+            <a:fillRect/>
+          </a:stretch>
+        </p:blipFill>
+        <p:spPr>
+          <a:xfrm>
+            <a:off x="3216915" y="1690688"/>
+            <a:ext cx="4498428" cy="4115584"/>
+          </a:xfrm>
+        </p:spPr>
+      </p:pic>
+      <p:sp>
+        <p:nvSpPr>
+          <p:cNvPr id="8" name="Title 7"/>
+          <p:cNvSpPr>
+            <a:spLocks noGrp="1"/>
+          </p:cNvSpPr>
+          <p:nvPr>
+            <p:ph type="title"/>
+          </p:nvPr>
+        </p:nvSpPr>
+        <p:spPr/>
+        <p:txBody>
+          <a:bodyPr/>
+          <a:lstStyle/>
+          <a:p>
+            <a:r>
+              <a:rPr lang="en-US" dirty="0" smtClean="0"/>
+              <a:t>Who defined HTML?</a:t>
+            </a:r>
+            <a:endParaRPr lang="en-US" dirty="0"/>
+          </a:p>
+        </p:txBody>
+      </p:sp>
+    </p:spTree>
+    <p:extLst>
+      <p:ext uri="{BB962C8B-B14F-4D97-AF65-F5344CB8AC3E}">
+        <p14:creationId xmlns:p14="http://schemas.microsoft.com/office/powerpoint/2010/main" val="3711190036"/>
+      </p:ext>
+    </p:extLst>
+  </p:cSld>
+  <p:clrMapOvr>
+    <a:masterClrMapping/>
+  </p:clrMapOvr>
+  <p:timing>
+    <p:tnLst>
+      <p:par>
+        <p:cTn id="1" dur="indefinite" restart="never" nodeType="tmRoot"/>
+      </p:par>
+    </p:tnLst>
+  </p:timing>
+</p:sld>
+</file>
+
+<file path=ppt/slides/slide50.xml><?xml version="1.0" encoding="utf-8"?>
+<p:sld xmlns:a="http://schemas.openxmlformats.org/drawingml/2006/main" xmlns:r="http://schemas.openxmlformats.org/officeDocument/2006/relationships" xmlns:p="http://schemas.openxmlformats.org/presentationml/2006/main">
+  <p:cSld>
+    <p:spTree>
+      <p:nvGrpSpPr>
+        <p:cNvPr id="1" name=""/>
+        <p:cNvGrpSpPr/>
+        <p:nvPr/>
+      </p:nvGrpSpPr>
+      <p:grpSpPr>
+        <a:xfrm>
+          <a:off x="0" y="0"/>
+          <a:ext cx="0" cy="0"/>
+          <a:chOff x="0" y="0"/>
+          <a:chExt cx="0" cy="0"/>
+        </a:xfrm>
+      </p:grpSpPr>
+      <p:sp>
+        <p:nvSpPr>
+          <p:cNvPr id="4" name="Title 3"/>
+          <p:cNvSpPr>
+            <a:spLocks noGrp="1"/>
+          </p:cNvSpPr>
+          <p:nvPr>
+            <p:ph type="ctrTitle"/>
+          </p:nvPr>
+        </p:nvSpPr>
+        <p:spPr/>
+        <p:txBody>
+          <a:bodyPr/>
+          <a:lstStyle/>
+          <a:p>
+            <a:r>
+              <a:rPr lang="en-US" dirty="0" smtClean="0"/>
+              <a:t>Example</a:t>
+            </a:r>
+            <a:endParaRPr lang="en-US" dirty="0"/>
+          </a:p>
+        </p:txBody>
+      </p:sp>
+      <p:sp>
+        <p:nvSpPr>
+          <p:cNvPr id="5" name="Subtitle 4"/>
+          <p:cNvSpPr>
+            <a:spLocks noGrp="1"/>
+          </p:cNvSpPr>
+          <p:nvPr>
+            <p:ph type="subTitle" idx="1"/>
+          </p:nvPr>
+        </p:nvSpPr>
+        <p:spPr/>
+        <p:txBody>
+          <a:bodyPr/>
+          <a:lstStyle/>
+          <a:p>
+            <a:endParaRPr lang="en-US" dirty="0"/>
+          </a:p>
+        </p:txBody>
+      </p:sp>
+    </p:spTree>
+    <p:extLst>
+      <p:ext uri="{BB962C8B-B14F-4D97-AF65-F5344CB8AC3E}">
+        <p14:creationId xmlns:p14="http://schemas.microsoft.com/office/powerpoint/2010/main" val="1836623530"/>
+      </p:ext>
+    </p:extLst>
+  </p:cSld>
+  <p:clrMapOvr>
+    <a:masterClrMapping/>
+  </p:clrMapOvr>
+  <p:timing>
+    <p:tnLst>
+      <p:par>
+        <p:cTn id="1" dur="indefinite" restart="never" nodeType="tmRoot"/>
+      </p:par>
+    </p:tnLst>
+  </p:timing>
+</p:sld>
+</file>
+
+<file path=ppt/slides/slide51.xml><?xml version="1.0" encoding="utf-8"?>
+<p:sld xmlns:a="http://schemas.openxmlformats.org/drawingml/2006/main" xmlns:r="http://schemas.openxmlformats.org/officeDocument/2006/relationships" xmlns:p="http://schemas.openxmlformats.org/presentationml/2006/main">
+  <p:cSld>
+    <p:spTree>
+      <p:nvGrpSpPr>
+        <p:cNvPr id="1" name=""/>
+        <p:cNvGrpSpPr/>
+        <p:nvPr/>
+      </p:nvGrpSpPr>
+      <p:grpSpPr>
+        <a:xfrm>
+          <a:off x="0" y="0"/>
+          <a:ext cx="0" cy="0"/>
+          <a:chOff x="0" y="0"/>
+          <a:chExt cx="0" cy="0"/>
+        </a:xfrm>
+      </p:grpSpPr>
+      <p:sp>
+        <p:nvSpPr>
+          <p:cNvPr id="2" name="Title 1"/>
+          <p:cNvSpPr>
+            <a:spLocks noGrp="1"/>
+          </p:cNvSpPr>
+          <p:nvPr>
+            <p:ph type="title"/>
+          </p:nvPr>
+        </p:nvSpPr>
+        <p:spPr/>
+        <p:txBody>
+          <a:bodyPr/>
+          <a:lstStyle/>
+          <a:p>
+            <a:r>
+              <a:rPr lang="en-US" dirty="0" smtClean="0"/>
+              <a:t>Post Message API</a:t>
+            </a:r>
+            <a:endParaRPr lang="en-US" dirty="0"/>
+          </a:p>
+        </p:txBody>
+      </p:sp>
+      <p:sp>
+        <p:nvSpPr>
+          <p:cNvPr id="3" name="Content Placeholder 2"/>
+          <p:cNvSpPr>
+            <a:spLocks noGrp="1"/>
+          </p:cNvSpPr>
+          <p:nvPr>
+            <p:ph idx="1"/>
+          </p:nvPr>
+        </p:nvSpPr>
+        <p:spPr>
+          <a:xfrm>
+            <a:off x="3351022" y="2501899"/>
+            <a:ext cx="8002778" cy="3675063"/>
+          </a:xfrm>
+        </p:spPr>
+        <p:txBody>
+          <a:bodyPr/>
+          <a:lstStyle/>
+          <a:p>
+            <a:pPr marL="0" indent="0" algn="ctr">
+              <a:buNone/>
+            </a:pPr>
+            <a:endParaRPr lang="en-US" dirty="0"/>
+          </a:p>
+          <a:p>
+            <a:pPr marL="0" indent="0" algn="ctr">
+              <a:buNone/>
+            </a:pPr>
+            <a:r>
+              <a:rPr lang="en-US" sz="3200" dirty="0" smtClean="0"/>
+              <a:t>“Safely enables cross-origin communication”</a:t>
+            </a:r>
+            <a:endParaRPr lang="en-US" sz="3200" dirty="0"/>
+          </a:p>
+        </p:txBody>
+      </p:sp>
+      <p:pic>
+        <p:nvPicPr>
+          <p:cNvPr id="4" name="Picture 3"/>
+          <p:cNvPicPr>
+            <a:picLocks noChangeAspect="1"/>
+          </p:cNvPicPr>
+          <p:nvPr/>
+        </p:nvPicPr>
+        <p:blipFill>
+          <a:blip r:embed="rId2">
+            <a:extLst>
+              <a:ext uri="{28A0092B-C50C-407E-A947-70E740481C1C}">
+                <a14:useLocalDpi xmlns:a14="http://schemas.microsoft.com/office/drawing/2010/main" val="0"/>
+              </a:ext>
+            </a:extLst>
+          </a:blip>
+          <a:stretch>
+            <a:fillRect/>
+          </a:stretch>
+        </p:blipFill>
+        <p:spPr>
+          <a:xfrm>
+            <a:off x="693737" y="2862262"/>
+            <a:ext cx="2657285" cy="3314700"/>
+          </a:xfrm>
+          <a:prstGeom prst="rect">
+            <a:avLst/>
+          </a:prstGeom>
+        </p:spPr>
+      </p:pic>
+    </p:spTree>
+    <p:extLst>
+      <p:ext uri="{BB962C8B-B14F-4D97-AF65-F5344CB8AC3E}">
+        <p14:creationId xmlns:p14="http://schemas.microsoft.com/office/powerpoint/2010/main" val="2740283269"/>
+      </p:ext>
+    </p:extLst>
+  </p:cSld>
+  <p:clrMapOvr>
+    <a:masterClrMapping/>
+  </p:clrMapOvr>
+  <p:timing>
+    <p:tnLst>
+      <p:par>
+        <p:cTn id="1" dur="indefinite" restart="never" nodeType="tmRoot"/>
+      </p:par>
+    </p:tnLst>
+  </p:timing>
+</p:sld>
+</file>
+
+<file path=ppt/slides/slide52.xml><?xml version="1.0" encoding="utf-8"?>
+<p:sld xmlns:a="http://schemas.openxmlformats.org/drawingml/2006/main" xmlns:r="http://schemas.openxmlformats.org/officeDocument/2006/relationships" xmlns:p="http://schemas.openxmlformats.org/presentationml/2006/main">
+  <p:cSld>
+    <p:spTree>
+      <p:nvGrpSpPr>
+        <p:cNvPr id="1" name=""/>
+        <p:cNvGrpSpPr/>
+        <p:nvPr/>
+      </p:nvGrpSpPr>
+      <p:grpSpPr>
+        <a:xfrm>
+          <a:off x="0" y="0"/>
+          <a:ext cx="0" cy="0"/>
+          <a:chOff x="0" y="0"/>
+          <a:chExt cx="0" cy="0"/>
+        </a:xfrm>
+      </p:grpSpPr>
+      <p:sp>
+        <p:nvSpPr>
+          <p:cNvPr id="7" name="Title 6"/>
+          <p:cNvSpPr>
+            <a:spLocks noGrp="1"/>
+          </p:cNvSpPr>
+          <p:nvPr>
+            <p:ph type="title"/>
+          </p:nvPr>
+        </p:nvSpPr>
+        <p:spPr/>
+        <p:txBody>
+          <a:bodyPr/>
+          <a:lstStyle/>
+          <a:p>
+            <a:r>
+              <a:rPr lang="en-US" dirty="0" smtClean="0"/>
+              <a:t>Post Message - Receiver</a:t>
+            </a:r>
+            <a:endParaRPr lang="en-US" dirty="0"/>
+          </a:p>
+        </p:txBody>
+      </p:sp>
+      <p:sp>
+        <p:nvSpPr>
+          <p:cNvPr id="12" name="Content Placeholder 11"/>
+          <p:cNvSpPr>
+            <a:spLocks noGrp="1"/>
+          </p:cNvSpPr>
+          <p:nvPr>
+            <p:ph idx="1"/>
+          </p:nvPr>
+        </p:nvSpPr>
+        <p:spPr>
+          <a:xfrm>
+            <a:off x="1397000" y="1825625"/>
+            <a:ext cx="9956800" cy="4351338"/>
+          </a:xfrm>
+        </p:spPr>
+        <p:txBody>
+          <a:bodyPr/>
+          <a:lstStyle/>
+          <a:p>
+            <a:r>
+              <a:rPr lang="en-US" dirty="0" smtClean="0"/>
+              <a:t>Listen for “message”</a:t>
+            </a:r>
+          </a:p>
+          <a:p>
+            <a:r>
+              <a:rPr lang="en-US" dirty="0" smtClean="0"/>
+              <a:t>Check if sender can be trusted</a:t>
+            </a:r>
+          </a:p>
+          <a:p>
+            <a:r>
+              <a:rPr lang="en-US" dirty="0" smtClean="0"/>
+              <a:t>Take action</a:t>
+            </a:r>
+            <a:endParaRPr lang="en-US" dirty="0"/>
+          </a:p>
+        </p:txBody>
+      </p:sp>
+      <p:pic>
+        <p:nvPicPr>
+          <p:cNvPr id="13" name="Picture 12"/>
+          <p:cNvPicPr>
+            <a:picLocks noChangeAspect="1"/>
+          </p:cNvPicPr>
+          <p:nvPr/>
+        </p:nvPicPr>
+        <p:blipFill>
+          <a:blip r:embed="rId2">
+            <a:extLst>
+              <a:ext uri="{28A0092B-C50C-407E-A947-70E740481C1C}">
+                <a14:useLocalDpi xmlns:a14="http://schemas.microsoft.com/office/drawing/2010/main" val="0"/>
+              </a:ext>
+            </a:extLst>
+          </a:blip>
+          <a:stretch>
+            <a:fillRect/>
+          </a:stretch>
+        </p:blipFill>
+        <p:spPr>
+          <a:xfrm>
+            <a:off x="7226300" y="2209800"/>
+            <a:ext cx="3810000" cy="3810000"/>
+          </a:xfrm>
+          <a:prstGeom prst="rect">
+            <a:avLst/>
+          </a:prstGeom>
+        </p:spPr>
+      </p:pic>
+      <p:sp>
+        <p:nvSpPr>
+          <p:cNvPr id="14" name="TextBox 13"/>
+          <p:cNvSpPr txBox="1"/>
+          <p:nvPr/>
+        </p:nvSpPr>
+        <p:spPr>
+          <a:xfrm>
+            <a:off x="1397000" y="3822700"/>
+            <a:ext cx="5003800" cy="1477328"/>
+          </a:xfrm>
+          <a:prstGeom prst="rect">
+            <a:avLst/>
+          </a:prstGeom>
+        </p:spPr>
+        <p:style>
+          <a:lnRef idx="2">
+            <a:schemeClr val="dk1"/>
+          </a:lnRef>
+          <a:fillRef idx="1">
+            <a:schemeClr val="lt1"/>
+          </a:fillRef>
+          <a:effectRef idx="0">
+            <a:schemeClr val="dk1"/>
+          </a:effectRef>
+          <a:fontRef idx="minor">
+            <a:schemeClr val="dk1"/>
+          </a:fontRef>
+        </p:style>
+        <p:txBody>
+          <a:bodyPr wrap="square" rtlCol="0">
+            <a:spAutoFit/>
+          </a:bodyPr>
+          <a:lstStyle/>
+          <a:p>
+            <a:r>
+              <a:rPr lang="en-US" dirty="0" smtClean="0"/>
+              <a:t>  window.addEventListener</a:t>
+            </a:r>
+            <a:r>
+              <a:rPr lang="en-US" dirty="0"/>
+              <a:t>('message', function(e) {</a:t>
+            </a:r>
+          </a:p>
+          <a:p>
+            <a:r>
+              <a:rPr lang="en-US" dirty="0" smtClean="0"/>
+              <a:t>      if </a:t>
+            </a:r>
+            <a:r>
+              <a:rPr lang="en-US" dirty="0"/>
+              <a:t>(e.origin == 'http://127.0.0.1') {</a:t>
+            </a:r>
+          </a:p>
+          <a:p>
+            <a:r>
+              <a:rPr lang="en-US" dirty="0" smtClean="0"/>
+              <a:t>           //do something with e.data</a:t>
+            </a:r>
+            <a:endParaRPr lang="en-US" dirty="0"/>
+          </a:p>
+          <a:p>
+            <a:r>
+              <a:rPr lang="en-US" dirty="0" smtClean="0"/>
+              <a:t>      }</a:t>
+            </a:r>
+            <a:endParaRPr lang="en-US" dirty="0"/>
+          </a:p>
+          <a:p>
+            <a:r>
+              <a:rPr lang="en-US" dirty="0" smtClean="0"/>
+              <a:t>  });</a:t>
+            </a:r>
+            <a:endParaRPr lang="en-US" dirty="0"/>
+          </a:p>
+        </p:txBody>
+      </p:sp>
+    </p:spTree>
+    <p:extLst>
+      <p:ext uri="{BB962C8B-B14F-4D97-AF65-F5344CB8AC3E}">
+        <p14:creationId xmlns:p14="http://schemas.microsoft.com/office/powerpoint/2010/main" val="933783714"/>
+      </p:ext>
+    </p:extLst>
+  </p:cSld>
+  <p:clrMapOvr>
+    <a:masterClrMapping/>
+  </p:clrMapOvr>
+  <p:timing>
+    <p:tnLst>
+      <p:par>
+        <p:cTn id="1" dur="indefinite" restart="never" nodeType="tmRoot"/>
+      </p:par>
+    </p:tnLst>
+  </p:timing>
+</p:sld>
+</file>
+
+<file path=ppt/slides/slide53.xml><?xml version="1.0" encoding="utf-8"?>
+<p:sld xmlns:a="http://schemas.openxmlformats.org/drawingml/2006/main" xmlns:r="http://schemas.openxmlformats.org/officeDocument/2006/relationships" xmlns:p="http://schemas.openxmlformats.org/presentationml/2006/main">
+  <p:cSld>
+    <p:spTree>
+      <p:nvGrpSpPr>
+        <p:cNvPr id="1" name=""/>
+        <p:cNvGrpSpPr/>
+        <p:nvPr/>
+      </p:nvGrpSpPr>
+      <p:grpSpPr>
+        <a:xfrm>
+          <a:off x="0" y="0"/>
+          <a:ext cx="0" cy="0"/>
+          <a:chOff x="0" y="0"/>
+          <a:chExt cx="0" cy="0"/>
+        </a:xfrm>
+      </p:grpSpPr>
+      <p:sp>
+        <p:nvSpPr>
+          <p:cNvPr id="2" name="Title 1"/>
+          <p:cNvSpPr>
+            <a:spLocks noGrp="1"/>
+          </p:cNvSpPr>
+          <p:nvPr>
+            <p:ph type="title"/>
+          </p:nvPr>
+        </p:nvSpPr>
+        <p:spPr/>
+        <p:txBody>
+          <a:bodyPr/>
+          <a:lstStyle/>
+          <a:p>
+            <a:r>
+              <a:rPr lang="en-US" dirty="0" smtClean="0"/>
+              <a:t>Post Message - Sender</a:t>
+            </a:r>
+            <a:endParaRPr lang="en-US" dirty="0"/>
+          </a:p>
+        </p:txBody>
+      </p:sp>
+      <p:sp>
+        <p:nvSpPr>
+          <p:cNvPr id="3" name="Content Placeholder 2"/>
+          <p:cNvSpPr>
+            <a:spLocks noGrp="1"/>
+          </p:cNvSpPr>
+          <p:nvPr>
+            <p:ph idx="1"/>
+          </p:nvPr>
+        </p:nvSpPr>
+        <p:spPr>
+          <a:xfrm>
+            <a:off x="1511300" y="1825625"/>
+            <a:ext cx="9448800" cy="4295775"/>
+          </a:xfrm>
+        </p:spPr>
+        <p:txBody>
+          <a:bodyPr/>
+          <a:lstStyle/>
+          <a:p>
+            <a:r>
+              <a:rPr lang="en-US" dirty="0" smtClean="0"/>
+              <a:t>Make sure that target is corrected</a:t>
+            </a:r>
+            <a:endParaRPr lang="en-US" dirty="0"/>
+          </a:p>
+        </p:txBody>
+      </p:sp>
+      <p:pic>
+        <p:nvPicPr>
+          <p:cNvPr id="4" name="Picture 3"/>
+          <p:cNvPicPr>
+            <a:picLocks noChangeAspect="1"/>
+          </p:cNvPicPr>
+          <p:nvPr/>
+        </p:nvPicPr>
+        <p:blipFill>
+          <a:blip r:embed="rId2">
+            <a:extLst>
+              <a:ext uri="{28A0092B-C50C-407E-A947-70E740481C1C}">
+                <a14:useLocalDpi xmlns:a14="http://schemas.microsoft.com/office/drawing/2010/main" val="0"/>
+              </a:ext>
+            </a:extLst>
+          </a:blip>
+          <a:stretch>
+            <a:fillRect/>
+          </a:stretch>
+        </p:blipFill>
+        <p:spPr>
+          <a:xfrm>
+            <a:off x="8021637" y="2468562"/>
+            <a:ext cx="2786063" cy="3219130"/>
+          </a:xfrm>
+          <a:prstGeom prst="rect">
+            <a:avLst/>
+          </a:prstGeom>
+        </p:spPr>
+      </p:pic>
+      <p:sp>
+        <p:nvSpPr>
+          <p:cNvPr id="5" name="TextBox 4"/>
+          <p:cNvSpPr txBox="1"/>
+          <p:nvPr/>
+        </p:nvSpPr>
+        <p:spPr>
+          <a:xfrm>
+            <a:off x="1511300" y="3529487"/>
+            <a:ext cx="5092700" cy="1097280"/>
+          </a:xfrm>
+          <a:prstGeom prst="rect">
+            <a:avLst/>
+          </a:prstGeom>
+        </p:spPr>
+        <p:style>
+          <a:lnRef idx="2">
+            <a:schemeClr val="dk1"/>
+          </a:lnRef>
+          <a:fillRef idx="1">
+            <a:schemeClr val="lt1"/>
+          </a:fillRef>
+          <a:effectRef idx="0">
+            <a:schemeClr val="dk1"/>
+          </a:effectRef>
+          <a:fontRef idx="minor">
+            <a:schemeClr val="dk1"/>
+          </a:fontRef>
+        </p:style>
+        <p:txBody>
+          <a:bodyPr wrap="square" rtlCol="0" anchor="ctr" anchorCtr="1">
+            <a:noAutofit/>
+          </a:bodyPr>
+          <a:lstStyle/>
+          <a:p>
+            <a:r>
+              <a:rPr lang="en-US" dirty="0" smtClean="0"/>
+              <a:t>target.postMessage(input.value, 'http</a:t>
+            </a:r>
+            <a:r>
+              <a:rPr lang="en-US" dirty="0"/>
+              <a:t>://localhost');</a:t>
+            </a:r>
+          </a:p>
+        </p:txBody>
+      </p:sp>
+    </p:spTree>
+    <p:extLst>
+      <p:ext uri="{BB962C8B-B14F-4D97-AF65-F5344CB8AC3E}">
+        <p14:creationId xmlns:p14="http://schemas.microsoft.com/office/powerpoint/2010/main" val="4128676064"/>
+      </p:ext>
+    </p:extLst>
+  </p:cSld>
+  <p:clrMapOvr>
+    <a:masterClrMapping/>
+  </p:clrMapOvr>
+  <p:timing>
+    <p:tnLst>
+      <p:par>
+        <p:cTn id="1" dur="indefinite" restart="never" nodeType="tmRoot"/>
+      </p:par>
+    </p:tnLst>
+  </p:timing>
+</p:sld>
+</file>
+
+<file path=ppt/slides/slide54.xml><?xml version="1.0" encoding="utf-8"?>
+<p:sld xmlns:a="http://schemas.openxmlformats.org/drawingml/2006/main" xmlns:r="http://schemas.openxmlformats.org/officeDocument/2006/relationships" xmlns:p="http://schemas.openxmlformats.org/presentationml/2006/main">
+  <p:cSld>
+    <p:spTree>
+      <p:nvGrpSpPr>
+        <p:cNvPr id="1" name=""/>
+        <p:cNvGrpSpPr/>
+        <p:nvPr/>
+      </p:nvGrpSpPr>
+      <p:grpSpPr>
+        <a:xfrm>
+          <a:off x="0" y="0"/>
+          <a:ext cx="0" cy="0"/>
+          <a:chOff x="0" y="0"/>
+          <a:chExt cx="0" cy="0"/>
+        </a:xfrm>
+      </p:grpSpPr>
+      <p:sp>
+        <p:nvSpPr>
+          <p:cNvPr id="2" name="Title 1"/>
+          <p:cNvSpPr>
+            <a:spLocks noGrp="1"/>
+          </p:cNvSpPr>
+          <p:nvPr>
+            <p:ph type="title"/>
+          </p:nvPr>
+        </p:nvSpPr>
+        <p:spPr/>
+        <p:txBody>
+          <a:bodyPr/>
+          <a:lstStyle/>
+          <a:p>
+            <a:r>
+              <a:rPr lang="en-US" dirty="0" smtClean="0"/>
+              <a:t>Web Worker</a:t>
+            </a:r>
+            <a:endParaRPr lang="en-US" dirty="0"/>
+          </a:p>
+        </p:txBody>
+      </p:sp>
+      <p:pic>
+        <p:nvPicPr>
+          <p:cNvPr id="6" name="Picture 5"/>
+          <p:cNvPicPr>
+            <a:picLocks noChangeAspect="1"/>
+          </p:cNvPicPr>
+          <p:nvPr/>
+        </p:nvPicPr>
+        <p:blipFill>
+          <a:blip r:embed="rId2">
+            <a:extLst>
+              <a:ext uri="{28A0092B-C50C-407E-A947-70E740481C1C}">
+                <a14:useLocalDpi xmlns:a14="http://schemas.microsoft.com/office/drawing/2010/main" val="0"/>
+              </a:ext>
+            </a:extLst>
+          </a:blip>
+          <a:stretch>
+            <a:fillRect/>
+          </a:stretch>
+        </p:blipFill>
+        <p:spPr>
+          <a:xfrm>
+            <a:off x="4910709" y="1608007"/>
+            <a:ext cx="4400550" cy="2324100"/>
+          </a:xfrm>
+          <a:prstGeom prst="rect">
+            <a:avLst/>
+          </a:prstGeom>
+        </p:spPr>
+      </p:pic>
+      <p:pic>
+        <p:nvPicPr>
+          <p:cNvPr id="4" name="Content Placeholder 3"/>
+          <p:cNvPicPr>
+            <a:picLocks noGrp="1" noChangeAspect="1"/>
+          </p:cNvPicPr>
+          <p:nvPr>
+            <p:ph idx="1"/>
+          </p:nvPr>
+        </p:nvPicPr>
+        <p:blipFill>
+          <a:blip r:embed="rId3">
+            <a:extLst>
+              <a:ext uri="{28A0092B-C50C-407E-A947-70E740481C1C}">
+                <a14:useLocalDpi xmlns:a14="http://schemas.microsoft.com/office/drawing/2010/main" val="0"/>
+              </a:ext>
+            </a:extLst>
+          </a:blip>
+          <a:stretch>
+            <a:fillRect/>
+          </a:stretch>
+        </p:blipFill>
+        <p:spPr>
+          <a:xfrm>
+            <a:off x="1667065" y="3054663"/>
+            <a:ext cx="4009653" cy="1754888"/>
+          </a:xfrm>
+        </p:spPr>
+      </p:pic>
+      <p:pic>
+        <p:nvPicPr>
+          <p:cNvPr id="7" name="Picture 6"/>
+          <p:cNvPicPr>
+            <a:picLocks noChangeAspect="1"/>
+          </p:cNvPicPr>
+          <p:nvPr/>
+        </p:nvPicPr>
+        <p:blipFill>
+          <a:blip r:embed="rId4">
+            <a:extLst>
+              <a:ext uri="{28A0092B-C50C-407E-A947-70E740481C1C}">
+                <a14:useLocalDpi xmlns:a14="http://schemas.microsoft.com/office/drawing/2010/main" val="0"/>
+              </a:ext>
+            </a:extLst>
+          </a:blip>
+          <a:stretch>
+            <a:fillRect/>
+          </a:stretch>
+        </p:blipFill>
+        <p:spPr>
+          <a:xfrm>
+            <a:off x="7457313" y="4434268"/>
+            <a:ext cx="2800350" cy="1628775"/>
+          </a:xfrm>
+          <a:prstGeom prst="rect">
+            <a:avLst/>
+          </a:prstGeom>
+        </p:spPr>
+      </p:pic>
+    </p:spTree>
+    <p:extLst>
+      <p:ext uri="{BB962C8B-B14F-4D97-AF65-F5344CB8AC3E}">
+        <p14:creationId xmlns:p14="http://schemas.microsoft.com/office/powerpoint/2010/main" val="530610400"/>
+      </p:ext>
+    </p:extLst>
+  </p:cSld>
+  <p:clrMapOvr>
+    <a:masterClrMapping/>
+  </p:clrMapOvr>
+  <p:timing>
+    <p:tnLst>
+      <p:par>
+        <p:cTn id="1" dur="indefinite" restart="never" nodeType="tmRoot"/>
+      </p:par>
+    </p:tnLst>
+  </p:timing>
+</p:sld>
+</file>
+
+<file path=ppt/slides/slide55.xml><?xml version="1.0" encoding="utf-8"?>
+<p:sld xmlns:a="http://schemas.openxmlformats.org/drawingml/2006/main" xmlns:r="http://schemas.openxmlformats.org/officeDocument/2006/relationships" xmlns:p="http://schemas.openxmlformats.org/presentationml/2006/main">
+  <p:cSld>
+    <p:spTree>
+      <p:nvGrpSpPr>
+        <p:cNvPr id="1" name=""/>
+        <p:cNvGrpSpPr/>
+        <p:nvPr/>
+      </p:nvGrpSpPr>
+      <p:grpSpPr>
+        <a:xfrm>
+          <a:off x="0" y="0"/>
+          <a:ext cx="0" cy="0"/>
+          <a:chOff x="0" y="0"/>
+          <a:chExt cx="0" cy="0"/>
+        </a:xfrm>
+      </p:grpSpPr>
+      <p:sp>
+        <p:nvSpPr>
+          <p:cNvPr id="2" name="Title 1"/>
+          <p:cNvSpPr>
+            <a:spLocks noGrp="1"/>
+          </p:cNvSpPr>
+          <p:nvPr>
+            <p:ph type="ctrTitle"/>
+          </p:nvPr>
+        </p:nvSpPr>
+        <p:spPr/>
+        <p:txBody>
+          <a:bodyPr/>
+          <a:lstStyle/>
+          <a:p>
+            <a:r>
+              <a:rPr lang="en-US" dirty="0" smtClean="0"/>
+              <a:t>Javascript is single thread!</a:t>
+            </a:r>
+            <a:endParaRPr lang="en-US" dirty="0"/>
+          </a:p>
+        </p:txBody>
+      </p:sp>
+      <p:sp>
+        <p:nvSpPr>
+          <p:cNvPr id="3" name="Content Placeholder 2"/>
+          <p:cNvSpPr>
+            <a:spLocks noGrp="1"/>
+          </p:cNvSpPr>
+          <p:nvPr>
+            <p:ph type="subTitle" idx="1"/>
+          </p:nvPr>
+        </p:nvSpPr>
+        <p:spPr/>
+        <p:txBody>
+          <a:bodyPr/>
+          <a:lstStyle/>
+          <a:p>
+            <a:r>
+              <a:rPr lang="en-US" dirty="0" smtClean="0"/>
+              <a:t>Long running scripts = Browser freezed</a:t>
+            </a:r>
+          </a:p>
+        </p:txBody>
+      </p:sp>
+    </p:spTree>
+    <p:extLst>
+      <p:ext uri="{BB962C8B-B14F-4D97-AF65-F5344CB8AC3E}">
+        <p14:creationId xmlns:p14="http://schemas.microsoft.com/office/powerpoint/2010/main" val="3401328093"/>
+      </p:ext>
+    </p:extLst>
+  </p:cSld>
+  <p:clrMapOvr>
+    <a:masterClrMapping/>
+  </p:clrMapOvr>
+  <p:timing>
+    <p:tnLst>
+      <p:par>
+        <p:cTn id="1" dur="indefinite" restart="never" nodeType="tmRoot"/>
+      </p:par>
+    </p:tnLst>
+  </p:timing>
+</p:sld>
+</file>
+
+<file path=ppt/slides/slide56.xml><?xml version="1.0" encoding="utf-8"?>
+<p:sld xmlns:a="http://schemas.openxmlformats.org/drawingml/2006/main" xmlns:r="http://schemas.openxmlformats.org/officeDocument/2006/relationships" xmlns:p="http://schemas.openxmlformats.org/presentationml/2006/main">
+  <p:cSld>
+    <p:spTree>
+      <p:nvGrpSpPr>
+        <p:cNvPr id="1" name=""/>
+        <p:cNvGrpSpPr/>
+        <p:nvPr/>
+      </p:nvGrpSpPr>
+      <p:grpSpPr>
+        <a:xfrm>
+          <a:off x="0" y="0"/>
+          <a:ext cx="0" cy="0"/>
+          <a:chOff x="0" y="0"/>
+          <a:chExt cx="0" cy="0"/>
+        </a:xfrm>
+      </p:grpSpPr>
+      <p:sp>
+        <p:nvSpPr>
+          <p:cNvPr id="4" name="Title 3"/>
+          <p:cNvSpPr>
+            <a:spLocks noGrp="1"/>
+          </p:cNvSpPr>
+          <p:nvPr>
+            <p:ph type="ctrTitle"/>
+          </p:nvPr>
+        </p:nvSpPr>
+        <p:spPr/>
+        <p:txBody>
+          <a:bodyPr/>
+          <a:lstStyle/>
+          <a:p>
+            <a:r>
+              <a:rPr lang="en-US" dirty="0" smtClean="0"/>
+              <a:t>Example</a:t>
+            </a:r>
+            <a:endParaRPr lang="en-US" dirty="0"/>
+          </a:p>
+        </p:txBody>
+      </p:sp>
+      <p:sp>
+        <p:nvSpPr>
+          <p:cNvPr id="5" name="Subtitle 4"/>
+          <p:cNvSpPr>
+            <a:spLocks noGrp="1"/>
+          </p:cNvSpPr>
+          <p:nvPr>
+            <p:ph type="subTitle" idx="1"/>
+          </p:nvPr>
+        </p:nvSpPr>
+        <p:spPr/>
+        <p:txBody>
+          <a:bodyPr/>
+          <a:lstStyle/>
+          <a:p>
+            <a:endParaRPr lang="en-US" dirty="0"/>
+          </a:p>
+        </p:txBody>
+      </p:sp>
+    </p:spTree>
+    <p:extLst>
+      <p:ext uri="{BB962C8B-B14F-4D97-AF65-F5344CB8AC3E}">
+        <p14:creationId xmlns:p14="http://schemas.microsoft.com/office/powerpoint/2010/main" val="666320067"/>
+      </p:ext>
+    </p:extLst>
+  </p:cSld>
+  <p:clrMapOvr>
+    <a:masterClrMapping/>
+  </p:clrMapOvr>
+  <p:timing>
+    <p:tnLst>
+      <p:par>
+        <p:cTn id="1" dur="indefinite" restart="never" nodeType="tmRoot"/>
+      </p:par>
+    </p:tnLst>
+  </p:timing>
+</p:sld>
+</file>
+
+<file path=ppt/slides/slide57.xml><?xml version="1.0" encoding="utf-8"?>
+<p:sld xmlns:a="http://schemas.openxmlformats.org/drawingml/2006/main" xmlns:r="http://schemas.openxmlformats.org/officeDocument/2006/relationships" xmlns:p="http://schemas.openxmlformats.org/presentationml/2006/main">
+  <p:cSld>
+    <p:spTree>
+      <p:nvGrpSpPr>
+        <p:cNvPr id="1" name=""/>
+        <p:cNvGrpSpPr/>
+        <p:nvPr/>
+      </p:nvGrpSpPr>
+      <p:grpSpPr>
+        <a:xfrm>
+          <a:off x="0" y="0"/>
+          <a:ext cx="0" cy="0"/>
+          <a:chOff x="0" y="0"/>
+          <a:chExt cx="0" cy="0"/>
+        </a:xfrm>
+      </p:grpSpPr>
+      <p:sp>
+        <p:nvSpPr>
+          <p:cNvPr id="2" name="Title 1"/>
+          <p:cNvSpPr>
+            <a:spLocks noGrp="1"/>
+          </p:cNvSpPr>
+          <p:nvPr>
+            <p:ph type="title"/>
+          </p:nvPr>
+        </p:nvSpPr>
+        <p:spPr/>
+        <p:txBody>
+          <a:bodyPr/>
+          <a:lstStyle/>
+          <a:p>
+            <a:r>
+              <a:rPr lang="en-US" dirty="0" smtClean="0"/>
+              <a:t>Web Worker - Message passing </a:t>
+            </a:r>
+            <a:endParaRPr lang="en-US" dirty="0"/>
+          </a:p>
+        </p:txBody>
+      </p:sp>
+      <p:sp>
+        <p:nvSpPr>
+          <p:cNvPr id="6" name="Text Placeholder 5"/>
+          <p:cNvSpPr>
+            <a:spLocks noGrp="1"/>
+          </p:cNvSpPr>
+          <p:nvPr>
+            <p:ph type="body" idx="1"/>
+          </p:nvPr>
+        </p:nvSpPr>
+        <p:spPr>
+          <a:xfrm>
+            <a:off x="839788" y="1681163"/>
+            <a:ext cx="5157787" cy="441835"/>
+          </a:xfrm>
+        </p:spPr>
+        <p:txBody>
+          <a:bodyPr/>
+          <a:lstStyle/>
+          <a:p>
+            <a:r>
+              <a:rPr lang="en-US" dirty="0"/>
+              <a:t>Main </a:t>
+            </a:r>
+            <a:r>
+              <a:rPr lang="en-US" dirty="0" smtClean="0"/>
+              <a:t>page</a:t>
+            </a:r>
+            <a:endParaRPr lang="en-US" dirty="0"/>
+          </a:p>
+        </p:txBody>
+      </p:sp>
+      <p:sp>
+        <p:nvSpPr>
+          <p:cNvPr id="4" name="Content Placeholder 3"/>
+          <p:cNvSpPr>
+            <a:spLocks noGrp="1"/>
+          </p:cNvSpPr>
+          <p:nvPr>
+            <p:ph sz="half" idx="2"/>
+          </p:nvPr>
+        </p:nvSpPr>
+        <p:spPr>
+          <a:xfrm>
+            <a:off x="839788" y="2258170"/>
+            <a:ext cx="4910137" cy="3931493"/>
+          </a:xfrm>
+        </p:spPr>
+        <p:txBody>
+          <a:bodyPr>
+            <a:normAutofit fontScale="92500" lnSpcReduction="10000"/>
+          </a:bodyPr>
+          <a:lstStyle/>
+          <a:p>
+            <a:pPr marL="0" indent="0">
+              <a:buNone/>
+            </a:pPr>
+            <a:r>
+              <a:rPr lang="en-US" sz="2400" dirty="0" smtClean="0"/>
+              <a:t>var worker = new Worker(‘&lt;script file&gt;’);</a:t>
+            </a:r>
+          </a:p>
+          <a:p>
+            <a:pPr marL="0" indent="0">
+              <a:buNone/>
+            </a:pPr>
+            <a:r>
+              <a:rPr lang="en-US" sz="2400" dirty="0" smtClean="0"/>
+              <a:t>worker.postMessage(‘&lt;msg&gt;’);</a:t>
+            </a:r>
+          </a:p>
+          <a:p>
+            <a:endParaRPr lang="en-US" sz="2400" dirty="0" smtClean="0"/>
+          </a:p>
+          <a:p>
+            <a:endParaRPr lang="en-US" sz="2400" dirty="0" smtClean="0"/>
+          </a:p>
+          <a:p>
+            <a:pPr marL="0" indent="0">
+              <a:buNone/>
+            </a:pPr>
+            <a:r>
+              <a:rPr lang="en-US" sz="2400" dirty="0" smtClean="0"/>
+              <a:t>worker.addEventListener(‘message’,</a:t>
+            </a:r>
+          </a:p>
+          <a:p>
+            <a:pPr marL="0" indent="0">
+              <a:buNone/>
+            </a:pPr>
+            <a:r>
+              <a:rPr lang="en-US" sz="2400" dirty="0" smtClean="0"/>
+              <a:t>    function(e) {</a:t>
+            </a:r>
+          </a:p>
+          <a:p>
+            <a:pPr marL="0" indent="0">
+              <a:buNone/>
+            </a:pPr>
+            <a:r>
+              <a:rPr lang="en-US" sz="2400" dirty="0"/>
+              <a:t> </a:t>
+            </a:r>
+            <a:r>
+              <a:rPr lang="en-US" sz="2400" dirty="0" smtClean="0"/>
+              <a:t>         //</a:t>
+            </a:r>
+            <a:r>
+              <a:rPr lang="en-US" sz="2400" dirty="0" err="1" smtClean="0"/>
+              <a:t>e.data</a:t>
+            </a:r>
+            <a:r>
+              <a:rPr lang="en-US" sz="2400" dirty="0" smtClean="0"/>
+              <a:t>;</a:t>
+            </a:r>
+          </a:p>
+          <a:p>
+            <a:pPr marL="0" indent="0">
+              <a:buNone/>
+            </a:pPr>
+            <a:r>
+              <a:rPr lang="en-US" sz="2400" dirty="0" smtClean="0"/>
+              <a:t>    }</a:t>
+            </a:r>
+          </a:p>
+          <a:p>
+            <a:pPr marL="0" indent="0">
+              <a:buNone/>
+            </a:pPr>
+            <a:r>
+              <a:rPr lang="en-US" sz="2400" dirty="0" smtClean="0"/>
+              <a:t>);</a:t>
+            </a:r>
+          </a:p>
+          <a:p>
+            <a:pPr marL="0" indent="0">
+              <a:buNone/>
+            </a:pPr>
+            <a:r>
+              <a:rPr lang="en-US" sz="2400" dirty="0" err="1" smtClean="0"/>
+              <a:t>worker.terminate</a:t>
+            </a:r>
+            <a:r>
+              <a:rPr lang="en-US" sz="2400" dirty="0" smtClean="0"/>
+              <a:t>();</a:t>
+            </a:r>
+            <a:endParaRPr lang="en-US" sz="2400" dirty="0"/>
+          </a:p>
+        </p:txBody>
+      </p:sp>
+      <p:sp>
+        <p:nvSpPr>
+          <p:cNvPr id="7" name="Text Placeholder 6"/>
+          <p:cNvSpPr>
+            <a:spLocks noGrp="1"/>
+          </p:cNvSpPr>
+          <p:nvPr>
+            <p:ph type="body" sz="quarter" idx="3"/>
+          </p:nvPr>
+        </p:nvSpPr>
+        <p:spPr>
+          <a:xfrm>
+            <a:off x="6172200" y="1681163"/>
+            <a:ext cx="5183188" cy="441835"/>
+          </a:xfrm>
+        </p:spPr>
+        <p:txBody>
+          <a:bodyPr/>
+          <a:lstStyle/>
+          <a:p>
+            <a:r>
+              <a:rPr lang="en-US" dirty="0"/>
+              <a:t>Worker </a:t>
+            </a:r>
+            <a:r>
+              <a:rPr lang="en-US" dirty="0" smtClean="0"/>
+              <a:t>scripts</a:t>
+            </a:r>
+            <a:endParaRPr lang="en-US" dirty="0"/>
+          </a:p>
+        </p:txBody>
+      </p:sp>
+      <p:sp>
+        <p:nvSpPr>
+          <p:cNvPr id="5" name="Content Placeholder 4"/>
+          <p:cNvSpPr>
+            <a:spLocks noGrp="1"/>
+          </p:cNvSpPr>
+          <p:nvPr>
+            <p:ph sz="quarter" idx="4"/>
+          </p:nvPr>
+        </p:nvSpPr>
+        <p:spPr>
+          <a:xfrm>
+            <a:off x="6172200" y="2258170"/>
+            <a:ext cx="5183188" cy="3931493"/>
+          </a:xfrm>
+        </p:spPr>
+        <p:txBody>
+          <a:bodyPr>
+            <a:normAutofit fontScale="92500" lnSpcReduction="10000"/>
+          </a:bodyPr>
+          <a:lstStyle/>
+          <a:p>
+            <a:endParaRPr lang="en-US" sz="2400" dirty="0" smtClean="0"/>
+          </a:p>
+          <a:p>
+            <a:pPr marL="0" indent="0">
+              <a:buNone/>
+            </a:pPr>
+            <a:r>
+              <a:rPr lang="en-US" sz="2400" dirty="0" err="1" smtClean="0"/>
+              <a:t>self.addEventListener</a:t>
+            </a:r>
+            <a:r>
+              <a:rPr lang="en-US" sz="2400" dirty="0" smtClean="0"/>
+              <a:t>(‘message’,</a:t>
+            </a:r>
+          </a:p>
+          <a:p>
+            <a:pPr marL="0" indent="0">
+              <a:buNone/>
+            </a:pPr>
+            <a:r>
+              <a:rPr lang="en-US" sz="2400" dirty="0" smtClean="0"/>
+              <a:t>   function(e) {</a:t>
+            </a:r>
+          </a:p>
+          <a:p>
+            <a:pPr marL="0" indent="0">
+              <a:buNone/>
+            </a:pPr>
+            <a:r>
+              <a:rPr lang="en-US" sz="2400" dirty="0" smtClean="0"/>
+              <a:t>	// </a:t>
+            </a:r>
+            <a:r>
+              <a:rPr lang="en-US" sz="2400" dirty="0" err="1" smtClean="0"/>
+              <a:t>e.data</a:t>
+            </a:r>
+            <a:r>
+              <a:rPr lang="en-US" sz="2400" dirty="0" smtClean="0"/>
+              <a:t>;</a:t>
+            </a:r>
+            <a:endParaRPr lang="en-US" sz="2400" dirty="0"/>
+          </a:p>
+          <a:p>
+            <a:pPr marL="0" indent="0">
+              <a:buNone/>
+            </a:pPr>
+            <a:r>
+              <a:rPr lang="en-US" sz="2400" dirty="0" smtClean="0"/>
+              <a:t>   });</a:t>
+            </a:r>
+          </a:p>
+          <a:p>
+            <a:pPr marL="0" indent="0">
+              <a:buNone/>
+            </a:pPr>
+            <a:r>
+              <a:rPr lang="en-US" sz="2400" dirty="0" err="1" smtClean="0"/>
+              <a:t>self.postMessage</a:t>
+            </a:r>
+            <a:r>
+              <a:rPr lang="en-US" sz="2400" dirty="0" smtClean="0"/>
+              <a:t>(‘&lt;</a:t>
+            </a:r>
+            <a:r>
+              <a:rPr lang="en-US" sz="2400" dirty="0" err="1" smtClean="0"/>
+              <a:t>msg</a:t>
+            </a:r>
+            <a:r>
+              <a:rPr lang="en-US" sz="2400" dirty="0" smtClean="0"/>
+              <a:t>&gt;’);</a:t>
+            </a:r>
+          </a:p>
+          <a:p>
+            <a:endParaRPr lang="en-US" sz="2400" dirty="0"/>
+          </a:p>
+          <a:p>
+            <a:endParaRPr lang="en-US" sz="2400" dirty="0" smtClean="0"/>
+          </a:p>
+          <a:p>
+            <a:endParaRPr lang="en-US" sz="2400" dirty="0" smtClean="0"/>
+          </a:p>
+          <a:p>
+            <a:pPr marL="0" indent="0">
+              <a:buNone/>
+            </a:pPr>
+            <a:r>
+              <a:rPr lang="en-US" sz="2400" dirty="0" err="1" smtClean="0"/>
+              <a:t>self.close</a:t>
+            </a:r>
+            <a:r>
+              <a:rPr lang="en-US" sz="2400" dirty="0" smtClean="0"/>
+              <a:t>();</a:t>
+            </a:r>
+            <a:endParaRPr lang="en-US" sz="2400" dirty="0"/>
+          </a:p>
+        </p:txBody>
+      </p:sp>
+      <p:sp>
+        <p:nvSpPr>
+          <p:cNvPr id="3" name="Rectangle 2"/>
+          <p:cNvSpPr/>
+          <p:nvPr/>
+        </p:nvSpPr>
+        <p:spPr>
+          <a:xfrm>
+            <a:off x="5749926" y="1690688"/>
+            <a:ext cx="101600" cy="4656137"/>
+          </a:xfrm>
+          <a:prstGeom prst="rect">
+            <a:avLst/>
+          </a:prstGeom>
+        </p:spPr>
+        <p:style>
+          <a:lnRef idx="2">
+            <a:schemeClr val="dk1">
+              <a:shade val="50000"/>
+            </a:schemeClr>
+          </a:lnRef>
+          <a:fillRef idx="1">
+            <a:schemeClr val="dk1"/>
+          </a:fillRef>
+          <a:effectRef idx="0">
+            <a:schemeClr val="dk1"/>
+          </a:effectRef>
+          <a:fontRef idx="minor">
+            <a:schemeClr val="lt1"/>
+          </a:fontRef>
+        </p:style>
+        <p:txBody>
+          <a:bodyPr rtlCol="0" anchor="ctr"/>
+          <a:lstStyle/>
+          <a:p>
+            <a:pPr algn="ctr"/>
+            <a:endParaRPr lang="en-US"/>
+          </a:p>
+        </p:txBody>
+      </p:sp>
+    </p:spTree>
+    <p:extLst>
+      <p:ext uri="{BB962C8B-B14F-4D97-AF65-F5344CB8AC3E}">
+        <p14:creationId xmlns:p14="http://schemas.microsoft.com/office/powerpoint/2010/main" val="3140163076"/>
+      </p:ext>
+    </p:extLst>
+  </p:cSld>
+  <p:clrMapOvr>
+    <a:masterClrMapping/>
+  </p:clrMapOvr>
+  <p:timing>
+    <p:tnLst>
+      <p:par>
+        <p:cTn id="1" dur="indefinite" restart="never" nodeType="tmRoot"/>
+      </p:par>
+    </p:tnLst>
+  </p:timing>
+</p:sld>
+</file>
+
+<file path=ppt/slides/slide58.xml><?xml version="1.0" encoding="utf-8"?>
+<p:sld xmlns:a="http://schemas.openxmlformats.org/drawingml/2006/main" xmlns:r="http://schemas.openxmlformats.org/officeDocument/2006/relationships" xmlns:p="http://schemas.openxmlformats.org/presentationml/2006/main">
+  <p:cSld>
+    <p:spTree>
+      <p:nvGrpSpPr>
+        <p:cNvPr id="1" name=""/>
+        <p:cNvGrpSpPr/>
+        <p:nvPr/>
+      </p:nvGrpSpPr>
+      <p:grpSpPr>
+        <a:xfrm>
+          <a:off x="0" y="0"/>
+          <a:ext cx="0" cy="0"/>
+          <a:chOff x="0" y="0"/>
+          <a:chExt cx="0" cy="0"/>
+        </a:xfrm>
+      </p:grpSpPr>
+      <p:sp>
+        <p:nvSpPr>
+          <p:cNvPr id="2" name="Title 1"/>
+          <p:cNvSpPr>
+            <a:spLocks noGrp="1"/>
+          </p:cNvSpPr>
+          <p:nvPr>
+            <p:ph type="title"/>
+          </p:nvPr>
+        </p:nvSpPr>
+        <p:spPr/>
+        <p:txBody>
+          <a:bodyPr/>
+          <a:lstStyle/>
+          <a:p>
+            <a:r>
+              <a:rPr lang="en-US" dirty="0" smtClean="0"/>
+              <a:t>Web Worker – Scope</a:t>
+            </a:r>
+            <a:endParaRPr lang="en-US" dirty="0"/>
+          </a:p>
+        </p:txBody>
+      </p:sp>
+      <p:sp>
+        <p:nvSpPr>
+          <p:cNvPr id="3" name="Text Placeholder 2"/>
+          <p:cNvSpPr>
+            <a:spLocks noGrp="1"/>
+          </p:cNvSpPr>
+          <p:nvPr>
+            <p:ph type="body" idx="1"/>
+          </p:nvPr>
+        </p:nvSpPr>
+        <p:spPr>
+          <a:xfrm>
+            <a:off x="839788" y="1681163"/>
+            <a:ext cx="5157787" cy="402079"/>
+          </a:xfrm>
+        </p:spPr>
+        <p:txBody>
+          <a:bodyPr>
+            <a:normAutofit lnSpcReduction="10000"/>
+          </a:bodyPr>
+          <a:lstStyle/>
+          <a:p>
+            <a:r>
+              <a:rPr lang="en-US" dirty="0" smtClean="0"/>
+              <a:t>Can access</a:t>
+            </a:r>
+            <a:endParaRPr lang="en-US" dirty="0"/>
+          </a:p>
+        </p:txBody>
+      </p:sp>
+      <p:sp>
+        <p:nvSpPr>
+          <p:cNvPr id="4" name="Content Placeholder 3"/>
+          <p:cNvSpPr>
+            <a:spLocks noGrp="1"/>
+          </p:cNvSpPr>
+          <p:nvPr>
+            <p:ph sz="half" idx="2"/>
+          </p:nvPr>
+        </p:nvSpPr>
+        <p:spPr>
+          <a:xfrm>
+            <a:off x="839788" y="2083242"/>
+            <a:ext cx="5157787" cy="4106421"/>
+          </a:xfrm>
+        </p:spPr>
+        <p:txBody>
+          <a:bodyPr/>
+          <a:lstStyle/>
+          <a:p>
+            <a:r>
+              <a:rPr lang="en-US" dirty="0" smtClean="0"/>
+              <a:t>navigator object</a:t>
+            </a:r>
+          </a:p>
+          <a:p>
+            <a:r>
+              <a:rPr lang="en-US" dirty="0" smtClean="0"/>
+              <a:t>location object [read only]</a:t>
+            </a:r>
+          </a:p>
+          <a:p>
+            <a:r>
+              <a:rPr lang="en-US" dirty="0" err="1" smtClean="0"/>
+              <a:t>XMLHttpRequest</a:t>
+            </a:r>
+            <a:endParaRPr lang="en-US" dirty="0" smtClean="0"/>
+          </a:p>
+          <a:p>
+            <a:r>
+              <a:rPr lang="en-US" dirty="0" err="1" smtClean="0"/>
+              <a:t>setTimeout</a:t>
+            </a:r>
+            <a:r>
+              <a:rPr lang="en-US" dirty="0" smtClean="0"/>
+              <a:t>() / </a:t>
+            </a:r>
+            <a:r>
+              <a:rPr lang="en-US" dirty="0" err="1" smtClean="0"/>
+              <a:t>clearTimeout</a:t>
+            </a:r>
+            <a:r>
+              <a:rPr lang="en-US" dirty="0" smtClean="0"/>
+              <a:t>()</a:t>
+            </a:r>
+          </a:p>
+          <a:p>
+            <a:r>
+              <a:rPr lang="en-US" dirty="0" err="1" smtClean="0"/>
+              <a:t>setInterval</a:t>
+            </a:r>
+            <a:r>
+              <a:rPr lang="en-US" dirty="0" smtClean="0"/>
+              <a:t>() / </a:t>
+            </a:r>
+            <a:r>
+              <a:rPr lang="en-US" dirty="0" err="1" smtClean="0"/>
+              <a:t>clearInterval</a:t>
+            </a:r>
+            <a:r>
+              <a:rPr lang="en-US" dirty="0" smtClean="0"/>
+              <a:t>()</a:t>
+            </a:r>
+          </a:p>
+          <a:p>
+            <a:r>
+              <a:rPr lang="en-US" dirty="0" smtClean="0"/>
+              <a:t>Application Cache</a:t>
+            </a:r>
+          </a:p>
+          <a:p>
+            <a:r>
+              <a:rPr lang="en-US" dirty="0" err="1" smtClean="0"/>
+              <a:t>importScripts</a:t>
+            </a:r>
+            <a:r>
+              <a:rPr lang="en-US" dirty="0" smtClean="0"/>
+              <a:t>()</a:t>
+            </a:r>
+          </a:p>
+          <a:p>
+            <a:r>
+              <a:rPr lang="en-US" dirty="0" smtClean="0"/>
+              <a:t>Web Workers</a:t>
+            </a:r>
+            <a:endParaRPr lang="en-US" dirty="0"/>
+          </a:p>
+        </p:txBody>
+      </p:sp>
+      <p:sp>
+        <p:nvSpPr>
+          <p:cNvPr id="5" name="Text Placeholder 4"/>
+          <p:cNvSpPr>
+            <a:spLocks noGrp="1"/>
+          </p:cNvSpPr>
+          <p:nvPr>
+            <p:ph type="body" sz="quarter" idx="3"/>
+          </p:nvPr>
+        </p:nvSpPr>
+        <p:spPr>
+          <a:xfrm>
+            <a:off x="6172200" y="1681163"/>
+            <a:ext cx="5183188" cy="402079"/>
+          </a:xfrm>
+        </p:spPr>
+        <p:txBody>
+          <a:bodyPr>
+            <a:normAutofit lnSpcReduction="10000"/>
+          </a:bodyPr>
+          <a:lstStyle/>
+          <a:p>
+            <a:r>
+              <a:rPr lang="en-US" dirty="0" smtClean="0"/>
+              <a:t>Can NOT access</a:t>
+            </a:r>
+            <a:endParaRPr lang="en-US" dirty="0"/>
+          </a:p>
+        </p:txBody>
+      </p:sp>
+      <p:sp>
+        <p:nvSpPr>
+          <p:cNvPr id="6" name="Content Placeholder 5"/>
+          <p:cNvSpPr>
+            <a:spLocks noGrp="1"/>
+          </p:cNvSpPr>
+          <p:nvPr>
+            <p:ph sz="quarter" idx="4"/>
+          </p:nvPr>
+        </p:nvSpPr>
+        <p:spPr>
+          <a:xfrm>
+            <a:off x="6172200" y="2083242"/>
+            <a:ext cx="5183188" cy="4106421"/>
+          </a:xfrm>
+        </p:spPr>
+        <p:txBody>
+          <a:bodyPr/>
+          <a:lstStyle/>
+          <a:p>
+            <a:r>
+              <a:rPr lang="en-US" dirty="0" smtClean="0"/>
+              <a:t>DOM</a:t>
+            </a:r>
+          </a:p>
+          <a:p>
+            <a:r>
+              <a:rPr lang="en-US" dirty="0" smtClean="0"/>
+              <a:t>window object</a:t>
+            </a:r>
+          </a:p>
+          <a:p>
+            <a:r>
+              <a:rPr lang="en-US" dirty="0" smtClean="0"/>
+              <a:t>document object</a:t>
+            </a:r>
+          </a:p>
+          <a:p>
+            <a:r>
+              <a:rPr lang="en-US" dirty="0" smtClean="0"/>
+              <a:t>parent object</a:t>
+            </a:r>
+            <a:endParaRPr lang="en-US" dirty="0"/>
+          </a:p>
+        </p:txBody>
+      </p:sp>
+    </p:spTree>
+    <p:extLst>
+      <p:ext uri="{BB962C8B-B14F-4D97-AF65-F5344CB8AC3E}">
+        <p14:creationId xmlns:p14="http://schemas.microsoft.com/office/powerpoint/2010/main" val="1424384653"/>
+      </p:ext>
+    </p:extLst>
+  </p:cSld>
+  <p:clrMapOvr>
+    <a:masterClrMapping/>
+  </p:clrMapOvr>
+  <p:timing>
+    <p:tnLst>
+      <p:par>
+        <p:cTn id="1" dur="indefinite" restart="never" nodeType="tmRoot"/>
+      </p:par>
+    </p:tnLst>
+  </p:timing>
+</p:sld>
+</file>
+
+<file path=ppt/slides/slide59.xml><?xml version="1.0" encoding="utf-8"?>
+<p:sld xmlns:a="http://schemas.openxmlformats.org/drawingml/2006/main" xmlns:r="http://schemas.openxmlformats.org/officeDocument/2006/relationships" xmlns:p="http://schemas.openxmlformats.org/presentationml/2006/main">
+  <p:cSld>
+    <p:spTree>
+      <p:nvGrpSpPr>
+        <p:cNvPr id="1" name=""/>
+        <p:cNvGrpSpPr/>
+        <p:nvPr/>
+      </p:nvGrpSpPr>
+      <p:grpSpPr>
+        <a:xfrm>
+          <a:off x="0" y="0"/>
+          <a:ext cx="0" cy="0"/>
+          <a:chOff x="0" y="0"/>
+          <a:chExt cx="0" cy="0"/>
+        </a:xfrm>
+      </p:grpSpPr>
+      <p:sp>
+        <p:nvSpPr>
+          <p:cNvPr id="2" name="Title 1"/>
+          <p:cNvSpPr>
+            <a:spLocks noGrp="1"/>
+          </p:cNvSpPr>
+          <p:nvPr>
+            <p:ph type="title"/>
+          </p:nvPr>
+        </p:nvSpPr>
+        <p:spPr/>
+        <p:txBody>
+          <a:bodyPr/>
+          <a:lstStyle/>
+          <a:p>
+            <a:r>
+              <a:rPr lang="en-US" dirty="0" smtClean="0"/>
+              <a:t>Connectivity</a:t>
+            </a:r>
+            <a:endParaRPr lang="en-US" dirty="0"/>
+          </a:p>
+        </p:txBody>
+      </p:sp>
+      <p:sp>
+        <p:nvSpPr>
+          <p:cNvPr id="4" name="Text Placeholder 3"/>
+          <p:cNvSpPr>
+            <a:spLocks noGrp="1"/>
+          </p:cNvSpPr>
+          <p:nvPr>
+            <p:ph type="body" idx="1"/>
+          </p:nvPr>
+        </p:nvSpPr>
+        <p:spPr/>
+        <p:txBody>
+          <a:bodyPr/>
+          <a:lstStyle/>
+          <a:p>
+            <a:endParaRPr lang="en-US" dirty="0"/>
+          </a:p>
+        </p:txBody>
+      </p:sp>
+    </p:spTree>
+    <p:extLst>
+      <p:ext uri="{BB962C8B-B14F-4D97-AF65-F5344CB8AC3E}">
+        <p14:creationId xmlns:p14="http://schemas.microsoft.com/office/powerpoint/2010/main" val="1938040197"/>
+      </p:ext>
+    </p:extLst>
+  </p:cSld>
+  <p:clrMapOvr>
+    <a:masterClrMapping/>
+  </p:clrMapOvr>
+  <p:timing>
+    <p:tnLst>
+      <p:par>
+        <p:cTn id="1" dur="indefinite" restart="never" nodeType="tmRoot"/>
+      </p:par>
+    </p:tnLst>
+  </p:timing>
+</p:sld>
+</file>
+
+<file path=ppt/slides/slide6.xml><?xml version="1.0" encoding="utf-8"?>
 <p:sld xmlns:a="http://schemas.openxmlformats.org/drawingml/2006/main" xmlns:r="http://schemas.openxmlformats.org/officeDocument/2006/relationships" xmlns:p="http://schemas.openxmlformats.org/presentationml/2006/main">
   <p:cSld>
     <p:spTree>
@@ -12784,1812 +14734,6 @@
 </p:sld>
 </file>
 
-<file path=ppt/slides/slide50.xml><?xml version="1.0" encoding="utf-8"?>
-<p:sld xmlns:a="http://schemas.openxmlformats.org/drawingml/2006/main" xmlns:r="http://schemas.openxmlformats.org/officeDocument/2006/relationships" xmlns:p="http://schemas.openxmlformats.org/presentationml/2006/main">
-  <p:cSld>
-    <p:spTree>
-      <p:nvGrpSpPr>
-        <p:cNvPr id="1" name=""/>
-        <p:cNvGrpSpPr/>
-        <p:nvPr/>
-      </p:nvGrpSpPr>
-      <p:grpSpPr>
-        <a:xfrm>
-          <a:off x="0" y="0"/>
-          <a:ext cx="0" cy="0"/>
-          <a:chOff x="0" y="0"/>
-          <a:chExt cx="0" cy="0"/>
-        </a:xfrm>
-      </p:grpSpPr>
-      <p:sp>
-        <p:nvSpPr>
-          <p:cNvPr id="2" name="Title 1"/>
-          <p:cNvSpPr>
-            <a:spLocks noGrp="1"/>
-          </p:cNvSpPr>
-          <p:nvPr>
-            <p:ph type="title"/>
-          </p:nvPr>
-        </p:nvSpPr>
-        <p:spPr/>
-        <p:txBody>
-          <a:bodyPr/>
-          <a:lstStyle/>
-          <a:p>
-            <a:r>
-              <a:rPr lang="en-US" dirty="0" err="1" smtClean="0"/>
-              <a:t>DataTransfer</a:t>
-            </a:r>
-            <a:r>
-              <a:rPr lang="en-US" dirty="0" smtClean="0"/>
-              <a:t> object</a:t>
-            </a:r>
-            <a:endParaRPr lang="en-US" dirty="0"/>
-          </a:p>
-        </p:txBody>
-      </p:sp>
-      <p:graphicFrame>
-        <p:nvGraphicFramePr>
-          <p:cNvPr id="4" name="Content Placeholder 3"/>
-          <p:cNvGraphicFramePr>
-            <a:graphicFrameLocks noGrp="1"/>
-          </p:cNvGraphicFramePr>
-          <p:nvPr>
-            <p:ph sz="half" idx="1"/>
-            <p:extLst>
-              <p:ext uri="{D42A27DB-BD31-4B8C-83A1-F6EECF244321}">
-                <p14:modId xmlns:p14="http://schemas.microsoft.com/office/powerpoint/2010/main" val="411194281"/>
-              </p:ext>
-            </p:extLst>
-          </p:nvPr>
-        </p:nvGraphicFramePr>
-        <p:xfrm>
-          <a:off x="1095374" y="1825625"/>
-          <a:ext cx="4924426" cy="1483360"/>
-        </p:xfrm>
-        <a:graphic>
-          <a:graphicData uri="http://schemas.openxmlformats.org/drawingml/2006/table">
-            <a:tbl>
-              <a:tblPr firstRow="1" bandRow="1">
-                <a:tableStyleId>{073A0DAA-6AF3-43AB-8588-CEC1D06C72B9}</a:tableStyleId>
-              </a:tblPr>
-              <a:tblGrid>
-                <a:gridCol w="1809751"/>
-                <a:gridCol w="3114675"/>
-              </a:tblGrid>
-              <a:tr h="370840">
-                <a:tc>
-                  <a:txBody>
-                    <a:bodyPr/>
-                    <a:lstStyle/>
-                    <a:p>
-                      <a:r>
-                        <a:rPr lang="en-US" dirty="0" smtClean="0"/>
-                        <a:t>Properties</a:t>
-                      </a:r>
-                      <a:endParaRPr lang="en-US" dirty="0"/>
-                    </a:p>
-                  </a:txBody>
-                  <a:tcPr marL="45057" marR="45057"/>
-                </a:tc>
-                <a:tc>
-                  <a:txBody>
-                    <a:bodyPr/>
-                    <a:lstStyle/>
-                    <a:p>
-                      <a:r>
-                        <a:rPr lang="en-US" dirty="0" smtClean="0"/>
-                        <a:t>Type</a:t>
-                      </a:r>
-                      <a:endParaRPr lang="en-US" dirty="0"/>
-                    </a:p>
-                  </a:txBody>
-                  <a:tcPr marL="45057" marR="45057"/>
-                </a:tc>
-              </a:tr>
-              <a:tr h="370840">
-                <a:tc>
-                  <a:txBody>
-                    <a:bodyPr/>
-                    <a:lstStyle/>
-                    <a:p>
-                      <a:r>
-                        <a:rPr lang="en-US" dirty="0" err="1" smtClean="0"/>
-                        <a:t>dropEffect</a:t>
-                      </a:r>
-                      <a:endParaRPr lang="en-US" dirty="0"/>
-                    </a:p>
-                  </a:txBody>
-                  <a:tcPr marL="45057" marR="45057"/>
-                </a:tc>
-                <a:tc>
-                  <a:txBody>
-                    <a:bodyPr/>
-                    <a:lstStyle/>
-                    <a:p>
-                      <a:r>
-                        <a:rPr lang="en-US" dirty="0" smtClean="0"/>
-                        <a:t>String</a:t>
-                      </a:r>
-                      <a:endParaRPr lang="en-US" dirty="0"/>
-                    </a:p>
-                  </a:txBody>
-                  <a:tcPr marL="45057" marR="45057"/>
-                </a:tc>
-              </a:tr>
-              <a:tr h="370840">
-                <a:tc>
-                  <a:txBody>
-                    <a:bodyPr/>
-                    <a:lstStyle/>
-                    <a:p>
-                      <a:r>
-                        <a:rPr lang="en-US" dirty="0" smtClean="0"/>
-                        <a:t>files</a:t>
-                      </a:r>
-                      <a:endParaRPr lang="en-US" dirty="0"/>
-                    </a:p>
-                  </a:txBody>
-                  <a:tcPr marL="45057" marR="45057"/>
-                </a:tc>
-                <a:tc>
-                  <a:txBody>
-                    <a:bodyPr/>
-                    <a:lstStyle/>
-                    <a:p>
-                      <a:r>
-                        <a:rPr lang="en-US" dirty="0" err="1" smtClean="0"/>
-                        <a:t>FileList</a:t>
-                      </a:r>
-                      <a:endParaRPr lang="en-US" dirty="0"/>
-                    </a:p>
-                  </a:txBody>
-                  <a:tcPr marL="45057" marR="45057"/>
-                </a:tc>
-              </a:tr>
-              <a:tr h="370840">
-                <a:tc>
-                  <a:txBody>
-                    <a:bodyPr/>
-                    <a:lstStyle/>
-                    <a:p>
-                      <a:r>
-                        <a:rPr lang="en-US" dirty="0" smtClean="0"/>
-                        <a:t>types</a:t>
-                      </a:r>
-                      <a:endParaRPr lang="en-US" dirty="0"/>
-                    </a:p>
-                  </a:txBody>
-                  <a:tcPr marL="45057" marR="45057"/>
-                </a:tc>
-                <a:tc>
-                  <a:txBody>
-                    <a:bodyPr/>
-                    <a:lstStyle/>
-                    <a:p>
-                      <a:r>
-                        <a:rPr lang="en-US" dirty="0" err="1" smtClean="0"/>
-                        <a:t>StringList</a:t>
-                      </a:r>
-                      <a:endParaRPr lang="en-US" dirty="0"/>
-                    </a:p>
-                  </a:txBody>
-                  <a:tcPr marL="45057" marR="45057"/>
-                </a:tc>
-              </a:tr>
-            </a:tbl>
-          </a:graphicData>
-        </a:graphic>
-      </p:graphicFrame>
-      <p:graphicFrame>
-        <p:nvGraphicFramePr>
-          <p:cNvPr id="7" name="Content Placeholder 6"/>
-          <p:cNvGraphicFramePr>
-            <a:graphicFrameLocks noGrp="1"/>
-          </p:cNvGraphicFramePr>
-          <p:nvPr>
-            <p:ph sz="half" idx="2"/>
-            <p:extLst>
-              <p:ext uri="{D42A27DB-BD31-4B8C-83A1-F6EECF244321}">
-                <p14:modId xmlns:p14="http://schemas.microsoft.com/office/powerpoint/2010/main" val="2084640402"/>
-              </p:ext>
-            </p:extLst>
-          </p:nvPr>
-        </p:nvGraphicFramePr>
-        <p:xfrm>
-          <a:off x="6829426" y="1825625"/>
-          <a:ext cx="4210050" cy="1854200"/>
-        </p:xfrm>
-        <a:graphic>
-          <a:graphicData uri="http://schemas.openxmlformats.org/drawingml/2006/table">
-            <a:tbl>
-              <a:tblPr firstRow="1" bandRow="1">
-                <a:tableStyleId>{073A0DAA-6AF3-43AB-8588-CEC1D06C72B9}</a:tableStyleId>
-              </a:tblPr>
-              <a:tblGrid>
-                <a:gridCol w="4210050"/>
-              </a:tblGrid>
-              <a:tr h="370840">
-                <a:tc>
-                  <a:txBody>
-                    <a:bodyPr/>
-                    <a:lstStyle/>
-                    <a:p>
-                      <a:r>
-                        <a:rPr lang="en-US" dirty="0" smtClean="0"/>
-                        <a:t>Method</a:t>
-                      </a:r>
-                      <a:endParaRPr lang="en-US" dirty="0"/>
-                    </a:p>
-                  </a:txBody>
-                  <a:tcPr/>
-                </a:tc>
-              </a:tr>
-              <a:tr h="370840">
-                <a:tc>
-                  <a:txBody>
-                    <a:bodyPr/>
-                    <a:lstStyle/>
-                    <a:p>
-                      <a:r>
-                        <a:rPr lang="en-US" dirty="0" err="1" smtClean="0"/>
-                        <a:t>setData</a:t>
-                      </a:r>
-                      <a:r>
-                        <a:rPr lang="en-US" dirty="0" smtClean="0"/>
-                        <a:t>(type, data)</a:t>
-                      </a:r>
-                      <a:endParaRPr lang="en-US" dirty="0"/>
-                    </a:p>
-                  </a:txBody>
-                  <a:tcPr/>
-                </a:tc>
-              </a:tr>
-              <a:tr h="370840">
-                <a:tc>
-                  <a:txBody>
-                    <a:bodyPr/>
-                    <a:lstStyle/>
-                    <a:p>
-                      <a:r>
-                        <a:rPr lang="en-US" dirty="0" err="1" smtClean="0"/>
-                        <a:t>getData</a:t>
-                      </a:r>
-                      <a:r>
-                        <a:rPr lang="en-US" dirty="0" smtClean="0"/>
-                        <a:t>(type)</a:t>
-                      </a:r>
-                      <a:endParaRPr lang="en-US" dirty="0"/>
-                    </a:p>
-                  </a:txBody>
-                  <a:tcPr/>
-                </a:tc>
-              </a:tr>
-              <a:tr h="370840">
-                <a:tc>
-                  <a:txBody>
-                    <a:bodyPr/>
-                    <a:lstStyle/>
-                    <a:p>
-                      <a:r>
-                        <a:rPr lang="en-US" dirty="0" err="1" smtClean="0"/>
-                        <a:t>clearData</a:t>
-                      </a:r>
-                      <a:r>
-                        <a:rPr lang="en-US" dirty="0" smtClean="0"/>
-                        <a:t>([type])</a:t>
-                      </a:r>
-                      <a:endParaRPr lang="en-US" dirty="0"/>
-                    </a:p>
-                  </a:txBody>
-                  <a:tcPr/>
-                </a:tc>
-              </a:tr>
-              <a:tr h="370840">
-                <a:tc>
-                  <a:txBody>
-                    <a:bodyPr/>
-                    <a:lstStyle/>
-                    <a:p>
-                      <a:r>
-                        <a:rPr lang="en-US" dirty="0" err="1" smtClean="0"/>
-                        <a:t>setDragImage</a:t>
-                      </a:r>
-                      <a:r>
-                        <a:rPr lang="en-US" dirty="0" smtClean="0"/>
-                        <a:t>(image,</a:t>
-                      </a:r>
-                      <a:r>
-                        <a:rPr lang="en-US" baseline="0" dirty="0" smtClean="0"/>
-                        <a:t> x-offset, y-offset)</a:t>
-                      </a:r>
-                      <a:endParaRPr lang="en-US" dirty="0"/>
-                    </a:p>
-                  </a:txBody>
-                  <a:tcPr/>
-                </a:tc>
-              </a:tr>
-            </a:tbl>
-          </a:graphicData>
-        </a:graphic>
-      </p:graphicFrame>
-    </p:spTree>
-    <p:extLst>
-      <p:ext uri="{BB962C8B-B14F-4D97-AF65-F5344CB8AC3E}">
-        <p14:creationId xmlns:p14="http://schemas.microsoft.com/office/powerpoint/2010/main" val="822707848"/>
-      </p:ext>
-    </p:extLst>
-  </p:cSld>
-  <p:clrMapOvr>
-    <a:masterClrMapping/>
-  </p:clrMapOvr>
-  <p:timing>
-    <p:tnLst>
-      <p:par>
-        <p:cTn id="1" dur="indefinite" restart="never" nodeType="tmRoot"/>
-      </p:par>
-    </p:tnLst>
-  </p:timing>
-</p:sld>
-</file>
-
-<file path=ppt/slides/slide51.xml><?xml version="1.0" encoding="utf-8"?>
-<p:sld xmlns:a="http://schemas.openxmlformats.org/drawingml/2006/main" xmlns:r="http://schemas.openxmlformats.org/officeDocument/2006/relationships" xmlns:p="http://schemas.openxmlformats.org/presentationml/2006/main">
-  <p:cSld>
-    <p:spTree>
-      <p:nvGrpSpPr>
-        <p:cNvPr id="1" name=""/>
-        <p:cNvGrpSpPr/>
-        <p:nvPr/>
-      </p:nvGrpSpPr>
-      <p:grpSpPr>
-        <a:xfrm>
-          <a:off x="0" y="0"/>
-          <a:ext cx="0" cy="0"/>
-          <a:chOff x="0" y="0"/>
-          <a:chExt cx="0" cy="0"/>
-        </a:xfrm>
-      </p:grpSpPr>
-      <p:sp>
-        <p:nvSpPr>
-          <p:cNvPr id="2" name="Title 1"/>
-          <p:cNvSpPr>
-            <a:spLocks noGrp="1"/>
-          </p:cNvSpPr>
-          <p:nvPr>
-            <p:ph type="ctrTitle"/>
-          </p:nvPr>
-        </p:nvSpPr>
-        <p:spPr/>
-        <p:txBody>
-          <a:bodyPr/>
-          <a:lstStyle/>
-          <a:p>
-            <a:r>
-              <a:rPr lang="en-US" dirty="0" smtClean="0"/>
-              <a:t>Example</a:t>
-            </a:r>
-            <a:endParaRPr lang="en-US" dirty="0"/>
-          </a:p>
-        </p:txBody>
-      </p:sp>
-    </p:spTree>
-    <p:extLst>
-      <p:ext uri="{BB962C8B-B14F-4D97-AF65-F5344CB8AC3E}">
-        <p14:creationId xmlns:p14="http://schemas.microsoft.com/office/powerpoint/2010/main" val="3775837967"/>
-      </p:ext>
-    </p:extLst>
-  </p:cSld>
-  <p:clrMapOvr>
-    <a:masterClrMapping/>
-  </p:clrMapOvr>
-  <p:timing>
-    <p:tnLst>
-      <p:par>
-        <p:cTn id="1" dur="indefinite" restart="never" nodeType="tmRoot"/>
-      </p:par>
-    </p:tnLst>
-  </p:timing>
-</p:sld>
-</file>
-
-<file path=ppt/slides/slide52.xml><?xml version="1.0" encoding="utf-8"?>
-<p:sld xmlns:a="http://schemas.openxmlformats.org/drawingml/2006/main" xmlns:r="http://schemas.openxmlformats.org/officeDocument/2006/relationships" xmlns:p="http://schemas.openxmlformats.org/presentationml/2006/main">
-  <p:cSld>
-    <p:spTree>
-      <p:nvGrpSpPr>
-        <p:cNvPr id="1" name=""/>
-        <p:cNvGrpSpPr/>
-        <p:nvPr/>
-      </p:nvGrpSpPr>
-      <p:grpSpPr>
-        <a:xfrm>
-          <a:off x="0" y="0"/>
-          <a:ext cx="0" cy="0"/>
-          <a:chOff x="0" y="0"/>
-          <a:chExt cx="0" cy="0"/>
-        </a:xfrm>
-      </p:grpSpPr>
-      <p:sp>
-        <p:nvSpPr>
-          <p:cNvPr id="2" name="Title 1"/>
-          <p:cNvSpPr>
-            <a:spLocks noGrp="1"/>
-          </p:cNvSpPr>
-          <p:nvPr>
-            <p:ph type="title"/>
-          </p:nvPr>
-        </p:nvSpPr>
-        <p:spPr/>
-        <p:txBody>
-          <a:bodyPr/>
-          <a:lstStyle/>
-          <a:p>
-            <a:r>
-              <a:rPr lang="en-US" dirty="0" smtClean="0"/>
-              <a:t>Content Editable </a:t>
-            </a:r>
-            <a:endParaRPr lang="en-US" dirty="0"/>
-          </a:p>
-        </p:txBody>
-      </p:sp>
-      <p:pic>
-        <p:nvPicPr>
-          <p:cNvPr id="6" name="Content Placeholder 5"/>
-          <p:cNvPicPr>
-            <a:picLocks noGrp="1" noChangeAspect="1"/>
-          </p:cNvPicPr>
-          <p:nvPr>
-            <p:ph idx="1"/>
-          </p:nvPr>
-        </p:nvPicPr>
-        <p:blipFill>
-          <a:blip r:embed="rId2">
-            <a:extLst>
-              <a:ext uri="{28A0092B-C50C-407E-A947-70E740481C1C}">
-                <a14:useLocalDpi xmlns:a14="http://schemas.microsoft.com/office/drawing/2010/main" val="0"/>
-              </a:ext>
-            </a:extLst>
-          </a:blip>
-          <a:stretch>
-            <a:fillRect/>
-          </a:stretch>
-        </p:blipFill>
-        <p:spPr>
-          <a:xfrm>
-            <a:off x="5769864" y="1934963"/>
-            <a:ext cx="4762500" cy="2381250"/>
-          </a:xfrm>
-        </p:spPr>
-      </p:pic>
-      <p:pic>
-        <p:nvPicPr>
-          <p:cNvPr id="7" name="Picture 6"/>
-          <p:cNvPicPr>
-            <a:picLocks noChangeAspect="1"/>
-          </p:cNvPicPr>
-          <p:nvPr/>
-        </p:nvPicPr>
-        <p:blipFill>
-          <a:blip r:embed="rId3">
-            <a:extLst>
-              <a:ext uri="{28A0092B-C50C-407E-A947-70E740481C1C}">
-                <a14:useLocalDpi xmlns:a14="http://schemas.microsoft.com/office/drawing/2010/main" val="0"/>
-              </a:ext>
-            </a:extLst>
-          </a:blip>
-          <a:stretch>
-            <a:fillRect/>
-          </a:stretch>
-        </p:blipFill>
-        <p:spPr>
-          <a:xfrm>
-            <a:off x="1711697" y="2517380"/>
-            <a:ext cx="4534933" cy="2667608"/>
-          </a:xfrm>
-          <a:prstGeom prst="rect">
-            <a:avLst/>
-          </a:prstGeom>
-        </p:spPr>
-      </p:pic>
-      <p:sp>
-        <p:nvSpPr>
-          <p:cNvPr id="5" name="Title 1"/>
-          <p:cNvSpPr txBox="1">
-            <a:spLocks/>
-          </p:cNvSpPr>
-          <p:nvPr/>
-        </p:nvSpPr>
-        <p:spPr>
-          <a:xfrm>
-            <a:off x="1524000" y="5171317"/>
-            <a:ext cx="9144000" cy="915353"/>
-          </a:xfrm>
-          <a:prstGeom prst="rect">
-            <a:avLst/>
-          </a:prstGeom>
-        </p:spPr>
-        <p:txBody>
-          <a:bodyPr vert="horz" lIns="91440" tIns="45720" rIns="91440" bIns="45720" rtlCol="0" anchor="ctr">
-            <a:normAutofit/>
-          </a:bodyPr>
-          <a:lstStyle>
-            <a:lvl1pPr algn="l" defTabSz="914400" rtl="0" eaLnBrk="1" latinLnBrk="0" hangingPunct="1">
-              <a:lnSpc>
-                <a:spcPct val="90000"/>
-              </a:lnSpc>
-              <a:spcBef>
-                <a:spcPct val="0"/>
-              </a:spcBef>
-              <a:buNone/>
-              <a:defRPr sz="4400" kern="1200">
-                <a:solidFill>
-                  <a:schemeClr val="tx1"/>
-                </a:solidFill>
-                <a:latin typeface="+mj-lt"/>
-                <a:ea typeface="+mj-ea"/>
-                <a:cs typeface="+mj-cs"/>
-              </a:defRPr>
-            </a:lvl1pPr>
-          </a:lstStyle>
-          <a:p>
-            <a:pPr algn="ctr"/>
-            <a:r>
-              <a:rPr lang="en-US" sz="3200" i="1" dirty="0" smtClean="0">
-                <a:latin typeface="+mn-lt"/>
-              </a:rPr>
-              <a:t>&lt; Native support WYSIWYG editor &gt;</a:t>
-            </a:r>
-            <a:endParaRPr lang="en-US" sz="3200" i="1" dirty="0">
-              <a:latin typeface="+mn-lt"/>
-            </a:endParaRPr>
-          </a:p>
-        </p:txBody>
-      </p:sp>
-    </p:spTree>
-    <p:extLst>
-      <p:ext uri="{BB962C8B-B14F-4D97-AF65-F5344CB8AC3E}">
-        <p14:creationId xmlns:p14="http://schemas.microsoft.com/office/powerpoint/2010/main" val="2993595375"/>
-      </p:ext>
-    </p:extLst>
-  </p:cSld>
-  <p:clrMapOvr>
-    <a:masterClrMapping/>
-  </p:clrMapOvr>
-  <p:timing>
-    <p:tnLst>
-      <p:par>
-        <p:cTn id="1" dur="indefinite" restart="never" nodeType="tmRoot"/>
-      </p:par>
-    </p:tnLst>
-  </p:timing>
-</p:sld>
-</file>
-
-<file path=ppt/slides/slide53.xml><?xml version="1.0" encoding="utf-8"?>
-<p:sld xmlns:a="http://schemas.openxmlformats.org/drawingml/2006/main" xmlns:r="http://schemas.openxmlformats.org/officeDocument/2006/relationships" xmlns:p="http://schemas.openxmlformats.org/presentationml/2006/main">
-  <p:cSld>
-    <p:spTree>
-      <p:nvGrpSpPr>
-        <p:cNvPr id="1" name=""/>
-        <p:cNvGrpSpPr/>
-        <p:nvPr/>
-      </p:nvGrpSpPr>
-      <p:grpSpPr>
-        <a:xfrm>
-          <a:off x="0" y="0"/>
-          <a:ext cx="0" cy="0"/>
-          <a:chOff x="0" y="0"/>
-          <a:chExt cx="0" cy="0"/>
-        </a:xfrm>
-      </p:grpSpPr>
-      <p:sp>
-        <p:nvSpPr>
-          <p:cNvPr id="6" name="Title 5"/>
-          <p:cNvSpPr>
-            <a:spLocks noGrp="1"/>
-          </p:cNvSpPr>
-          <p:nvPr>
-            <p:ph type="ctrTitle"/>
-          </p:nvPr>
-        </p:nvSpPr>
-        <p:spPr/>
-        <p:txBody>
-          <a:bodyPr/>
-          <a:lstStyle/>
-          <a:p>
-            <a:r>
-              <a:rPr lang="en-US" dirty="0" smtClean="0"/>
-              <a:t>Example</a:t>
-            </a:r>
-            <a:endParaRPr lang="en-US" dirty="0"/>
-          </a:p>
-        </p:txBody>
-      </p:sp>
-    </p:spTree>
-    <p:extLst>
-      <p:ext uri="{BB962C8B-B14F-4D97-AF65-F5344CB8AC3E}">
-        <p14:creationId xmlns:p14="http://schemas.microsoft.com/office/powerpoint/2010/main" val="1366852964"/>
-      </p:ext>
-    </p:extLst>
-  </p:cSld>
-  <p:clrMapOvr>
-    <a:masterClrMapping/>
-  </p:clrMapOvr>
-  <p:timing>
-    <p:tnLst>
-      <p:par>
-        <p:cTn id="1" dur="indefinite" restart="never" nodeType="tmRoot"/>
-      </p:par>
-    </p:tnLst>
-  </p:timing>
-</p:sld>
-</file>
-
-<file path=ppt/slides/slide54.xml><?xml version="1.0" encoding="utf-8"?>
-<p:sld xmlns:a="http://schemas.openxmlformats.org/drawingml/2006/main" xmlns:r="http://schemas.openxmlformats.org/officeDocument/2006/relationships" xmlns:p="http://schemas.openxmlformats.org/presentationml/2006/main">
-  <p:cSld>
-    <p:spTree>
-      <p:nvGrpSpPr>
-        <p:cNvPr id="1" name=""/>
-        <p:cNvGrpSpPr/>
-        <p:nvPr/>
-      </p:nvGrpSpPr>
-      <p:grpSpPr>
-        <a:xfrm>
-          <a:off x="0" y="0"/>
-          <a:ext cx="0" cy="0"/>
-          <a:chOff x="0" y="0"/>
-          <a:chExt cx="0" cy="0"/>
-        </a:xfrm>
-      </p:grpSpPr>
-      <p:sp>
-        <p:nvSpPr>
-          <p:cNvPr id="2" name="Title 1"/>
-          <p:cNvSpPr>
-            <a:spLocks noGrp="1"/>
-          </p:cNvSpPr>
-          <p:nvPr>
-            <p:ph type="title"/>
-          </p:nvPr>
-        </p:nvSpPr>
-        <p:spPr/>
-        <p:txBody>
-          <a:bodyPr/>
-          <a:lstStyle/>
-          <a:p>
-            <a:r>
-              <a:rPr lang="en-US" dirty="0" smtClean="0"/>
-              <a:t>Web Worker</a:t>
-            </a:r>
-            <a:endParaRPr lang="en-US" dirty="0"/>
-          </a:p>
-        </p:txBody>
-      </p:sp>
-      <p:pic>
-        <p:nvPicPr>
-          <p:cNvPr id="6" name="Picture 5"/>
-          <p:cNvPicPr>
-            <a:picLocks noChangeAspect="1"/>
-          </p:cNvPicPr>
-          <p:nvPr/>
-        </p:nvPicPr>
-        <p:blipFill>
-          <a:blip r:embed="rId2">
-            <a:extLst>
-              <a:ext uri="{28A0092B-C50C-407E-A947-70E740481C1C}">
-                <a14:useLocalDpi xmlns:a14="http://schemas.microsoft.com/office/drawing/2010/main" val="0"/>
-              </a:ext>
-            </a:extLst>
-          </a:blip>
-          <a:stretch>
-            <a:fillRect/>
-          </a:stretch>
-        </p:blipFill>
-        <p:spPr>
-          <a:xfrm>
-            <a:off x="4910709" y="1608007"/>
-            <a:ext cx="4400550" cy="2324100"/>
-          </a:xfrm>
-          <a:prstGeom prst="rect">
-            <a:avLst/>
-          </a:prstGeom>
-        </p:spPr>
-      </p:pic>
-      <p:pic>
-        <p:nvPicPr>
-          <p:cNvPr id="4" name="Content Placeholder 3"/>
-          <p:cNvPicPr>
-            <a:picLocks noGrp="1" noChangeAspect="1"/>
-          </p:cNvPicPr>
-          <p:nvPr>
-            <p:ph idx="1"/>
-          </p:nvPr>
-        </p:nvPicPr>
-        <p:blipFill>
-          <a:blip r:embed="rId3">
-            <a:extLst>
-              <a:ext uri="{28A0092B-C50C-407E-A947-70E740481C1C}">
-                <a14:useLocalDpi xmlns:a14="http://schemas.microsoft.com/office/drawing/2010/main" val="0"/>
-              </a:ext>
-            </a:extLst>
-          </a:blip>
-          <a:stretch>
-            <a:fillRect/>
-          </a:stretch>
-        </p:blipFill>
-        <p:spPr>
-          <a:xfrm>
-            <a:off x="1667065" y="3054663"/>
-            <a:ext cx="4009653" cy="1754888"/>
-          </a:xfrm>
-        </p:spPr>
-      </p:pic>
-      <p:pic>
-        <p:nvPicPr>
-          <p:cNvPr id="7" name="Picture 6"/>
-          <p:cNvPicPr>
-            <a:picLocks noChangeAspect="1"/>
-          </p:cNvPicPr>
-          <p:nvPr/>
-        </p:nvPicPr>
-        <p:blipFill>
-          <a:blip r:embed="rId4">
-            <a:extLst>
-              <a:ext uri="{28A0092B-C50C-407E-A947-70E740481C1C}">
-                <a14:useLocalDpi xmlns:a14="http://schemas.microsoft.com/office/drawing/2010/main" val="0"/>
-              </a:ext>
-            </a:extLst>
-          </a:blip>
-          <a:stretch>
-            <a:fillRect/>
-          </a:stretch>
-        </p:blipFill>
-        <p:spPr>
-          <a:xfrm>
-            <a:off x="7457313" y="4434268"/>
-            <a:ext cx="2800350" cy="1628775"/>
-          </a:xfrm>
-          <a:prstGeom prst="rect">
-            <a:avLst/>
-          </a:prstGeom>
-        </p:spPr>
-      </p:pic>
-    </p:spTree>
-    <p:extLst>
-      <p:ext uri="{BB962C8B-B14F-4D97-AF65-F5344CB8AC3E}">
-        <p14:creationId xmlns:p14="http://schemas.microsoft.com/office/powerpoint/2010/main" val="530610400"/>
-      </p:ext>
-    </p:extLst>
-  </p:cSld>
-  <p:clrMapOvr>
-    <a:masterClrMapping/>
-  </p:clrMapOvr>
-  <p:timing>
-    <p:tnLst>
-      <p:par>
-        <p:cTn id="1" dur="indefinite" restart="never" nodeType="tmRoot"/>
-      </p:par>
-    </p:tnLst>
-  </p:timing>
-</p:sld>
-</file>
-
-<file path=ppt/slides/slide55.xml><?xml version="1.0" encoding="utf-8"?>
-<p:sld xmlns:a="http://schemas.openxmlformats.org/drawingml/2006/main" xmlns:r="http://schemas.openxmlformats.org/officeDocument/2006/relationships" xmlns:p="http://schemas.openxmlformats.org/presentationml/2006/main">
-  <p:cSld>
-    <p:spTree>
-      <p:nvGrpSpPr>
-        <p:cNvPr id="1" name=""/>
-        <p:cNvGrpSpPr/>
-        <p:nvPr/>
-      </p:nvGrpSpPr>
-      <p:grpSpPr>
-        <a:xfrm>
-          <a:off x="0" y="0"/>
-          <a:ext cx="0" cy="0"/>
-          <a:chOff x="0" y="0"/>
-          <a:chExt cx="0" cy="0"/>
-        </a:xfrm>
-      </p:grpSpPr>
-      <p:sp>
-        <p:nvSpPr>
-          <p:cNvPr id="2" name="Title 1"/>
-          <p:cNvSpPr>
-            <a:spLocks noGrp="1"/>
-          </p:cNvSpPr>
-          <p:nvPr>
-            <p:ph type="ctrTitle"/>
-          </p:nvPr>
-        </p:nvSpPr>
-        <p:spPr/>
-        <p:txBody>
-          <a:bodyPr/>
-          <a:lstStyle/>
-          <a:p>
-            <a:r>
-              <a:rPr lang="en-US" dirty="0" smtClean="0"/>
-              <a:t>Javascript is single thread!</a:t>
-            </a:r>
-            <a:endParaRPr lang="en-US" dirty="0"/>
-          </a:p>
-        </p:txBody>
-      </p:sp>
-      <p:sp>
-        <p:nvSpPr>
-          <p:cNvPr id="3" name="Content Placeholder 2"/>
-          <p:cNvSpPr>
-            <a:spLocks noGrp="1"/>
-          </p:cNvSpPr>
-          <p:nvPr>
-            <p:ph type="subTitle" idx="1"/>
-          </p:nvPr>
-        </p:nvSpPr>
-        <p:spPr/>
-        <p:txBody>
-          <a:bodyPr/>
-          <a:lstStyle/>
-          <a:p>
-            <a:r>
-              <a:rPr lang="en-US" dirty="0" smtClean="0"/>
-              <a:t>Long running scripts = Browser freezed</a:t>
-            </a:r>
-          </a:p>
-        </p:txBody>
-      </p:sp>
-    </p:spTree>
-    <p:extLst>
-      <p:ext uri="{BB962C8B-B14F-4D97-AF65-F5344CB8AC3E}">
-        <p14:creationId xmlns:p14="http://schemas.microsoft.com/office/powerpoint/2010/main" val="3401328093"/>
-      </p:ext>
-    </p:extLst>
-  </p:cSld>
-  <p:clrMapOvr>
-    <a:masterClrMapping/>
-  </p:clrMapOvr>
-  <p:timing>
-    <p:tnLst>
-      <p:par>
-        <p:cTn id="1" dur="indefinite" restart="never" nodeType="tmRoot"/>
-      </p:par>
-    </p:tnLst>
-  </p:timing>
-</p:sld>
-</file>
-
-<file path=ppt/slides/slide56.xml><?xml version="1.0" encoding="utf-8"?>
-<p:sld xmlns:a="http://schemas.openxmlformats.org/drawingml/2006/main" xmlns:r="http://schemas.openxmlformats.org/officeDocument/2006/relationships" xmlns:p="http://schemas.openxmlformats.org/presentationml/2006/main">
-  <p:cSld>
-    <p:spTree>
-      <p:nvGrpSpPr>
-        <p:cNvPr id="1" name=""/>
-        <p:cNvGrpSpPr/>
-        <p:nvPr/>
-      </p:nvGrpSpPr>
-      <p:grpSpPr>
-        <a:xfrm>
-          <a:off x="0" y="0"/>
-          <a:ext cx="0" cy="0"/>
-          <a:chOff x="0" y="0"/>
-          <a:chExt cx="0" cy="0"/>
-        </a:xfrm>
-      </p:grpSpPr>
-      <p:sp>
-        <p:nvSpPr>
-          <p:cNvPr id="4" name="Title 3"/>
-          <p:cNvSpPr>
-            <a:spLocks noGrp="1"/>
-          </p:cNvSpPr>
-          <p:nvPr>
-            <p:ph type="ctrTitle"/>
-          </p:nvPr>
-        </p:nvSpPr>
-        <p:spPr/>
-        <p:txBody>
-          <a:bodyPr/>
-          <a:lstStyle/>
-          <a:p>
-            <a:r>
-              <a:rPr lang="en-US" dirty="0" smtClean="0"/>
-              <a:t>Example</a:t>
-            </a:r>
-            <a:endParaRPr lang="en-US" dirty="0"/>
-          </a:p>
-        </p:txBody>
-      </p:sp>
-      <p:sp>
-        <p:nvSpPr>
-          <p:cNvPr id="5" name="Subtitle 4"/>
-          <p:cNvSpPr>
-            <a:spLocks noGrp="1"/>
-          </p:cNvSpPr>
-          <p:nvPr>
-            <p:ph type="subTitle" idx="1"/>
-          </p:nvPr>
-        </p:nvSpPr>
-        <p:spPr/>
-        <p:txBody>
-          <a:bodyPr/>
-          <a:lstStyle/>
-          <a:p>
-            <a:endParaRPr lang="en-US" dirty="0"/>
-          </a:p>
-        </p:txBody>
-      </p:sp>
-    </p:spTree>
-    <p:extLst>
-      <p:ext uri="{BB962C8B-B14F-4D97-AF65-F5344CB8AC3E}">
-        <p14:creationId xmlns:p14="http://schemas.microsoft.com/office/powerpoint/2010/main" val="666320067"/>
-      </p:ext>
-    </p:extLst>
-  </p:cSld>
-  <p:clrMapOvr>
-    <a:masterClrMapping/>
-  </p:clrMapOvr>
-  <p:timing>
-    <p:tnLst>
-      <p:par>
-        <p:cTn id="1" dur="indefinite" restart="never" nodeType="tmRoot"/>
-      </p:par>
-    </p:tnLst>
-  </p:timing>
-</p:sld>
-</file>
-
-<file path=ppt/slides/slide57.xml><?xml version="1.0" encoding="utf-8"?>
-<p:sld xmlns:a="http://schemas.openxmlformats.org/drawingml/2006/main" xmlns:r="http://schemas.openxmlformats.org/officeDocument/2006/relationships" xmlns:p="http://schemas.openxmlformats.org/presentationml/2006/main">
-  <p:cSld>
-    <p:spTree>
-      <p:nvGrpSpPr>
-        <p:cNvPr id="1" name=""/>
-        <p:cNvGrpSpPr/>
-        <p:nvPr/>
-      </p:nvGrpSpPr>
-      <p:grpSpPr>
-        <a:xfrm>
-          <a:off x="0" y="0"/>
-          <a:ext cx="0" cy="0"/>
-          <a:chOff x="0" y="0"/>
-          <a:chExt cx="0" cy="0"/>
-        </a:xfrm>
-      </p:grpSpPr>
-      <p:sp>
-        <p:nvSpPr>
-          <p:cNvPr id="2" name="Title 1"/>
-          <p:cNvSpPr>
-            <a:spLocks noGrp="1"/>
-          </p:cNvSpPr>
-          <p:nvPr>
-            <p:ph type="title"/>
-          </p:nvPr>
-        </p:nvSpPr>
-        <p:spPr/>
-        <p:txBody>
-          <a:bodyPr/>
-          <a:lstStyle/>
-          <a:p>
-            <a:r>
-              <a:rPr lang="en-US" dirty="0" smtClean="0"/>
-              <a:t>Web Worker - Message passing </a:t>
-            </a:r>
-            <a:endParaRPr lang="en-US" dirty="0"/>
-          </a:p>
-        </p:txBody>
-      </p:sp>
-      <p:sp>
-        <p:nvSpPr>
-          <p:cNvPr id="6" name="Text Placeholder 5"/>
-          <p:cNvSpPr>
-            <a:spLocks noGrp="1"/>
-          </p:cNvSpPr>
-          <p:nvPr>
-            <p:ph type="body" idx="1"/>
-          </p:nvPr>
-        </p:nvSpPr>
-        <p:spPr>
-          <a:xfrm>
-            <a:off x="839788" y="1681163"/>
-            <a:ext cx="5157787" cy="441835"/>
-          </a:xfrm>
-        </p:spPr>
-        <p:txBody>
-          <a:bodyPr/>
-          <a:lstStyle/>
-          <a:p>
-            <a:r>
-              <a:rPr lang="en-US" dirty="0"/>
-              <a:t>Main </a:t>
-            </a:r>
-            <a:r>
-              <a:rPr lang="en-US" dirty="0" smtClean="0"/>
-              <a:t>page</a:t>
-            </a:r>
-            <a:endParaRPr lang="en-US" dirty="0"/>
-          </a:p>
-        </p:txBody>
-      </p:sp>
-      <p:sp>
-        <p:nvSpPr>
-          <p:cNvPr id="4" name="Content Placeholder 3"/>
-          <p:cNvSpPr>
-            <a:spLocks noGrp="1"/>
-          </p:cNvSpPr>
-          <p:nvPr>
-            <p:ph sz="half" idx="2"/>
-          </p:nvPr>
-        </p:nvSpPr>
-        <p:spPr>
-          <a:xfrm>
-            <a:off x="839788" y="2258170"/>
-            <a:ext cx="4910137" cy="3931493"/>
-          </a:xfrm>
-        </p:spPr>
-        <p:txBody>
-          <a:bodyPr>
-            <a:normAutofit fontScale="92500" lnSpcReduction="10000"/>
-          </a:bodyPr>
-          <a:lstStyle/>
-          <a:p>
-            <a:pPr marL="0" indent="0">
-              <a:buNone/>
-            </a:pPr>
-            <a:r>
-              <a:rPr lang="en-US" sz="2400" dirty="0" smtClean="0"/>
-              <a:t>var worker = new </a:t>
-            </a:r>
-            <a:r>
-              <a:rPr lang="en-US" sz="2400" dirty="0" smtClean="0"/>
-              <a:t>Worker(‘&lt;script file&gt;’);</a:t>
-            </a:r>
-          </a:p>
-          <a:p>
-            <a:pPr marL="0" indent="0">
-              <a:buNone/>
-            </a:pPr>
-            <a:r>
-              <a:rPr lang="en-US" sz="2400" dirty="0" smtClean="0"/>
-              <a:t>worker.postMessage</a:t>
-            </a:r>
-            <a:r>
-              <a:rPr lang="en-US" sz="2400" dirty="0" smtClean="0"/>
-              <a:t>(‘&lt;msg&gt;’);</a:t>
-            </a:r>
-          </a:p>
-          <a:p>
-            <a:endParaRPr lang="en-US" sz="2400" dirty="0" smtClean="0"/>
-          </a:p>
-          <a:p>
-            <a:endParaRPr lang="en-US" sz="2400" dirty="0" smtClean="0"/>
-          </a:p>
-          <a:p>
-            <a:pPr marL="0" indent="0">
-              <a:buNone/>
-            </a:pPr>
-            <a:r>
-              <a:rPr lang="en-US" sz="2400" dirty="0" smtClean="0"/>
-              <a:t>worker.addEventListener</a:t>
-            </a:r>
-            <a:r>
-              <a:rPr lang="en-US" sz="2400" dirty="0" smtClean="0"/>
-              <a:t>(‘message’,</a:t>
-            </a:r>
-          </a:p>
-          <a:p>
-            <a:pPr marL="0" indent="0">
-              <a:buNone/>
-            </a:pPr>
-            <a:r>
-              <a:rPr lang="en-US" sz="2400" dirty="0" smtClean="0"/>
-              <a:t>    function(e) {</a:t>
-            </a:r>
-          </a:p>
-          <a:p>
-            <a:pPr marL="0" indent="0">
-              <a:buNone/>
-            </a:pPr>
-            <a:r>
-              <a:rPr lang="en-US" sz="2400" dirty="0"/>
-              <a:t> </a:t>
-            </a:r>
-            <a:r>
-              <a:rPr lang="en-US" sz="2400" dirty="0" smtClean="0"/>
-              <a:t>         //</a:t>
-            </a:r>
-            <a:r>
-              <a:rPr lang="en-US" sz="2400" dirty="0" err="1" smtClean="0"/>
-              <a:t>e.data</a:t>
-            </a:r>
-            <a:r>
-              <a:rPr lang="en-US" sz="2400" dirty="0" smtClean="0"/>
-              <a:t>;</a:t>
-            </a:r>
-          </a:p>
-          <a:p>
-            <a:pPr marL="0" indent="0">
-              <a:buNone/>
-            </a:pPr>
-            <a:r>
-              <a:rPr lang="en-US" sz="2400" dirty="0" smtClean="0"/>
-              <a:t>    }</a:t>
-            </a:r>
-          </a:p>
-          <a:p>
-            <a:pPr marL="0" indent="0">
-              <a:buNone/>
-            </a:pPr>
-            <a:r>
-              <a:rPr lang="en-US" sz="2400" dirty="0" smtClean="0"/>
-              <a:t>);</a:t>
-            </a:r>
-            <a:endParaRPr lang="en-US" sz="2400" dirty="0" smtClean="0"/>
-          </a:p>
-          <a:p>
-            <a:pPr marL="0" indent="0">
-              <a:buNone/>
-            </a:pPr>
-            <a:r>
-              <a:rPr lang="en-US" sz="2400" dirty="0" err="1" smtClean="0"/>
-              <a:t>worker.terminate</a:t>
-            </a:r>
-            <a:r>
-              <a:rPr lang="en-US" sz="2400" dirty="0" smtClean="0"/>
-              <a:t>();</a:t>
-            </a:r>
-            <a:endParaRPr lang="en-US" sz="2400" dirty="0"/>
-          </a:p>
-        </p:txBody>
-      </p:sp>
-      <p:sp>
-        <p:nvSpPr>
-          <p:cNvPr id="7" name="Text Placeholder 6"/>
-          <p:cNvSpPr>
-            <a:spLocks noGrp="1"/>
-          </p:cNvSpPr>
-          <p:nvPr>
-            <p:ph type="body" sz="quarter" idx="3"/>
-          </p:nvPr>
-        </p:nvSpPr>
-        <p:spPr>
-          <a:xfrm>
-            <a:off x="6172200" y="1681163"/>
-            <a:ext cx="5183188" cy="441835"/>
-          </a:xfrm>
-        </p:spPr>
-        <p:txBody>
-          <a:bodyPr/>
-          <a:lstStyle/>
-          <a:p>
-            <a:r>
-              <a:rPr lang="en-US" dirty="0"/>
-              <a:t>Worker </a:t>
-            </a:r>
-            <a:r>
-              <a:rPr lang="en-US" dirty="0" smtClean="0"/>
-              <a:t>scripts</a:t>
-            </a:r>
-            <a:endParaRPr lang="en-US" dirty="0"/>
-          </a:p>
-        </p:txBody>
-      </p:sp>
-      <p:sp>
-        <p:nvSpPr>
-          <p:cNvPr id="5" name="Content Placeholder 4"/>
-          <p:cNvSpPr>
-            <a:spLocks noGrp="1"/>
-          </p:cNvSpPr>
-          <p:nvPr>
-            <p:ph sz="quarter" idx="4"/>
-          </p:nvPr>
-        </p:nvSpPr>
-        <p:spPr>
-          <a:xfrm>
-            <a:off x="6172200" y="2258170"/>
-            <a:ext cx="5183188" cy="3931493"/>
-          </a:xfrm>
-        </p:spPr>
-        <p:txBody>
-          <a:bodyPr>
-            <a:normAutofit fontScale="92500" lnSpcReduction="10000"/>
-          </a:bodyPr>
-          <a:lstStyle/>
-          <a:p>
-            <a:endParaRPr lang="en-US" sz="2400" dirty="0" smtClean="0"/>
-          </a:p>
-          <a:p>
-            <a:pPr marL="0" indent="0">
-              <a:buNone/>
-            </a:pPr>
-            <a:r>
-              <a:rPr lang="en-US" sz="2400" dirty="0" err="1" smtClean="0"/>
-              <a:t>self.addEventListener</a:t>
-            </a:r>
-            <a:r>
-              <a:rPr lang="en-US" sz="2400" dirty="0" smtClean="0"/>
-              <a:t>(‘message’,</a:t>
-            </a:r>
-          </a:p>
-          <a:p>
-            <a:pPr marL="0" indent="0">
-              <a:buNone/>
-            </a:pPr>
-            <a:r>
-              <a:rPr lang="en-US" sz="2400" dirty="0" smtClean="0"/>
-              <a:t>   function(e) {</a:t>
-            </a:r>
-          </a:p>
-          <a:p>
-            <a:pPr marL="0" indent="0">
-              <a:buNone/>
-            </a:pPr>
-            <a:r>
-              <a:rPr lang="en-US" sz="2400" dirty="0" smtClean="0"/>
-              <a:t>	// </a:t>
-            </a:r>
-            <a:r>
-              <a:rPr lang="en-US" sz="2400" dirty="0" err="1" smtClean="0"/>
-              <a:t>e.data</a:t>
-            </a:r>
-            <a:r>
-              <a:rPr lang="en-US" sz="2400" dirty="0" smtClean="0"/>
-              <a:t>;</a:t>
-            </a:r>
-            <a:endParaRPr lang="en-US" sz="2400" dirty="0"/>
-          </a:p>
-          <a:p>
-            <a:pPr marL="0" indent="0">
-              <a:buNone/>
-            </a:pPr>
-            <a:r>
-              <a:rPr lang="en-US" sz="2400" dirty="0" smtClean="0"/>
-              <a:t>   });</a:t>
-            </a:r>
-          </a:p>
-          <a:p>
-            <a:pPr marL="0" indent="0">
-              <a:buNone/>
-            </a:pPr>
-            <a:r>
-              <a:rPr lang="en-US" sz="2400" dirty="0" err="1" smtClean="0"/>
-              <a:t>self.postMessage</a:t>
-            </a:r>
-            <a:r>
-              <a:rPr lang="en-US" sz="2400" dirty="0" smtClean="0"/>
-              <a:t>(‘&lt;</a:t>
-            </a:r>
-            <a:r>
-              <a:rPr lang="en-US" sz="2400" dirty="0" err="1" smtClean="0"/>
-              <a:t>msg</a:t>
-            </a:r>
-            <a:r>
-              <a:rPr lang="en-US" sz="2400" dirty="0" smtClean="0"/>
-              <a:t>&gt;’);</a:t>
-            </a:r>
-          </a:p>
-          <a:p>
-            <a:endParaRPr lang="en-US" sz="2400" dirty="0"/>
-          </a:p>
-          <a:p>
-            <a:endParaRPr lang="en-US" sz="2400" dirty="0" smtClean="0"/>
-          </a:p>
-          <a:p>
-            <a:endParaRPr lang="en-US" sz="2400" dirty="0" smtClean="0"/>
-          </a:p>
-          <a:p>
-            <a:pPr marL="0" indent="0">
-              <a:buNone/>
-            </a:pPr>
-            <a:r>
-              <a:rPr lang="en-US" sz="2400" dirty="0" err="1" smtClean="0"/>
-              <a:t>self.close</a:t>
-            </a:r>
-            <a:r>
-              <a:rPr lang="en-US" sz="2400" dirty="0" smtClean="0"/>
-              <a:t>();</a:t>
-            </a:r>
-            <a:endParaRPr lang="en-US" sz="2400" dirty="0"/>
-          </a:p>
-        </p:txBody>
-      </p:sp>
-      <p:sp>
-        <p:nvSpPr>
-          <p:cNvPr id="3" name="Rectangle 2"/>
-          <p:cNvSpPr/>
-          <p:nvPr/>
-        </p:nvSpPr>
-        <p:spPr>
-          <a:xfrm>
-            <a:off x="5749926" y="1690688"/>
-            <a:ext cx="101600" cy="4656137"/>
-          </a:xfrm>
-          <a:prstGeom prst="rect">
-            <a:avLst/>
-          </a:prstGeom>
-        </p:spPr>
-        <p:style>
-          <a:lnRef idx="2">
-            <a:schemeClr val="dk1">
-              <a:shade val="50000"/>
-            </a:schemeClr>
-          </a:lnRef>
-          <a:fillRef idx="1">
-            <a:schemeClr val="dk1"/>
-          </a:fillRef>
-          <a:effectRef idx="0">
-            <a:schemeClr val="dk1"/>
-          </a:effectRef>
-          <a:fontRef idx="minor">
-            <a:schemeClr val="lt1"/>
-          </a:fontRef>
-        </p:style>
-        <p:txBody>
-          <a:bodyPr rtlCol="0" anchor="ctr"/>
-          <a:lstStyle/>
-          <a:p>
-            <a:pPr algn="ctr"/>
-            <a:endParaRPr lang="en-US"/>
-          </a:p>
-        </p:txBody>
-      </p:sp>
-    </p:spTree>
-    <p:extLst>
-      <p:ext uri="{BB962C8B-B14F-4D97-AF65-F5344CB8AC3E}">
-        <p14:creationId xmlns:p14="http://schemas.microsoft.com/office/powerpoint/2010/main" val="3140163076"/>
-      </p:ext>
-    </p:extLst>
-  </p:cSld>
-  <p:clrMapOvr>
-    <a:masterClrMapping/>
-  </p:clrMapOvr>
-  <p:timing>
-    <p:tnLst>
-      <p:par>
-        <p:cTn id="1" dur="indefinite" restart="never" nodeType="tmRoot"/>
-      </p:par>
-    </p:tnLst>
-  </p:timing>
-</p:sld>
-</file>
-
-<file path=ppt/slides/slide58.xml><?xml version="1.0" encoding="utf-8"?>
-<p:sld xmlns:a="http://schemas.openxmlformats.org/drawingml/2006/main" xmlns:r="http://schemas.openxmlformats.org/officeDocument/2006/relationships" xmlns:p="http://schemas.openxmlformats.org/presentationml/2006/main">
-  <p:cSld>
-    <p:spTree>
-      <p:nvGrpSpPr>
-        <p:cNvPr id="1" name=""/>
-        <p:cNvGrpSpPr/>
-        <p:nvPr/>
-      </p:nvGrpSpPr>
-      <p:grpSpPr>
-        <a:xfrm>
-          <a:off x="0" y="0"/>
-          <a:ext cx="0" cy="0"/>
-          <a:chOff x="0" y="0"/>
-          <a:chExt cx="0" cy="0"/>
-        </a:xfrm>
-      </p:grpSpPr>
-      <p:sp>
-        <p:nvSpPr>
-          <p:cNvPr id="2" name="Title 1"/>
-          <p:cNvSpPr>
-            <a:spLocks noGrp="1"/>
-          </p:cNvSpPr>
-          <p:nvPr>
-            <p:ph type="title"/>
-          </p:nvPr>
-        </p:nvSpPr>
-        <p:spPr/>
-        <p:txBody>
-          <a:bodyPr/>
-          <a:lstStyle/>
-          <a:p>
-            <a:r>
-              <a:rPr lang="en-US" dirty="0" smtClean="0"/>
-              <a:t>Web Worker – Scope</a:t>
-            </a:r>
-            <a:endParaRPr lang="en-US" dirty="0"/>
-          </a:p>
-        </p:txBody>
-      </p:sp>
-      <p:sp>
-        <p:nvSpPr>
-          <p:cNvPr id="3" name="Text Placeholder 2"/>
-          <p:cNvSpPr>
-            <a:spLocks noGrp="1"/>
-          </p:cNvSpPr>
-          <p:nvPr>
-            <p:ph type="body" idx="1"/>
-          </p:nvPr>
-        </p:nvSpPr>
-        <p:spPr>
-          <a:xfrm>
-            <a:off x="839788" y="1681163"/>
-            <a:ext cx="5157787" cy="402079"/>
-          </a:xfrm>
-        </p:spPr>
-        <p:txBody>
-          <a:bodyPr>
-            <a:normAutofit lnSpcReduction="10000"/>
-          </a:bodyPr>
-          <a:lstStyle/>
-          <a:p>
-            <a:r>
-              <a:rPr lang="en-US" dirty="0" smtClean="0"/>
-              <a:t>Can access</a:t>
-            </a:r>
-            <a:endParaRPr lang="en-US" dirty="0"/>
-          </a:p>
-        </p:txBody>
-      </p:sp>
-      <p:sp>
-        <p:nvSpPr>
-          <p:cNvPr id="4" name="Content Placeholder 3"/>
-          <p:cNvSpPr>
-            <a:spLocks noGrp="1"/>
-          </p:cNvSpPr>
-          <p:nvPr>
-            <p:ph sz="half" idx="2"/>
-          </p:nvPr>
-        </p:nvSpPr>
-        <p:spPr>
-          <a:xfrm>
-            <a:off x="839788" y="2083242"/>
-            <a:ext cx="5157787" cy="4106421"/>
-          </a:xfrm>
-        </p:spPr>
-        <p:txBody>
-          <a:bodyPr/>
-          <a:lstStyle/>
-          <a:p>
-            <a:r>
-              <a:rPr lang="en-US" dirty="0" smtClean="0"/>
-              <a:t>navigator object</a:t>
-            </a:r>
-          </a:p>
-          <a:p>
-            <a:r>
-              <a:rPr lang="en-US" dirty="0" smtClean="0"/>
-              <a:t>location object [read only]</a:t>
-            </a:r>
-          </a:p>
-          <a:p>
-            <a:r>
-              <a:rPr lang="en-US" dirty="0" err="1" smtClean="0"/>
-              <a:t>XMLHttpRequest</a:t>
-            </a:r>
-            <a:endParaRPr lang="en-US" dirty="0" smtClean="0"/>
-          </a:p>
-          <a:p>
-            <a:r>
-              <a:rPr lang="en-US" dirty="0" err="1" smtClean="0"/>
-              <a:t>setTimeout</a:t>
-            </a:r>
-            <a:r>
-              <a:rPr lang="en-US" dirty="0" smtClean="0"/>
-              <a:t>() / </a:t>
-            </a:r>
-            <a:r>
-              <a:rPr lang="en-US" dirty="0" err="1" smtClean="0"/>
-              <a:t>clearTimeout</a:t>
-            </a:r>
-            <a:r>
-              <a:rPr lang="en-US" dirty="0" smtClean="0"/>
-              <a:t>()</a:t>
-            </a:r>
-          </a:p>
-          <a:p>
-            <a:r>
-              <a:rPr lang="en-US" dirty="0" err="1" smtClean="0"/>
-              <a:t>setInterval</a:t>
-            </a:r>
-            <a:r>
-              <a:rPr lang="en-US" dirty="0" smtClean="0"/>
-              <a:t>() / </a:t>
-            </a:r>
-            <a:r>
-              <a:rPr lang="en-US" dirty="0" err="1" smtClean="0"/>
-              <a:t>clearInterval</a:t>
-            </a:r>
-            <a:r>
-              <a:rPr lang="en-US" dirty="0" smtClean="0"/>
-              <a:t>()</a:t>
-            </a:r>
-          </a:p>
-          <a:p>
-            <a:r>
-              <a:rPr lang="en-US" dirty="0" smtClean="0"/>
-              <a:t>Application Cache</a:t>
-            </a:r>
-          </a:p>
-          <a:p>
-            <a:r>
-              <a:rPr lang="en-US" dirty="0" err="1" smtClean="0"/>
-              <a:t>importScripts</a:t>
-            </a:r>
-            <a:r>
-              <a:rPr lang="en-US" dirty="0" smtClean="0"/>
-              <a:t>()</a:t>
-            </a:r>
-          </a:p>
-          <a:p>
-            <a:r>
-              <a:rPr lang="en-US" dirty="0" smtClean="0"/>
-              <a:t>Web Workers</a:t>
-            </a:r>
-            <a:endParaRPr lang="en-US" dirty="0"/>
-          </a:p>
-        </p:txBody>
-      </p:sp>
-      <p:sp>
-        <p:nvSpPr>
-          <p:cNvPr id="5" name="Text Placeholder 4"/>
-          <p:cNvSpPr>
-            <a:spLocks noGrp="1"/>
-          </p:cNvSpPr>
-          <p:nvPr>
-            <p:ph type="body" sz="quarter" idx="3"/>
-          </p:nvPr>
-        </p:nvSpPr>
-        <p:spPr>
-          <a:xfrm>
-            <a:off x="6172200" y="1681163"/>
-            <a:ext cx="5183188" cy="402079"/>
-          </a:xfrm>
-        </p:spPr>
-        <p:txBody>
-          <a:bodyPr>
-            <a:normAutofit lnSpcReduction="10000"/>
-          </a:bodyPr>
-          <a:lstStyle/>
-          <a:p>
-            <a:r>
-              <a:rPr lang="en-US" dirty="0" smtClean="0"/>
-              <a:t>Can NOT access</a:t>
-            </a:r>
-            <a:endParaRPr lang="en-US" dirty="0"/>
-          </a:p>
-        </p:txBody>
-      </p:sp>
-      <p:sp>
-        <p:nvSpPr>
-          <p:cNvPr id="6" name="Content Placeholder 5"/>
-          <p:cNvSpPr>
-            <a:spLocks noGrp="1"/>
-          </p:cNvSpPr>
-          <p:nvPr>
-            <p:ph sz="quarter" idx="4"/>
-          </p:nvPr>
-        </p:nvSpPr>
-        <p:spPr>
-          <a:xfrm>
-            <a:off x="6172200" y="2083242"/>
-            <a:ext cx="5183188" cy="4106421"/>
-          </a:xfrm>
-        </p:spPr>
-        <p:txBody>
-          <a:bodyPr/>
-          <a:lstStyle/>
-          <a:p>
-            <a:r>
-              <a:rPr lang="en-US" dirty="0" smtClean="0"/>
-              <a:t>DOM</a:t>
-            </a:r>
-          </a:p>
-          <a:p>
-            <a:r>
-              <a:rPr lang="en-US" dirty="0" smtClean="0"/>
-              <a:t>window object</a:t>
-            </a:r>
-          </a:p>
-          <a:p>
-            <a:r>
-              <a:rPr lang="en-US" dirty="0" smtClean="0"/>
-              <a:t>document object</a:t>
-            </a:r>
-          </a:p>
-          <a:p>
-            <a:r>
-              <a:rPr lang="en-US" dirty="0" smtClean="0"/>
-              <a:t>parent object</a:t>
-            </a:r>
-            <a:endParaRPr lang="en-US" dirty="0"/>
-          </a:p>
-        </p:txBody>
-      </p:sp>
-    </p:spTree>
-    <p:extLst>
-      <p:ext uri="{BB962C8B-B14F-4D97-AF65-F5344CB8AC3E}">
-        <p14:creationId xmlns:p14="http://schemas.microsoft.com/office/powerpoint/2010/main" val="1424384653"/>
-      </p:ext>
-    </p:extLst>
-  </p:cSld>
-  <p:clrMapOvr>
-    <a:masterClrMapping/>
-  </p:clrMapOvr>
-  <p:timing>
-    <p:tnLst>
-      <p:par>
-        <p:cTn id="1" dur="indefinite" restart="never" nodeType="tmRoot"/>
-      </p:par>
-    </p:tnLst>
-  </p:timing>
-</p:sld>
-</file>
-
-<file path=ppt/slides/slide59.xml><?xml version="1.0" encoding="utf-8"?>
-<p:sld xmlns:a="http://schemas.openxmlformats.org/drawingml/2006/main" xmlns:r="http://schemas.openxmlformats.org/officeDocument/2006/relationships" xmlns:p="http://schemas.openxmlformats.org/presentationml/2006/main">
-  <p:cSld>
-    <p:spTree>
-      <p:nvGrpSpPr>
-        <p:cNvPr id="1" name=""/>
-        <p:cNvGrpSpPr/>
-        <p:nvPr/>
-      </p:nvGrpSpPr>
-      <p:grpSpPr>
-        <a:xfrm>
-          <a:off x="0" y="0"/>
-          <a:ext cx="0" cy="0"/>
-          <a:chOff x="0" y="0"/>
-          <a:chExt cx="0" cy="0"/>
-        </a:xfrm>
-      </p:grpSpPr>
-      <p:sp>
-        <p:nvSpPr>
-          <p:cNvPr id="2" name="Title 1"/>
-          <p:cNvSpPr>
-            <a:spLocks noGrp="1"/>
-          </p:cNvSpPr>
-          <p:nvPr>
-            <p:ph type="title"/>
-          </p:nvPr>
-        </p:nvSpPr>
-        <p:spPr/>
-        <p:txBody>
-          <a:bodyPr/>
-          <a:lstStyle/>
-          <a:p>
-            <a:r>
-              <a:rPr lang="en-US" dirty="0" smtClean="0"/>
-              <a:t>Connectivity</a:t>
-            </a:r>
-            <a:endParaRPr lang="en-US" dirty="0"/>
-          </a:p>
-        </p:txBody>
-      </p:sp>
-      <p:sp>
-        <p:nvSpPr>
-          <p:cNvPr id="4" name="Text Placeholder 3"/>
-          <p:cNvSpPr>
-            <a:spLocks noGrp="1"/>
-          </p:cNvSpPr>
-          <p:nvPr>
-            <p:ph type="body" idx="1"/>
-          </p:nvPr>
-        </p:nvSpPr>
-        <p:spPr/>
-        <p:txBody>
-          <a:bodyPr/>
-          <a:lstStyle/>
-          <a:p>
-            <a:endParaRPr lang="en-US" dirty="0"/>
-          </a:p>
-        </p:txBody>
-      </p:sp>
-    </p:spTree>
-    <p:extLst>
-      <p:ext uri="{BB962C8B-B14F-4D97-AF65-F5344CB8AC3E}">
-        <p14:creationId xmlns:p14="http://schemas.microsoft.com/office/powerpoint/2010/main" val="1938040197"/>
-      </p:ext>
-    </p:extLst>
-  </p:cSld>
-  <p:clrMapOvr>
-    <a:masterClrMapping/>
-  </p:clrMapOvr>
-  <p:timing>
-    <p:tnLst>
-      <p:par>
-        <p:cTn id="1" dur="indefinite" restart="never" nodeType="tmRoot"/>
-      </p:par>
-    </p:tnLst>
-  </p:timing>
-</p:sld>
-</file>
-
-<file path=ppt/slides/slide6.xml><?xml version="1.0" encoding="utf-8"?>
-<p:sld xmlns:a="http://schemas.openxmlformats.org/drawingml/2006/main" xmlns:r="http://schemas.openxmlformats.org/officeDocument/2006/relationships" xmlns:p="http://schemas.openxmlformats.org/presentationml/2006/main">
-  <p:cSld>
-    <p:spTree>
-      <p:nvGrpSpPr>
-        <p:cNvPr id="1" name=""/>
-        <p:cNvGrpSpPr/>
-        <p:nvPr/>
-      </p:nvGrpSpPr>
-      <p:grpSpPr>
-        <a:xfrm>
-          <a:off x="0" y="0"/>
-          <a:ext cx="0" cy="0"/>
-          <a:chOff x="0" y="0"/>
-          <a:chExt cx="0" cy="0"/>
-        </a:xfrm>
-      </p:grpSpPr>
-      <p:sp>
-        <p:nvSpPr>
-          <p:cNvPr id="4" name="Title 3"/>
-          <p:cNvSpPr>
-            <a:spLocks noGrp="1"/>
-          </p:cNvSpPr>
-          <p:nvPr>
-            <p:ph type="ctrTitle"/>
-          </p:nvPr>
-        </p:nvSpPr>
-        <p:spPr/>
-        <p:txBody>
-          <a:bodyPr/>
-          <a:lstStyle/>
-          <a:p>
-            <a:r>
-              <a:rPr lang="en-US" dirty="0"/>
-              <a:t>HTML5 is </a:t>
-            </a:r>
-            <a:r>
-              <a:rPr lang="en-US" dirty="0" smtClean="0"/>
-              <a:t>now complete!</a:t>
-            </a:r>
-            <a:endParaRPr lang="en-US" dirty="0"/>
-          </a:p>
-        </p:txBody>
-      </p:sp>
-      <p:sp>
-        <p:nvSpPr>
-          <p:cNvPr id="5" name="Subtitle 4"/>
-          <p:cNvSpPr>
-            <a:spLocks noGrp="1"/>
-          </p:cNvSpPr>
-          <p:nvPr>
-            <p:ph type="subTitle" idx="1"/>
-          </p:nvPr>
-        </p:nvSpPr>
-        <p:spPr/>
-        <p:txBody>
-          <a:bodyPr/>
-          <a:lstStyle/>
-          <a:p>
-            <a:pPr algn="r"/>
-            <a:r>
-              <a:rPr lang="en-US" dirty="0" smtClean="0"/>
-              <a:t>Some time in 2007 - Oct 28</a:t>
-            </a:r>
-            <a:r>
-              <a:rPr lang="en-US" baseline="30000" dirty="0" smtClean="0"/>
-              <a:t>th</a:t>
-            </a:r>
-            <a:r>
-              <a:rPr lang="en-US" dirty="0" smtClean="0"/>
-              <a:t>, 2014</a:t>
-            </a:r>
-            <a:endParaRPr lang="en-US" dirty="0"/>
-          </a:p>
-        </p:txBody>
-      </p:sp>
-    </p:spTree>
-    <p:extLst>
-      <p:ext uri="{BB962C8B-B14F-4D97-AF65-F5344CB8AC3E}">
-        <p14:creationId xmlns:p14="http://schemas.microsoft.com/office/powerpoint/2010/main" val="801643110"/>
-      </p:ext>
-    </p:extLst>
-  </p:cSld>
-  <p:clrMapOvr>
-    <a:masterClrMapping/>
-  </p:clrMapOvr>
-  <p:timing>
-    <p:tnLst>
-      <p:par>
-        <p:cTn id="1" dur="indefinite" restart="never" nodeType="tmRoot"/>
-      </p:par>
-    </p:tnLst>
-  </p:timing>
-</p:sld>
-</file>
-
 <file path=ppt/slides/slide60.xml><?xml version="1.0" encoding="utf-8"?>
 <p:sld xmlns:a="http://schemas.openxmlformats.org/drawingml/2006/main" xmlns:r="http://schemas.openxmlformats.org/officeDocument/2006/relationships" xmlns:p="http://schemas.openxmlformats.org/presentationml/2006/main">
   <p:cSld>
@@ -16374,22 +16518,26 @@
       </p:grpSpPr>
       <p:sp>
         <p:nvSpPr>
-          <p:cNvPr id="2" name="Title 1"/>
-          <p:cNvSpPr>
-            <a:spLocks noGrp="1"/>
-          </p:cNvSpPr>
-          <p:nvPr>
-            <p:ph type="title"/>
-          </p:nvPr>
-        </p:nvSpPr>
-        <p:spPr/>
-        <p:txBody>
-          <a:bodyPr/>
-          <a:lstStyle/>
-          <a:p>
-            <a:r>
-              <a:rPr lang="en-US" dirty="0" smtClean="0"/>
-              <a:t>Semantics</a:t>
+          <p:cNvPr id="4" name="Title 3"/>
+          <p:cNvSpPr>
+            <a:spLocks noGrp="1"/>
+          </p:cNvSpPr>
+          <p:nvPr>
+            <p:ph type="ctrTitle"/>
+          </p:nvPr>
+        </p:nvSpPr>
+        <p:spPr/>
+        <p:txBody>
+          <a:bodyPr/>
+          <a:lstStyle/>
+          <a:p>
+            <a:r>
+              <a:rPr lang="en-US" dirty="0"/>
+              <a:t>HTML5 is </a:t>
+            </a:r>
+            <a:r>
+              <a:rPr lang="en-US" dirty="0" smtClean="0"/>
+              <a:t>now complete!</a:t>
             </a:r>
             <a:endParaRPr lang="en-US" dirty="0"/>
           </a:p>
@@ -16397,27 +16545,40 @@
       </p:sp>
       <p:sp>
         <p:nvSpPr>
-          <p:cNvPr id="4" name="Text Placeholder 3"/>
-          <p:cNvSpPr>
-            <a:spLocks noGrp="1"/>
-          </p:cNvSpPr>
-          <p:nvPr>
-            <p:ph type="body" idx="1"/>
-          </p:nvPr>
-        </p:nvSpPr>
-        <p:spPr/>
-        <p:txBody>
-          <a:bodyPr/>
-          <a:lstStyle/>
-          <a:p>
-            <a:endParaRPr lang="en-US"/>
+          <p:cNvPr id="5" name="Subtitle 4"/>
+          <p:cNvSpPr>
+            <a:spLocks noGrp="1"/>
+          </p:cNvSpPr>
+          <p:nvPr>
+            <p:ph type="subTitle" idx="1"/>
+          </p:nvPr>
+        </p:nvSpPr>
+        <p:spPr/>
+        <p:txBody>
+          <a:bodyPr/>
+          <a:lstStyle/>
+          <a:p>
+            <a:pPr algn="r"/>
+            <a:r>
+              <a:rPr lang="en-US" dirty="0" smtClean="0"/>
+              <a:t>Some time in 2007 - Oct 28</a:t>
+            </a:r>
+            <a:r>
+              <a:rPr lang="en-US" baseline="30000" dirty="0" smtClean="0"/>
+              <a:t>th</a:t>
+            </a:r>
+            <a:r>
+              <a:rPr lang="en-US" dirty="0" smtClean="0"/>
+              <a:t>, 2014</a:t>
+            </a:r>
+            <a:endParaRPr lang="en-US" dirty="0"/>
           </a:p>
         </p:txBody>
       </p:sp>
     </p:spTree>
     <p:extLst>
       <p:ext uri="{BB962C8B-B14F-4D97-AF65-F5344CB8AC3E}">
-        <p14:creationId xmlns:p14="http://schemas.microsoft.com/office/powerpoint/2010/main" val="3038641302"/>
+        <p14:creationId xmlns:p14="http://schemas.microsoft.com/office/powerpoint/2010/main" val="801643110"/>
       </p:ext>
     </p:extLst>
   </p:cSld>
@@ -16435,6 +16596,65 @@
 </file>
 
 <file path=ppt/slides/slide70.xml><?xml version="1.0" encoding="utf-8"?>
+<p:sld xmlns:a="http://schemas.openxmlformats.org/drawingml/2006/main" xmlns:r="http://schemas.openxmlformats.org/officeDocument/2006/relationships" xmlns:p="http://schemas.openxmlformats.org/presentationml/2006/main">
+  <p:cSld>
+    <p:spTree>
+      <p:nvGrpSpPr>
+        <p:cNvPr id="1" name=""/>
+        <p:cNvGrpSpPr/>
+        <p:nvPr/>
+      </p:nvGrpSpPr>
+      <p:grpSpPr>
+        <a:xfrm>
+          <a:off x="0" y="0"/>
+          <a:ext cx="0" cy="0"/>
+          <a:chOff x="0" y="0"/>
+          <a:chExt cx="0" cy="0"/>
+        </a:xfrm>
+      </p:grpSpPr>
+      <p:pic>
+        <p:nvPicPr>
+          <p:cNvPr id="4" name="Content Placeholder 3"/>
+          <p:cNvPicPr>
+            <a:picLocks noGrp="1" noChangeAspect="1"/>
+          </p:cNvPicPr>
+          <p:nvPr>
+            <p:ph idx="1"/>
+          </p:nvPr>
+        </p:nvPicPr>
+        <p:blipFill>
+          <a:blip r:embed="rId2">
+            <a:extLst>
+              <a:ext uri="{28A0092B-C50C-407E-A947-70E740481C1C}">
+                <a14:useLocalDpi xmlns:a14="http://schemas.microsoft.com/office/drawing/2010/main" val="0"/>
+              </a:ext>
+            </a:extLst>
+          </a:blip>
+          <a:stretch>
+            <a:fillRect/>
+          </a:stretch>
+        </p:blipFill>
+        <p:spPr>
+          <a:xfrm>
+            <a:off x="2527122" y="667512"/>
+            <a:ext cx="7143397" cy="5363147"/>
+          </a:xfrm>
+        </p:spPr>
+      </p:pic>
+    </p:spTree>
+    <p:extLst>
+      <p:ext uri="{BB962C8B-B14F-4D97-AF65-F5344CB8AC3E}">
+        <p14:creationId xmlns:p14="http://schemas.microsoft.com/office/powerpoint/2010/main" val="1119810704"/>
+      </p:ext>
+    </p:extLst>
+  </p:cSld>
+  <p:clrMapOvr>
+    <a:masterClrMapping/>
+  </p:clrMapOvr>
+</p:sld>
+</file>
+
+<file path=ppt/slides/slide71.xml><?xml version="1.0" encoding="utf-8"?>
 <p:sld xmlns:a="http://schemas.openxmlformats.org/drawingml/2006/main" xmlns:r="http://schemas.openxmlformats.org/officeDocument/2006/relationships" xmlns:p="http://schemas.openxmlformats.org/presentationml/2006/main">
   <p:cSld>
     <p:spTree>
@@ -16523,7 +16743,7 @@
 </p:sld>
 </file>
 
-<file path=ppt/slides/slide71.xml><?xml version="1.0" encoding="utf-8"?>
+<file path=ppt/slides/slide72.xml><?xml version="1.0" encoding="utf-8"?>
 <p:sld xmlns:a="http://schemas.openxmlformats.org/drawingml/2006/main" xmlns:r="http://schemas.openxmlformats.org/officeDocument/2006/relationships" xmlns:p="http://schemas.openxmlformats.org/presentationml/2006/main">
   <p:cSld>
     <p:spTree>
@@ -16673,7 +16893,7 @@
 </p:sld>
 </file>
 
-<file path=ppt/slides/slide72.xml><?xml version="1.0" encoding="utf-8"?>
+<file path=ppt/slides/slide73.xml><?xml version="1.0" encoding="utf-8"?>
 <p:sld xmlns:a="http://schemas.openxmlformats.org/drawingml/2006/main" xmlns:r="http://schemas.openxmlformats.org/officeDocument/2006/relationships" xmlns:p="http://schemas.openxmlformats.org/presentationml/2006/main">
   <p:cSld>
     <p:spTree>
@@ -16752,7 +16972,7 @@
 </p:sld>
 </file>
 
-<file path=ppt/slides/slide73.xml><?xml version="1.0" encoding="utf-8"?>
+<file path=ppt/slides/slide74.xml><?xml version="1.0" encoding="utf-8"?>
 <p:sld xmlns:a="http://schemas.openxmlformats.org/drawingml/2006/main" xmlns:r="http://schemas.openxmlformats.org/officeDocument/2006/relationships" xmlns:p="http://schemas.openxmlformats.org/presentationml/2006/main">
   <p:cSld>
     <p:spTree>
@@ -16871,7 +17091,7 @@
 </p:sld>
 </file>
 
-<file path=ppt/slides/slide74.xml><?xml version="1.0" encoding="utf-8"?>
+<file path=ppt/slides/slide75.xml><?xml version="1.0" encoding="utf-8"?>
 <p:sld xmlns:a="http://schemas.openxmlformats.org/drawingml/2006/main" xmlns:r="http://schemas.openxmlformats.org/officeDocument/2006/relationships" xmlns:p="http://schemas.openxmlformats.org/presentationml/2006/main">
   <p:cSld>
     <p:spTree>
@@ -17139,7 +17359,7 @@
 </p:sld>
 </file>
 
-<file path=ppt/slides/slide75.xml><?xml version="1.0" encoding="utf-8"?>
+<file path=ppt/slides/slide76.xml><?xml version="1.0" encoding="utf-8"?>
 <p:sld xmlns:a="http://schemas.openxmlformats.org/drawingml/2006/main" xmlns:r="http://schemas.openxmlformats.org/officeDocument/2006/relationships" xmlns:p="http://schemas.openxmlformats.org/presentationml/2006/main">
   <p:cSld>
     <p:spTree>
@@ -17426,7 +17646,7 @@
 </p:sld>
 </file>
 
-<file path=ppt/slides/slide76.xml><?xml version="1.0" encoding="utf-8"?>
+<file path=ppt/slides/slide77.xml><?xml version="1.0" encoding="utf-8"?>
 <p:sld xmlns:a="http://schemas.openxmlformats.org/drawingml/2006/main" xmlns:r="http://schemas.openxmlformats.org/officeDocument/2006/relationships" xmlns:p="http://schemas.openxmlformats.org/presentationml/2006/main">
   <p:cSld>
     <p:spTree>
@@ -17509,7 +17729,7 @@
 </p:sld>
 </file>
 
-<file path=ppt/slides/slide77.xml><?xml version="1.0" encoding="utf-8"?>
+<file path=ppt/slides/slide78.xml><?xml version="1.0" encoding="utf-8"?>
 <p:sld xmlns:a="http://schemas.openxmlformats.org/drawingml/2006/main" xmlns:r="http://schemas.openxmlformats.org/officeDocument/2006/relationships" xmlns:p="http://schemas.openxmlformats.org/presentationml/2006/main">
   <p:cSld>
     <p:spTree>
@@ -17628,7 +17848,7 @@
 </p:sld>
 </file>
 
-<file path=ppt/slides/slide78.xml><?xml version="1.0" encoding="utf-8"?>
+<file path=ppt/slides/slide79.xml><?xml version="1.0" encoding="utf-8"?>
 <p:sld xmlns:a="http://schemas.openxmlformats.org/drawingml/2006/main" xmlns:r="http://schemas.openxmlformats.org/officeDocument/2006/relationships" xmlns:p="http://schemas.openxmlformats.org/presentationml/2006/main">
   <p:cSld>
     <p:spTree>
@@ -17758,7 +17978,86 @@
 </p:sld>
 </file>
 
-<file path=ppt/slides/slide79.xml><?xml version="1.0" encoding="utf-8"?>
+<file path=ppt/slides/slide8.xml><?xml version="1.0" encoding="utf-8"?>
+<p:sld xmlns:a="http://schemas.openxmlformats.org/drawingml/2006/main" xmlns:r="http://schemas.openxmlformats.org/officeDocument/2006/relationships" xmlns:p="http://schemas.openxmlformats.org/presentationml/2006/main">
+  <p:cSld>
+    <p:spTree>
+      <p:nvGrpSpPr>
+        <p:cNvPr id="1" name=""/>
+        <p:cNvGrpSpPr/>
+        <p:nvPr/>
+      </p:nvGrpSpPr>
+      <p:grpSpPr>
+        <a:xfrm>
+          <a:off x="0" y="0"/>
+          <a:ext cx="0" cy="0"/>
+          <a:chOff x="0" y="0"/>
+          <a:chExt cx="0" cy="0"/>
+        </a:xfrm>
+      </p:grpSpPr>
+      <p:sp>
+        <p:nvSpPr>
+          <p:cNvPr id="2" name="Title 1"/>
+          <p:cNvSpPr>
+            <a:spLocks noGrp="1"/>
+          </p:cNvSpPr>
+          <p:nvPr>
+            <p:ph type="title"/>
+          </p:nvPr>
+        </p:nvSpPr>
+        <p:spPr/>
+        <p:txBody>
+          <a:bodyPr/>
+          <a:lstStyle/>
+          <a:p>
+            <a:r>
+              <a:rPr lang="en-US" dirty="0" smtClean="0"/>
+              <a:t>Semantics</a:t>
+            </a:r>
+            <a:endParaRPr lang="en-US" dirty="0"/>
+          </a:p>
+        </p:txBody>
+      </p:sp>
+      <p:sp>
+        <p:nvSpPr>
+          <p:cNvPr id="4" name="Text Placeholder 3"/>
+          <p:cNvSpPr>
+            <a:spLocks noGrp="1"/>
+          </p:cNvSpPr>
+          <p:nvPr>
+            <p:ph type="body" idx="1"/>
+          </p:nvPr>
+        </p:nvSpPr>
+        <p:spPr/>
+        <p:txBody>
+          <a:bodyPr/>
+          <a:lstStyle/>
+          <a:p>
+            <a:endParaRPr lang="en-US"/>
+          </a:p>
+        </p:txBody>
+      </p:sp>
+    </p:spTree>
+    <p:extLst>
+      <p:ext uri="{BB962C8B-B14F-4D97-AF65-F5344CB8AC3E}">
+        <p14:creationId xmlns:p14="http://schemas.microsoft.com/office/powerpoint/2010/main" val="3038641302"/>
+      </p:ext>
+    </p:extLst>
+  </p:cSld>
+  <p:clrMapOvr>
+    <a:masterClrMapping/>
+  </p:clrMapOvr>
+  <p:timing>
+    <p:tnLst>
+      <p:par>
+        <p:cTn id="1" dur="indefinite" restart="never" nodeType="tmRoot"/>
+      </p:par>
+    </p:tnLst>
+  </p:timing>
+</p:sld>
+</file>
+
+<file path=ppt/slides/slide80.xml><?xml version="1.0" encoding="utf-8"?>
 <p:sld xmlns:a="http://schemas.openxmlformats.org/drawingml/2006/main" xmlns:r="http://schemas.openxmlformats.org/officeDocument/2006/relationships" xmlns:p="http://schemas.openxmlformats.org/presentationml/2006/main">
   <p:cSld>
     <p:spTree>
@@ -17917,68 +18216,7 @@
 </p:sld>
 </file>
 
-<file path=ppt/slides/slide8.xml><?xml version="1.0" encoding="utf-8"?>
-<p:sld xmlns:a="http://schemas.openxmlformats.org/drawingml/2006/main" xmlns:r="http://schemas.openxmlformats.org/officeDocument/2006/relationships" xmlns:p="http://schemas.openxmlformats.org/presentationml/2006/main">
-  <p:cSld>
-    <p:spTree>
-      <p:nvGrpSpPr>
-        <p:cNvPr id="1" name=""/>
-        <p:cNvGrpSpPr/>
-        <p:nvPr/>
-      </p:nvGrpSpPr>
-      <p:grpSpPr>
-        <a:xfrm>
-          <a:off x="0" y="0"/>
-          <a:ext cx="0" cy="0"/>
-          <a:chOff x="0" y="0"/>
-          <a:chExt cx="0" cy="0"/>
-        </a:xfrm>
-      </p:grpSpPr>
-      <p:pic>
-        <p:nvPicPr>
-          <p:cNvPr id="5" name="Picture 4"/>
-          <p:cNvPicPr>
-            <a:picLocks noChangeAspect="1"/>
-          </p:cNvPicPr>
-          <p:nvPr/>
-        </p:nvPicPr>
-        <p:blipFill>
-          <a:blip r:embed="rId2"/>
-          <a:stretch>
-            <a:fillRect/>
-          </a:stretch>
-        </p:blipFill>
-        <p:spPr>
-          <a:xfrm>
-            <a:off x="1565410" y="1901771"/>
-            <a:ext cx="9409524" cy="2771429"/>
-          </a:xfrm>
-          <a:prstGeom prst="rect">
-            <a:avLst/>
-          </a:prstGeom>
-        </p:spPr>
-      </p:pic>
-    </p:spTree>
-    <p:extLst>
-      <p:ext uri="{BB962C8B-B14F-4D97-AF65-F5344CB8AC3E}">
-        <p14:creationId xmlns:p14="http://schemas.microsoft.com/office/powerpoint/2010/main" val="2574412267"/>
-      </p:ext>
-    </p:extLst>
-  </p:cSld>
-  <p:clrMapOvr>
-    <a:masterClrMapping/>
-  </p:clrMapOvr>
-  <p:timing>
-    <p:tnLst>
-      <p:par>
-        <p:cTn id="1" dur="indefinite" restart="never" nodeType="tmRoot"/>
-      </p:par>
-    </p:tnLst>
-  </p:timing>
-</p:sld>
-</file>
-
-<file path=ppt/slides/slide80.xml><?xml version="1.0" encoding="utf-8"?>
+<file path=ppt/slides/slide81.xml><?xml version="1.0" encoding="utf-8"?>
 <p:sld xmlns:a="http://schemas.openxmlformats.org/drawingml/2006/main" xmlns:r="http://schemas.openxmlformats.org/officeDocument/2006/relationships" xmlns:p="http://schemas.openxmlformats.org/presentationml/2006/main">
   <p:cSld>
     <p:spTree>
@@ -18374,7 +18612,7 @@
 </p:sld>
 </file>
 
-<file path=ppt/slides/slide81.xml><?xml version="1.0" encoding="utf-8"?>
+<file path=ppt/slides/slide82.xml><?xml version="1.0" encoding="utf-8"?>
 <p:sld xmlns:a="http://schemas.openxmlformats.org/drawingml/2006/main" xmlns:r="http://schemas.openxmlformats.org/officeDocument/2006/relationships" xmlns:p="http://schemas.openxmlformats.org/presentationml/2006/main">
   <p:cSld>
     <p:spTree>
@@ -18661,7 +18899,7 @@
 </p:sld>
 </file>
 
-<file path=ppt/slides/slide82.xml><?xml version="1.0" encoding="utf-8"?>
+<file path=ppt/slides/slide83.xml><?xml version="1.0" encoding="utf-8"?>
 <p:sld xmlns:a="http://schemas.openxmlformats.org/drawingml/2006/main" xmlns:r="http://schemas.openxmlformats.org/officeDocument/2006/relationships" xmlns:p="http://schemas.openxmlformats.org/presentationml/2006/main">
   <p:cSld>
     <p:spTree>
@@ -18954,7 +19192,7 @@
 </p:sld>
 </file>
 
-<file path=ppt/slides/slide83.xml><?xml version="1.0" encoding="utf-8"?>
+<file path=ppt/slides/slide84.xml><?xml version="1.0" encoding="utf-8"?>
 <p:sld xmlns:a="http://schemas.openxmlformats.org/drawingml/2006/main" xmlns:r="http://schemas.openxmlformats.org/officeDocument/2006/relationships" xmlns:p="http://schemas.openxmlformats.org/presentationml/2006/main">
   <p:cSld>
     <p:spTree>
@@ -19037,7 +19275,7 @@
 </p:sld>
 </file>
 
-<file path=ppt/slides/slide84.xml><?xml version="1.0" encoding="utf-8"?>
+<file path=ppt/slides/slide85.xml><?xml version="1.0" encoding="utf-8"?>
 <p:sld xmlns:a="http://schemas.openxmlformats.org/drawingml/2006/main" xmlns:r="http://schemas.openxmlformats.org/officeDocument/2006/relationships" xmlns:p="http://schemas.openxmlformats.org/presentationml/2006/main">
   <p:cSld>
     <p:spTree>
@@ -19116,7 +19354,7 @@
 </p:sld>
 </file>
 
-<file path=ppt/slides/slide85.xml><?xml version="1.0" encoding="utf-8"?>
+<file path=ppt/slides/slide86.xml><?xml version="1.0" encoding="utf-8"?>
 <p:sld xmlns:a="http://schemas.openxmlformats.org/drawingml/2006/main" xmlns:r="http://schemas.openxmlformats.org/officeDocument/2006/relationships" xmlns:p="http://schemas.openxmlformats.org/presentationml/2006/main">
   <p:cSld>
     <p:spTree>
@@ -19270,7 +19508,7 @@
 </p:sld>
 </file>
 
-<file path=ppt/slides/slide86.xml><?xml version="1.0" encoding="utf-8"?>
+<file path=ppt/slides/slide87.xml><?xml version="1.0" encoding="utf-8"?>
 <p:sld xmlns:a="http://schemas.openxmlformats.org/drawingml/2006/main" xmlns:r="http://schemas.openxmlformats.org/officeDocument/2006/relationships" xmlns:p="http://schemas.openxmlformats.org/presentationml/2006/main">
   <p:cSld>
     <p:spTree>
@@ -19431,7 +19669,7 @@
 </p:sld>
 </file>
 
-<file path=ppt/slides/slide87.xml><?xml version="1.0" encoding="utf-8"?>
+<file path=ppt/slides/slide88.xml><?xml version="1.0" encoding="utf-8"?>
 <p:sld xmlns:a="http://schemas.openxmlformats.org/drawingml/2006/main" xmlns:r="http://schemas.openxmlformats.org/officeDocument/2006/relationships" xmlns:p="http://schemas.openxmlformats.org/presentationml/2006/main">
   <p:cSld>
     <p:spTree>
@@ -19482,7 +19720,7 @@
           </p:nvPr>
         </p:nvPicPr>
         <p:blipFill>
-          <a:blip r:embed="rId2">
+          <a:blip r:embed="rId3">
             <a:extLst>
               <a:ext uri="{28A0092B-C50C-407E-A947-70E740481C1C}">
                 <a14:useLocalDpi xmlns:a14="http://schemas.microsoft.com/office/drawing/2010/main" val="0"/>
@@ -19509,7 +19747,7 @@
           <p:nvPr/>
         </p:nvPicPr>
         <p:blipFill>
-          <a:blip r:embed="rId3">
+          <a:blip r:embed="rId4">
             <a:extLst>
               <a:ext uri="{28A0092B-C50C-407E-A947-70E740481C1C}">
                 <a14:useLocalDpi xmlns:a14="http://schemas.microsoft.com/office/drawing/2010/main" val="0"/>
@@ -19550,7 +19788,7 @@
 </p:sld>
 </file>
 
-<file path=ppt/slides/slide88.xml><?xml version="1.0" encoding="utf-8"?>
+<file path=ppt/slides/slide89.xml><?xml version="1.0" encoding="utf-8"?>
 <p:sld xmlns:a="http://schemas.openxmlformats.org/drawingml/2006/main" xmlns:r="http://schemas.openxmlformats.org/officeDocument/2006/relationships" xmlns:p="http://schemas.openxmlformats.org/presentationml/2006/main">
   <p:cSld>
     <p:spTree>
@@ -19633,7 +19871,83 @@
 </p:sld>
 </file>
 
-<file path=ppt/slides/slide89.xml><?xml version="1.0" encoding="utf-8"?>
+<file path=ppt/slides/slide9.xml><?xml version="1.0" encoding="utf-8"?>
+<p:sld xmlns:a="http://schemas.openxmlformats.org/drawingml/2006/main" xmlns:r="http://schemas.openxmlformats.org/officeDocument/2006/relationships" xmlns:p="http://schemas.openxmlformats.org/presentationml/2006/main">
+  <p:cSld>
+    <p:spTree>
+      <p:nvGrpSpPr>
+        <p:cNvPr id="1" name=""/>
+        <p:cNvGrpSpPr/>
+        <p:nvPr/>
+      </p:nvGrpSpPr>
+      <p:grpSpPr>
+        <a:xfrm>
+          <a:off x="0" y="0"/>
+          <a:ext cx="0" cy="0"/>
+          <a:chOff x="0" y="0"/>
+          <a:chExt cx="0" cy="0"/>
+        </a:xfrm>
+      </p:grpSpPr>
+      <p:sp>
+        <p:nvSpPr>
+          <p:cNvPr id="2" name="Title 1"/>
+          <p:cNvSpPr>
+            <a:spLocks noGrp="1"/>
+          </p:cNvSpPr>
+          <p:nvPr>
+            <p:ph type="ctrTitle"/>
+          </p:nvPr>
+        </p:nvSpPr>
+        <p:spPr/>
+        <p:txBody>
+          <a:bodyPr/>
+          <a:lstStyle/>
+          <a:p>
+            <a:r>
+              <a:rPr lang="en-US" dirty="0" smtClean="0"/>
+              <a:t>New Tag!</a:t>
+            </a:r>
+            <a:endParaRPr lang="en-US" dirty="0"/>
+          </a:p>
+        </p:txBody>
+      </p:sp>
+      <p:sp>
+        <p:nvSpPr>
+          <p:cNvPr id="3" name="Subtitle 2"/>
+          <p:cNvSpPr>
+            <a:spLocks noGrp="1"/>
+          </p:cNvSpPr>
+          <p:nvPr>
+            <p:ph type="subTitle" idx="1"/>
+          </p:nvPr>
+        </p:nvSpPr>
+        <p:spPr/>
+        <p:txBody>
+          <a:bodyPr/>
+          <a:lstStyle/>
+          <a:p>
+            <a:r>
+              <a:rPr lang="en-US" dirty="0" smtClean="0"/>
+              <a:t>(meh)</a:t>
+            </a:r>
+            <a:endParaRPr lang="en-US" dirty="0"/>
+          </a:p>
+        </p:txBody>
+      </p:sp>
+    </p:spTree>
+    <p:extLst>
+      <p:ext uri="{BB962C8B-B14F-4D97-AF65-F5344CB8AC3E}">
+        <p14:creationId xmlns:p14="http://schemas.microsoft.com/office/powerpoint/2010/main" val="2044548987"/>
+      </p:ext>
+    </p:extLst>
+  </p:cSld>
+  <p:clrMapOvr>
+    <a:masterClrMapping/>
+  </p:clrMapOvr>
+</p:sld>
+</file>
+
+<file path=ppt/slides/slide90.xml><?xml version="1.0" encoding="utf-8"?>
 <p:sld xmlns:a="http://schemas.openxmlformats.org/drawingml/2006/main" xmlns:r="http://schemas.openxmlformats.org/officeDocument/2006/relationships" xmlns:p="http://schemas.openxmlformats.org/presentationml/2006/main">
   <p:cSld>
     <p:spTree>
@@ -19761,83 +20075,7 @@
 </p:sld>
 </file>
 
-<file path=ppt/slides/slide9.xml><?xml version="1.0" encoding="utf-8"?>
-<p:sld xmlns:a="http://schemas.openxmlformats.org/drawingml/2006/main" xmlns:r="http://schemas.openxmlformats.org/officeDocument/2006/relationships" xmlns:p="http://schemas.openxmlformats.org/presentationml/2006/main">
-  <p:cSld>
-    <p:spTree>
-      <p:nvGrpSpPr>
-        <p:cNvPr id="1" name=""/>
-        <p:cNvGrpSpPr/>
-        <p:nvPr/>
-      </p:nvGrpSpPr>
-      <p:grpSpPr>
-        <a:xfrm>
-          <a:off x="0" y="0"/>
-          <a:ext cx="0" cy="0"/>
-          <a:chOff x="0" y="0"/>
-          <a:chExt cx="0" cy="0"/>
-        </a:xfrm>
-      </p:grpSpPr>
-      <p:sp>
-        <p:nvSpPr>
-          <p:cNvPr id="2" name="Title 1"/>
-          <p:cNvSpPr>
-            <a:spLocks noGrp="1"/>
-          </p:cNvSpPr>
-          <p:nvPr>
-            <p:ph type="ctrTitle"/>
-          </p:nvPr>
-        </p:nvSpPr>
-        <p:spPr/>
-        <p:txBody>
-          <a:bodyPr/>
-          <a:lstStyle/>
-          <a:p>
-            <a:r>
-              <a:rPr lang="en-US" dirty="0" smtClean="0"/>
-              <a:t>New Tag!</a:t>
-            </a:r>
-            <a:endParaRPr lang="en-US" dirty="0"/>
-          </a:p>
-        </p:txBody>
-      </p:sp>
-      <p:sp>
-        <p:nvSpPr>
-          <p:cNvPr id="3" name="Subtitle 2"/>
-          <p:cNvSpPr>
-            <a:spLocks noGrp="1"/>
-          </p:cNvSpPr>
-          <p:nvPr>
-            <p:ph type="subTitle" idx="1"/>
-          </p:nvPr>
-        </p:nvSpPr>
-        <p:spPr/>
-        <p:txBody>
-          <a:bodyPr/>
-          <a:lstStyle/>
-          <a:p>
-            <a:r>
-              <a:rPr lang="en-US" dirty="0" smtClean="0"/>
-              <a:t>(meh)</a:t>
-            </a:r>
-            <a:endParaRPr lang="en-US" dirty="0"/>
-          </a:p>
-        </p:txBody>
-      </p:sp>
-    </p:spTree>
-    <p:extLst>
-      <p:ext uri="{BB962C8B-B14F-4D97-AF65-F5344CB8AC3E}">
-        <p14:creationId xmlns:p14="http://schemas.microsoft.com/office/powerpoint/2010/main" val="2044548987"/>
-      </p:ext>
-    </p:extLst>
-  </p:cSld>
-  <p:clrMapOvr>
-    <a:masterClrMapping/>
-  </p:clrMapOvr>
-</p:sld>
-</file>
-
-<file path=ppt/slides/slide90.xml><?xml version="1.0" encoding="utf-8"?>
+<file path=ppt/slides/slide91.xml><?xml version="1.0" encoding="utf-8"?>
 <p:sld xmlns:a="http://schemas.openxmlformats.org/drawingml/2006/main" xmlns:r="http://schemas.openxmlformats.org/officeDocument/2006/relationships" xmlns:p="http://schemas.openxmlformats.org/presentationml/2006/main">
   <p:cSld>
     <p:spTree>
@@ -19916,7 +20154,7 @@
 </p:sld>
 </file>
 
-<file path=ppt/slides/slide91.xml><?xml version="1.0" encoding="utf-8"?>
+<file path=ppt/slides/slide92.xml><?xml version="1.0" encoding="utf-8"?>
 <p:sld xmlns:a="http://schemas.openxmlformats.org/drawingml/2006/main" xmlns:r="http://schemas.openxmlformats.org/officeDocument/2006/relationships" xmlns:p="http://schemas.openxmlformats.org/presentationml/2006/main">
   <p:cSld>
     <p:spTree>
@@ -20018,7 +20256,7 @@
 </p:sld>
 </file>
 
-<file path=ppt/slides/slide92.xml><?xml version="1.0" encoding="utf-8"?>
+<file path=ppt/slides/slide93.xml><?xml version="1.0" encoding="utf-8"?>
 <p:sld xmlns:a="http://schemas.openxmlformats.org/drawingml/2006/main" xmlns:r="http://schemas.openxmlformats.org/officeDocument/2006/relationships" xmlns:p="http://schemas.openxmlformats.org/presentationml/2006/main">
   <p:cSld>
     <p:spTree>
@@ -20124,130 +20362,6 @@
 </p:sld>
 </file>
 
-<file path=ppt/slides/slide93.xml><?xml version="1.0" encoding="utf-8"?>
-<p:sld xmlns:a="http://schemas.openxmlformats.org/drawingml/2006/main" xmlns:r="http://schemas.openxmlformats.org/officeDocument/2006/relationships" xmlns:p="http://schemas.openxmlformats.org/presentationml/2006/main">
-  <p:cSld>
-    <p:spTree>
-      <p:nvGrpSpPr>
-        <p:cNvPr id="1" name=""/>
-        <p:cNvGrpSpPr/>
-        <p:nvPr/>
-      </p:nvGrpSpPr>
-      <p:grpSpPr>
-        <a:xfrm>
-          <a:off x="0" y="0"/>
-          <a:ext cx="0" cy="0"/>
-          <a:chOff x="0" y="0"/>
-          <a:chExt cx="0" cy="0"/>
-        </a:xfrm>
-      </p:grpSpPr>
-      <p:sp>
-        <p:nvSpPr>
-          <p:cNvPr id="2" name="Title 1"/>
-          <p:cNvSpPr>
-            <a:spLocks noGrp="1"/>
-          </p:cNvSpPr>
-          <p:nvPr>
-            <p:ph type="title"/>
-          </p:nvPr>
-        </p:nvSpPr>
-        <p:spPr/>
-        <p:txBody>
-          <a:bodyPr/>
-          <a:lstStyle/>
-          <a:p>
-            <a:r>
-              <a:rPr lang="en-US" dirty="0" smtClean="0"/>
-              <a:t>Background</a:t>
-            </a:r>
-            <a:endParaRPr lang="en-US" dirty="0"/>
-          </a:p>
-        </p:txBody>
-      </p:sp>
-      <p:sp>
-        <p:nvSpPr>
-          <p:cNvPr id="3" name="Content Placeholder 2"/>
-          <p:cNvSpPr>
-            <a:spLocks noGrp="1"/>
-          </p:cNvSpPr>
-          <p:nvPr>
-            <p:ph idx="1"/>
-          </p:nvPr>
-        </p:nvSpPr>
-        <p:spPr/>
-        <p:txBody>
-          <a:bodyPr/>
-          <a:lstStyle/>
-          <a:p>
-            <a:r>
-              <a:rPr lang="en-US" dirty="0" smtClean="0"/>
-              <a:t>Resize background image</a:t>
-            </a:r>
-            <a:br>
-              <a:rPr lang="en-US" dirty="0" smtClean="0"/>
-            </a:br>
-            <a:r>
-              <a:rPr lang="en-US" dirty="0" smtClean="0"/>
-              <a:t/>
-            </a:r>
-            <a:br>
-              <a:rPr lang="en-US" dirty="0" smtClean="0"/>
-            </a:br>
-            <a:r>
-              <a:rPr lang="en-US" dirty="0" smtClean="0">
-                <a:latin typeface="+mj-lt"/>
-              </a:rPr>
-              <a:t>	background-size: 100% 100%;</a:t>
-            </a:r>
-            <a:r>
-              <a:rPr lang="en-US" dirty="0" smtClean="0"/>
-              <a:t/>
-            </a:r>
-            <a:br>
-              <a:rPr lang="en-US" dirty="0" smtClean="0"/>
-            </a:br>
-            <a:endParaRPr lang="en-US" dirty="0" smtClean="0"/>
-          </a:p>
-          <a:p>
-            <a:r>
-              <a:rPr lang="en-US" dirty="0" smtClean="0"/>
-              <a:t>Multiple background on a single element</a:t>
-            </a:r>
-            <a:br>
-              <a:rPr lang="en-US" dirty="0" smtClean="0"/>
-            </a:br>
-            <a:r>
-              <a:rPr lang="en-US" dirty="0" smtClean="0"/>
-              <a:t/>
-            </a:r>
-            <a:br>
-              <a:rPr lang="en-US" dirty="0" smtClean="0"/>
-            </a:br>
-            <a:r>
-              <a:rPr lang="en-US" dirty="0" smtClean="0">
-                <a:latin typeface="+mj-lt"/>
-              </a:rPr>
-              <a:t>	background: url(‘bg1.png’), url(‘bg2.png’);</a:t>
-            </a:r>
-            <a:endParaRPr lang="en-US" dirty="0">
-              <a:latin typeface="+mj-lt"/>
-            </a:endParaRPr>
-          </a:p>
-        </p:txBody>
-      </p:sp>
-    </p:spTree>
-    <p:extLst>
-      <p:ext uri="{BB962C8B-B14F-4D97-AF65-F5344CB8AC3E}">
-        <p14:creationId xmlns:p14="http://schemas.microsoft.com/office/powerpoint/2010/main" val="1488346178"/>
-      </p:ext>
-    </p:extLst>
-  </p:cSld>
-  <p:clrMapOvr>
-    <a:masterClrMapping/>
-  </p:clrMapOvr>
-</p:sld>
-</file>
-
 <file path=ppt/slides/slide94.xml><?xml version="1.0" encoding="utf-8"?>
 <p:sld xmlns:a="http://schemas.openxmlformats.org/drawingml/2006/main" xmlns:r="http://schemas.openxmlformats.org/officeDocument/2006/relationships" xmlns:p="http://schemas.openxmlformats.org/presentationml/2006/main">
   <p:cSld>
@@ -20282,7 +20396,7 @@
           <a:p>
             <a:r>
               <a:rPr lang="en-US" dirty="0" smtClean="0"/>
-              <a:t>Border effect</a:t>
+              <a:t>Background</a:t>
             </a:r>
             <a:endParaRPr lang="en-US" dirty="0"/>
           </a:p>
@@ -20305,60 +20419,64 @@
           <a:p>
             <a:r>
               <a:rPr lang="en-US" dirty="0" smtClean="0"/>
-              <a:t>Round corner</a:t>
+              <a:t>Resize background image</a:t>
             </a:r>
             <a:br>
               <a:rPr lang="en-US" dirty="0" smtClean="0"/>
             </a:br>
             <a:r>
               <a:rPr lang="en-US" dirty="0" smtClean="0"/>
-              <a:t>	border-radius: 5px;</a:t>
-            </a:r>
-          </a:p>
-          <a:p>
-            <a:endParaRPr lang="en-US" dirty="0"/>
-          </a:p>
-          <a:p>
-            <a:r>
-              <a:rPr lang="en-US" dirty="0" smtClean="0"/>
-              <a:t>3D effect</a:t>
+              <a:t/>
             </a:r>
             <a:br>
               <a:rPr lang="en-US" dirty="0" smtClean="0"/>
             </a:br>
             <a:r>
-              <a:rPr lang="en-US" dirty="0" smtClean="0"/>
-              <a:t>	box-shadow: &lt;x offset&gt; &lt;y  offset&gt; &lt;blur spread&gt; &lt;color&gt;;</a:t>
-            </a:r>
-          </a:p>
-          <a:p>
-            <a:endParaRPr lang="en-US" dirty="0"/>
-          </a:p>
-          <a:p>
-            <a:r>
-              <a:rPr lang="en-US" dirty="0" smtClean="0"/>
-              <a:t>Border image</a:t>
+              <a:rPr lang="en-US" dirty="0" smtClean="0">
+                <a:latin typeface="+mj-lt"/>
+              </a:rPr>
+              <a:t>	background-size: 100% 100%;</a:t>
+            </a:r>
+            <a:r>
+              <a:rPr lang="en-US" dirty="0" smtClean="0"/>
+              <a:t/>
             </a:r>
             <a:br>
               <a:rPr lang="en-US" dirty="0" smtClean="0"/>
             </a:br>
-            <a:r>
-              <a:rPr lang="en-US" dirty="0" smtClean="0"/>
-              <a:t>	border-image: &lt;image&gt; &lt;border area size&gt; &lt;repeatness&gt;</a:t>
-            </a:r>
-          </a:p>
-          <a:p>
-            <a:endParaRPr lang="en-US" dirty="0"/>
-          </a:p>
-          <a:p>
-            <a:endParaRPr lang="en-US" dirty="0"/>
+            <a:endParaRPr lang="en-US" dirty="0" smtClean="0"/>
+          </a:p>
+          <a:p>
+            <a:r>
+              <a:rPr lang="en-US" dirty="0" smtClean="0"/>
+              <a:t>Multiple background on a single element</a:t>
+            </a:r>
+            <a:br>
+              <a:rPr lang="en-US" dirty="0" smtClean="0"/>
+            </a:br>
+            <a:r>
+              <a:rPr lang="en-US" dirty="0" smtClean="0"/>
+              <a:t/>
+            </a:r>
+            <a:br>
+              <a:rPr lang="en-US" dirty="0" smtClean="0"/>
+            </a:br>
+            <a:r>
+              <a:rPr lang="en-US" dirty="0" smtClean="0">
+                <a:latin typeface="+mj-lt"/>
+              </a:rPr>
+              <a:t>	background: url(‘bg1.png’), url(‘bg2.png’);</a:t>
+            </a:r>
+            <a:endParaRPr lang="en-US" dirty="0">
+              <a:latin typeface="+mj-lt"/>
+            </a:endParaRPr>
           </a:p>
         </p:txBody>
       </p:sp>
     </p:spTree>
     <p:extLst>
       <p:ext uri="{BB962C8B-B14F-4D97-AF65-F5344CB8AC3E}">
-        <p14:creationId xmlns:p14="http://schemas.microsoft.com/office/powerpoint/2010/main" val="3078232596"/>
+        <p14:creationId xmlns:p14="http://schemas.microsoft.com/office/powerpoint/2010/main" val="1488346178"/>
       </p:ext>
     </p:extLst>
   </p:cSld>
@@ -20402,7 +20520,7 @@
           <a:p>
             <a:r>
               <a:rPr lang="en-US" dirty="0" smtClean="0"/>
-              <a:t>Text effect</a:t>
+              <a:t>Border effect</a:t>
             </a:r>
             <a:endParaRPr lang="en-US" dirty="0"/>
           </a:p>
@@ -20425,14 +20543,14 @@
           <a:p>
             <a:r>
               <a:rPr lang="en-US" dirty="0" smtClean="0"/>
-              <a:t>Text shadow</a:t>
+              <a:t>Round corner</a:t>
             </a:r>
             <a:br>
               <a:rPr lang="en-US" dirty="0" smtClean="0"/>
             </a:br>
             <a:r>
               <a:rPr lang="en-US" dirty="0" smtClean="0"/>
-              <a:t>	text-shadow: &lt;x offset&gt; &lt;y offset&gt; &lt;blur&gt; &lt;color&gt;;</a:t>
+              <a:t>	border-radius: 5px;</a:t>
             </a:r>
           </a:p>
           <a:p>
@@ -20441,22 +20559,44 @@
           <a:p>
             <a:r>
               <a:rPr lang="en-US" dirty="0" smtClean="0"/>
-              <a:t>Word wrap</a:t>
+              <a:t>3D effect</a:t>
             </a:r>
             <a:br>
               <a:rPr lang="en-US" dirty="0" smtClean="0"/>
             </a:br>
             <a:r>
               <a:rPr lang="en-US" dirty="0" smtClean="0"/>
-              <a:t>	word-wrap: break-word;</a:t>
-            </a:r>
+              <a:t>	box-shadow: &lt;x offset&gt; &lt;y  offset&gt; &lt;blur spread&gt; &lt;color&gt;;</a:t>
+            </a:r>
+          </a:p>
+          <a:p>
+            <a:endParaRPr lang="en-US" dirty="0"/>
+          </a:p>
+          <a:p>
+            <a:r>
+              <a:rPr lang="en-US" dirty="0" smtClean="0"/>
+              <a:t>Border image</a:t>
+            </a:r>
+            <a:br>
+              <a:rPr lang="en-US" dirty="0" smtClean="0"/>
+            </a:br>
+            <a:r>
+              <a:rPr lang="en-US" dirty="0" smtClean="0"/>
+              <a:t>	border-image: &lt;image&gt; &lt;border area size&gt; &lt;repeatness&gt;</a:t>
+            </a:r>
+          </a:p>
+          <a:p>
+            <a:endParaRPr lang="en-US" dirty="0"/>
+          </a:p>
+          <a:p>
+            <a:endParaRPr lang="en-US" dirty="0"/>
           </a:p>
         </p:txBody>
       </p:sp>
     </p:spTree>
     <p:extLst>
       <p:ext uri="{BB962C8B-B14F-4D97-AF65-F5344CB8AC3E}">
-        <p14:creationId xmlns:p14="http://schemas.microsoft.com/office/powerpoint/2010/main" val="2891598421"/>
+        <p14:creationId xmlns:p14="http://schemas.microsoft.com/office/powerpoint/2010/main" val="3078232596"/>
       </p:ext>
     </p:extLst>
   </p:cSld>
@@ -20500,7 +20640,7 @@
           <a:p>
             <a:r>
               <a:rPr lang="en-US" dirty="0" smtClean="0"/>
-              <a:t>2D/3D transform</a:t>
+              <a:t>Text effect</a:t>
             </a:r>
             <a:endParaRPr lang="en-US" dirty="0"/>
           </a:p>
@@ -20513,97 +20653,48 @@
             <a:spLocks noGrp="1"/>
           </p:cNvSpPr>
           <p:nvPr>
-            <p:ph sz="half" idx="1"/>
-          </p:nvPr>
-        </p:nvSpPr>
-        <p:spPr/>
-        <p:txBody>
-          <a:bodyPr/>
-          <a:lstStyle/>
-          <a:p>
-            <a:r>
-              <a:rPr lang="en-US" dirty="0" smtClean="0"/>
-              <a:t>translate(x, y) </a:t>
-            </a:r>
-          </a:p>
-          <a:p>
-            <a:r>
-              <a:rPr lang="en-US" dirty="0" smtClean="0"/>
-              <a:t>rotate(angle) </a:t>
-            </a:r>
-          </a:p>
-          <a:p>
-            <a:r>
-              <a:rPr lang="en-US" dirty="0" smtClean="0"/>
-              <a:t>scale(x-axis, y-axis)</a:t>
-            </a:r>
-          </a:p>
-          <a:p>
-            <a:r>
-              <a:rPr lang="en-US" dirty="0" smtClean="0"/>
-              <a:t>skew(x-angle, y-angle)</a:t>
-            </a:r>
-          </a:p>
-          <a:p>
-            <a:r>
-              <a:rPr lang="en-US" dirty="0" smtClean="0"/>
-              <a:t>matrix(n,n,n,n,n,n)</a:t>
-            </a:r>
+            <p:ph idx="1"/>
+          </p:nvPr>
+        </p:nvSpPr>
+        <p:spPr/>
+        <p:txBody>
+          <a:bodyPr/>
+          <a:lstStyle/>
+          <a:p>
+            <a:r>
+              <a:rPr lang="en-US" dirty="0" smtClean="0"/>
+              <a:t>Text shadow</a:t>
+            </a:r>
+            <a:br>
+              <a:rPr lang="en-US" dirty="0" smtClean="0"/>
+            </a:br>
+            <a:r>
+              <a:rPr lang="en-US" dirty="0" smtClean="0"/>
+              <a:t>	text-shadow: &lt;x offset&gt; &lt;y offset&gt; &lt;blur&gt; &lt;color&gt;;</a:t>
+            </a:r>
+          </a:p>
+          <a:p>
             <a:endParaRPr lang="en-US" dirty="0"/>
           </a:p>
-        </p:txBody>
-      </p:sp>
-      <p:sp>
-        <p:nvSpPr>
-          <p:cNvPr id="4" name="Content Placeholder 3"/>
-          <p:cNvSpPr>
-            <a:spLocks noGrp="1"/>
-          </p:cNvSpPr>
-          <p:nvPr>
-            <p:ph sz="half" idx="2"/>
-          </p:nvPr>
-        </p:nvSpPr>
-        <p:spPr/>
-        <p:txBody>
-          <a:bodyPr/>
-          <a:lstStyle/>
-          <a:p>
-            <a:r>
-              <a:rPr lang="en-US" dirty="0" smtClean="0"/>
-              <a:t>translate3d(x, y, z)</a:t>
-            </a:r>
-          </a:p>
-          <a:p>
-            <a:r>
-              <a:rPr lang="en-US" dirty="0" smtClean="0"/>
-              <a:t>rotate3d(x, y, z, angle)</a:t>
-            </a:r>
-          </a:p>
-          <a:p>
-            <a:r>
-              <a:rPr lang="en-US" dirty="0" smtClean="0"/>
-              <a:t>scale3d(x, y, z)</a:t>
-            </a:r>
-          </a:p>
-          <a:p>
-            <a:r>
-              <a:rPr lang="en-US" dirty="0" smtClean="0"/>
-              <a:t>perspective(n)</a:t>
-            </a:r>
-          </a:p>
-          <a:p>
-            <a:r>
-              <a:rPr lang="en-US" dirty="0" smtClean="0"/>
-              <a:t>matrix3d(n,... &lt;16&gt; )</a:t>
-            </a:r>
-            <a:endParaRPr lang="en-US" dirty="0"/>
+          <a:p>
+            <a:r>
+              <a:rPr lang="en-US" dirty="0" smtClean="0"/>
+              <a:t>Word wrap</a:t>
+            </a:r>
+            <a:br>
+              <a:rPr lang="en-US" dirty="0" smtClean="0"/>
+            </a:br>
+            <a:r>
+              <a:rPr lang="en-US" dirty="0" smtClean="0"/>
+              <a:t>	word-wrap: break-word;</a:t>
+            </a:r>
           </a:p>
         </p:txBody>
       </p:sp>
     </p:spTree>
     <p:extLst>
       <p:ext uri="{BB962C8B-B14F-4D97-AF65-F5344CB8AC3E}">
-        <p14:creationId xmlns:p14="http://schemas.microsoft.com/office/powerpoint/2010/main" val="2145390930"/>
+        <p14:creationId xmlns:p14="http://schemas.microsoft.com/office/powerpoint/2010/main" val="2891598421"/>
       </p:ext>
     </p:extLst>
   </p:cSld>
@@ -20647,6 +20738,153 @@
           <a:p>
             <a:r>
               <a:rPr lang="en-US" dirty="0" smtClean="0"/>
+              <a:t>2D/3D transform</a:t>
+            </a:r>
+            <a:endParaRPr lang="en-US" dirty="0"/>
+          </a:p>
+        </p:txBody>
+      </p:sp>
+      <p:sp>
+        <p:nvSpPr>
+          <p:cNvPr id="3" name="Content Placeholder 2"/>
+          <p:cNvSpPr>
+            <a:spLocks noGrp="1"/>
+          </p:cNvSpPr>
+          <p:nvPr>
+            <p:ph sz="half" idx="1"/>
+          </p:nvPr>
+        </p:nvSpPr>
+        <p:spPr/>
+        <p:txBody>
+          <a:bodyPr/>
+          <a:lstStyle/>
+          <a:p>
+            <a:r>
+              <a:rPr lang="en-US" dirty="0" smtClean="0"/>
+              <a:t>translate(x, y) </a:t>
+            </a:r>
+          </a:p>
+          <a:p>
+            <a:r>
+              <a:rPr lang="en-US" dirty="0" smtClean="0"/>
+              <a:t>rotate(angle) </a:t>
+            </a:r>
+          </a:p>
+          <a:p>
+            <a:r>
+              <a:rPr lang="en-US" dirty="0" smtClean="0"/>
+              <a:t>scale(x-axis, y-axis)</a:t>
+            </a:r>
+          </a:p>
+          <a:p>
+            <a:r>
+              <a:rPr lang="en-US" dirty="0" smtClean="0"/>
+              <a:t>skew(x-angle, y-angle)</a:t>
+            </a:r>
+          </a:p>
+          <a:p>
+            <a:r>
+              <a:rPr lang="en-US" dirty="0" smtClean="0"/>
+              <a:t>matrix(n,n,n,n,n,n)</a:t>
+            </a:r>
+            <a:endParaRPr lang="en-US" dirty="0"/>
+          </a:p>
+        </p:txBody>
+      </p:sp>
+      <p:sp>
+        <p:nvSpPr>
+          <p:cNvPr id="4" name="Content Placeholder 3"/>
+          <p:cNvSpPr>
+            <a:spLocks noGrp="1"/>
+          </p:cNvSpPr>
+          <p:nvPr>
+            <p:ph sz="half" idx="2"/>
+          </p:nvPr>
+        </p:nvSpPr>
+        <p:spPr/>
+        <p:txBody>
+          <a:bodyPr/>
+          <a:lstStyle/>
+          <a:p>
+            <a:r>
+              <a:rPr lang="en-US" dirty="0" smtClean="0"/>
+              <a:t>translate3d(x, y, z)</a:t>
+            </a:r>
+          </a:p>
+          <a:p>
+            <a:r>
+              <a:rPr lang="en-US" dirty="0" smtClean="0"/>
+              <a:t>rotate3d(x, y, z, angle)</a:t>
+            </a:r>
+          </a:p>
+          <a:p>
+            <a:r>
+              <a:rPr lang="en-US" dirty="0" smtClean="0"/>
+              <a:t>scale3d(x, y, z)</a:t>
+            </a:r>
+          </a:p>
+          <a:p>
+            <a:r>
+              <a:rPr lang="en-US" dirty="0" smtClean="0"/>
+              <a:t>perspective(n)</a:t>
+            </a:r>
+          </a:p>
+          <a:p>
+            <a:r>
+              <a:rPr lang="en-US" dirty="0" smtClean="0"/>
+              <a:t>matrix3d(n,... &lt;16&gt; )</a:t>
+            </a:r>
+            <a:endParaRPr lang="en-US" dirty="0"/>
+          </a:p>
+        </p:txBody>
+      </p:sp>
+    </p:spTree>
+    <p:extLst>
+      <p:ext uri="{BB962C8B-B14F-4D97-AF65-F5344CB8AC3E}">
+        <p14:creationId xmlns:p14="http://schemas.microsoft.com/office/powerpoint/2010/main" val="2145390930"/>
+      </p:ext>
+    </p:extLst>
+  </p:cSld>
+  <p:clrMapOvr>
+    <a:masterClrMapping/>
+  </p:clrMapOvr>
+</p:sld>
+</file>
+
+<file path=ppt/slides/slide98.xml><?xml version="1.0" encoding="utf-8"?>
+<p:sld xmlns:a="http://schemas.openxmlformats.org/drawingml/2006/main" xmlns:r="http://schemas.openxmlformats.org/officeDocument/2006/relationships" xmlns:p="http://schemas.openxmlformats.org/presentationml/2006/main">
+  <p:cSld>
+    <p:spTree>
+      <p:nvGrpSpPr>
+        <p:cNvPr id="1" name=""/>
+        <p:cNvGrpSpPr/>
+        <p:nvPr/>
+      </p:nvGrpSpPr>
+      <p:grpSpPr>
+        <a:xfrm>
+          <a:off x="0" y="0"/>
+          <a:ext cx="0" cy="0"/>
+          <a:chOff x="0" y="0"/>
+          <a:chExt cx="0" cy="0"/>
+        </a:xfrm>
+      </p:grpSpPr>
+      <p:sp>
+        <p:nvSpPr>
+          <p:cNvPr id="2" name="Title 1"/>
+          <p:cNvSpPr>
+            <a:spLocks noGrp="1"/>
+          </p:cNvSpPr>
+          <p:nvPr>
+            <p:ph type="title"/>
+          </p:nvPr>
+        </p:nvSpPr>
+        <p:spPr/>
+        <p:txBody>
+          <a:bodyPr/>
+          <a:lstStyle/>
+          <a:p>
+            <a:r>
+              <a:rPr lang="en-US" dirty="0" smtClean="0"/>
               <a:t>Animation</a:t>
             </a:r>
             <a:endParaRPr lang="en-US" dirty="0"/>
@@ -20783,7 +21021,7 @@
 </p:sld>
 </file>
 
-<file path=ppt/slides/slide98.xml><?xml version="1.0" encoding="utf-8"?>
+<file path=ppt/slides/slide99.xml><?xml version="1.0" encoding="utf-8"?>
 <p:sld xmlns:a="http://schemas.openxmlformats.org/drawingml/2006/main" xmlns:r="http://schemas.openxmlformats.org/officeDocument/2006/relationships" xmlns:p="http://schemas.openxmlformats.org/presentationml/2006/main">
   <p:cSld>
     <p:spTree>
@@ -20882,130 +21120,6 @@
   <p:clrMapOvr>
     <a:masterClrMapping/>
   </p:clrMapOvr>
-</p:sld>
-</file>
-
-<file path=ppt/slides/slide99.xml><?xml version="1.0" encoding="utf-8"?>
-<p:sld xmlns:a="http://schemas.openxmlformats.org/drawingml/2006/main" xmlns:r="http://schemas.openxmlformats.org/officeDocument/2006/relationships" xmlns:p="http://schemas.openxmlformats.org/presentationml/2006/main">
-  <p:cSld>
-    <p:spTree>
-      <p:nvGrpSpPr>
-        <p:cNvPr id="1" name=""/>
-        <p:cNvGrpSpPr/>
-        <p:nvPr/>
-      </p:nvGrpSpPr>
-      <p:grpSpPr>
-        <a:xfrm>
-          <a:off x="0" y="0"/>
-          <a:ext cx="0" cy="0"/>
-          <a:chOff x="0" y="0"/>
-          <a:chExt cx="0" cy="0"/>
-        </a:xfrm>
-      </p:grpSpPr>
-      <p:sp>
-        <p:nvSpPr>
-          <p:cNvPr id="2" name="Title 1"/>
-          <p:cNvSpPr>
-            <a:spLocks noGrp="1"/>
-          </p:cNvSpPr>
-          <p:nvPr>
-            <p:ph type="title"/>
-          </p:nvPr>
-        </p:nvSpPr>
-        <p:spPr/>
-        <p:txBody>
-          <a:bodyPr/>
-          <a:lstStyle/>
-          <a:p>
-            <a:r>
-              <a:rPr lang="en-US" dirty="0" smtClean="0"/>
-              <a:t>Supported Browser</a:t>
-            </a:r>
-            <a:endParaRPr lang="en-US" dirty="0"/>
-          </a:p>
-        </p:txBody>
-      </p:sp>
-      <p:sp>
-        <p:nvSpPr>
-          <p:cNvPr id="3" name="Content Placeholder 2"/>
-          <p:cNvSpPr>
-            <a:spLocks noGrp="1"/>
-          </p:cNvSpPr>
-          <p:nvPr>
-            <p:ph idx="1"/>
-          </p:nvPr>
-        </p:nvSpPr>
-        <p:spPr/>
-        <p:txBody>
-          <a:bodyPr/>
-          <a:lstStyle/>
-          <a:p>
-            <a:r>
-              <a:rPr lang="en-US" dirty="0">
-                <a:hlinkClick r:id="rId3"/>
-              </a:rPr>
-              <a:t>http://caniuse.com</a:t>
-            </a:r>
-            <a:r>
-              <a:rPr lang="en-US" dirty="0" smtClean="0">
-                <a:hlinkClick r:id="rId3"/>
-              </a:rPr>
-              <a:t>/</a:t>
-            </a:r>
-            <a:endParaRPr lang="en-US" dirty="0" smtClean="0"/>
-          </a:p>
-          <a:p>
-            <a:r>
-              <a:rPr lang="en-US" dirty="0">
-                <a:hlinkClick r:id="rId4"/>
-              </a:rPr>
-              <a:t>http://html5test.com</a:t>
-            </a:r>
-            <a:r>
-              <a:rPr lang="en-US" dirty="0" smtClean="0">
-                <a:hlinkClick r:id="rId4"/>
-              </a:rPr>
-              <a:t>/</a:t>
-            </a:r>
-            <a:endParaRPr lang="en-US" dirty="0" smtClean="0"/>
-          </a:p>
-          <a:p>
-            <a:r>
-              <a:rPr lang="en-US" dirty="0">
-                <a:hlinkClick r:id="rId5"/>
-              </a:rPr>
-              <a:t>http://modernizr.com</a:t>
-            </a:r>
-            <a:r>
-              <a:rPr lang="en-US" dirty="0" smtClean="0">
-                <a:hlinkClick r:id="rId5"/>
-              </a:rPr>
-              <a:t>/</a:t>
-            </a:r>
-            <a:endParaRPr lang="en-US" dirty="0" smtClean="0"/>
-          </a:p>
-          <a:p>
-            <a:endParaRPr lang="en-US" dirty="0"/>
-          </a:p>
-        </p:txBody>
-      </p:sp>
-    </p:spTree>
-    <p:extLst>
-      <p:ext uri="{BB962C8B-B14F-4D97-AF65-F5344CB8AC3E}">
-        <p14:creationId xmlns:p14="http://schemas.microsoft.com/office/powerpoint/2010/main" val="1020867098"/>
-      </p:ext>
-    </p:extLst>
-  </p:cSld>
-  <p:clrMapOvr>
-    <a:masterClrMapping/>
-  </p:clrMapOvr>
-  <p:timing>
-    <p:tnLst>
-      <p:par>
-        <p:cTn id="1" dur="indefinite" restart="never" nodeType="tmRoot"/>
-      </p:par>
-    </p:tnLst>
-  </p:timing>
 </p:sld>
 </file>
 
